--- a/Presentazione senza titolo.pptx
+++ b/Presentazione senza titolo.pptx
@@ -20,23 +20,32 @@
     <p:sldId id="265" r:id="rId15"/>
     <p:sldId id="266" r:id="rId16"/>
     <p:sldId id="267" r:id="rId17"/>
+    <p:sldId id="268" r:id="rId18"/>
+    <p:sldId id="269" r:id="rId19"/>
+    <p:sldId id="270" r:id="rId20"/>
+    <p:sldId id="271" r:id="rId21"/>
+    <p:sldId id="272" r:id="rId22"/>
+    <p:sldId id="273" r:id="rId23"/>
+    <p:sldId id="274" r:id="rId24"/>
+    <p:sldId id="275" r:id="rId25"/>
+    <p:sldId id="276" r:id="rId26"/>
   </p:sldIdLst>
   <p:sldSz cy="5143500" cx="9144000"/>
   <p:notesSz cx="6858000" cy="9144000"/>
   <p:embeddedFontLst>
     <p:embeddedFont>
       <p:font typeface="Montserrat"/>
-      <p:regular r:id="rId18"/>
-      <p:bold r:id="rId19"/>
-      <p:italic r:id="rId20"/>
-      <p:boldItalic r:id="rId21"/>
+      <p:regular r:id="rId27"/>
+      <p:bold r:id="rId28"/>
+      <p:italic r:id="rId29"/>
+      <p:boldItalic r:id="rId30"/>
     </p:embeddedFont>
     <p:embeddedFont>
       <p:font typeface="Lato"/>
-      <p:regular r:id="rId22"/>
-      <p:bold r:id="rId23"/>
-      <p:italic r:id="rId24"/>
-      <p:boldItalic r:id="rId25"/>
+      <p:regular r:id="rId31"/>
+      <p:bold r:id="rId32"/>
+      <p:italic r:id="rId33"/>
+      <p:boldItalic r:id="rId34"/>
     </p:embeddedFont>
   </p:embeddedFontLst>
   <p:defaultTextStyle>
@@ -817,7 +826,7 @@
   <p:cSld>
     <p:spTree>
       <p:nvGrpSpPr>
-        <p:cNvPr id="184" name="Shape 184"/>
+        <p:cNvPr id="196" name="Shape 196"/>
         <p:cNvGrpSpPr/>
         <p:nvPr/>
       </p:nvGrpSpPr>
@@ -831,7 +840,7 @@
       </p:grpSpPr>
       <p:sp>
         <p:nvSpPr>
-          <p:cNvPr id="185" name="Google Shape;185;g13b394b48b1_0_5:notes"/>
+          <p:cNvPr id="197" name="Google Shape;197;g13b394b48b1_0_5:notes"/>
           <p:cNvSpPr/>
           <p:nvPr>
             <p:ph idx="2" type="sldImg"/>
@@ -866,7 +875,7 @@
       </p:sp>
       <p:sp>
         <p:nvSpPr>
-          <p:cNvPr id="186" name="Google Shape;186;g13b394b48b1_0_5:notes"/>
+          <p:cNvPr id="198" name="Google Shape;198;g13b394b48b1_0_5:notes"/>
           <p:cNvSpPr txBox="1"/>
           <p:nvPr>
             <p:ph idx="1" type="body"/>
@@ -916,7 +925,7 @@
   <p:cSld>
     <p:spTree>
       <p:nvGrpSpPr>
-        <p:cNvPr id="190" name="Shape 190"/>
+        <p:cNvPr id="203" name="Shape 203"/>
         <p:cNvGrpSpPr/>
         <p:nvPr/>
       </p:nvGrpSpPr>
@@ -930,7 +939,7 @@
       </p:grpSpPr>
       <p:sp>
         <p:nvSpPr>
-          <p:cNvPr id="191" name="Google Shape;191;g13b394b48b1_0_10:notes"/>
+          <p:cNvPr id="204" name="Google Shape;204;g13b394b48b1_0_10:notes"/>
           <p:cNvSpPr/>
           <p:nvPr>
             <p:ph idx="2" type="sldImg"/>
@@ -965,7 +974,7 @@
       </p:sp>
       <p:sp>
         <p:nvSpPr>
-          <p:cNvPr id="192" name="Google Shape;192;g13b394b48b1_0_10:notes"/>
+          <p:cNvPr id="205" name="Google Shape;205;g13b394b48b1_0_10:notes"/>
           <p:cNvSpPr txBox="1"/>
           <p:nvPr>
             <p:ph idx="1" type="body"/>
@@ -1015,7 +1024,7 @@
   <p:cSld>
     <p:spTree>
       <p:nvGrpSpPr>
-        <p:cNvPr id="196" name="Shape 196"/>
+        <p:cNvPr id="210" name="Shape 210"/>
         <p:cNvGrpSpPr/>
         <p:nvPr/>
       </p:nvGrpSpPr>
@@ -1029,7 +1038,7 @@
       </p:grpSpPr>
       <p:sp>
         <p:nvSpPr>
-          <p:cNvPr id="197" name="Google Shape;197;g13b394b48b1_0_15:notes"/>
+          <p:cNvPr id="211" name="Google Shape;211;g13b394b48b1_0_15:notes"/>
           <p:cNvSpPr/>
           <p:nvPr>
             <p:ph idx="2" type="sldImg"/>
@@ -1064,7 +1073,700 @@
       </p:sp>
       <p:sp>
         <p:nvSpPr>
-          <p:cNvPr id="198" name="Google Shape;198;g13b394b48b1_0_15:notes"/>
+          <p:cNvPr id="212" name="Google Shape;212;g13b394b48b1_0_15:notes"/>
+          <p:cNvSpPr txBox="1"/>
+          <p:nvPr>
+            <p:ph idx="1" type="body"/>
+          </p:nvPr>
+        </p:nvSpPr>
+        <p:spPr>
+          <a:xfrm>
+            <a:off x="685800" y="4343400"/>
+            <a:ext cx="5486400" cy="4114800"/>
+          </a:xfrm>
+          <a:prstGeom prst="rect">
+            <a:avLst/>
+          </a:prstGeom>
+        </p:spPr>
+        <p:txBody>
+          <a:bodyPr anchorCtr="0" anchor="t" bIns="91425" lIns="91425" spcFirstLastPara="1" rIns="91425" wrap="square" tIns="91425">
+            <a:noAutofit/>
+          </a:bodyPr>
+          <a:lstStyle/>
+          <a:p>
+            <a:pPr indent="0" lvl="0" marL="0" rtl="0" algn="l">
+              <a:spcBef>
+                <a:spcPts val="0"/>
+              </a:spcBef>
+              <a:spcAft>
+                <a:spcPts val="0"/>
+              </a:spcAft>
+              <a:buNone/>
+            </a:pPr>
+            <a:r>
+              <a:t/>
+            </a:r>
+            <a:endParaRPr/>
+          </a:p>
+        </p:txBody>
+      </p:sp>
+    </p:spTree>
+  </p:cSld>
+  <p:clrMapOvr>
+    <a:masterClrMapping/>
+  </p:clrMapOvr>
+</p:notes>
+</file>
+
+<file path=ppt/notesSlides/notesSlide13.xml><?xml version="1.0" encoding="utf-8"?>
+<p:notes xmlns:a="http://schemas.openxmlformats.org/drawingml/2006/main" xmlns:r="http://schemas.openxmlformats.org/officeDocument/2006/relationships" xmlns:mc="http://schemas.openxmlformats.org/markup-compatibility/2006" xmlns:mv="urn:schemas-microsoft-com:mac:vml" xmlns:p="http://schemas.openxmlformats.org/presentationml/2006/main" xmlns:c="http://schemas.openxmlformats.org/drawingml/2006/chart" xmlns:dgm="http://schemas.openxmlformats.org/drawingml/2006/diagram" xmlns:o="urn:schemas-microsoft-com:office:office" xmlns:v="urn:schemas-microsoft-com:vml" xmlns:pvml="urn:schemas-microsoft-com:office:powerpoint" xmlns:com="http://schemas.openxmlformats.org/drawingml/2006/compatibility" xmlns:p14="http://schemas.microsoft.com/office/powerpoint/2010/main" xmlns:p15="http://schemas.microsoft.com/office/powerpoint/2012/main" xmlns:ahyp="http://schemas.microsoft.com/office/drawing/2018/hyperlinkcolor" showMasterPhAnim="0" showMasterSp="0">
+  <p:cSld>
+    <p:spTree>
+      <p:nvGrpSpPr>
+        <p:cNvPr id="217" name="Shape 217"/>
+        <p:cNvGrpSpPr/>
+        <p:nvPr/>
+      </p:nvGrpSpPr>
+      <p:grpSpPr>
+        <a:xfrm>
+          <a:off x="0" y="0"/>
+          <a:ext cx="0" cy="0"/>
+          <a:chOff x="0" y="0"/>
+          <a:chExt cx="0" cy="0"/>
+        </a:xfrm>
+      </p:grpSpPr>
+      <p:sp>
+        <p:nvSpPr>
+          <p:cNvPr id="218" name="Google Shape;218;g13678e18ea3_0_0:notes"/>
+          <p:cNvSpPr/>
+          <p:nvPr>
+            <p:ph idx="2" type="sldImg"/>
+          </p:nvPr>
+        </p:nvSpPr>
+        <p:spPr>
+          <a:xfrm>
+            <a:off x="381300" y="685800"/>
+            <a:ext cx="6096000" cy="3429000"/>
+          </a:xfrm>
+          <a:custGeom>
+            <a:rect b="b" l="l" r="r" t="t"/>
+            <a:pathLst>
+              <a:path extrusionOk="0" h="120000" w="120000">
+                <a:moveTo>
+                  <a:pt x="0" y="0"/>
+                </a:moveTo>
+                <a:lnTo>
+                  <a:pt x="120000" y="0"/>
+                </a:lnTo>
+                <a:lnTo>
+                  <a:pt x="120000" y="120000"/>
+                </a:lnTo>
+                <a:lnTo>
+                  <a:pt x="0" y="120000"/>
+                </a:lnTo>
+                <a:close/>
+              </a:path>
+            </a:pathLst>
+          </a:custGeom>
+        </p:spPr>
+      </p:sp>
+      <p:sp>
+        <p:nvSpPr>
+          <p:cNvPr id="219" name="Google Shape;219;g13678e18ea3_0_0:notes"/>
+          <p:cNvSpPr txBox="1"/>
+          <p:nvPr>
+            <p:ph idx="1" type="body"/>
+          </p:nvPr>
+        </p:nvSpPr>
+        <p:spPr>
+          <a:xfrm>
+            <a:off x="685800" y="4343400"/>
+            <a:ext cx="5486400" cy="4114800"/>
+          </a:xfrm>
+          <a:prstGeom prst="rect">
+            <a:avLst/>
+          </a:prstGeom>
+        </p:spPr>
+        <p:txBody>
+          <a:bodyPr anchorCtr="0" anchor="t" bIns="91425" lIns="91425" spcFirstLastPara="1" rIns="91425" wrap="square" tIns="91425">
+            <a:noAutofit/>
+          </a:bodyPr>
+          <a:lstStyle/>
+          <a:p>
+            <a:pPr indent="0" lvl="0" marL="0" rtl="0" algn="l">
+              <a:spcBef>
+                <a:spcPts val="0"/>
+              </a:spcBef>
+              <a:spcAft>
+                <a:spcPts val="0"/>
+              </a:spcAft>
+              <a:buNone/>
+            </a:pPr>
+            <a:r>
+              <a:t/>
+            </a:r>
+            <a:endParaRPr/>
+          </a:p>
+        </p:txBody>
+      </p:sp>
+    </p:spTree>
+  </p:cSld>
+  <p:clrMapOvr>
+    <a:masterClrMapping/>
+  </p:clrMapOvr>
+</p:notes>
+</file>
+
+<file path=ppt/notesSlides/notesSlide14.xml><?xml version="1.0" encoding="utf-8"?>
+<p:notes xmlns:a="http://schemas.openxmlformats.org/drawingml/2006/main" xmlns:r="http://schemas.openxmlformats.org/officeDocument/2006/relationships" xmlns:mc="http://schemas.openxmlformats.org/markup-compatibility/2006" xmlns:mv="urn:schemas-microsoft-com:mac:vml" xmlns:p="http://schemas.openxmlformats.org/presentationml/2006/main" xmlns:c="http://schemas.openxmlformats.org/drawingml/2006/chart" xmlns:dgm="http://schemas.openxmlformats.org/drawingml/2006/diagram" xmlns:o="urn:schemas-microsoft-com:office:office" xmlns:v="urn:schemas-microsoft-com:vml" xmlns:pvml="urn:schemas-microsoft-com:office:powerpoint" xmlns:com="http://schemas.openxmlformats.org/drawingml/2006/compatibility" xmlns:p14="http://schemas.microsoft.com/office/powerpoint/2010/main" xmlns:p15="http://schemas.microsoft.com/office/powerpoint/2012/main" xmlns:ahyp="http://schemas.microsoft.com/office/drawing/2018/hyperlinkcolor" showMasterPhAnim="0" showMasterSp="0">
+  <p:cSld>
+    <p:spTree>
+      <p:nvGrpSpPr>
+        <p:cNvPr id="223" name="Shape 223"/>
+        <p:cNvGrpSpPr/>
+        <p:nvPr/>
+      </p:nvGrpSpPr>
+      <p:grpSpPr>
+        <a:xfrm>
+          <a:off x="0" y="0"/>
+          <a:ext cx="0" cy="0"/>
+          <a:chOff x="0" y="0"/>
+          <a:chExt cx="0" cy="0"/>
+        </a:xfrm>
+      </p:grpSpPr>
+      <p:sp>
+        <p:nvSpPr>
+          <p:cNvPr id="224" name="Google Shape;224;g13678e18ea3_0_5:notes"/>
+          <p:cNvSpPr/>
+          <p:nvPr>
+            <p:ph idx="2" type="sldImg"/>
+          </p:nvPr>
+        </p:nvSpPr>
+        <p:spPr>
+          <a:xfrm>
+            <a:off x="381300" y="685800"/>
+            <a:ext cx="6096000" cy="3429000"/>
+          </a:xfrm>
+          <a:custGeom>
+            <a:rect b="b" l="l" r="r" t="t"/>
+            <a:pathLst>
+              <a:path extrusionOk="0" h="120000" w="120000">
+                <a:moveTo>
+                  <a:pt x="0" y="0"/>
+                </a:moveTo>
+                <a:lnTo>
+                  <a:pt x="120000" y="0"/>
+                </a:lnTo>
+                <a:lnTo>
+                  <a:pt x="120000" y="120000"/>
+                </a:lnTo>
+                <a:lnTo>
+                  <a:pt x="0" y="120000"/>
+                </a:lnTo>
+                <a:close/>
+              </a:path>
+            </a:pathLst>
+          </a:custGeom>
+        </p:spPr>
+      </p:sp>
+      <p:sp>
+        <p:nvSpPr>
+          <p:cNvPr id="225" name="Google Shape;225;g13678e18ea3_0_5:notes"/>
+          <p:cNvSpPr txBox="1"/>
+          <p:nvPr>
+            <p:ph idx="1" type="body"/>
+          </p:nvPr>
+        </p:nvSpPr>
+        <p:spPr>
+          <a:xfrm>
+            <a:off x="685800" y="4343400"/>
+            <a:ext cx="5486400" cy="4114800"/>
+          </a:xfrm>
+          <a:prstGeom prst="rect">
+            <a:avLst/>
+          </a:prstGeom>
+        </p:spPr>
+        <p:txBody>
+          <a:bodyPr anchorCtr="0" anchor="t" bIns="91425" lIns="91425" spcFirstLastPara="1" rIns="91425" wrap="square" tIns="91425">
+            <a:noAutofit/>
+          </a:bodyPr>
+          <a:lstStyle/>
+          <a:p>
+            <a:pPr indent="0" lvl="0" marL="0" rtl="0" algn="l">
+              <a:spcBef>
+                <a:spcPts val="0"/>
+              </a:spcBef>
+              <a:spcAft>
+                <a:spcPts val="0"/>
+              </a:spcAft>
+              <a:buNone/>
+            </a:pPr>
+            <a:r>
+              <a:t/>
+            </a:r>
+            <a:endParaRPr/>
+          </a:p>
+        </p:txBody>
+      </p:sp>
+    </p:spTree>
+  </p:cSld>
+  <p:clrMapOvr>
+    <a:masterClrMapping/>
+  </p:clrMapOvr>
+</p:notes>
+</file>
+
+<file path=ppt/notesSlides/notesSlide15.xml><?xml version="1.0" encoding="utf-8"?>
+<p:notes xmlns:a="http://schemas.openxmlformats.org/drawingml/2006/main" xmlns:r="http://schemas.openxmlformats.org/officeDocument/2006/relationships" xmlns:mc="http://schemas.openxmlformats.org/markup-compatibility/2006" xmlns:mv="urn:schemas-microsoft-com:mac:vml" xmlns:p="http://schemas.openxmlformats.org/presentationml/2006/main" xmlns:c="http://schemas.openxmlformats.org/drawingml/2006/chart" xmlns:dgm="http://schemas.openxmlformats.org/drawingml/2006/diagram" xmlns:o="urn:schemas-microsoft-com:office:office" xmlns:v="urn:schemas-microsoft-com:vml" xmlns:pvml="urn:schemas-microsoft-com:office:powerpoint" xmlns:com="http://schemas.openxmlformats.org/drawingml/2006/compatibility" xmlns:p14="http://schemas.microsoft.com/office/powerpoint/2010/main" xmlns:p15="http://schemas.microsoft.com/office/powerpoint/2012/main" xmlns:ahyp="http://schemas.microsoft.com/office/drawing/2018/hyperlinkcolor" showMasterPhAnim="0" showMasterSp="0">
+  <p:cSld>
+    <p:spTree>
+      <p:nvGrpSpPr>
+        <p:cNvPr id="230" name="Shape 230"/>
+        <p:cNvGrpSpPr/>
+        <p:nvPr/>
+      </p:nvGrpSpPr>
+      <p:grpSpPr>
+        <a:xfrm>
+          <a:off x="0" y="0"/>
+          <a:ext cx="0" cy="0"/>
+          <a:chOff x="0" y="0"/>
+          <a:chExt cx="0" cy="0"/>
+        </a:xfrm>
+      </p:grpSpPr>
+      <p:sp>
+        <p:nvSpPr>
+          <p:cNvPr id="231" name="Google Shape;231;g13678e18ea3_0_10:notes"/>
+          <p:cNvSpPr/>
+          <p:nvPr>
+            <p:ph idx="2" type="sldImg"/>
+          </p:nvPr>
+        </p:nvSpPr>
+        <p:spPr>
+          <a:xfrm>
+            <a:off x="381300" y="685800"/>
+            <a:ext cx="6096000" cy="3429000"/>
+          </a:xfrm>
+          <a:custGeom>
+            <a:rect b="b" l="l" r="r" t="t"/>
+            <a:pathLst>
+              <a:path extrusionOk="0" h="120000" w="120000">
+                <a:moveTo>
+                  <a:pt x="0" y="0"/>
+                </a:moveTo>
+                <a:lnTo>
+                  <a:pt x="120000" y="0"/>
+                </a:lnTo>
+                <a:lnTo>
+                  <a:pt x="120000" y="120000"/>
+                </a:lnTo>
+                <a:lnTo>
+                  <a:pt x="0" y="120000"/>
+                </a:lnTo>
+                <a:close/>
+              </a:path>
+            </a:pathLst>
+          </a:custGeom>
+        </p:spPr>
+      </p:sp>
+      <p:sp>
+        <p:nvSpPr>
+          <p:cNvPr id="232" name="Google Shape;232;g13678e18ea3_0_10:notes"/>
+          <p:cNvSpPr txBox="1"/>
+          <p:nvPr>
+            <p:ph idx="1" type="body"/>
+          </p:nvPr>
+        </p:nvSpPr>
+        <p:spPr>
+          <a:xfrm>
+            <a:off x="685800" y="4343400"/>
+            <a:ext cx="5486400" cy="4114800"/>
+          </a:xfrm>
+          <a:prstGeom prst="rect">
+            <a:avLst/>
+          </a:prstGeom>
+        </p:spPr>
+        <p:txBody>
+          <a:bodyPr anchorCtr="0" anchor="t" bIns="91425" lIns="91425" spcFirstLastPara="1" rIns="91425" wrap="square" tIns="91425">
+            <a:noAutofit/>
+          </a:bodyPr>
+          <a:lstStyle/>
+          <a:p>
+            <a:pPr indent="0" lvl="0" marL="0" rtl="0" algn="l">
+              <a:spcBef>
+                <a:spcPts val="0"/>
+              </a:spcBef>
+              <a:spcAft>
+                <a:spcPts val="0"/>
+              </a:spcAft>
+              <a:buNone/>
+            </a:pPr>
+            <a:r>
+              <a:t/>
+            </a:r>
+            <a:endParaRPr/>
+          </a:p>
+        </p:txBody>
+      </p:sp>
+    </p:spTree>
+  </p:cSld>
+  <p:clrMapOvr>
+    <a:masterClrMapping/>
+  </p:clrMapOvr>
+</p:notes>
+</file>
+
+<file path=ppt/notesSlides/notesSlide16.xml><?xml version="1.0" encoding="utf-8"?>
+<p:notes xmlns:a="http://schemas.openxmlformats.org/drawingml/2006/main" xmlns:r="http://schemas.openxmlformats.org/officeDocument/2006/relationships" xmlns:mc="http://schemas.openxmlformats.org/markup-compatibility/2006" xmlns:mv="urn:schemas-microsoft-com:mac:vml" xmlns:p="http://schemas.openxmlformats.org/presentationml/2006/main" xmlns:c="http://schemas.openxmlformats.org/drawingml/2006/chart" xmlns:dgm="http://schemas.openxmlformats.org/drawingml/2006/diagram" xmlns:o="urn:schemas-microsoft-com:office:office" xmlns:v="urn:schemas-microsoft-com:vml" xmlns:pvml="urn:schemas-microsoft-com:office:powerpoint" xmlns:com="http://schemas.openxmlformats.org/drawingml/2006/compatibility" xmlns:p14="http://schemas.microsoft.com/office/powerpoint/2010/main" xmlns:p15="http://schemas.microsoft.com/office/powerpoint/2012/main" xmlns:ahyp="http://schemas.microsoft.com/office/drawing/2018/hyperlinkcolor" showMasterPhAnim="0" showMasterSp="0">
+  <p:cSld>
+    <p:spTree>
+      <p:nvGrpSpPr>
+        <p:cNvPr id="237" name="Shape 237"/>
+        <p:cNvGrpSpPr/>
+        <p:nvPr/>
+      </p:nvGrpSpPr>
+      <p:grpSpPr>
+        <a:xfrm>
+          <a:off x="0" y="0"/>
+          <a:ext cx="0" cy="0"/>
+          <a:chOff x="0" y="0"/>
+          <a:chExt cx="0" cy="0"/>
+        </a:xfrm>
+      </p:grpSpPr>
+      <p:sp>
+        <p:nvSpPr>
+          <p:cNvPr id="238" name="Google Shape;238;g13678e18ea3_0_17:notes"/>
+          <p:cNvSpPr/>
+          <p:nvPr>
+            <p:ph idx="2" type="sldImg"/>
+          </p:nvPr>
+        </p:nvSpPr>
+        <p:spPr>
+          <a:xfrm>
+            <a:off x="381300" y="685800"/>
+            <a:ext cx="6096000" cy="3429000"/>
+          </a:xfrm>
+          <a:custGeom>
+            <a:rect b="b" l="l" r="r" t="t"/>
+            <a:pathLst>
+              <a:path extrusionOk="0" h="120000" w="120000">
+                <a:moveTo>
+                  <a:pt x="0" y="0"/>
+                </a:moveTo>
+                <a:lnTo>
+                  <a:pt x="120000" y="0"/>
+                </a:lnTo>
+                <a:lnTo>
+                  <a:pt x="120000" y="120000"/>
+                </a:lnTo>
+                <a:lnTo>
+                  <a:pt x="0" y="120000"/>
+                </a:lnTo>
+                <a:close/>
+              </a:path>
+            </a:pathLst>
+          </a:custGeom>
+        </p:spPr>
+      </p:sp>
+      <p:sp>
+        <p:nvSpPr>
+          <p:cNvPr id="239" name="Google Shape;239;g13678e18ea3_0_17:notes"/>
+          <p:cNvSpPr txBox="1"/>
+          <p:nvPr>
+            <p:ph idx="1" type="body"/>
+          </p:nvPr>
+        </p:nvSpPr>
+        <p:spPr>
+          <a:xfrm>
+            <a:off x="685800" y="4343400"/>
+            <a:ext cx="5486400" cy="4114800"/>
+          </a:xfrm>
+          <a:prstGeom prst="rect">
+            <a:avLst/>
+          </a:prstGeom>
+        </p:spPr>
+        <p:txBody>
+          <a:bodyPr anchorCtr="0" anchor="t" bIns="91425" lIns="91425" spcFirstLastPara="1" rIns="91425" wrap="square" tIns="91425">
+            <a:noAutofit/>
+          </a:bodyPr>
+          <a:lstStyle/>
+          <a:p>
+            <a:pPr indent="0" lvl="0" marL="0" rtl="0" algn="l">
+              <a:spcBef>
+                <a:spcPts val="0"/>
+              </a:spcBef>
+              <a:spcAft>
+                <a:spcPts val="0"/>
+              </a:spcAft>
+              <a:buNone/>
+            </a:pPr>
+            <a:r>
+              <a:t/>
+            </a:r>
+            <a:endParaRPr/>
+          </a:p>
+        </p:txBody>
+      </p:sp>
+    </p:spTree>
+  </p:cSld>
+  <p:clrMapOvr>
+    <a:masterClrMapping/>
+  </p:clrMapOvr>
+</p:notes>
+</file>
+
+<file path=ppt/notesSlides/notesSlide17.xml><?xml version="1.0" encoding="utf-8"?>
+<p:notes xmlns:a="http://schemas.openxmlformats.org/drawingml/2006/main" xmlns:r="http://schemas.openxmlformats.org/officeDocument/2006/relationships" xmlns:mc="http://schemas.openxmlformats.org/markup-compatibility/2006" xmlns:mv="urn:schemas-microsoft-com:mac:vml" xmlns:p="http://schemas.openxmlformats.org/presentationml/2006/main" xmlns:c="http://schemas.openxmlformats.org/drawingml/2006/chart" xmlns:dgm="http://schemas.openxmlformats.org/drawingml/2006/diagram" xmlns:o="urn:schemas-microsoft-com:office:office" xmlns:v="urn:schemas-microsoft-com:vml" xmlns:pvml="urn:schemas-microsoft-com:office:powerpoint" xmlns:com="http://schemas.openxmlformats.org/drawingml/2006/compatibility" xmlns:p14="http://schemas.microsoft.com/office/powerpoint/2010/main" xmlns:p15="http://schemas.microsoft.com/office/powerpoint/2012/main" xmlns:ahyp="http://schemas.microsoft.com/office/drawing/2018/hyperlinkcolor" showMasterPhAnim="0" showMasterSp="0">
+  <p:cSld>
+    <p:spTree>
+      <p:nvGrpSpPr>
+        <p:cNvPr id="244" name="Shape 244"/>
+        <p:cNvGrpSpPr/>
+        <p:nvPr/>
+      </p:nvGrpSpPr>
+      <p:grpSpPr>
+        <a:xfrm>
+          <a:off x="0" y="0"/>
+          <a:ext cx="0" cy="0"/>
+          <a:chOff x="0" y="0"/>
+          <a:chExt cx="0" cy="0"/>
+        </a:xfrm>
+      </p:grpSpPr>
+      <p:sp>
+        <p:nvSpPr>
+          <p:cNvPr id="245" name="Google Shape;245;g13678e18ea3_0_23:notes"/>
+          <p:cNvSpPr/>
+          <p:nvPr>
+            <p:ph idx="2" type="sldImg"/>
+          </p:nvPr>
+        </p:nvSpPr>
+        <p:spPr>
+          <a:xfrm>
+            <a:off x="381300" y="685800"/>
+            <a:ext cx="6096000" cy="3429000"/>
+          </a:xfrm>
+          <a:custGeom>
+            <a:rect b="b" l="l" r="r" t="t"/>
+            <a:pathLst>
+              <a:path extrusionOk="0" h="120000" w="120000">
+                <a:moveTo>
+                  <a:pt x="0" y="0"/>
+                </a:moveTo>
+                <a:lnTo>
+                  <a:pt x="120000" y="0"/>
+                </a:lnTo>
+                <a:lnTo>
+                  <a:pt x="120000" y="120000"/>
+                </a:lnTo>
+                <a:lnTo>
+                  <a:pt x="0" y="120000"/>
+                </a:lnTo>
+                <a:close/>
+              </a:path>
+            </a:pathLst>
+          </a:custGeom>
+        </p:spPr>
+      </p:sp>
+      <p:sp>
+        <p:nvSpPr>
+          <p:cNvPr id="246" name="Google Shape;246;g13678e18ea3_0_23:notes"/>
+          <p:cNvSpPr txBox="1"/>
+          <p:nvPr>
+            <p:ph idx="1" type="body"/>
+          </p:nvPr>
+        </p:nvSpPr>
+        <p:spPr>
+          <a:xfrm>
+            <a:off x="685800" y="4343400"/>
+            <a:ext cx="5486400" cy="4114800"/>
+          </a:xfrm>
+          <a:prstGeom prst="rect">
+            <a:avLst/>
+          </a:prstGeom>
+        </p:spPr>
+        <p:txBody>
+          <a:bodyPr anchorCtr="0" anchor="t" bIns="91425" lIns="91425" spcFirstLastPara="1" rIns="91425" wrap="square" tIns="91425">
+            <a:noAutofit/>
+          </a:bodyPr>
+          <a:lstStyle/>
+          <a:p>
+            <a:pPr indent="0" lvl="0" marL="0" rtl="0" algn="l">
+              <a:spcBef>
+                <a:spcPts val="0"/>
+              </a:spcBef>
+              <a:spcAft>
+                <a:spcPts val="0"/>
+              </a:spcAft>
+              <a:buNone/>
+            </a:pPr>
+            <a:r>
+              <a:t/>
+            </a:r>
+            <a:endParaRPr/>
+          </a:p>
+        </p:txBody>
+      </p:sp>
+    </p:spTree>
+  </p:cSld>
+  <p:clrMapOvr>
+    <a:masterClrMapping/>
+  </p:clrMapOvr>
+</p:notes>
+</file>
+
+<file path=ppt/notesSlides/notesSlide18.xml><?xml version="1.0" encoding="utf-8"?>
+<p:notes xmlns:a="http://schemas.openxmlformats.org/drawingml/2006/main" xmlns:r="http://schemas.openxmlformats.org/officeDocument/2006/relationships" xmlns:mc="http://schemas.openxmlformats.org/markup-compatibility/2006" xmlns:mv="urn:schemas-microsoft-com:mac:vml" xmlns:p="http://schemas.openxmlformats.org/presentationml/2006/main" xmlns:c="http://schemas.openxmlformats.org/drawingml/2006/chart" xmlns:dgm="http://schemas.openxmlformats.org/drawingml/2006/diagram" xmlns:o="urn:schemas-microsoft-com:office:office" xmlns:v="urn:schemas-microsoft-com:vml" xmlns:pvml="urn:schemas-microsoft-com:office:powerpoint" xmlns:com="http://schemas.openxmlformats.org/drawingml/2006/compatibility" xmlns:p14="http://schemas.microsoft.com/office/powerpoint/2010/main" xmlns:p15="http://schemas.microsoft.com/office/powerpoint/2012/main" xmlns:ahyp="http://schemas.microsoft.com/office/drawing/2018/hyperlinkcolor" showMasterPhAnim="0" showMasterSp="0">
+  <p:cSld>
+    <p:spTree>
+      <p:nvGrpSpPr>
+        <p:cNvPr id="252" name="Shape 252"/>
+        <p:cNvGrpSpPr/>
+        <p:nvPr/>
+      </p:nvGrpSpPr>
+      <p:grpSpPr>
+        <a:xfrm>
+          <a:off x="0" y="0"/>
+          <a:ext cx="0" cy="0"/>
+          <a:chOff x="0" y="0"/>
+          <a:chExt cx="0" cy="0"/>
+        </a:xfrm>
+      </p:grpSpPr>
+      <p:sp>
+        <p:nvSpPr>
+          <p:cNvPr id="253" name="Google Shape;253;g13678e18ea3_0_45:notes"/>
+          <p:cNvSpPr/>
+          <p:nvPr>
+            <p:ph idx="2" type="sldImg"/>
+          </p:nvPr>
+        </p:nvSpPr>
+        <p:spPr>
+          <a:xfrm>
+            <a:off x="381300" y="685800"/>
+            <a:ext cx="6096000" cy="3429000"/>
+          </a:xfrm>
+          <a:custGeom>
+            <a:rect b="b" l="l" r="r" t="t"/>
+            <a:pathLst>
+              <a:path extrusionOk="0" h="120000" w="120000">
+                <a:moveTo>
+                  <a:pt x="0" y="0"/>
+                </a:moveTo>
+                <a:lnTo>
+                  <a:pt x="120000" y="0"/>
+                </a:lnTo>
+                <a:lnTo>
+                  <a:pt x="120000" y="120000"/>
+                </a:lnTo>
+                <a:lnTo>
+                  <a:pt x="0" y="120000"/>
+                </a:lnTo>
+                <a:close/>
+              </a:path>
+            </a:pathLst>
+          </a:custGeom>
+        </p:spPr>
+      </p:sp>
+      <p:sp>
+        <p:nvSpPr>
+          <p:cNvPr id="254" name="Google Shape;254;g13678e18ea3_0_45:notes"/>
+          <p:cNvSpPr txBox="1"/>
+          <p:nvPr>
+            <p:ph idx="1" type="body"/>
+          </p:nvPr>
+        </p:nvSpPr>
+        <p:spPr>
+          <a:xfrm>
+            <a:off x="685800" y="4343400"/>
+            <a:ext cx="5486400" cy="4114800"/>
+          </a:xfrm>
+          <a:prstGeom prst="rect">
+            <a:avLst/>
+          </a:prstGeom>
+        </p:spPr>
+        <p:txBody>
+          <a:bodyPr anchorCtr="0" anchor="t" bIns="91425" lIns="91425" spcFirstLastPara="1" rIns="91425" wrap="square" tIns="91425">
+            <a:noAutofit/>
+          </a:bodyPr>
+          <a:lstStyle/>
+          <a:p>
+            <a:pPr indent="0" lvl="0" marL="0" rtl="0" algn="l">
+              <a:spcBef>
+                <a:spcPts val="0"/>
+              </a:spcBef>
+              <a:spcAft>
+                <a:spcPts val="0"/>
+              </a:spcAft>
+              <a:buNone/>
+            </a:pPr>
+            <a:r>
+              <a:t/>
+            </a:r>
+            <a:endParaRPr/>
+          </a:p>
+        </p:txBody>
+      </p:sp>
+    </p:spTree>
+  </p:cSld>
+  <p:clrMapOvr>
+    <a:masterClrMapping/>
+  </p:clrMapOvr>
+</p:notes>
+</file>
+
+<file path=ppt/notesSlides/notesSlide19.xml><?xml version="1.0" encoding="utf-8"?>
+<p:notes xmlns:a="http://schemas.openxmlformats.org/drawingml/2006/main" xmlns:r="http://schemas.openxmlformats.org/officeDocument/2006/relationships" xmlns:mc="http://schemas.openxmlformats.org/markup-compatibility/2006" xmlns:mv="urn:schemas-microsoft-com:mac:vml" xmlns:p="http://schemas.openxmlformats.org/presentationml/2006/main" xmlns:c="http://schemas.openxmlformats.org/drawingml/2006/chart" xmlns:dgm="http://schemas.openxmlformats.org/drawingml/2006/diagram" xmlns:o="urn:schemas-microsoft-com:office:office" xmlns:v="urn:schemas-microsoft-com:vml" xmlns:pvml="urn:schemas-microsoft-com:office:powerpoint" xmlns:com="http://schemas.openxmlformats.org/drawingml/2006/compatibility" xmlns:p14="http://schemas.microsoft.com/office/powerpoint/2010/main" xmlns:p15="http://schemas.microsoft.com/office/powerpoint/2012/main" xmlns:ahyp="http://schemas.microsoft.com/office/drawing/2018/hyperlinkcolor" showMasterPhAnim="0" showMasterSp="0">
+  <p:cSld>
+    <p:spTree>
+      <p:nvGrpSpPr>
+        <p:cNvPr id="259" name="Shape 259"/>
+        <p:cNvGrpSpPr/>
+        <p:nvPr/>
+      </p:nvGrpSpPr>
+      <p:grpSpPr>
+        <a:xfrm>
+          <a:off x="0" y="0"/>
+          <a:ext cx="0" cy="0"/>
+          <a:chOff x="0" y="0"/>
+          <a:chExt cx="0" cy="0"/>
+        </a:xfrm>
+      </p:grpSpPr>
+      <p:sp>
+        <p:nvSpPr>
+          <p:cNvPr id="260" name="Google Shape;260;g13678e18ea3_0_31:notes"/>
+          <p:cNvSpPr/>
+          <p:nvPr>
+            <p:ph idx="2" type="sldImg"/>
+          </p:nvPr>
+        </p:nvSpPr>
+        <p:spPr>
+          <a:xfrm>
+            <a:off x="381300" y="685800"/>
+            <a:ext cx="6096000" cy="3429000"/>
+          </a:xfrm>
+          <a:custGeom>
+            <a:rect b="b" l="l" r="r" t="t"/>
+            <a:pathLst>
+              <a:path extrusionOk="0" h="120000" w="120000">
+                <a:moveTo>
+                  <a:pt x="0" y="0"/>
+                </a:moveTo>
+                <a:lnTo>
+                  <a:pt x="120000" y="0"/>
+                </a:lnTo>
+                <a:lnTo>
+                  <a:pt x="120000" y="120000"/>
+                </a:lnTo>
+                <a:lnTo>
+                  <a:pt x="0" y="120000"/>
+                </a:lnTo>
+                <a:close/>
+              </a:path>
+            </a:pathLst>
+          </a:custGeom>
+        </p:spPr>
+      </p:sp>
+      <p:sp>
+        <p:nvSpPr>
+          <p:cNvPr id="261" name="Google Shape;261;g13678e18ea3_0_31:notes"/>
           <p:cNvSpPr txBox="1"/>
           <p:nvPr>
             <p:ph idx="1" type="body"/>
@@ -1208,6 +1910,204 @@
 </p:notes>
 </file>
 
+<file path=ppt/notesSlides/notesSlide20.xml><?xml version="1.0" encoding="utf-8"?>
+<p:notes xmlns:a="http://schemas.openxmlformats.org/drawingml/2006/main" xmlns:r="http://schemas.openxmlformats.org/officeDocument/2006/relationships" xmlns:mc="http://schemas.openxmlformats.org/markup-compatibility/2006" xmlns:mv="urn:schemas-microsoft-com:mac:vml" xmlns:p="http://schemas.openxmlformats.org/presentationml/2006/main" xmlns:c="http://schemas.openxmlformats.org/drawingml/2006/chart" xmlns:dgm="http://schemas.openxmlformats.org/drawingml/2006/diagram" xmlns:o="urn:schemas-microsoft-com:office:office" xmlns:v="urn:schemas-microsoft-com:vml" xmlns:pvml="urn:schemas-microsoft-com:office:powerpoint" xmlns:com="http://schemas.openxmlformats.org/drawingml/2006/compatibility" xmlns:p14="http://schemas.microsoft.com/office/powerpoint/2010/main" xmlns:p15="http://schemas.microsoft.com/office/powerpoint/2012/main" xmlns:ahyp="http://schemas.microsoft.com/office/drawing/2018/hyperlinkcolor" showMasterPhAnim="0" showMasterSp="0">
+  <p:cSld>
+    <p:spTree>
+      <p:nvGrpSpPr>
+        <p:cNvPr id="266" name="Shape 266"/>
+        <p:cNvGrpSpPr/>
+        <p:nvPr/>
+      </p:nvGrpSpPr>
+      <p:grpSpPr>
+        <a:xfrm>
+          <a:off x="0" y="0"/>
+          <a:ext cx="0" cy="0"/>
+          <a:chOff x="0" y="0"/>
+          <a:chExt cx="0" cy="0"/>
+        </a:xfrm>
+      </p:grpSpPr>
+      <p:sp>
+        <p:nvSpPr>
+          <p:cNvPr id="267" name="Google Shape;267;g13678e18ea3_0_53:notes"/>
+          <p:cNvSpPr/>
+          <p:nvPr>
+            <p:ph idx="2" type="sldImg"/>
+          </p:nvPr>
+        </p:nvSpPr>
+        <p:spPr>
+          <a:xfrm>
+            <a:off x="381300" y="685800"/>
+            <a:ext cx="6096000" cy="3429000"/>
+          </a:xfrm>
+          <a:custGeom>
+            <a:rect b="b" l="l" r="r" t="t"/>
+            <a:pathLst>
+              <a:path extrusionOk="0" h="120000" w="120000">
+                <a:moveTo>
+                  <a:pt x="0" y="0"/>
+                </a:moveTo>
+                <a:lnTo>
+                  <a:pt x="120000" y="0"/>
+                </a:lnTo>
+                <a:lnTo>
+                  <a:pt x="120000" y="120000"/>
+                </a:lnTo>
+                <a:lnTo>
+                  <a:pt x="0" y="120000"/>
+                </a:lnTo>
+                <a:close/>
+              </a:path>
+            </a:pathLst>
+          </a:custGeom>
+        </p:spPr>
+      </p:sp>
+      <p:sp>
+        <p:nvSpPr>
+          <p:cNvPr id="268" name="Google Shape;268;g13678e18ea3_0_53:notes"/>
+          <p:cNvSpPr txBox="1"/>
+          <p:nvPr>
+            <p:ph idx="1" type="body"/>
+          </p:nvPr>
+        </p:nvSpPr>
+        <p:spPr>
+          <a:xfrm>
+            <a:off x="685800" y="4343400"/>
+            <a:ext cx="5486400" cy="4114800"/>
+          </a:xfrm>
+          <a:prstGeom prst="rect">
+            <a:avLst/>
+          </a:prstGeom>
+        </p:spPr>
+        <p:txBody>
+          <a:bodyPr anchorCtr="0" anchor="t" bIns="91425" lIns="91425" spcFirstLastPara="1" rIns="91425" wrap="square" tIns="91425">
+            <a:noAutofit/>
+          </a:bodyPr>
+          <a:lstStyle/>
+          <a:p>
+            <a:pPr indent="0" lvl="0" marL="0" rtl="0" algn="l">
+              <a:spcBef>
+                <a:spcPts val="0"/>
+              </a:spcBef>
+              <a:spcAft>
+                <a:spcPts val="0"/>
+              </a:spcAft>
+              <a:buNone/>
+            </a:pPr>
+            <a:r>
+              <a:t/>
+            </a:r>
+            <a:endParaRPr/>
+          </a:p>
+        </p:txBody>
+      </p:sp>
+    </p:spTree>
+  </p:cSld>
+  <p:clrMapOvr>
+    <a:masterClrMapping/>
+  </p:clrMapOvr>
+</p:notes>
+</file>
+
+<file path=ppt/notesSlides/notesSlide21.xml><?xml version="1.0" encoding="utf-8"?>
+<p:notes xmlns:a="http://schemas.openxmlformats.org/drawingml/2006/main" xmlns:r="http://schemas.openxmlformats.org/officeDocument/2006/relationships" xmlns:mc="http://schemas.openxmlformats.org/markup-compatibility/2006" xmlns:mv="urn:schemas-microsoft-com:mac:vml" xmlns:p="http://schemas.openxmlformats.org/presentationml/2006/main" xmlns:c="http://schemas.openxmlformats.org/drawingml/2006/chart" xmlns:dgm="http://schemas.openxmlformats.org/drawingml/2006/diagram" xmlns:o="urn:schemas-microsoft-com:office:office" xmlns:v="urn:schemas-microsoft-com:vml" xmlns:pvml="urn:schemas-microsoft-com:office:powerpoint" xmlns:com="http://schemas.openxmlformats.org/drawingml/2006/compatibility" xmlns:p14="http://schemas.microsoft.com/office/powerpoint/2010/main" xmlns:p15="http://schemas.microsoft.com/office/powerpoint/2012/main" xmlns:ahyp="http://schemas.microsoft.com/office/drawing/2018/hyperlinkcolor" showMasterPhAnim="0" showMasterSp="0">
+  <p:cSld>
+    <p:spTree>
+      <p:nvGrpSpPr>
+        <p:cNvPr id="273" name="Shape 273"/>
+        <p:cNvGrpSpPr/>
+        <p:nvPr/>
+      </p:nvGrpSpPr>
+      <p:grpSpPr>
+        <a:xfrm>
+          <a:off x="0" y="0"/>
+          <a:ext cx="0" cy="0"/>
+          <a:chOff x="0" y="0"/>
+          <a:chExt cx="0" cy="0"/>
+        </a:xfrm>
+      </p:grpSpPr>
+      <p:sp>
+        <p:nvSpPr>
+          <p:cNvPr id="274" name="Google Shape;274;g13678e18ea3_0_65:notes"/>
+          <p:cNvSpPr/>
+          <p:nvPr>
+            <p:ph idx="2" type="sldImg"/>
+          </p:nvPr>
+        </p:nvSpPr>
+        <p:spPr>
+          <a:xfrm>
+            <a:off x="381300" y="685800"/>
+            <a:ext cx="6096000" cy="3429000"/>
+          </a:xfrm>
+          <a:custGeom>
+            <a:rect b="b" l="l" r="r" t="t"/>
+            <a:pathLst>
+              <a:path extrusionOk="0" h="120000" w="120000">
+                <a:moveTo>
+                  <a:pt x="0" y="0"/>
+                </a:moveTo>
+                <a:lnTo>
+                  <a:pt x="120000" y="0"/>
+                </a:lnTo>
+                <a:lnTo>
+                  <a:pt x="120000" y="120000"/>
+                </a:lnTo>
+                <a:lnTo>
+                  <a:pt x="0" y="120000"/>
+                </a:lnTo>
+                <a:close/>
+              </a:path>
+            </a:pathLst>
+          </a:custGeom>
+        </p:spPr>
+      </p:sp>
+      <p:sp>
+        <p:nvSpPr>
+          <p:cNvPr id="275" name="Google Shape;275;g13678e18ea3_0_65:notes"/>
+          <p:cNvSpPr txBox="1"/>
+          <p:nvPr>
+            <p:ph idx="1" type="body"/>
+          </p:nvPr>
+        </p:nvSpPr>
+        <p:spPr>
+          <a:xfrm>
+            <a:off x="685800" y="4343400"/>
+            <a:ext cx="5486400" cy="4114800"/>
+          </a:xfrm>
+          <a:prstGeom prst="rect">
+            <a:avLst/>
+          </a:prstGeom>
+        </p:spPr>
+        <p:txBody>
+          <a:bodyPr anchorCtr="0" anchor="t" bIns="91425" lIns="91425" spcFirstLastPara="1" rIns="91425" wrap="square" tIns="91425">
+            <a:noAutofit/>
+          </a:bodyPr>
+          <a:lstStyle/>
+          <a:p>
+            <a:pPr indent="0" lvl="0" marL="0" rtl="0" algn="l">
+              <a:spcBef>
+                <a:spcPts val="0"/>
+              </a:spcBef>
+              <a:spcAft>
+                <a:spcPts val="0"/>
+              </a:spcAft>
+              <a:buNone/>
+            </a:pPr>
+            <a:r>
+              <a:t/>
+            </a:r>
+            <a:endParaRPr/>
+          </a:p>
+        </p:txBody>
+      </p:sp>
+    </p:spTree>
+  </p:cSld>
+  <p:clrMapOvr>
+    <a:masterClrMapping/>
+  </p:clrMapOvr>
+</p:notes>
+</file>
+
 <file path=ppt/notesSlides/notesSlide3.xml><?xml version="1.0" encoding="utf-8"?>
 <p:notes xmlns:a="http://schemas.openxmlformats.org/drawingml/2006/main" xmlns:r="http://schemas.openxmlformats.org/officeDocument/2006/relationships" xmlns:mc="http://schemas.openxmlformats.org/markup-compatibility/2006" xmlns:mv="urn:schemas-microsoft-com:mac:vml" xmlns:p="http://schemas.openxmlformats.org/presentationml/2006/main" xmlns:c="http://schemas.openxmlformats.org/drawingml/2006/chart" xmlns:dgm="http://schemas.openxmlformats.org/drawingml/2006/diagram" xmlns:o="urn:schemas-microsoft-com:office:office" xmlns:v="urn:schemas-microsoft-com:vml" xmlns:pvml="urn:schemas-microsoft-com:office:powerpoint" xmlns:com="http://schemas.openxmlformats.org/drawingml/2006/compatibility" xmlns:p14="http://schemas.microsoft.com/office/powerpoint/2010/main" xmlns:p15="http://schemas.microsoft.com/office/powerpoint/2012/main" xmlns:ahyp="http://schemas.microsoft.com/office/drawing/2018/hyperlinkcolor" showMasterPhAnim="0" showMasterSp="0">
   <p:cSld>
@@ -1312,7 +2212,7 @@
   <p:cSld>
     <p:spTree>
       <p:nvGrpSpPr>
-        <p:cNvPr id="148" name="Shape 148"/>
+        <p:cNvPr id="150" name="Shape 150"/>
         <p:cNvGrpSpPr/>
         <p:nvPr/>
       </p:nvGrpSpPr>
@@ -1326,7 +2226,7 @@
       </p:grpSpPr>
       <p:sp>
         <p:nvSpPr>
-          <p:cNvPr id="149" name="Google Shape;149;g13b3fd6cc90_0_135:notes"/>
+          <p:cNvPr id="151" name="Google Shape;151;g13b3fd6cc90_0_135:notes"/>
           <p:cNvSpPr/>
           <p:nvPr>
             <p:ph idx="2" type="sldImg"/>
@@ -1361,7 +2261,7 @@
       </p:sp>
       <p:sp>
         <p:nvSpPr>
-          <p:cNvPr id="150" name="Google Shape;150;g13b3fd6cc90_0_135:notes"/>
+          <p:cNvPr id="152" name="Google Shape;152;g13b3fd6cc90_0_135:notes"/>
           <p:cNvSpPr txBox="1"/>
           <p:nvPr>
             <p:ph idx="1" type="body"/>
@@ -1411,7 +2311,7 @@
   <p:cSld>
     <p:spTree>
       <p:nvGrpSpPr>
-        <p:cNvPr id="154" name="Shape 154"/>
+        <p:cNvPr id="158" name="Shape 158"/>
         <p:cNvGrpSpPr/>
         <p:nvPr/>
       </p:nvGrpSpPr>
@@ -1425,7 +2325,7 @@
       </p:grpSpPr>
       <p:sp>
         <p:nvSpPr>
-          <p:cNvPr id="155" name="Google Shape;155;g13b3fd6cc90_0_140:notes"/>
+          <p:cNvPr id="159" name="Google Shape;159;g13b3fd6cc90_0_140:notes"/>
           <p:cNvSpPr/>
           <p:nvPr>
             <p:ph idx="2" type="sldImg"/>
@@ -1460,7 +2360,7 @@
       </p:sp>
       <p:sp>
         <p:nvSpPr>
-          <p:cNvPr id="156" name="Google Shape;156;g13b3fd6cc90_0_140:notes"/>
+          <p:cNvPr id="160" name="Google Shape;160;g13b3fd6cc90_0_140:notes"/>
           <p:cNvSpPr txBox="1"/>
           <p:nvPr>
             <p:ph idx="1" type="body"/>
@@ -1510,7 +2410,7 @@
   <p:cSld>
     <p:spTree>
       <p:nvGrpSpPr>
-        <p:cNvPr id="160" name="Shape 160"/>
+        <p:cNvPr id="166" name="Shape 166"/>
         <p:cNvGrpSpPr/>
         <p:nvPr/>
       </p:nvGrpSpPr>
@@ -1524,7 +2424,7 @@
       </p:grpSpPr>
       <p:sp>
         <p:nvSpPr>
-          <p:cNvPr id="161" name="Google Shape;161;g13b3fd6cc90_0_146:notes"/>
+          <p:cNvPr id="167" name="Google Shape;167;g13b3fd6cc90_0_146:notes"/>
           <p:cNvSpPr/>
           <p:nvPr>
             <p:ph idx="2" type="sldImg"/>
@@ -1559,7 +2459,7 @@
       </p:sp>
       <p:sp>
         <p:nvSpPr>
-          <p:cNvPr id="162" name="Google Shape;162;g13b3fd6cc90_0_146:notes"/>
+          <p:cNvPr id="168" name="Google Shape;168;g13b3fd6cc90_0_146:notes"/>
           <p:cNvSpPr txBox="1"/>
           <p:nvPr>
             <p:ph idx="1" type="body"/>
@@ -1609,7 +2509,7 @@
   <p:cSld>
     <p:spTree>
       <p:nvGrpSpPr>
-        <p:cNvPr id="166" name="Shape 166"/>
+        <p:cNvPr id="173" name="Shape 173"/>
         <p:cNvGrpSpPr/>
         <p:nvPr/>
       </p:nvGrpSpPr>
@@ -1623,7 +2523,7 @@
       </p:grpSpPr>
       <p:sp>
         <p:nvSpPr>
-          <p:cNvPr id="167" name="Google Shape;167;g13b3fd6cc90_0_151:notes"/>
+          <p:cNvPr id="174" name="Google Shape;174;g13b3fd6cc90_0_151:notes"/>
           <p:cNvSpPr/>
           <p:nvPr>
             <p:ph idx="2" type="sldImg"/>
@@ -1658,7 +2558,7 @@
       </p:sp>
       <p:sp>
         <p:nvSpPr>
-          <p:cNvPr id="168" name="Google Shape;168;g13b3fd6cc90_0_151:notes"/>
+          <p:cNvPr id="175" name="Google Shape;175;g13b3fd6cc90_0_151:notes"/>
           <p:cNvSpPr txBox="1"/>
           <p:nvPr>
             <p:ph idx="1" type="body"/>
@@ -1708,7 +2608,7 @@
   <p:cSld>
     <p:spTree>
       <p:nvGrpSpPr>
-        <p:cNvPr id="172" name="Shape 172"/>
+        <p:cNvPr id="181" name="Shape 181"/>
         <p:cNvGrpSpPr/>
         <p:nvPr/>
       </p:nvGrpSpPr>
@@ -1722,7 +2622,7 @@
       </p:grpSpPr>
       <p:sp>
         <p:nvSpPr>
-          <p:cNvPr id="173" name="Google Shape;173;g13b3fd6cc90_0_171:notes"/>
+          <p:cNvPr id="182" name="Google Shape;182;g13b3fd6cc90_0_171:notes"/>
           <p:cNvSpPr/>
           <p:nvPr>
             <p:ph idx="2" type="sldImg"/>
@@ -1757,7 +2657,7 @@
       </p:sp>
       <p:sp>
         <p:nvSpPr>
-          <p:cNvPr id="174" name="Google Shape;174;g13b3fd6cc90_0_171:notes"/>
+          <p:cNvPr id="183" name="Google Shape;183;g13b3fd6cc90_0_171:notes"/>
           <p:cNvSpPr txBox="1"/>
           <p:nvPr>
             <p:ph idx="1" type="body"/>
@@ -1807,7 +2707,7 @@
   <p:cSld>
     <p:spTree>
       <p:nvGrpSpPr>
-        <p:cNvPr id="178" name="Shape 178"/>
+        <p:cNvPr id="189" name="Shape 189"/>
         <p:cNvGrpSpPr/>
         <p:nvPr/>
       </p:nvGrpSpPr>
@@ -1821,7 +2721,7 @@
       </p:grpSpPr>
       <p:sp>
         <p:nvSpPr>
-          <p:cNvPr id="179" name="Google Shape;179;g13b394b48b1_0_0:notes"/>
+          <p:cNvPr id="190" name="Google Shape;190;g13b394b48b1_0_0:notes"/>
           <p:cNvSpPr/>
           <p:nvPr>
             <p:ph idx="2" type="sldImg"/>
@@ -1856,7 +2756,7 @@
       </p:sp>
       <p:sp>
         <p:nvSpPr>
-          <p:cNvPr id="180" name="Google Shape;180;g13b394b48b1_0_0:notes"/>
+          <p:cNvPr id="191" name="Google Shape;191;g13b394b48b1_0_0:notes"/>
           <p:cNvSpPr txBox="1"/>
           <p:nvPr>
             <p:ph idx="1" type="body"/>
@@ -10240,232 +11140,6 @@
   <p:cSld>
     <p:spTree>
       <p:nvGrpSpPr>
-        <p:cNvPr id="187" name="Shape 187"/>
-        <p:cNvGrpSpPr/>
-        <p:nvPr/>
-      </p:nvGrpSpPr>
-      <p:grpSpPr>
-        <a:xfrm>
-          <a:off x="0" y="0"/>
-          <a:ext cx="0" cy="0"/>
-          <a:chOff x="0" y="0"/>
-          <a:chExt cx="0" cy="0"/>
-        </a:xfrm>
-      </p:grpSpPr>
-      <p:sp>
-        <p:nvSpPr>
-          <p:cNvPr id="188" name="Google Shape;188;p22"/>
-          <p:cNvSpPr txBox="1"/>
-          <p:nvPr>
-            <p:ph type="title"/>
-          </p:nvPr>
-        </p:nvSpPr>
-        <p:spPr>
-          <a:xfrm>
-            <a:off x="1297500" y="393750"/>
-            <a:ext cx="7038900" cy="914100"/>
-          </a:xfrm>
-          <a:prstGeom prst="rect">
-            <a:avLst/>
-          </a:prstGeom>
-        </p:spPr>
-        <p:txBody>
-          <a:bodyPr anchorCtr="0" anchor="t" bIns="91425" lIns="91425" spcFirstLastPara="1" rIns="91425" wrap="square" tIns="91425">
-            <a:normAutofit/>
-          </a:bodyPr>
-          <a:lstStyle/>
-          <a:p>
-            <a:pPr indent="0" lvl="0" marL="0" rtl="0" algn="l">
-              <a:spcBef>
-                <a:spcPts val="0"/>
-              </a:spcBef>
-              <a:spcAft>
-                <a:spcPts val="0"/>
-              </a:spcAft>
-              <a:buNone/>
-            </a:pPr>
-            <a:r>
-              <a:rPr lang="it"/>
-              <a:t>PACKAGE - logica</a:t>
-            </a:r>
-            <a:endParaRPr/>
-          </a:p>
-        </p:txBody>
-      </p:sp>
-      <p:sp>
-        <p:nvSpPr>
-          <p:cNvPr id="189" name="Google Shape;189;p22"/>
-          <p:cNvSpPr txBox="1"/>
-          <p:nvPr>
-            <p:ph idx="1" type="body"/>
-          </p:nvPr>
-        </p:nvSpPr>
-        <p:spPr>
-          <a:xfrm>
-            <a:off x="4932900" y="2352475"/>
-            <a:ext cx="3633900" cy="1435800"/>
-          </a:xfrm>
-          <a:prstGeom prst="rect">
-            <a:avLst/>
-          </a:prstGeom>
-        </p:spPr>
-        <p:txBody>
-          <a:bodyPr anchorCtr="0" anchor="t" bIns="91425" lIns="91425" spcFirstLastPara="1" rIns="91425" wrap="square" tIns="91425">
-            <a:normAutofit/>
-          </a:bodyPr>
-          <a:lstStyle/>
-          <a:p>
-            <a:pPr indent="0" lvl="0" marL="0" rtl="0" algn="l">
-              <a:spcBef>
-                <a:spcPts val="0"/>
-              </a:spcBef>
-              <a:spcAft>
-                <a:spcPts val="0"/>
-              </a:spcAft>
-              <a:buNone/>
-            </a:pPr>
-            <a:r>
-              <a:rPr lang="it"/>
-              <a:t>La classe stanza serve per la rappresentazione delle stanze che rappresentano la casa</a:t>
-            </a:r>
-            <a:endParaRPr/>
-          </a:p>
-          <a:p>
-            <a:pPr indent="0" lvl="0" marL="0" rtl="0" algn="l">
-              <a:spcBef>
-                <a:spcPts val="1200"/>
-              </a:spcBef>
-              <a:spcAft>
-                <a:spcPts val="1200"/>
-              </a:spcAft>
-              <a:buNone/>
-            </a:pPr>
-            <a:r>
-              <a:rPr lang="it"/>
-              <a:t>la classe mette a disposizione solo un costruttore per istanziare gli oggetti</a:t>
-            </a:r>
-            <a:endParaRPr/>
-          </a:p>
-        </p:txBody>
-      </p:sp>
-    </p:spTree>
-  </p:cSld>
-  <p:clrMapOvr>
-    <a:masterClrMapping/>
-  </p:clrMapOvr>
-</p:sld>
-</file>
-
-<file path=ppt/slides/slide11.xml><?xml version="1.0" encoding="utf-8"?>
-<p:sld xmlns:a="http://schemas.openxmlformats.org/drawingml/2006/main" xmlns:r="http://schemas.openxmlformats.org/officeDocument/2006/relationships" xmlns:mc="http://schemas.openxmlformats.org/markup-compatibility/2006" xmlns:mv="urn:schemas-microsoft-com:mac:vml" xmlns:p="http://schemas.openxmlformats.org/presentationml/2006/main" xmlns:c="http://schemas.openxmlformats.org/drawingml/2006/chart" xmlns:dgm="http://schemas.openxmlformats.org/drawingml/2006/diagram" xmlns:o="urn:schemas-microsoft-com:office:office" xmlns:v="urn:schemas-microsoft-com:vml" xmlns:pvml="urn:schemas-microsoft-com:office:powerpoint" xmlns:com="http://schemas.openxmlformats.org/drawingml/2006/compatibility" xmlns:p14="http://schemas.microsoft.com/office/powerpoint/2010/main" xmlns:p15="http://schemas.microsoft.com/office/powerpoint/2012/main" xmlns:ahyp="http://schemas.microsoft.com/office/drawing/2018/hyperlinkcolor">
-  <p:cSld>
-    <p:spTree>
-      <p:nvGrpSpPr>
-        <p:cNvPr id="193" name="Shape 193"/>
-        <p:cNvGrpSpPr/>
-        <p:nvPr/>
-      </p:nvGrpSpPr>
-      <p:grpSpPr>
-        <a:xfrm>
-          <a:off x="0" y="0"/>
-          <a:ext cx="0" cy="0"/>
-          <a:chOff x="0" y="0"/>
-          <a:chExt cx="0" cy="0"/>
-        </a:xfrm>
-      </p:grpSpPr>
-      <p:sp>
-        <p:nvSpPr>
-          <p:cNvPr id="194" name="Google Shape;194;p23"/>
-          <p:cNvSpPr txBox="1"/>
-          <p:nvPr>
-            <p:ph type="title"/>
-          </p:nvPr>
-        </p:nvSpPr>
-        <p:spPr>
-          <a:xfrm>
-            <a:off x="1297500" y="393750"/>
-            <a:ext cx="7038900" cy="914100"/>
-          </a:xfrm>
-          <a:prstGeom prst="rect">
-            <a:avLst/>
-          </a:prstGeom>
-        </p:spPr>
-        <p:txBody>
-          <a:bodyPr anchorCtr="0" anchor="t" bIns="91425" lIns="91425" spcFirstLastPara="1" rIns="91425" wrap="square" tIns="91425">
-            <a:normAutofit/>
-          </a:bodyPr>
-          <a:lstStyle/>
-          <a:p>
-            <a:pPr indent="0" lvl="0" marL="0" rtl="0" algn="l">
-              <a:spcBef>
-                <a:spcPts val="0"/>
-              </a:spcBef>
-              <a:spcAft>
-                <a:spcPts val="0"/>
-              </a:spcAft>
-              <a:buNone/>
-            </a:pPr>
-            <a:r>
-              <a:rPr lang="it"/>
-              <a:t>PACKAGE - logica</a:t>
-            </a:r>
-            <a:endParaRPr/>
-          </a:p>
-        </p:txBody>
-      </p:sp>
-      <p:sp>
-        <p:nvSpPr>
-          <p:cNvPr id="195" name="Google Shape;195;p23"/>
-          <p:cNvSpPr txBox="1"/>
-          <p:nvPr>
-            <p:ph idx="1" type="body"/>
-          </p:nvPr>
-        </p:nvSpPr>
-        <p:spPr>
-          <a:xfrm>
-            <a:off x="4932900" y="2440400"/>
-            <a:ext cx="3633900" cy="666600"/>
-          </a:xfrm>
-          <a:prstGeom prst="rect">
-            <a:avLst/>
-          </a:prstGeom>
-        </p:spPr>
-        <p:txBody>
-          <a:bodyPr anchorCtr="0" anchor="t" bIns="91425" lIns="91425" spcFirstLastPara="1" rIns="91425" wrap="square" tIns="91425">
-            <a:normAutofit/>
-          </a:bodyPr>
-          <a:lstStyle/>
-          <a:p>
-            <a:pPr indent="0" lvl="0" marL="0" rtl="0" algn="l">
-              <a:spcBef>
-                <a:spcPts val="0"/>
-              </a:spcBef>
-              <a:spcAft>
-                <a:spcPts val="1200"/>
-              </a:spcAft>
-              <a:buNone/>
-            </a:pPr>
-            <a:r>
-              <a:rPr lang="it"/>
-              <a:t>La classe oggetti è una classe enumerativa per la gestione degli oggetti presenti nelle varie stanze</a:t>
-            </a:r>
-            <a:endParaRPr/>
-          </a:p>
-        </p:txBody>
-      </p:sp>
-    </p:spTree>
-  </p:cSld>
-  <p:clrMapOvr>
-    <a:masterClrMapping/>
-  </p:clrMapOvr>
-</p:sld>
-</file>
-
-<file path=ppt/slides/slide12.xml><?xml version="1.0" encoding="utf-8"?>
-<p:sld xmlns:a="http://schemas.openxmlformats.org/drawingml/2006/main" xmlns:r="http://schemas.openxmlformats.org/officeDocument/2006/relationships" xmlns:mc="http://schemas.openxmlformats.org/markup-compatibility/2006" xmlns:mv="urn:schemas-microsoft-com:mac:vml" xmlns:p="http://schemas.openxmlformats.org/presentationml/2006/main" xmlns:c="http://schemas.openxmlformats.org/drawingml/2006/chart" xmlns:dgm="http://schemas.openxmlformats.org/drawingml/2006/diagram" xmlns:o="urn:schemas-microsoft-com:office:office" xmlns:v="urn:schemas-microsoft-com:vml" xmlns:pvml="urn:schemas-microsoft-com:office:powerpoint" xmlns:com="http://schemas.openxmlformats.org/drawingml/2006/compatibility" xmlns:p14="http://schemas.microsoft.com/office/powerpoint/2010/main" xmlns:p15="http://schemas.microsoft.com/office/powerpoint/2012/main" xmlns:ahyp="http://schemas.microsoft.com/office/drawing/2018/hyperlinkcolor">
-  <p:cSld>
-    <p:spTree>
-      <p:nvGrpSpPr>
         <p:cNvPr id="199" name="Shape 199"/>
         <p:cNvGrpSpPr/>
         <p:nvPr/>
@@ -10480,7 +11154,7 @@
       </p:grpSpPr>
       <p:sp>
         <p:nvSpPr>
-          <p:cNvPr id="200" name="Google Shape;200;p24"/>
+          <p:cNvPr id="200" name="Google Shape;200;p22"/>
           <p:cNvSpPr txBox="1"/>
           <p:nvPr>
             <p:ph type="title"/>
@@ -10520,7 +11194,7 @@
       </p:sp>
       <p:sp>
         <p:nvSpPr>
-          <p:cNvPr id="201" name="Google Shape;201;p24"/>
+          <p:cNvPr id="201" name="Google Shape;201;p22"/>
           <p:cNvSpPr txBox="1"/>
           <p:nvPr>
             <p:ph idx="1" type="body"/>
@@ -10528,8 +11202,8 @@
         </p:nvSpPr>
         <p:spPr>
           <a:xfrm>
-            <a:off x="4932900" y="1627100"/>
-            <a:ext cx="3633900" cy="2911200"/>
+            <a:off x="4932900" y="2352475"/>
+            <a:ext cx="3633900" cy="1435800"/>
           </a:xfrm>
           <a:prstGeom prst="rect">
             <a:avLst/>
@@ -10552,6 +11226,288 @@
             </a:pPr>
             <a:r>
               <a:rPr lang="it"/>
+              <a:t>La classe stanza serve per la rappresentazione delle stanze che rappresentano la casa</a:t>
+            </a:r>
+            <a:endParaRPr/>
+          </a:p>
+          <a:p>
+            <a:pPr indent="0" lvl="0" marL="0" rtl="0" algn="l">
+              <a:spcBef>
+                <a:spcPts val="1200"/>
+              </a:spcBef>
+              <a:spcAft>
+                <a:spcPts val="1200"/>
+              </a:spcAft>
+              <a:buNone/>
+            </a:pPr>
+            <a:r>
+              <a:rPr lang="it"/>
+              <a:t>la classe mette a disposizione solo un costruttore per istanziare gli oggetti</a:t>
+            </a:r>
+            <a:endParaRPr/>
+          </a:p>
+        </p:txBody>
+      </p:sp>
+      <p:pic>
+        <p:nvPicPr>
+          <p:cNvPr id="202" name="Google Shape;202;p22"/>
+          <p:cNvPicPr preferRelativeResize="0"/>
+          <p:nvPr/>
+        </p:nvPicPr>
+        <p:blipFill>
+          <a:blip r:embed="rId3">
+            <a:alphaModFix/>
+          </a:blip>
+          <a:stretch>
+            <a:fillRect/>
+          </a:stretch>
+        </p:blipFill>
+        <p:spPr>
+          <a:xfrm>
+            <a:off x="218350" y="1870250"/>
+            <a:ext cx="4628101" cy="2400247"/>
+          </a:xfrm>
+          <a:prstGeom prst="rect">
+            <a:avLst/>
+          </a:prstGeom>
+          <a:noFill/>
+          <a:ln>
+            <a:noFill/>
+          </a:ln>
+        </p:spPr>
+      </p:pic>
+    </p:spTree>
+  </p:cSld>
+  <p:clrMapOvr>
+    <a:masterClrMapping/>
+  </p:clrMapOvr>
+</p:sld>
+</file>
+
+<file path=ppt/slides/slide11.xml><?xml version="1.0" encoding="utf-8"?>
+<p:sld xmlns:a="http://schemas.openxmlformats.org/drawingml/2006/main" xmlns:r="http://schemas.openxmlformats.org/officeDocument/2006/relationships" xmlns:mc="http://schemas.openxmlformats.org/markup-compatibility/2006" xmlns:mv="urn:schemas-microsoft-com:mac:vml" xmlns:p="http://schemas.openxmlformats.org/presentationml/2006/main" xmlns:c="http://schemas.openxmlformats.org/drawingml/2006/chart" xmlns:dgm="http://schemas.openxmlformats.org/drawingml/2006/diagram" xmlns:o="urn:schemas-microsoft-com:office:office" xmlns:v="urn:schemas-microsoft-com:vml" xmlns:pvml="urn:schemas-microsoft-com:office:powerpoint" xmlns:com="http://schemas.openxmlformats.org/drawingml/2006/compatibility" xmlns:p14="http://schemas.microsoft.com/office/powerpoint/2010/main" xmlns:p15="http://schemas.microsoft.com/office/powerpoint/2012/main" xmlns:ahyp="http://schemas.microsoft.com/office/drawing/2018/hyperlinkcolor">
+  <p:cSld>
+    <p:spTree>
+      <p:nvGrpSpPr>
+        <p:cNvPr id="206" name="Shape 206"/>
+        <p:cNvGrpSpPr/>
+        <p:nvPr/>
+      </p:nvGrpSpPr>
+      <p:grpSpPr>
+        <a:xfrm>
+          <a:off x="0" y="0"/>
+          <a:ext cx="0" cy="0"/>
+          <a:chOff x="0" y="0"/>
+          <a:chExt cx="0" cy="0"/>
+        </a:xfrm>
+      </p:grpSpPr>
+      <p:sp>
+        <p:nvSpPr>
+          <p:cNvPr id="207" name="Google Shape;207;p23"/>
+          <p:cNvSpPr txBox="1"/>
+          <p:nvPr>
+            <p:ph type="title"/>
+          </p:nvPr>
+        </p:nvSpPr>
+        <p:spPr>
+          <a:xfrm>
+            <a:off x="1297500" y="393750"/>
+            <a:ext cx="7038900" cy="914100"/>
+          </a:xfrm>
+          <a:prstGeom prst="rect">
+            <a:avLst/>
+          </a:prstGeom>
+        </p:spPr>
+        <p:txBody>
+          <a:bodyPr anchorCtr="0" anchor="t" bIns="91425" lIns="91425" spcFirstLastPara="1" rIns="91425" wrap="square" tIns="91425">
+            <a:normAutofit/>
+          </a:bodyPr>
+          <a:lstStyle/>
+          <a:p>
+            <a:pPr indent="0" lvl="0" marL="0" rtl="0" algn="l">
+              <a:spcBef>
+                <a:spcPts val="0"/>
+              </a:spcBef>
+              <a:spcAft>
+                <a:spcPts val="0"/>
+              </a:spcAft>
+              <a:buNone/>
+            </a:pPr>
+            <a:r>
+              <a:rPr lang="it"/>
+              <a:t>PACKAGE - logica</a:t>
+            </a:r>
+            <a:endParaRPr/>
+          </a:p>
+        </p:txBody>
+      </p:sp>
+      <p:sp>
+        <p:nvSpPr>
+          <p:cNvPr id="208" name="Google Shape;208;p23"/>
+          <p:cNvSpPr txBox="1"/>
+          <p:nvPr>
+            <p:ph idx="1" type="body"/>
+          </p:nvPr>
+        </p:nvSpPr>
+        <p:spPr>
+          <a:xfrm>
+            <a:off x="4932900" y="2440400"/>
+            <a:ext cx="3633900" cy="666600"/>
+          </a:xfrm>
+          <a:prstGeom prst="rect">
+            <a:avLst/>
+          </a:prstGeom>
+        </p:spPr>
+        <p:txBody>
+          <a:bodyPr anchorCtr="0" anchor="t" bIns="91425" lIns="91425" spcFirstLastPara="1" rIns="91425" wrap="square" tIns="91425">
+            <a:normAutofit/>
+          </a:bodyPr>
+          <a:lstStyle/>
+          <a:p>
+            <a:pPr indent="0" lvl="0" marL="0" rtl="0" algn="l">
+              <a:spcBef>
+                <a:spcPts val="0"/>
+              </a:spcBef>
+              <a:spcAft>
+                <a:spcPts val="1200"/>
+              </a:spcAft>
+              <a:buNone/>
+            </a:pPr>
+            <a:r>
+              <a:rPr lang="it"/>
+              <a:t>La classe oggetti è una classe enumerativa per la gestione degli oggetti presenti nelle varie stanze</a:t>
+            </a:r>
+            <a:endParaRPr/>
+          </a:p>
+        </p:txBody>
+      </p:sp>
+      <p:pic>
+        <p:nvPicPr>
+          <p:cNvPr id="209" name="Google Shape;209;p23"/>
+          <p:cNvPicPr preferRelativeResize="0"/>
+          <p:nvPr/>
+        </p:nvPicPr>
+        <p:blipFill>
+          <a:blip r:embed="rId3">
+            <a:alphaModFix/>
+          </a:blip>
+          <a:stretch>
+            <a:fillRect/>
+          </a:stretch>
+        </p:blipFill>
+        <p:spPr>
+          <a:xfrm>
+            <a:off x="1449275" y="1329500"/>
+            <a:ext cx="2169150" cy="2888400"/>
+          </a:xfrm>
+          <a:prstGeom prst="rect">
+            <a:avLst/>
+          </a:prstGeom>
+          <a:noFill/>
+          <a:ln>
+            <a:noFill/>
+          </a:ln>
+        </p:spPr>
+      </p:pic>
+    </p:spTree>
+  </p:cSld>
+  <p:clrMapOvr>
+    <a:masterClrMapping/>
+  </p:clrMapOvr>
+</p:sld>
+</file>
+
+<file path=ppt/slides/slide12.xml><?xml version="1.0" encoding="utf-8"?>
+<p:sld xmlns:a="http://schemas.openxmlformats.org/drawingml/2006/main" xmlns:r="http://schemas.openxmlformats.org/officeDocument/2006/relationships" xmlns:mc="http://schemas.openxmlformats.org/markup-compatibility/2006" xmlns:mv="urn:schemas-microsoft-com:mac:vml" xmlns:p="http://schemas.openxmlformats.org/presentationml/2006/main" xmlns:c="http://schemas.openxmlformats.org/drawingml/2006/chart" xmlns:dgm="http://schemas.openxmlformats.org/drawingml/2006/diagram" xmlns:o="urn:schemas-microsoft-com:office:office" xmlns:v="urn:schemas-microsoft-com:vml" xmlns:pvml="urn:schemas-microsoft-com:office:powerpoint" xmlns:com="http://schemas.openxmlformats.org/drawingml/2006/compatibility" xmlns:p14="http://schemas.microsoft.com/office/powerpoint/2010/main" xmlns:p15="http://schemas.microsoft.com/office/powerpoint/2012/main" xmlns:ahyp="http://schemas.microsoft.com/office/drawing/2018/hyperlinkcolor">
+  <p:cSld>
+    <p:spTree>
+      <p:nvGrpSpPr>
+        <p:cNvPr id="213" name="Shape 213"/>
+        <p:cNvGrpSpPr/>
+        <p:nvPr/>
+      </p:nvGrpSpPr>
+      <p:grpSpPr>
+        <a:xfrm>
+          <a:off x="0" y="0"/>
+          <a:ext cx="0" cy="0"/>
+          <a:chOff x="0" y="0"/>
+          <a:chExt cx="0" cy="0"/>
+        </a:xfrm>
+      </p:grpSpPr>
+      <p:sp>
+        <p:nvSpPr>
+          <p:cNvPr id="214" name="Google Shape;214;p24"/>
+          <p:cNvSpPr txBox="1"/>
+          <p:nvPr>
+            <p:ph type="title"/>
+          </p:nvPr>
+        </p:nvSpPr>
+        <p:spPr>
+          <a:xfrm>
+            <a:off x="1297500" y="393750"/>
+            <a:ext cx="7038900" cy="914100"/>
+          </a:xfrm>
+          <a:prstGeom prst="rect">
+            <a:avLst/>
+          </a:prstGeom>
+        </p:spPr>
+        <p:txBody>
+          <a:bodyPr anchorCtr="0" anchor="t" bIns="91425" lIns="91425" spcFirstLastPara="1" rIns="91425" wrap="square" tIns="91425">
+            <a:normAutofit/>
+          </a:bodyPr>
+          <a:lstStyle/>
+          <a:p>
+            <a:pPr indent="0" lvl="0" marL="0" rtl="0" algn="l">
+              <a:spcBef>
+                <a:spcPts val="0"/>
+              </a:spcBef>
+              <a:spcAft>
+                <a:spcPts val="0"/>
+              </a:spcAft>
+              <a:buNone/>
+            </a:pPr>
+            <a:r>
+              <a:rPr lang="it"/>
+              <a:t>PACKAGE - logica</a:t>
+            </a:r>
+            <a:endParaRPr/>
+          </a:p>
+        </p:txBody>
+      </p:sp>
+      <p:sp>
+        <p:nvSpPr>
+          <p:cNvPr id="215" name="Google Shape;215;p24"/>
+          <p:cNvSpPr txBox="1"/>
+          <p:nvPr>
+            <p:ph idx="1" type="body"/>
+          </p:nvPr>
+        </p:nvSpPr>
+        <p:spPr>
+          <a:xfrm>
+            <a:off x="5510100" y="1605125"/>
+            <a:ext cx="3633900" cy="2911200"/>
+          </a:xfrm>
+          <a:prstGeom prst="rect">
+            <a:avLst/>
+          </a:prstGeom>
+        </p:spPr>
+        <p:txBody>
+          <a:bodyPr anchorCtr="0" anchor="t" bIns="91425" lIns="91425" spcFirstLastPara="1" rIns="91425" wrap="square" tIns="91425">
+            <a:normAutofit/>
+          </a:bodyPr>
+          <a:lstStyle/>
+          <a:p>
+            <a:pPr indent="0" lvl="0" marL="0" rtl="0" algn="l">
+              <a:spcBef>
+                <a:spcPts val="0"/>
+              </a:spcBef>
+              <a:spcAft>
+                <a:spcPts val="0"/>
+              </a:spcAft>
+              <a:buNone/>
+            </a:pPr>
+            <a:r>
+              <a:rPr lang="it"/>
               <a:t>La classe GestioneSalvataggio permette di gestire le funzionalità di carica del salvataggio e store del salvataggio attraverso un db in locale</a:t>
             </a:r>
             <a:endParaRPr/>
@@ -10642,6 +11598,1028 @@
           </a:p>
         </p:txBody>
       </p:sp>
+      <p:pic>
+        <p:nvPicPr>
+          <p:cNvPr id="216" name="Google Shape;216;p24"/>
+          <p:cNvPicPr preferRelativeResize="0"/>
+          <p:nvPr/>
+        </p:nvPicPr>
+        <p:blipFill>
+          <a:blip r:embed="rId3">
+            <a:alphaModFix/>
+          </a:blip>
+          <a:stretch>
+            <a:fillRect/>
+          </a:stretch>
+        </p:blipFill>
+        <p:spPr>
+          <a:xfrm>
+            <a:off x="109900" y="1912850"/>
+            <a:ext cx="5290392" cy="1938625"/>
+          </a:xfrm>
+          <a:prstGeom prst="rect">
+            <a:avLst/>
+          </a:prstGeom>
+          <a:noFill/>
+          <a:ln>
+            <a:noFill/>
+          </a:ln>
+        </p:spPr>
+      </p:pic>
+    </p:spTree>
+  </p:cSld>
+  <p:clrMapOvr>
+    <a:masterClrMapping/>
+  </p:clrMapOvr>
+</p:sld>
+</file>
+
+<file path=ppt/slides/slide13.xml><?xml version="1.0" encoding="utf-8"?>
+<p:sld xmlns:a="http://schemas.openxmlformats.org/drawingml/2006/main" xmlns:r="http://schemas.openxmlformats.org/officeDocument/2006/relationships" xmlns:mc="http://schemas.openxmlformats.org/markup-compatibility/2006" xmlns:mv="urn:schemas-microsoft-com:mac:vml" xmlns:p="http://schemas.openxmlformats.org/presentationml/2006/main" xmlns:c="http://schemas.openxmlformats.org/drawingml/2006/chart" xmlns:dgm="http://schemas.openxmlformats.org/drawingml/2006/diagram" xmlns:o="urn:schemas-microsoft-com:office:office" xmlns:v="urn:schemas-microsoft-com:vml" xmlns:pvml="urn:schemas-microsoft-com:office:powerpoint" xmlns:com="http://schemas.openxmlformats.org/drawingml/2006/compatibility" xmlns:p14="http://schemas.microsoft.com/office/powerpoint/2010/main" xmlns:p15="http://schemas.microsoft.com/office/powerpoint/2012/main" xmlns:ahyp="http://schemas.microsoft.com/office/drawing/2018/hyperlinkcolor">
+  <p:cSld>
+    <p:spTree>
+      <p:nvGrpSpPr>
+        <p:cNvPr id="220" name="Shape 220"/>
+        <p:cNvGrpSpPr/>
+        <p:nvPr/>
+      </p:nvGrpSpPr>
+      <p:grpSpPr>
+        <a:xfrm>
+          <a:off x="0" y="0"/>
+          <a:ext cx="0" cy="0"/>
+          <a:chOff x="0" y="0"/>
+          <a:chExt cx="0" cy="0"/>
+        </a:xfrm>
+      </p:grpSpPr>
+      <p:sp>
+        <p:nvSpPr>
+          <p:cNvPr id="221" name="Google Shape;221;p25"/>
+          <p:cNvSpPr txBox="1"/>
+          <p:nvPr>
+            <p:ph type="title"/>
+          </p:nvPr>
+        </p:nvSpPr>
+        <p:spPr>
+          <a:xfrm>
+            <a:off x="1297500" y="393750"/>
+            <a:ext cx="7038900" cy="914100"/>
+          </a:xfrm>
+          <a:prstGeom prst="rect">
+            <a:avLst/>
+          </a:prstGeom>
+        </p:spPr>
+        <p:txBody>
+          <a:bodyPr anchorCtr="0" anchor="t" bIns="91425" lIns="91425" spcFirstLastPara="1" rIns="91425" wrap="square" tIns="91425">
+            <a:normAutofit/>
+          </a:bodyPr>
+          <a:lstStyle/>
+          <a:p>
+            <a:pPr indent="0" lvl="0" marL="0" rtl="0" algn="l">
+              <a:spcBef>
+                <a:spcPts val="0"/>
+              </a:spcBef>
+              <a:spcAft>
+                <a:spcPts val="0"/>
+              </a:spcAft>
+              <a:buNone/>
+            </a:pPr>
+            <a:r>
+              <a:rPr lang="it"/>
+              <a:t>DIMOSTRAZIONE DEL GIOCO</a:t>
+            </a:r>
+            <a:endParaRPr/>
+          </a:p>
+        </p:txBody>
+      </p:sp>
+      <p:sp>
+        <p:nvSpPr>
+          <p:cNvPr id="222" name="Google Shape;222;p25"/>
+          <p:cNvSpPr txBox="1"/>
+          <p:nvPr>
+            <p:ph idx="1" type="body"/>
+          </p:nvPr>
+        </p:nvSpPr>
+        <p:spPr>
+          <a:xfrm>
+            <a:off x="5187750" y="1567550"/>
+            <a:ext cx="3148500" cy="2911200"/>
+          </a:xfrm>
+          <a:prstGeom prst="rect">
+            <a:avLst/>
+          </a:prstGeom>
+        </p:spPr>
+        <p:txBody>
+          <a:bodyPr anchorCtr="0" anchor="t" bIns="91425" lIns="91425" spcFirstLastPara="1" rIns="91425" wrap="square" tIns="91425">
+            <a:normAutofit/>
+          </a:bodyPr>
+          <a:lstStyle/>
+          <a:p>
+            <a:pPr indent="0" lvl="0" marL="0" rtl="0" algn="l">
+              <a:spcBef>
+                <a:spcPts val="0"/>
+              </a:spcBef>
+              <a:spcAft>
+                <a:spcPts val="1200"/>
+              </a:spcAft>
+              <a:buNone/>
+            </a:pPr>
+            <a:r>
+              <a:t/>
+            </a:r>
+            <a:endParaRPr/>
+          </a:p>
+        </p:txBody>
+      </p:sp>
+    </p:spTree>
+  </p:cSld>
+  <p:clrMapOvr>
+    <a:masterClrMapping/>
+  </p:clrMapOvr>
+</p:sld>
+</file>
+
+<file path=ppt/slides/slide14.xml><?xml version="1.0" encoding="utf-8"?>
+<p:sld xmlns:a="http://schemas.openxmlformats.org/drawingml/2006/main" xmlns:r="http://schemas.openxmlformats.org/officeDocument/2006/relationships" xmlns:mc="http://schemas.openxmlformats.org/markup-compatibility/2006" xmlns:mv="urn:schemas-microsoft-com:mac:vml" xmlns:p="http://schemas.openxmlformats.org/presentationml/2006/main" xmlns:c="http://schemas.openxmlformats.org/drawingml/2006/chart" xmlns:dgm="http://schemas.openxmlformats.org/drawingml/2006/diagram" xmlns:o="urn:schemas-microsoft-com:office:office" xmlns:v="urn:schemas-microsoft-com:vml" xmlns:pvml="urn:schemas-microsoft-com:office:powerpoint" xmlns:com="http://schemas.openxmlformats.org/drawingml/2006/compatibility" xmlns:p14="http://schemas.microsoft.com/office/powerpoint/2010/main" xmlns:p15="http://schemas.microsoft.com/office/powerpoint/2012/main" xmlns:ahyp="http://schemas.microsoft.com/office/drawing/2018/hyperlinkcolor">
+  <p:cSld>
+    <p:spTree>
+      <p:nvGrpSpPr>
+        <p:cNvPr id="226" name="Shape 226"/>
+        <p:cNvGrpSpPr/>
+        <p:nvPr/>
+      </p:nvGrpSpPr>
+      <p:grpSpPr>
+        <a:xfrm>
+          <a:off x="0" y="0"/>
+          <a:ext cx="0" cy="0"/>
+          <a:chOff x="0" y="0"/>
+          <a:chExt cx="0" cy="0"/>
+        </a:xfrm>
+      </p:grpSpPr>
+      <p:sp>
+        <p:nvSpPr>
+          <p:cNvPr id="227" name="Google Shape;227;p26"/>
+          <p:cNvSpPr txBox="1"/>
+          <p:nvPr>
+            <p:ph type="title"/>
+          </p:nvPr>
+        </p:nvSpPr>
+        <p:spPr>
+          <a:xfrm>
+            <a:off x="1297500" y="393750"/>
+            <a:ext cx="7038900" cy="914100"/>
+          </a:xfrm>
+          <a:prstGeom prst="rect">
+            <a:avLst/>
+          </a:prstGeom>
+        </p:spPr>
+        <p:txBody>
+          <a:bodyPr anchorCtr="0" anchor="t" bIns="91425" lIns="91425" spcFirstLastPara="1" rIns="91425" wrap="square" tIns="91425">
+            <a:normAutofit/>
+          </a:bodyPr>
+          <a:lstStyle/>
+          <a:p>
+            <a:pPr indent="0" lvl="0" marL="0" rtl="0" algn="l">
+              <a:spcBef>
+                <a:spcPts val="0"/>
+              </a:spcBef>
+              <a:spcAft>
+                <a:spcPts val="0"/>
+              </a:spcAft>
+              <a:buNone/>
+            </a:pPr>
+            <a:r>
+              <a:rPr lang="it"/>
+              <a:t>DIMOSTRAZIONE DEL GIOCO</a:t>
+            </a:r>
+            <a:endParaRPr/>
+          </a:p>
+        </p:txBody>
+      </p:sp>
+      <p:sp>
+        <p:nvSpPr>
+          <p:cNvPr id="228" name="Google Shape;228;p26"/>
+          <p:cNvSpPr txBox="1"/>
+          <p:nvPr>
+            <p:ph idx="1" type="body"/>
+          </p:nvPr>
+        </p:nvSpPr>
+        <p:spPr>
+          <a:xfrm>
+            <a:off x="5694475" y="1406300"/>
+            <a:ext cx="3148500" cy="2911200"/>
+          </a:xfrm>
+          <a:prstGeom prst="rect">
+            <a:avLst/>
+          </a:prstGeom>
+        </p:spPr>
+        <p:txBody>
+          <a:bodyPr anchorCtr="0" anchor="t" bIns="91425" lIns="91425" spcFirstLastPara="1" rIns="91425" wrap="square" tIns="91425">
+            <a:normAutofit lnSpcReduction="20000"/>
+          </a:bodyPr>
+          <a:lstStyle/>
+          <a:p>
+            <a:pPr indent="0" lvl="0" marL="0" rtl="0" algn="l">
+              <a:spcBef>
+                <a:spcPts val="0"/>
+              </a:spcBef>
+              <a:spcAft>
+                <a:spcPts val="0"/>
+              </a:spcAft>
+              <a:buNone/>
+            </a:pPr>
+            <a:r>
+              <a:rPr lang="it"/>
+              <a:t>Ogni qual  volta il giocatore si sposta in una nuova stanza, verrrà mostrato a schermo una breve descrizione della stanza e un  lista di elementi presenti in esse</a:t>
+            </a:r>
+            <a:endParaRPr/>
+          </a:p>
+          <a:p>
+            <a:pPr indent="0" lvl="0" marL="0" rtl="0" algn="l">
+              <a:spcBef>
+                <a:spcPts val="1200"/>
+              </a:spcBef>
+              <a:spcAft>
+                <a:spcPts val="0"/>
+              </a:spcAft>
+              <a:buNone/>
+            </a:pPr>
+            <a:r>
+              <a:rPr lang="it"/>
+              <a:t>Oltre ad una descrizione della stanza, dopo ogni spostamento viene stampata a schermo una mappa che indica la nostra posizione nella casa</a:t>
+            </a:r>
+            <a:endParaRPr/>
+          </a:p>
+          <a:p>
+            <a:pPr indent="0" lvl="0" marL="0" rtl="0" algn="l">
+              <a:spcBef>
+                <a:spcPts val="1200"/>
+              </a:spcBef>
+              <a:spcAft>
+                <a:spcPts val="1200"/>
+              </a:spcAft>
+              <a:buNone/>
+            </a:pPr>
+            <a:r>
+              <a:rPr lang="it"/>
+              <a:t>Se la luce sarà spenta la descrizione non verrà mostrata e sara notificato di accendere la luce</a:t>
+            </a:r>
+            <a:endParaRPr/>
+          </a:p>
+        </p:txBody>
+      </p:sp>
+      <p:pic>
+        <p:nvPicPr>
+          <p:cNvPr id="229" name="Google Shape;229;p26"/>
+          <p:cNvPicPr preferRelativeResize="0"/>
+          <p:nvPr/>
+        </p:nvPicPr>
+        <p:blipFill>
+          <a:blip r:embed="rId3">
+            <a:alphaModFix/>
+          </a:blip>
+          <a:stretch>
+            <a:fillRect/>
+          </a:stretch>
+        </p:blipFill>
+        <p:spPr>
+          <a:xfrm>
+            <a:off x="405872" y="2112097"/>
+            <a:ext cx="5058300" cy="1808125"/>
+          </a:xfrm>
+          <a:prstGeom prst="rect">
+            <a:avLst/>
+          </a:prstGeom>
+          <a:noFill/>
+          <a:ln>
+            <a:noFill/>
+          </a:ln>
+        </p:spPr>
+      </p:pic>
+    </p:spTree>
+  </p:cSld>
+  <p:clrMapOvr>
+    <a:masterClrMapping/>
+  </p:clrMapOvr>
+</p:sld>
+</file>
+
+<file path=ppt/slides/slide15.xml><?xml version="1.0" encoding="utf-8"?>
+<p:sld xmlns:a="http://schemas.openxmlformats.org/drawingml/2006/main" xmlns:r="http://schemas.openxmlformats.org/officeDocument/2006/relationships" xmlns:mc="http://schemas.openxmlformats.org/markup-compatibility/2006" xmlns:mv="urn:schemas-microsoft-com:mac:vml" xmlns:p="http://schemas.openxmlformats.org/presentationml/2006/main" xmlns:c="http://schemas.openxmlformats.org/drawingml/2006/chart" xmlns:dgm="http://schemas.openxmlformats.org/drawingml/2006/diagram" xmlns:o="urn:schemas-microsoft-com:office:office" xmlns:v="urn:schemas-microsoft-com:vml" xmlns:pvml="urn:schemas-microsoft-com:office:powerpoint" xmlns:com="http://schemas.openxmlformats.org/drawingml/2006/compatibility" xmlns:p14="http://schemas.microsoft.com/office/powerpoint/2010/main" xmlns:p15="http://schemas.microsoft.com/office/powerpoint/2012/main" xmlns:ahyp="http://schemas.microsoft.com/office/drawing/2018/hyperlinkcolor">
+  <p:cSld>
+    <p:spTree>
+      <p:nvGrpSpPr>
+        <p:cNvPr id="233" name="Shape 233"/>
+        <p:cNvGrpSpPr/>
+        <p:nvPr/>
+      </p:nvGrpSpPr>
+      <p:grpSpPr>
+        <a:xfrm>
+          <a:off x="0" y="0"/>
+          <a:ext cx="0" cy="0"/>
+          <a:chOff x="0" y="0"/>
+          <a:chExt cx="0" cy="0"/>
+        </a:xfrm>
+      </p:grpSpPr>
+      <p:sp>
+        <p:nvSpPr>
+          <p:cNvPr id="234" name="Google Shape;234;p27"/>
+          <p:cNvSpPr txBox="1"/>
+          <p:nvPr>
+            <p:ph type="title"/>
+          </p:nvPr>
+        </p:nvSpPr>
+        <p:spPr>
+          <a:xfrm>
+            <a:off x="1297500" y="393750"/>
+            <a:ext cx="7038900" cy="914100"/>
+          </a:xfrm>
+          <a:prstGeom prst="rect">
+            <a:avLst/>
+          </a:prstGeom>
+        </p:spPr>
+        <p:txBody>
+          <a:bodyPr anchorCtr="0" anchor="t" bIns="91425" lIns="91425" spcFirstLastPara="1" rIns="91425" wrap="square" tIns="91425">
+            <a:normAutofit/>
+          </a:bodyPr>
+          <a:lstStyle/>
+          <a:p>
+            <a:pPr indent="0" lvl="0" marL="0" rtl="0" algn="l">
+              <a:spcBef>
+                <a:spcPts val="0"/>
+              </a:spcBef>
+              <a:spcAft>
+                <a:spcPts val="0"/>
+              </a:spcAft>
+              <a:buNone/>
+            </a:pPr>
+            <a:r>
+              <a:rPr lang="it"/>
+              <a:t>DIMOSTRAZIONE DEL GIOCO</a:t>
+            </a:r>
+            <a:endParaRPr/>
+          </a:p>
+        </p:txBody>
+      </p:sp>
+      <p:sp>
+        <p:nvSpPr>
+          <p:cNvPr id="235" name="Google Shape;235;p27"/>
+          <p:cNvSpPr txBox="1"/>
+          <p:nvPr>
+            <p:ph idx="1" type="body"/>
+          </p:nvPr>
+        </p:nvSpPr>
+        <p:spPr>
+          <a:xfrm>
+            <a:off x="5385600" y="2285588"/>
+            <a:ext cx="3148500" cy="1253700"/>
+          </a:xfrm>
+          <a:prstGeom prst="rect">
+            <a:avLst/>
+          </a:prstGeom>
+        </p:spPr>
+        <p:txBody>
+          <a:bodyPr anchorCtr="0" anchor="t" bIns="91425" lIns="91425" spcFirstLastPara="1" rIns="91425" wrap="square" tIns="91425">
+            <a:normAutofit/>
+          </a:bodyPr>
+          <a:lstStyle/>
+          <a:p>
+            <a:pPr indent="0" lvl="0" marL="0" rtl="0" algn="l">
+              <a:spcBef>
+                <a:spcPts val="0"/>
+              </a:spcBef>
+              <a:spcAft>
+                <a:spcPts val="1200"/>
+              </a:spcAft>
+              <a:buNone/>
+            </a:pPr>
+            <a:r>
+              <a:rPr lang="it"/>
+              <a:t>Quando vengono notificati oggetti particolari, come in questo caso un accendino, sarà possibile prendere questi oggetti e inserirli nel nostro invetario</a:t>
+            </a:r>
+            <a:endParaRPr/>
+          </a:p>
+        </p:txBody>
+      </p:sp>
+      <p:pic>
+        <p:nvPicPr>
+          <p:cNvPr id="236" name="Google Shape;236;p27"/>
+          <p:cNvPicPr preferRelativeResize="0"/>
+          <p:nvPr/>
+        </p:nvPicPr>
+        <p:blipFill>
+          <a:blip r:embed="rId3">
+            <a:alphaModFix/>
+          </a:blip>
+          <a:stretch>
+            <a:fillRect/>
+          </a:stretch>
+        </p:blipFill>
+        <p:spPr>
+          <a:xfrm>
+            <a:off x="166600" y="1736650"/>
+            <a:ext cx="4882950" cy="2351583"/>
+          </a:xfrm>
+          <a:prstGeom prst="rect">
+            <a:avLst/>
+          </a:prstGeom>
+          <a:noFill/>
+          <a:ln>
+            <a:noFill/>
+          </a:ln>
+        </p:spPr>
+      </p:pic>
+    </p:spTree>
+  </p:cSld>
+  <p:clrMapOvr>
+    <a:masterClrMapping/>
+  </p:clrMapOvr>
+</p:sld>
+</file>
+
+<file path=ppt/slides/slide16.xml><?xml version="1.0" encoding="utf-8"?>
+<p:sld xmlns:a="http://schemas.openxmlformats.org/drawingml/2006/main" xmlns:r="http://schemas.openxmlformats.org/officeDocument/2006/relationships" xmlns:mc="http://schemas.openxmlformats.org/markup-compatibility/2006" xmlns:mv="urn:schemas-microsoft-com:mac:vml" xmlns:p="http://schemas.openxmlformats.org/presentationml/2006/main" xmlns:c="http://schemas.openxmlformats.org/drawingml/2006/chart" xmlns:dgm="http://schemas.openxmlformats.org/drawingml/2006/diagram" xmlns:o="urn:schemas-microsoft-com:office:office" xmlns:v="urn:schemas-microsoft-com:vml" xmlns:pvml="urn:schemas-microsoft-com:office:powerpoint" xmlns:com="http://schemas.openxmlformats.org/drawingml/2006/compatibility" xmlns:p14="http://schemas.microsoft.com/office/powerpoint/2010/main" xmlns:p15="http://schemas.microsoft.com/office/powerpoint/2012/main" xmlns:ahyp="http://schemas.microsoft.com/office/drawing/2018/hyperlinkcolor">
+  <p:cSld>
+    <p:spTree>
+      <p:nvGrpSpPr>
+        <p:cNvPr id="240" name="Shape 240"/>
+        <p:cNvGrpSpPr/>
+        <p:nvPr/>
+      </p:nvGrpSpPr>
+      <p:grpSpPr>
+        <a:xfrm>
+          <a:off x="0" y="0"/>
+          <a:ext cx="0" cy="0"/>
+          <a:chOff x="0" y="0"/>
+          <a:chExt cx="0" cy="0"/>
+        </a:xfrm>
+      </p:grpSpPr>
+      <p:sp>
+        <p:nvSpPr>
+          <p:cNvPr id="241" name="Google Shape;241;p28"/>
+          <p:cNvSpPr txBox="1"/>
+          <p:nvPr>
+            <p:ph type="title"/>
+          </p:nvPr>
+        </p:nvSpPr>
+        <p:spPr>
+          <a:xfrm>
+            <a:off x="1297500" y="393750"/>
+            <a:ext cx="7038900" cy="914100"/>
+          </a:xfrm>
+          <a:prstGeom prst="rect">
+            <a:avLst/>
+          </a:prstGeom>
+        </p:spPr>
+        <p:txBody>
+          <a:bodyPr anchorCtr="0" anchor="t" bIns="91425" lIns="91425" spcFirstLastPara="1" rIns="91425" wrap="square" tIns="91425">
+            <a:normAutofit/>
+          </a:bodyPr>
+          <a:lstStyle/>
+          <a:p>
+            <a:pPr indent="0" lvl="0" marL="0" rtl="0" algn="l">
+              <a:spcBef>
+                <a:spcPts val="0"/>
+              </a:spcBef>
+              <a:spcAft>
+                <a:spcPts val="0"/>
+              </a:spcAft>
+              <a:buNone/>
+            </a:pPr>
+            <a:r>
+              <a:rPr lang="it"/>
+              <a:t>DIMOSTRAZIONE DEL GIOCO</a:t>
+            </a:r>
+            <a:endParaRPr/>
+          </a:p>
+        </p:txBody>
+      </p:sp>
+      <p:sp>
+        <p:nvSpPr>
+          <p:cNvPr id="242" name="Google Shape;242;p28"/>
+          <p:cNvSpPr txBox="1"/>
+          <p:nvPr>
+            <p:ph idx="1" type="body"/>
+          </p:nvPr>
+        </p:nvSpPr>
+        <p:spPr>
+          <a:xfrm>
+            <a:off x="5247950" y="2532513"/>
+            <a:ext cx="3033600" cy="1195800"/>
+          </a:xfrm>
+          <a:prstGeom prst="rect">
+            <a:avLst/>
+          </a:prstGeom>
+        </p:spPr>
+        <p:txBody>
+          <a:bodyPr anchorCtr="0" anchor="t" bIns="91425" lIns="91425" spcFirstLastPara="1" rIns="91425" wrap="square" tIns="91425">
+            <a:normAutofit/>
+          </a:bodyPr>
+          <a:lstStyle/>
+          <a:p>
+            <a:pPr indent="0" lvl="0" marL="0" rtl="0" algn="l">
+              <a:spcBef>
+                <a:spcPts val="0"/>
+              </a:spcBef>
+              <a:spcAft>
+                <a:spcPts val="1200"/>
+              </a:spcAft>
+              <a:buNone/>
+            </a:pPr>
+            <a:r>
+              <a:rPr lang="it"/>
+              <a:t>Quando il giocatore entrerà per la prima volta nella sala da pranzo, si attiverà l’evento della guardia che cammina per la casa</a:t>
+            </a:r>
+            <a:endParaRPr/>
+          </a:p>
+        </p:txBody>
+      </p:sp>
+      <p:pic>
+        <p:nvPicPr>
+          <p:cNvPr id="243" name="Google Shape;243;p28"/>
+          <p:cNvPicPr preferRelativeResize="0"/>
+          <p:nvPr/>
+        </p:nvPicPr>
+        <p:blipFill>
+          <a:blip r:embed="rId3">
+            <a:alphaModFix/>
+          </a:blip>
+          <a:stretch>
+            <a:fillRect/>
+          </a:stretch>
+        </p:blipFill>
+        <p:spPr>
+          <a:xfrm>
+            <a:off x="734900" y="2020763"/>
+            <a:ext cx="3667125" cy="2219325"/>
+          </a:xfrm>
+          <a:prstGeom prst="rect">
+            <a:avLst/>
+          </a:prstGeom>
+          <a:noFill/>
+          <a:ln>
+            <a:noFill/>
+          </a:ln>
+        </p:spPr>
+      </p:pic>
+    </p:spTree>
+  </p:cSld>
+  <p:clrMapOvr>
+    <a:masterClrMapping/>
+  </p:clrMapOvr>
+</p:sld>
+</file>
+
+<file path=ppt/slides/slide17.xml><?xml version="1.0" encoding="utf-8"?>
+<p:sld xmlns:a="http://schemas.openxmlformats.org/drawingml/2006/main" xmlns:r="http://schemas.openxmlformats.org/officeDocument/2006/relationships" xmlns:mc="http://schemas.openxmlformats.org/markup-compatibility/2006" xmlns:mv="urn:schemas-microsoft-com:mac:vml" xmlns:p="http://schemas.openxmlformats.org/presentationml/2006/main" xmlns:c="http://schemas.openxmlformats.org/drawingml/2006/chart" xmlns:dgm="http://schemas.openxmlformats.org/drawingml/2006/diagram" xmlns:o="urn:schemas-microsoft-com:office:office" xmlns:v="urn:schemas-microsoft-com:vml" xmlns:pvml="urn:schemas-microsoft-com:office:powerpoint" xmlns:com="http://schemas.openxmlformats.org/drawingml/2006/compatibility" xmlns:p14="http://schemas.microsoft.com/office/powerpoint/2010/main" xmlns:p15="http://schemas.microsoft.com/office/powerpoint/2012/main" xmlns:ahyp="http://schemas.microsoft.com/office/drawing/2018/hyperlinkcolor">
+  <p:cSld>
+    <p:spTree>
+      <p:nvGrpSpPr>
+        <p:cNvPr id="247" name="Shape 247"/>
+        <p:cNvGrpSpPr/>
+        <p:nvPr/>
+      </p:nvGrpSpPr>
+      <p:grpSpPr>
+        <a:xfrm>
+          <a:off x="0" y="0"/>
+          <a:ext cx="0" cy="0"/>
+          <a:chOff x="0" y="0"/>
+          <a:chExt cx="0" cy="0"/>
+        </a:xfrm>
+      </p:grpSpPr>
+      <p:sp>
+        <p:nvSpPr>
+          <p:cNvPr id="248" name="Google Shape;248;p29"/>
+          <p:cNvSpPr txBox="1"/>
+          <p:nvPr>
+            <p:ph type="title"/>
+          </p:nvPr>
+        </p:nvSpPr>
+        <p:spPr>
+          <a:xfrm>
+            <a:off x="1297500" y="393750"/>
+            <a:ext cx="7038900" cy="914100"/>
+          </a:xfrm>
+          <a:prstGeom prst="rect">
+            <a:avLst/>
+          </a:prstGeom>
+        </p:spPr>
+        <p:txBody>
+          <a:bodyPr anchorCtr="0" anchor="t" bIns="91425" lIns="91425" spcFirstLastPara="1" rIns="91425" wrap="square" tIns="91425">
+            <a:normAutofit/>
+          </a:bodyPr>
+          <a:lstStyle/>
+          <a:p>
+            <a:pPr indent="0" lvl="0" marL="0" rtl="0" algn="l">
+              <a:spcBef>
+                <a:spcPts val="0"/>
+              </a:spcBef>
+              <a:spcAft>
+                <a:spcPts val="0"/>
+              </a:spcAft>
+              <a:buNone/>
+            </a:pPr>
+            <a:r>
+              <a:rPr lang="it"/>
+              <a:t>DIMOSTRAZIONE DEL GIOCO</a:t>
+            </a:r>
+            <a:endParaRPr/>
+          </a:p>
+        </p:txBody>
+      </p:sp>
+      <p:sp>
+        <p:nvSpPr>
+          <p:cNvPr id="249" name="Google Shape;249;p29"/>
+          <p:cNvSpPr txBox="1"/>
+          <p:nvPr>
+            <p:ph idx="1" type="body"/>
+          </p:nvPr>
+        </p:nvSpPr>
+        <p:spPr>
+          <a:xfrm>
+            <a:off x="5190000" y="2571750"/>
+            <a:ext cx="3146400" cy="1195800"/>
+          </a:xfrm>
+          <a:prstGeom prst="rect">
+            <a:avLst/>
+          </a:prstGeom>
+        </p:spPr>
+        <p:txBody>
+          <a:bodyPr anchorCtr="0" anchor="t" bIns="91425" lIns="91425" spcFirstLastPara="1" rIns="91425" wrap="square" tIns="91425">
+            <a:normAutofit fontScale="85000" lnSpcReduction="20000"/>
+          </a:bodyPr>
+          <a:lstStyle/>
+          <a:p>
+            <a:pPr indent="0" lvl="0" marL="0" rtl="0" algn="l">
+              <a:spcBef>
+                <a:spcPts val="0"/>
+              </a:spcBef>
+              <a:spcAft>
+                <a:spcPts val="0"/>
+              </a:spcAft>
+              <a:buNone/>
+            </a:pPr>
+            <a:r>
+              <a:rPr lang="it"/>
+              <a:t>Durante l’evento la guardia giererà per l’intera casa e se sta per entrare nella nostra stessa stanza comparirà un messaggio di avviso.</a:t>
+            </a:r>
+            <a:endParaRPr/>
+          </a:p>
+          <a:p>
+            <a:pPr indent="0" lvl="0" marL="0" rtl="0" algn="l">
+              <a:spcBef>
+                <a:spcPts val="1200"/>
+              </a:spcBef>
+              <a:spcAft>
+                <a:spcPts val="1200"/>
+              </a:spcAft>
+              <a:buNone/>
+            </a:pPr>
+            <a:r>
+              <a:rPr lang="it"/>
+              <a:t>Se il giocatore non si nasconde o cambia stanza, il gioco terminerà con una sconfitta</a:t>
+            </a:r>
+            <a:endParaRPr/>
+          </a:p>
+        </p:txBody>
+      </p:sp>
+      <p:pic>
+        <p:nvPicPr>
+          <p:cNvPr id="250" name="Google Shape;250;p29"/>
+          <p:cNvPicPr preferRelativeResize="0"/>
+          <p:nvPr/>
+        </p:nvPicPr>
+        <p:blipFill>
+          <a:blip r:embed="rId3">
+            <a:alphaModFix/>
+          </a:blip>
+          <a:stretch>
+            <a:fillRect/>
+          </a:stretch>
+        </p:blipFill>
+        <p:spPr>
+          <a:xfrm>
+            <a:off x="196350" y="1307838"/>
+            <a:ext cx="4467225" cy="2105025"/>
+          </a:xfrm>
+          <a:prstGeom prst="rect">
+            <a:avLst/>
+          </a:prstGeom>
+          <a:noFill/>
+          <a:ln>
+            <a:noFill/>
+          </a:ln>
+        </p:spPr>
+      </p:pic>
+      <p:pic>
+        <p:nvPicPr>
+          <p:cNvPr id="251" name="Google Shape;251;p29"/>
+          <p:cNvPicPr preferRelativeResize="0"/>
+          <p:nvPr/>
+        </p:nvPicPr>
+        <p:blipFill>
+          <a:blip r:embed="rId4">
+            <a:alphaModFix/>
+          </a:blip>
+          <a:stretch>
+            <a:fillRect/>
+          </a:stretch>
+        </p:blipFill>
+        <p:spPr>
+          <a:xfrm>
+            <a:off x="251300" y="3728325"/>
+            <a:ext cx="4505325" cy="1047750"/>
+          </a:xfrm>
+          <a:prstGeom prst="rect">
+            <a:avLst/>
+          </a:prstGeom>
+          <a:noFill/>
+          <a:ln>
+            <a:noFill/>
+          </a:ln>
+        </p:spPr>
+      </p:pic>
+    </p:spTree>
+  </p:cSld>
+  <p:clrMapOvr>
+    <a:masterClrMapping/>
+  </p:clrMapOvr>
+</p:sld>
+</file>
+
+<file path=ppt/slides/slide18.xml><?xml version="1.0" encoding="utf-8"?>
+<p:sld xmlns:a="http://schemas.openxmlformats.org/drawingml/2006/main" xmlns:r="http://schemas.openxmlformats.org/officeDocument/2006/relationships" xmlns:mc="http://schemas.openxmlformats.org/markup-compatibility/2006" xmlns:mv="urn:schemas-microsoft-com:mac:vml" xmlns:p="http://schemas.openxmlformats.org/presentationml/2006/main" xmlns:c="http://schemas.openxmlformats.org/drawingml/2006/chart" xmlns:dgm="http://schemas.openxmlformats.org/drawingml/2006/diagram" xmlns:o="urn:schemas-microsoft-com:office:office" xmlns:v="urn:schemas-microsoft-com:vml" xmlns:pvml="urn:schemas-microsoft-com:office:powerpoint" xmlns:com="http://schemas.openxmlformats.org/drawingml/2006/compatibility" xmlns:p14="http://schemas.microsoft.com/office/powerpoint/2010/main" xmlns:p15="http://schemas.microsoft.com/office/powerpoint/2012/main" xmlns:ahyp="http://schemas.microsoft.com/office/drawing/2018/hyperlinkcolor">
+  <p:cSld>
+    <p:spTree>
+      <p:nvGrpSpPr>
+        <p:cNvPr id="255" name="Shape 255"/>
+        <p:cNvGrpSpPr/>
+        <p:nvPr/>
+      </p:nvGrpSpPr>
+      <p:grpSpPr>
+        <a:xfrm>
+          <a:off x="0" y="0"/>
+          <a:ext cx="0" cy="0"/>
+          <a:chOff x="0" y="0"/>
+          <a:chExt cx="0" cy="0"/>
+        </a:xfrm>
+      </p:grpSpPr>
+      <p:sp>
+        <p:nvSpPr>
+          <p:cNvPr id="256" name="Google Shape;256;p30"/>
+          <p:cNvSpPr txBox="1"/>
+          <p:nvPr>
+            <p:ph type="title"/>
+          </p:nvPr>
+        </p:nvSpPr>
+        <p:spPr>
+          <a:xfrm>
+            <a:off x="1297500" y="393750"/>
+            <a:ext cx="7038900" cy="914100"/>
+          </a:xfrm>
+          <a:prstGeom prst="rect">
+            <a:avLst/>
+          </a:prstGeom>
+        </p:spPr>
+        <p:txBody>
+          <a:bodyPr anchorCtr="0" anchor="t" bIns="91425" lIns="91425" spcFirstLastPara="1" rIns="91425" wrap="square" tIns="91425">
+            <a:normAutofit/>
+          </a:bodyPr>
+          <a:lstStyle/>
+          <a:p>
+            <a:pPr indent="0" lvl="0" marL="0" rtl="0" algn="l">
+              <a:spcBef>
+                <a:spcPts val="0"/>
+              </a:spcBef>
+              <a:spcAft>
+                <a:spcPts val="0"/>
+              </a:spcAft>
+              <a:buNone/>
+            </a:pPr>
+            <a:r>
+              <a:rPr lang="it"/>
+              <a:t>DIMOSTRAZIONE DEL GIOCO</a:t>
+            </a:r>
+            <a:endParaRPr/>
+          </a:p>
+        </p:txBody>
+      </p:sp>
+      <p:sp>
+        <p:nvSpPr>
+          <p:cNvPr id="257" name="Google Shape;257;p30"/>
+          <p:cNvSpPr txBox="1"/>
+          <p:nvPr>
+            <p:ph idx="1" type="body"/>
+          </p:nvPr>
+        </p:nvSpPr>
+        <p:spPr>
+          <a:xfrm>
+            <a:off x="5190000" y="2571750"/>
+            <a:ext cx="3146400" cy="1195800"/>
+          </a:xfrm>
+          <a:prstGeom prst="rect">
+            <a:avLst/>
+          </a:prstGeom>
+        </p:spPr>
+        <p:txBody>
+          <a:bodyPr anchorCtr="0" anchor="t" bIns="91425" lIns="91425" spcFirstLastPara="1" rIns="91425" wrap="square" tIns="91425">
+            <a:normAutofit/>
+          </a:bodyPr>
+          <a:lstStyle/>
+          <a:p>
+            <a:pPr indent="0" lvl="0" marL="0" rtl="0" algn="l">
+              <a:spcBef>
+                <a:spcPts val="0"/>
+              </a:spcBef>
+              <a:spcAft>
+                <a:spcPts val="1200"/>
+              </a:spcAft>
+              <a:buNone/>
+            </a:pPr>
+            <a:r>
+              <a:rPr lang="it"/>
+              <a:t>E’ possibile concludere l’evento se quando viene notificato la presenza della guardia si usa il comando “nasconditi” e successivamente “usa padella”.</a:t>
+            </a:r>
+            <a:endParaRPr/>
+          </a:p>
+        </p:txBody>
+      </p:sp>
+      <p:pic>
+        <p:nvPicPr>
+          <p:cNvPr id="258" name="Google Shape;258;p30"/>
+          <p:cNvPicPr preferRelativeResize="0"/>
+          <p:nvPr/>
+        </p:nvPicPr>
+        <p:blipFill>
+          <a:blip r:embed="rId3">
+            <a:alphaModFix/>
+          </a:blip>
+          <a:stretch>
+            <a:fillRect/>
+          </a:stretch>
+        </p:blipFill>
+        <p:spPr>
+          <a:xfrm>
+            <a:off x="328250" y="1230925"/>
+            <a:ext cx="4090619" cy="3530850"/>
+          </a:xfrm>
+          <a:prstGeom prst="rect">
+            <a:avLst/>
+          </a:prstGeom>
+          <a:noFill/>
+          <a:ln>
+            <a:noFill/>
+          </a:ln>
+        </p:spPr>
+      </p:pic>
+    </p:spTree>
+  </p:cSld>
+  <p:clrMapOvr>
+    <a:masterClrMapping/>
+  </p:clrMapOvr>
+</p:sld>
+</file>
+
+<file path=ppt/slides/slide19.xml><?xml version="1.0" encoding="utf-8"?>
+<p:sld xmlns:a="http://schemas.openxmlformats.org/drawingml/2006/main" xmlns:r="http://schemas.openxmlformats.org/officeDocument/2006/relationships" xmlns:mc="http://schemas.openxmlformats.org/markup-compatibility/2006" xmlns:mv="urn:schemas-microsoft-com:mac:vml" xmlns:p="http://schemas.openxmlformats.org/presentationml/2006/main" xmlns:c="http://schemas.openxmlformats.org/drawingml/2006/chart" xmlns:dgm="http://schemas.openxmlformats.org/drawingml/2006/diagram" xmlns:o="urn:schemas-microsoft-com:office:office" xmlns:v="urn:schemas-microsoft-com:vml" xmlns:pvml="urn:schemas-microsoft-com:office:powerpoint" xmlns:com="http://schemas.openxmlformats.org/drawingml/2006/compatibility" xmlns:p14="http://schemas.microsoft.com/office/powerpoint/2010/main" xmlns:p15="http://schemas.microsoft.com/office/powerpoint/2012/main" xmlns:ahyp="http://schemas.microsoft.com/office/drawing/2018/hyperlinkcolor">
+  <p:cSld>
+    <p:spTree>
+      <p:nvGrpSpPr>
+        <p:cNvPr id="262" name="Shape 262"/>
+        <p:cNvGrpSpPr/>
+        <p:nvPr/>
+      </p:nvGrpSpPr>
+      <p:grpSpPr>
+        <a:xfrm>
+          <a:off x="0" y="0"/>
+          <a:ext cx="0" cy="0"/>
+          <a:chOff x="0" y="0"/>
+          <a:chExt cx="0" cy="0"/>
+        </a:xfrm>
+      </p:grpSpPr>
+      <p:sp>
+        <p:nvSpPr>
+          <p:cNvPr id="263" name="Google Shape;263;p31"/>
+          <p:cNvSpPr txBox="1"/>
+          <p:nvPr>
+            <p:ph type="title"/>
+          </p:nvPr>
+        </p:nvSpPr>
+        <p:spPr>
+          <a:xfrm>
+            <a:off x="1297500" y="393750"/>
+            <a:ext cx="7038900" cy="914100"/>
+          </a:xfrm>
+          <a:prstGeom prst="rect">
+            <a:avLst/>
+          </a:prstGeom>
+        </p:spPr>
+        <p:txBody>
+          <a:bodyPr anchorCtr="0" anchor="t" bIns="91425" lIns="91425" spcFirstLastPara="1" rIns="91425" wrap="square" tIns="91425">
+            <a:normAutofit/>
+          </a:bodyPr>
+          <a:lstStyle/>
+          <a:p>
+            <a:pPr indent="0" lvl="0" marL="0" rtl="0" algn="l">
+              <a:spcBef>
+                <a:spcPts val="0"/>
+              </a:spcBef>
+              <a:spcAft>
+                <a:spcPts val="0"/>
+              </a:spcAft>
+              <a:buNone/>
+            </a:pPr>
+            <a:r>
+              <a:rPr lang="it"/>
+              <a:t>DIMOSTRAZIONE DEL GIOCO</a:t>
+            </a:r>
+            <a:endParaRPr/>
+          </a:p>
+        </p:txBody>
+      </p:sp>
+      <p:sp>
+        <p:nvSpPr>
+          <p:cNvPr id="264" name="Google Shape;264;p31"/>
+          <p:cNvSpPr txBox="1"/>
+          <p:nvPr>
+            <p:ph idx="1" type="body"/>
+          </p:nvPr>
+        </p:nvSpPr>
+        <p:spPr>
+          <a:xfrm>
+            <a:off x="5247950" y="2532513"/>
+            <a:ext cx="3033600" cy="1195800"/>
+          </a:xfrm>
+          <a:prstGeom prst="rect">
+            <a:avLst/>
+          </a:prstGeom>
+        </p:spPr>
+        <p:txBody>
+          <a:bodyPr anchorCtr="0" anchor="t" bIns="91425" lIns="91425" spcFirstLastPara="1" rIns="91425" wrap="square" tIns="91425">
+            <a:normAutofit fontScale="85000" lnSpcReduction="20000"/>
+          </a:bodyPr>
+          <a:lstStyle/>
+          <a:p>
+            <a:pPr indent="0" lvl="0" marL="0" rtl="0" algn="l">
+              <a:spcBef>
+                <a:spcPts val="0"/>
+              </a:spcBef>
+              <a:spcAft>
+                <a:spcPts val="0"/>
+              </a:spcAft>
+              <a:buNone/>
+            </a:pPr>
+            <a:r>
+              <a:rPr lang="it"/>
+              <a:t>Con il comando “salva partita” sarà possibile salvare la partita</a:t>
+            </a:r>
+            <a:endParaRPr/>
+          </a:p>
+          <a:p>
+            <a:pPr indent="0" lvl="0" marL="0" rtl="0" algn="l">
+              <a:spcBef>
+                <a:spcPts val="1200"/>
+              </a:spcBef>
+              <a:spcAft>
+                <a:spcPts val="1200"/>
+              </a:spcAft>
+              <a:buNone/>
+            </a:pPr>
+            <a:r>
+              <a:rPr lang="it"/>
+              <a:t>Mentre per il caricamento del salvataggio bisogna usare il comando “carica partita” e si riprenderà il gioco da dove salvata</a:t>
+            </a:r>
+            <a:endParaRPr/>
+          </a:p>
+        </p:txBody>
+      </p:sp>
+      <p:pic>
+        <p:nvPicPr>
+          <p:cNvPr id="265" name="Google Shape;265;p31"/>
+          <p:cNvPicPr preferRelativeResize="0"/>
+          <p:nvPr/>
+        </p:nvPicPr>
+        <p:blipFill>
+          <a:blip r:embed="rId3">
+            <a:alphaModFix/>
+          </a:blip>
+          <a:stretch>
+            <a:fillRect/>
+          </a:stretch>
+        </p:blipFill>
+        <p:spPr>
+          <a:xfrm>
+            <a:off x="1297500" y="2384650"/>
+            <a:ext cx="2683575" cy="1012100"/>
+          </a:xfrm>
+          <a:prstGeom prst="rect">
+            <a:avLst/>
+          </a:prstGeom>
+          <a:noFill/>
+          <a:ln>
+            <a:noFill/>
+          </a:ln>
+        </p:spPr>
+      </p:pic>
     </p:spTree>
   </p:cSld>
   <p:clrMapOvr>
@@ -10707,18 +12685,71 @@
           </a:p>
         </p:txBody>
       </p:sp>
+      <p:pic>
+        <p:nvPicPr>
+          <p:cNvPr id="141" name="Google Shape;141;p14"/>
+          <p:cNvPicPr preferRelativeResize="0"/>
+          <p:nvPr/>
+        </p:nvPicPr>
+        <p:blipFill>
+          <a:blip r:embed="rId3">
+            <a:alphaModFix/>
+          </a:blip>
+          <a:stretch>
+            <a:fillRect/>
+          </a:stretch>
+        </p:blipFill>
+        <p:spPr>
+          <a:xfrm>
+            <a:off x="3314700" y="1570150"/>
+            <a:ext cx="2514600" cy="2924175"/>
+          </a:xfrm>
+          <a:prstGeom prst="rect">
+            <a:avLst/>
+          </a:prstGeom>
+          <a:noFill/>
+          <a:ln>
+            <a:noFill/>
+          </a:ln>
+        </p:spPr>
+      </p:pic>
+    </p:spTree>
+  </p:cSld>
+  <p:clrMapOvr>
+    <a:masterClrMapping/>
+  </p:clrMapOvr>
+</p:sld>
+</file>
+
+<file path=ppt/slides/slide20.xml><?xml version="1.0" encoding="utf-8"?>
+<p:sld xmlns:a="http://schemas.openxmlformats.org/drawingml/2006/main" xmlns:r="http://schemas.openxmlformats.org/officeDocument/2006/relationships" xmlns:mc="http://schemas.openxmlformats.org/markup-compatibility/2006" xmlns:mv="urn:schemas-microsoft-com:mac:vml" xmlns:p="http://schemas.openxmlformats.org/presentationml/2006/main" xmlns:c="http://schemas.openxmlformats.org/drawingml/2006/chart" xmlns:dgm="http://schemas.openxmlformats.org/drawingml/2006/diagram" xmlns:o="urn:schemas-microsoft-com:office:office" xmlns:v="urn:schemas-microsoft-com:vml" xmlns:pvml="urn:schemas-microsoft-com:office:powerpoint" xmlns:com="http://schemas.openxmlformats.org/drawingml/2006/compatibility" xmlns:p14="http://schemas.microsoft.com/office/powerpoint/2010/main" xmlns:p15="http://schemas.microsoft.com/office/powerpoint/2012/main" xmlns:ahyp="http://schemas.microsoft.com/office/drawing/2018/hyperlinkcolor">
+  <p:cSld>
+    <p:spTree>
+      <p:nvGrpSpPr>
+        <p:cNvPr id="269" name="Shape 269"/>
+        <p:cNvGrpSpPr/>
+        <p:nvPr/>
+      </p:nvGrpSpPr>
+      <p:grpSpPr>
+        <a:xfrm>
+          <a:off x="0" y="0"/>
+          <a:ext cx="0" cy="0"/>
+          <a:chOff x="0" y="0"/>
+          <a:chExt cx="0" cy="0"/>
+        </a:xfrm>
+      </p:grpSpPr>
       <p:sp>
         <p:nvSpPr>
-          <p:cNvPr id="141" name="Google Shape;141;p14"/>
+          <p:cNvPr id="270" name="Google Shape;270;p32"/>
           <p:cNvSpPr txBox="1"/>
           <p:nvPr>
-            <p:ph idx="1" type="body"/>
+            <p:ph type="title"/>
           </p:nvPr>
         </p:nvSpPr>
         <p:spPr>
           <a:xfrm>
-            <a:off x="1297500" y="1307850"/>
-            <a:ext cx="7038900" cy="2911200"/>
+            <a:off x="1297500" y="393750"/>
+            <a:ext cx="7038900" cy="914100"/>
           </a:xfrm>
           <a:prstGeom prst="rect">
             <a:avLst/>
@@ -10735,17 +12766,235 @@
                 <a:spcPts val="0"/>
               </a:spcBef>
               <a:spcAft>
-                <a:spcPts val="1200"/>
+                <a:spcPts val="0"/>
               </a:spcAft>
               <a:buNone/>
             </a:pPr>
             <a:r>
-              <a:t/>
+              <a:rPr lang="it"/>
+              <a:t>DIMOSTRAZIONE DEL GIOCO</a:t>
             </a:r>
             <a:endParaRPr/>
           </a:p>
         </p:txBody>
       </p:sp>
+      <p:sp>
+        <p:nvSpPr>
+          <p:cNvPr id="271" name="Google Shape;271;p32"/>
+          <p:cNvSpPr txBox="1"/>
+          <p:nvPr>
+            <p:ph idx="1" type="body"/>
+          </p:nvPr>
+        </p:nvSpPr>
+        <p:spPr>
+          <a:xfrm>
+            <a:off x="5247950" y="2532513"/>
+            <a:ext cx="3033600" cy="1195800"/>
+          </a:xfrm>
+          <a:prstGeom prst="rect">
+            <a:avLst/>
+          </a:prstGeom>
+        </p:spPr>
+        <p:txBody>
+          <a:bodyPr anchorCtr="0" anchor="t" bIns="91425" lIns="91425" spcFirstLastPara="1" rIns="91425" wrap="square" tIns="91425">
+            <a:normAutofit/>
+          </a:bodyPr>
+          <a:lstStyle/>
+          <a:p>
+            <a:pPr indent="0" lvl="0" marL="0" rtl="0" algn="l">
+              <a:spcBef>
+                <a:spcPts val="0"/>
+              </a:spcBef>
+              <a:spcAft>
+                <a:spcPts val="1200"/>
+              </a:spcAft>
+              <a:buNone/>
+            </a:pPr>
+            <a:r>
+              <a:rPr lang="it"/>
+              <a:t>A volte per entrare in una stanza è richiesto che nell’inventario sia presente un particolare oggetto.</a:t>
+            </a:r>
+            <a:endParaRPr/>
+          </a:p>
+        </p:txBody>
+      </p:sp>
+      <p:pic>
+        <p:nvPicPr>
+          <p:cNvPr id="272" name="Google Shape;272;p32"/>
+          <p:cNvPicPr preferRelativeResize="0"/>
+          <p:nvPr/>
+        </p:nvPicPr>
+        <p:blipFill>
+          <a:blip r:embed="rId3">
+            <a:alphaModFix/>
+          </a:blip>
+          <a:stretch>
+            <a:fillRect/>
+          </a:stretch>
+        </p:blipFill>
+        <p:spPr>
+          <a:xfrm>
+            <a:off x="427175" y="2149350"/>
+            <a:ext cx="4229100" cy="1962150"/>
+          </a:xfrm>
+          <a:prstGeom prst="rect">
+            <a:avLst/>
+          </a:prstGeom>
+          <a:noFill/>
+          <a:ln>
+            <a:noFill/>
+          </a:ln>
+        </p:spPr>
+      </p:pic>
+    </p:spTree>
+  </p:cSld>
+  <p:clrMapOvr>
+    <a:masterClrMapping/>
+  </p:clrMapOvr>
+</p:sld>
+</file>
+
+<file path=ppt/slides/slide21.xml><?xml version="1.0" encoding="utf-8"?>
+<p:sld xmlns:a="http://schemas.openxmlformats.org/drawingml/2006/main" xmlns:r="http://schemas.openxmlformats.org/officeDocument/2006/relationships" xmlns:mc="http://schemas.openxmlformats.org/markup-compatibility/2006" xmlns:mv="urn:schemas-microsoft-com:mac:vml" xmlns:p="http://schemas.openxmlformats.org/presentationml/2006/main" xmlns:c="http://schemas.openxmlformats.org/drawingml/2006/chart" xmlns:dgm="http://schemas.openxmlformats.org/drawingml/2006/diagram" xmlns:o="urn:schemas-microsoft-com:office:office" xmlns:v="urn:schemas-microsoft-com:vml" xmlns:pvml="urn:schemas-microsoft-com:office:powerpoint" xmlns:com="http://schemas.openxmlformats.org/drawingml/2006/compatibility" xmlns:p14="http://schemas.microsoft.com/office/powerpoint/2010/main" xmlns:p15="http://schemas.microsoft.com/office/powerpoint/2012/main" xmlns:ahyp="http://schemas.microsoft.com/office/drawing/2018/hyperlinkcolor">
+  <p:cSld>
+    <p:spTree>
+      <p:nvGrpSpPr>
+        <p:cNvPr id="276" name="Shape 276"/>
+        <p:cNvGrpSpPr/>
+        <p:nvPr/>
+      </p:nvGrpSpPr>
+      <p:grpSpPr>
+        <a:xfrm>
+          <a:off x="0" y="0"/>
+          <a:ext cx="0" cy="0"/>
+          <a:chOff x="0" y="0"/>
+          <a:chExt cx="0" cy="0"/>
+        </a:xfrm>
+      </p:grpSpPr>
+      <p:sp>
+        <p:nvSpPr>
+          <p:cNvPr id="277" name="Google Shape;277;p33"/>
+          <p:cNvSpPr txBox="1"/>
+          <p:nvPr>
+            <p:ph type="title"/>
+          </p:nvPr>
+        </p:nvSpPr>
+        <p:spPr>
+          <a:xfrm>
+            <a:off x="1297500" y="393750"/>
+            <a:ext cx="7038900" cy="914100"/>
+          </a:xfrm>
+          <a:prstGeom prst="rect">
+            <a:avLst/>
+          </a:prstGeom>
+        </p:spPr>
+        <p:txBody>
+          <a:bodyPr anchorCtr="0" anchor="t" bIns="91425" lIns="91425" spcFirstLastPara="1" rIns="91425" wrap="square" tIns="91425">
+            <a:normAutofit/>
+          </a:bodyPr>
+          <a:lstStyle/>
+          <a:p>
+            <a:pPr indent="0" lvl="0" marL="0" rtl="0" algn="l">
+              <a:spcBef>
+                <a:spcPts val="0"/>
+              </a:spcBef>
+              <a:spcAft>
+                <a:spcPts val="0"/>
+              </a:spcAft>
+              <a:buNone/>
+            </a:pPr>
+            <a:r>
+              <a:rPr lang="it"/>
+              <a:t>DIMOSTRAZIONE DEL GIOCO</a:t>
+            </a:r>
+            <a:endParaRPr/>
+          </a:p>
+        </p:txBody>
+      </p:sp>
+      <p:sp>
+        <p:nvSpPr>
+          <p:cNvPr id="278" name="Google Shape;278;p33"/>
+          <p:cNvSpPr txBox="1"/>
+          <p:nvPr>
+            <p:ph idx="1" type="body"/>
+          </p:nvPr>
+        </p:nvSpPr>
+        <p:spPr>
+          <a:xfrm>
+            <a:off x="5813375" y="2105375"/>
+            <a:ext cx="3033600" cy="1195800"/>
+          </a:xfrm>
+          <a:prstGeom prst="rect">
+            <a:avLst/>
+          </a:prstGeom>
+        </p:spPr>
+        <p:txBody>
+          <a:bodyPr anchorCtr="0" anchor="t" bIns="91425" lIns="91425" spcFirstLastPara="1" rIns="91425" wrap="square" tIns="91425">
+            <a:normAutofit fontScale="85000" lnSpcReduction="20000"/>
+          </a:bodyPr>
+          <a:lstStyle/>
+          <a:p>
+            <a:pPr indent="0" lvl="0" marL="0" rtl="0" algn="l">
+              <a:spcBef>
+                <a:spcPts val="0"/>
+              </a:spcBef>
+              <a:spcAft>
+                <a:spcPts val="0"/>
+              </a:spcAft>
+              <a:buNone/>
+            </a:pPr>
+            <a:r>
+              <a:rPr lang="it"/>
+              <a:t>Il gioco termina quando si riesce ad entrare nella stanza dei tesori della casa e si digita il comando “prendi fedora”</a:t>
+            </a:r>
+            <a:endParaRPr/>
+          </a:p>
+          <a:p>
+            <a:pPr indent="0" lvl="0" marL="0" rtl="0" algn="l">
+              <a:spcBef>
+                <a:spcPts val="1200"/>
+              </a:spcBef>
+              <a:spcAft>
+                <a:spcPts val="1200"/>
+              </a:spcAft>
+              <a:buNone/>
+            </a:pPr>
+            <a:r>
+              <a:rPr lang="it"/>
+              <a:t>Successivamente verrà mostrato a schermo un epilogo conclusivo </a:t>
+            </a:r>
+            <a:endParaRPr/>
+          </a:p>
+        </p:txBody>
+      </p:sp>
+      <p:pic>
+        <p:nvPicPr>
+          <p:cNvPr id="279" name="Google Shape;279;p33"/>
+          <p:cNvPicPr preferRelativeResize="0"/>
+          <p:nvPr/>
+        </p:nvPicPr>
+        <p:blipFill>
+          <a:blip r:embed="rId3">
+            <a:alphaModFix/>
+          </a:blip>
+          <a:stretch>
+            <a:fillRect/>
+          </a:stretch>
+        </p:blipFill>
+        <p:spPr>
+          <a:xfrm>
+            <a:off x="131875" y="1664763"/>
+            <a:ext cx="5442800" cy="2077026"/>
+          </a:xfrm>
+          <a:prstGeom prst="rect">
+            <a:avLst/>
+          </a:prstGeom>
+          <a:noFill/>
+          <a:ln>
+            <a:noFill/>
+          </a:ln>
+        </p:spPr>
+      </p:pic>
     </p:spTree>
   </p:cSld>
   <p:clrMapOvr>
@@ -10861,12 +13110,68 @@
             </a:pPr>
             <a:r>
               <a:rPr lang="it"/>
-              <a:t>La classe Dialoghi contiene solamente metodi statici che si occupano di stampare a schermo alcuni messaggi a schermo</a:t>
+              <a:t>La classe Dialoghi contiene solamente metodi statici che si occupano di stampare a schermo alcuni messaggi</a:t>
             </a:r>
             <a:endParaRPr/>
           </a:p>
         </p:txBody>
       </p:sp>
+      <p:pic>
+        <p:nvPicPr>
+          <p:cNvPr id="148" name="Google Shape;148;p15"/>
+          <p:cNvPicPr preferRelativeResize="0"/>
+          <p:nvPr/>
+        </p:nvPicPr>
+        <p:blipFill>
+          <a:blip r:embed="rId3">
+            <a:alphaModFix/>
+          </a:blip>
+          <a:stretch>
+            <a:fillRect/>
+          </a:stretch>
+        </p:blipFill>
+        <p:spPr>
+          <a:xfrm>
+            <a:off x="986000" y="2035950"/>
+            <a:ext cx="3188906" cy="2911200"/>
+          </a:xfrm>
+          <a:prstGeom prst="rect">
+            <a:avLst/>
+          </a:prstGeom>
+          <a:noFill/>
+          <a:ln>
+            <a:noFill/>
+          </a:ln>
+        </p:spPr>
+      </p:pic>
+      <p:pic>
+        <p:nvPicPr>
+          <p:cNvPr id="149" name="Google Shape;149;p15"/>
+          <p:cNvPicPr preferRelativeResize="0"/>
+          <p:nvPr/>
+        </p:nvPicPr>
+        <p:blipFill>
+          <a:blip r:embed="rId4">
+            <a:alphaModFix/>
+          </a:blip>
+          <a:stretch>
+            <a:fillRect/>
+          </a:stretch>
+        </p:blipFill>
+        <p:spPr>
+          <a:xfrm>
+            <a:off x="1693125" y="1241900"/>
+            <a:ext cx="1622357" cy="508500"/>
+          </a:xfrm>
+          <a:prstGeom prst="rect">
+            <a:avLst/>
+          </a:prstGeom>
+          <a:noFill/>
+          <a:ln>
+            <a:noFill/>
+          </a:ln>
+        </p:spPr>
+      </p:pic>
     </p:spTree>
   </p:cSld>
   <p:clrMapOvr>
@@ -10880,7 +13185,7 @@
   <p:cSld>
     <p:spTree>
       <p:nvGrpSpPr>
-        <p:cNvPr id="151" name="Shape 151"/>
+        <p:cNvPr id="153" name="Shape 153"/>
         <p:cNvGrpSpPr/>
         <p:nvPr/>
       </p:nvGrpSpPr>
@@ -10894,7 +13199,7 @@
       </p:grpSpPr>
       <p:sp>
         <p:nvSpPr>
-          <p:cNvPr id="152" name="Google Shape;152;p16"/>
+          <p:cNvPr id="154" name="Google Shape;154;p16"/>
           <p:cNvSpPr txBox="1"/>
           <p:nvPr>
             <p:ph type="title"/>
@@ -10934,7 +13239,7 @@
       </p:sp>
       <p:sp>
         <p:nvSpPr>
-          <p:cNvPr id="153" name="Google Shape;153;p16"/>
+          <p:cNvPr id="155" name="Google Shape;155;p16"/>
           <p:cNvSpPr txBox="1"/>
           <p:nvPr>
             <p:ph idx="1" type="body"/>
@@ -11004,6 +13309,62 @@
           </a:p>
         </p:txBody>
       </p:sp>
+      <p:pic>
+        <p:nvPicPr>
+          <p:cNvPr id="156" name="Google Shape;156;p16"/>
+          <p:cNvPicPr preferRelativeResize="0"/>
+          <p:nvPr/>
+        </p:nvPicPr>
+        <p:blipFill>
+          <a:blip r:embed="rId3">
+            <a:alphaModFix/>
+          </a:blip>
+          <a:stretch>
+            <a:fillRect/>
+          </a:stretch>
+        </p:blipFill>
+        <p:spPr>
+          <a:xfrm>
+            <a:off x="1691050" y="1219925"/>
+            <a:ext cx="1837850" cy="787650"/>
+          </a:xfrm>
+          <a:prstGeom prst="rect">
+            <a:avLst/>
+          </a:prstGeom>
+          <a:noFill/>
+          <a:ln>
+            <a:noFill/>
+          </a:ln>
+        </p:spPr>
+      </p:pic>
+      <p:pic>
+        <p:nvPicPr>
+          <p:cNvPr id="157" name="Google Shape;157;p16"/>
+          <p:cNvPicPr preferRelativeResize="0"/>
+          <p:nvPr/>
+        </p:nvPicPr>
+        <p:blipFill>
+          <a:blip r:embed="rId4">
+            <a:alphaModFix/>
+          </a:blip>
+          <a:stretch>
+            <a:fillRect/>
+          </a:stretch>
+        </p:blipFill>
+        <p:spPr>
+          <a:xfrm>
+            <a:off x="152400" y="2159975"/>
+            <a:ext cx="4628100" cy="2661255"/>
+          </a:xfrm>
+          <a:prstGeom prst="rect">
+            <a:avLst/>
+          </a:prstGeom>
+          <a:noFill/>
+          <a:ln>
+            <a:noFill/>
+          </a:ln>
+        </p:spPr>
+      </p:pic>
     </p:spTree>
   </p:cSld>
   <p:clrMapOvr>
@@ -11017,7 +13378,7 @@
   <p:cSld>
     <p:spTree>
       <p:nvGrpSpPr>
-        <p:cNvPr id="157" name="Shape 157"/>
+        <p:cNvPr id="161" name="Shape 161"/>
         <p:cNvGrpSpPr/>
         <p:nvPr/>
       </p:nvGrpSpPr>
@@ -11031,7 +13392,7 @@
       </p:grpSpPr>
       <p:sp>
         <p:nvSpPr>
-          <p:cNvPr id="158" name="Google Shape;158;p17"/>
+          <p:cNvPr id="162" name="Google Shape;162;p17"/>
           <p:cNvSpPr txBox="1"/>
           <p:nvPr>
             <p:ph type="title"/>
@@ -11071,7 +13432,7 @@
       </p:sp>
       <p:sp>
         <p:nvSpPr>
-          <p:cNvPr id="159" name="Google Shape;159;p17"/>
+          <p:cNvPr id="163" name="Google Shape;163;p17"/>
           <p:cNvSpPr txBox="1"/>
           <p:nvPr>
             <p:ph idx="1" type="body"/>
@@ -11079,7 +13440,7 @@
         </p:nvSpPr>
         <p:spPr>
           <a:xfrm>
-            <a:off x="4932900" y="1627100"/>
+            <a:off x="5565075" y="1667225"/>
             <a:ext cx="3633900" cy="2911200"/>
           </a:xfrm>
           <a:prstGeom prst="rect">
@@ -11145,6 +13506,62 @@
           </a:p>
         </p:txBody>
       </p:sp>
+      <p:pic>
+        <p:nvPicPr>
+          <p:cNvPr id="164" name="Google Shape;164;p17"/>
+          <p:cNvPicPr preferRelativeResize="0"/>
+          <p:nvPr/>
+        </p:nvPicPr>
+        <p:blipFill>
+          <a:blip r:embed="rId3">
+            <a:alphaModFix/>
+          </a:blip>
+          <a:stretch>
+            <a:fillRect/>
+          </a:stretch>
+        </p:blipFill>
+        <p:spPr>
+          <a:xfrm>
+            <a:off x="247650" y="1562450"/>
+            <a:ext cx="5228175" cy="1141175"/>
+          </a:xfrm>
+          <a:prstGeom prst="rect">
+            <a:avLst/>
+          </a:prstGeom>
+          <a:noFill/>
+          <a:ln>
+            <a:noFill/>
+          </a:ln>
+        </p:spPr>
+      </p:pic>
+      <p:pic>
+        <p:nvPicPr>
+          <p:cNvPr id="165" name="Google Shape;165;p17"/>
+          <p:cNvPicPr preferRelativeResize="0"/>
+          <p:nvPr/>
+        </p:nvPicPr>
+        <p:blipFill>
+          <a:blip r:embed="rId4">
+            <a:alphaModFix/>
+          </a:blip>
+          <a:stretch>
+            <a:fillRect/>
+          </a:stretch>
+        </p:blipFill>
+        <p:spPr>
+          <a:xfrm>
+            <a:off x="247650" y="3154575"/>
+            <a:ext cx="4993949" cy="1141175"/>
+          </a:xfrm>
+          <a:prstGeom prst="rect">
+            <a:avLst/>
+          </a:prstGeom>
+          <a:noFill/>
+          <a:ln>
+            <a:noFill/>
+          </a:ln>
+        </p:spPr>
+      </p:pic>
     </p:spTree>
   </p:cSld>
   <p:clrMapOvr>
@@ -11154,126 +13571,6 @@
 </file>
 
 <file path=ppt/slides/slide6.xml><?xml version="1.0" encoding="utf-8"?>
-<p:sld xmlns:a="http://schemas.openxmlformats.org/drawingml/2006/main" xmlns:r="http://schemas.openxmlformats.org/officeDocument/2006/relationships" xmlns:mc="http://schemas.openxmlformats.org/markup-compatibility/2006" xmlns:mv="urn:schemas-microsoft-com:mac:vml" xmlns:p="http://schemas.openxmlformats.org/presentationml/2006/main" xmlns:c="http://schemas.openxmlformats.org/drawingml/2006/chart" xmlns:dgm="http://schemas.openxmlformats.org/drawingml/2006/diagram" xmlns:o="urn:schemas-microsoft-com:office:office" xmlns:v="urn:schemas-microsoft-com:vml" xmlns:pvml="urn:schemas-microsoft-com:office:powerpoint" xmlns:com="http://schemas.openxmlformats.org/drawingml/2006/compatibility" xmlns:p14="http://schemas.microsoft.com/office/powerpoint/2010/main" xmlns:p15="http://schemas.microsoft.com/office/powerpoint/2012/main" xmlns:ahyp="http://schemas.microsoft.com/office/drawing/2018/hyperlinkcolor">
-  <p:cSld>
-    <p:spTree>
-      <p:nvGrpSpPr>
-        <p:cNvPr id="163" name="Shape 163"/>
-        <p:cNvGrpSpPr/>
-        <p:nvPr/>
-      </p:nvGrpSpPr>
-      <p:grpSpPr>
-        <a:xfrm>
-          <a:off x="0" y="0"/>
-          <a:ext cx="0" cy="0"/>
-          <a:chOff x="0" y="0"/>
-          <a:chExt cx="0" cy="0"/>
-        </a:xfrm>
-      </p:grpSpPr>
-      <p:sp>
-        <p:nvSpPr>
-          <p:cNvPr id="164" name="Google Shape;164;p18"/>
-          <p:cNvSpPr txBox="1"/>
-          <p:nvPr>
-            <p:ph type="title"/>
-          </p:nvPr>
-        </p:nvSpPr>
-        <p:spPr>
-          <a:xfrm>
-            <a:off x="1297500" y="393750"/>
-            <a:ext cx="7038900" cy="914100"/>
-          </a:xfrm>
-          <a:prstGeom prst="rect">
-            <a:avLst/>
-          </a:prstGeom>
-        </p:spPr>
-        <p:txBody>
-          <a:bodyPr anchorCtr="0" anchor="t" bIns="91425" lIns="91425" spcFirstLastPara="1" rIns="91425" wrap="square" tIns="91425">
-            <a:normAutofit/>
-          </a:bodyPr>
-          <a:lstStyle/>
-          <a:p>
-            <a:pPr indent="0" lvl="0" marL="0" rtl="0" algn="l">
-              <a:spcBef>
-                <a:spcPts val="0"/>
-              </a:spcBef>
-              <a:spcAft>
-                <a:spcPts val="0"/>
-              </a:spcAft>
-              <a:buNone/>
-            </a:pPr>
-            <a:r>
-              <a:rPr lang="it"/>
-              <a:t>PACKAGE - logica</a:t>
-            </a:r>
-            <a:endParaRPr/>
-          </a:p>
-        </p:txBody>
-      </p:sp>
-      <p:sp>
-        <p:nvSpPr>
-          <p:cNvPr id="165" name="Google Shape;165;p18"/>
-          <p:cNvSpPr txBox="1"/>
-          <p:nvPr>
-            <p:ph idx="1" type="body"/>
-          </p:nvPr>
-        </p:nvSpPr>
-        <p:spPr>
-          <a:xfrm>
-            <a:off x="4932900" y="2446200"/>
-            <a:ext cx="3633900" cy="1421400"/>
-          </a:xfrm>
-          <a:prstGeom prst="rect">
-            <a:avLst/>
-          </a:prstGeom>
-        </p:spPr>
-        <p:txBody>
-          <a:bodyPr anchorCtr="0" anchor="t" bIns="91425" lIns="91425" spcFirstLastPara="1" rIns="91425" wrap="square" tIns="91425">
-            <a:normAutofit lnSpcReduction="10000"/>
-          </a:bodyPr>
-          <a:lstStyle/>
-          <a:p>
-            <a:pPr indent="0" lvl="0" marL="0" rtl="0" algn="l">
-              <a:spcBef>
-                <a:spcPts val="0"/>
-              </a:spcBef>
-              <a:spcAft>
-                <a:spcPts val="0"/>
-              </a:spcAft>
-              <a:buNone/>
-            </a:pPr>
-            <a:r>
-              <a:rPr lang="it"/>
-              <a:t>Il package logica contiene tutte le classe per la gestione delle logica tra cui: GameManager, Stanza, Oggetti, Evento, GestioneSalvataggio e l’interfaccia Inseritore.</a:t>
-            </a:r>
-            <a:endParaRPr/>
-          </a:p>
-          <a:p>
-            <a:pPr indent="0" lvl="0" marL="0" rtl="0" algn="l">
-              <a:spcBef>
-                <a:spcPts val="1200"/>
-              </a:spcBef>
-              <a:spcAft>
-                <a:spcPts val="1200"/>
-              </a:spcAft>
-              <a:buNone/>
-            </a:pPr>
-            <a:r>
-              <a:t/>
-            </a:r>
-            <a:endParaRPr/>
-          </a:p>
-        </p:txBody>
-      </p:sp>
-    </p:spTree>
-  </p:cSld>
-  <p:clrMapOvr>
-    <a:masterClrMapping/>
-  </p:clrMapOvr>
-</p:sld>
-</file>
-
-<file path=ppt/slides/slide7.xml><?xml version="1.0" encoding="utf-8"?>
 <p:sld xmlns:a="http://schemas.openxmlformats.org/drawingml/2006/main" xmlns:r="http://schemas.openxmlformats.org/officeDocument/2006/relationships" xmlns:mc="http://schemas.openxmlformats.org/markup-compatibility/2006" xmlns:mv="urn:schemas-microsoft-com:mac:vml" xmlns:p="http://schemas.openxmlformats.org/presentationml/2006/main" xmlns:c="http://schemas.openxmlformats.org/drawingml/2006/chart" xmlns:dgm="http://schemas.openxmlformats.org/drawingml/2006/diagram" xmlns:o="urn:schemas-microsoft-com:office:office" xmlns:v="urn:schemas-microsoft-com:vml" xmlns:pvml="urn:schemas-microsoft-com:office:powerpoint" xmlns:com="http://schemas.openxmlformats.org/drawingml/2006/compatibility" xmlns:p14="http://schemas.microsoft.com/office/powerpoint/2010/main" xmlns:p15="http://schemas.microsoft.com/office/powerpoint/2012/main" xmlns:ahyp="http://schemas.microsoft.com/office/drawing/2018/hyperlinkcolor">
   <p:cSld>
     <p:spTree>
@@ -11292,7 +13589,7 @@
       </p:grpSpPr>
       <p:sp>
         <p:nvSpPr>
-          <p:cNvPr id="170" name="Google Shape;170;p19"/>
+          <p:cNvPr id="170" name="Google Shape;170;p18"/>
           <p:cNvSpPr txBox="1"/>
           <p:nvPr>
             <p:ph type="title"/>
@@ -11332,7 +13629,7 @@
       </p:sp>
       <p:sp>
         <p:nvSpPr>
-          <p:cNvPr id="171" name="Google Shape;171;p19"/>
+          <p:cNvPr id="171" name="Google Shape;171;p18"/>
           <p:cNvSpPr txBox="1"/>
           <p:nvPr>
             <p:ph idx="1" type="body"/>
@@ -11340,8 +13637,116 @@
         </p:nvSpPr>
         <p:spPr>
           <a:xfrm>
-            <a:off x="4932900" y="1627100"/>
-            <a:ext cx="3633900" cy="2911200"/>
+            <a:off x="4932900" y="2446200"/>
+            <a:ext cx="3633900" cy="1421400"/>
+          </a:xfrm>
+          <a:prstGeom prst="rect">
+            <a:avLst/>
+          </a:prstGeom>
+        </p:spPr>
+        <p:txBody>
+          <a:bodyPr anchorCtr="0" anchor="t" bIns="91425" lIns="91425" spcFirstLastPara="1" rIns="91425" wrap="square" tIns="91425">
+            <a:normAutofit lnSpcReduction="10000"/>
+          </a:bodyPr>
+          <a:lstStyle/>
+          <a:p>
+            <a:pPr indent="0" lvl="0" marL="0" rtl="0" algn="l">
+              <a:spcBef>
+                <a:spcPts val="0"/>
+              </a:spcBef>
+              <a:spcAft>
+                <a:spcPts val="0"/>
+              </a:spcAft>
+              <a:buNone/>
+            </a:pPr>
+            <a:r>
+              <a:rPr lang="it"/>
+              <a:t>Il package logica contiene tutte le classe per la gestione delle logica tra cui: GameManager, Stanza, Oggetti, Evento, GestioneSalvataggio e l’interfaccia Inseritore.</a:t>
+            </a:r>
+            <a:endParaRPr/>
+          </a:p>
+          <a:p>
+            <a:pPr indent="0" lvl="0" marL="0" rtl="0" algn="l">
+              <a:spcBef>
+                <a:spcPts val="1200"/>
+              </a:spcBef>
+              <a:spcAft>
+                <a:spcPts val="1200"/>
+              </a:spcAft>
+              <a:buNone/>
+            </a:pPr>
+            <a:r>
+              <a:t/>
+            </a:r>
+            <a:endParaRPr/>
+          </a:p>
+        </p:txBody>
+      </p:sp>
+      <p:pic>
+        <p:nvPicPr>
+          <p:cNvPr id="172" name="Google Shape;172;p18"/>
+          <p:cNvPicPr preferRelativeResize="0"/>
+          <p:nvPr/>
+        </p:nvPicPr>
+        <p:blipFill>
+          <a:blip r:embed="rId3">
+            <a:alphaModFix/>
+          </a:blip>
+          <a:stretch>
+            <a:fillRect/>
+          </a:stretch>
+        </p:blipFill>
+        <p:spPr>
+          <a:xfrm>
+            <a:off x="1625100" y="1906050"/>
+            <a:ext cx="2202125" cy="2177250"/>
+          </a:xfrm>
+          <a:prstGeom prst="rect">
+            <a:avLst/>
+          </a:prstGeom>
+          <a:noFill/>
+          <a:ln>
+            <a:noFill/>
+          </a:ln>
+        </p:spPr>
+      </p:pic>
+    </p:spTree>
+  </p:cSld>
+  <p:clrMapOvr>
+    <a:masterClrMapping/>
+  </p:clrMapOvr>
+</p:sld>
+</file>
+
+<file path=ppt/slides/slide7.xml><?xml version="1.0" encoding="utf-8"?>
+<p:sld xmlns:a="http://schemas.openxmlformats.org/drawingml/2006/main" xmlns:r="http://schemas.openxmlformats.org/officeDocument/2006/relationships" xmlns:mc="http://schemas.openxmlformats.org/markup-compatibility/2006" xmlns:mv="urn:schemas-microsoft-com:mac:vml" xmlns:p="http://schemas.openxmlformats.org/presentationml/2006/main" xmlns:c="http://schemas.openxmlformats.org/drawingml/2006/chart" xmlns:dgm="http://schemas.openxmlformats.org/drawingml/2006/diagram" xmlns:o="urn:schemas-microsoft-com:office:office" xmlns:v="urn:schemas-microsoft-com:vml" xmlns:pvml="urn:schemas-microsoft-com:office:powerpoint" xmlns:com="http://schemas.openxmlformats.org/drawingml/2006/compatibility" xmlns:p14="http://schemas.microsoft.com/office/powerpoint/2010/main" xmlns:p15="http://schemas.microsoft.com/office/powerpoint/2012/main" xmlns:ahyp="http://schemas.microsoft.com/office/drawing/2018/hyperlinkcolor">
+  <p:cSld>
+    <p:spTree>
+      <p:nvGrpSpPr>
+        <p:cNvPr id="176" name="Shape 176"/>
+        <p:cNvGrpSpPr/>
+        <p:nvPr/>
+      </p:nvGrpSpPr>
+      <p:grpSpPr>
+        <a:xfrm>
+          <a:off x="0" y="0"/>
+          <a:ext cx="0" cy="0"/>
+          <a:chOff x="0" y="0"/>
+          <a:chExt cx="0" cy="0"/>
+        </a:xfrm>
+      </p:grpSpPr>
+      <p:sp>
+        <p:nvSpPr>
+          <p:cNvPr id="177" name="Google Shape;177;p19"/>
+          <p:cNvSpPr txBox="1"/>
+          <p:nvPr>
+            <p:ph type="title"/>
+          </p:nvPr>
+        </p:nvSpPr>
+        <p:spPr>
+          <a:xfrm>
+            <a:off x="1297500" y="393750"/>
+            <a:ext cx="7038900" cy="914100"/>
           </a:xfrm>
           <a:prstGeom prst="rect">
             <a:avLst/>
@@ -11364,6 +13769,46 @@
             </a:pPr>
             <a:r>
               <a:rPr lang="it"/>
+              <a:t>PACKAGE - logica</a:t>
+            </a:r>
+            <a:endParaRPr/>
+          </a:p>
+        </p:txBody>
+      </p:sp>
+      <p:sp>
+        <p:nvSpPr>
+          <p:cNvPr id="178" name="Google Shape;178;p19"/>
+          <p:cNvSpPr txBox="1"/>
+          <p:nvPr>
+            <p:ph idx="1" type="body"/>
+          </p:nvPr>
+        </p:nvSpPr>
+        <p:spPr>
+          <a:xfrm>
+            <a:off x="4932900" y="1627100"/>
+            <a:ext cx="3633900" cy="2911200"/>
+          </a:xfrm>
+          <a:prstGeom prst="rect">
+            <a:avLst/>
+          </a:prstGeom>
+        </p:spPr>
+        <p:txBody>
+          <a:bodyPr anchorCtr="0" anchor="t" bIns="91425" lIns="91425" spcFirstLastPara="1" rIns="91425" wrap="square" tIns="91425">
+            <a:normAutofit/>
+          </a:bodyPr>
+          <a:lstStyle/>
+          <a:p>
+            <a:pPr indent="0" lvl="0" marL="0" rtl="0" algn="l">
+              <a:spcBef>
+                <a:spcPts val="0"/>
+              </a:spcBef>
+              <a:spcAft>
+                <a:spcPts val="0"/>
+              </a:spcAft>
+              <a:buNone/>
+            </a:pPr>
+            <a:r>
+              <a:rPr lang="it"/>
               <a:t>La classe GameManager mette e disposizione una serie di metodi che implementano i comandi di giochi (metodi richiamati dal metodo parser di Parser)</a:t>
             </a:r>
             <a:endParaRPr/>
@@ -11386,6 +13831,62 @@
           </a:p>
         </p:txBody>
       </p:sp>
+      <p:pic>
+        <p:nvPicPr>
+          <p:cNvPr id="179" name="Google Shape;179;p19"/>
+          <p:cNvPicPr preferRelativeResize="0"/>
+          <p:nvPr/>
+        </p:nvPicPr>
+        <p:blipFill>
+          <a:blip r:embed="rId3">
+            <a:alphaModFix/>
+          </a:blip>
+          <a:stretch>
+            <a:fillRect/>
+          </a:stretch>
+        </p:blipFill>
+        <p:spPr>
+          <a:xfrm>
+            <a:off x="152400" y="1163500"/>
+            <a:ext cx="2206264" cy="3530851"/>
+          </a:xfrm>
+          <a:prstGeom prst="rect">
+            <a:avLst/>
+          </a:prstGeom>
+          <a:noFill/>
+          <a:ln>
+            <a:noFill/>
+          </a:ln>
+        </p:spPr>
+      </p:pic>
+      <p:pic>
+        <p:nvPicPr>
+          <p:cNvPr id="180" name="Google Shape;180;p19"/>
+          <p:cNvPicPr preferRelativeResize="0"/>
+          <p:nvPr/>
+        </p:nvPicPr>
+        <p:blipFill>
+          <a:blip r:embed="rId4">
+            <a:alphaModFix/>
+          </a:blip>
+          <a:stretch>
+            <a:fillRect/>
+          </a:stretch>
+        </p:blipFill>
+        <p:spPr>
+          <a:xfrm>
+            <a:off x="2810725" y="1163549"/>
+            <a:ext cx="1761275" cy="3847327"/>
+          </a:xfrm>
+          <a:prstGeom prst="rect">
+            <a:avLst/>
+          </a:prstGeom>
+          <a:noFill/>
+          <a:ln>
+            <a:noFill/>
+          </a:ln>
+        </p:spPr>
+      </p:pic>
     </p:spTree>
   </p:cSld>
   <p:clrMapOvr>
@@ -11399,7 +13900,7 @@
   <p:cSld>
     <p:spTree>
       <p:nvGrpSpPr>
-        <p:cNvPr id="175" name="Shape 175"/>
+        <p:cNvPr id="184" name="Shape 184"/>
         <p:cNvGrpSpPr/>
         <p:nvPr/>
       </p:nvGrpSpPr>
@@ -11413,7 +13914,7 @@
       </p:grpSpPr>
       <p:sp>
         <p:nvSpPr>
-          <p:cNvPr id="176" name="Google Shape;176;p20"/>
+          <p:cNvPr id="185" name="Google Shape;185;p20"/>
           <p:cNvSpPr txBox="1"/>
           <p:nvPr>
             <p:ph type="title"/>
@@ -11453,7 +13954,7 @@
       </p:sp>
       <p:sp>
         <p:nvSpPr>
-          <p:cNvPr id="177" name="Google Shape;177;p20"/>
+          <p:cNvPr id="186" name="Google Shape;186;p20"/>
           <p:cNvSpPr txBox="1"/>
           <p:nvPr>
             <p:ph idx="1" type="body"/>
@@ -11461,7 +13962,7 @@
         </p:nvSpPr>
         <p:spPr>
           <a:xfrm>
-            <a:off x="4936825" y="2154400"/>
+            <a:off x="4936825" y="2099450"/>
             <a:ext cx="3633900" cy="1644900"/>
           </a:xfrm>
           <a:prstGeom prst="rect">
@@ -11515,6 +14016,62 @@
           </a:p>
         </p:txBody>
       </p:sp>
+      <p:pic>
+        <p:nvPicPr>
+          <p:cNvPr id="187" name="Google Shape;187;p20"/>
+          <p:cNvPicPr preferRelativeResize="0"/>
+          <p:nvPr/>
+        </p:nvPicPr>
+        <p:blipFill>
+          <a:blip r:embed="rId3">
+            <a:alphaModFix/>
+          </a:blip>
+          <a:stretch>
+            <a:fillRect/>
+          </a:stretch>
+        </p:blipFill>
+        <p:spPr>
+          <a:xfrm>
+            <a:off x="1070613" y="1362800"/>
+            <a:ext cx="2773600" cy="1099875"/>
+          </a:xfrm>
+          <a:prstGeom prst="rect">
+            <a:avLst/>
+          </a:prstGeom>
+          <a:noFill/>
+          <a:ln>
+            <a:noFill/>
+          </a:ln>
+        </p:spPr>
+      </p:pic>
+      <p:pic>
+        <p:nvPicPr>
+          <p:cNvPr id="188" name="Google Shape;188;p20"/>
+          <p:cNvPicPr preferRelativeResize="0"/>
+          <p:nvPr/>
+        </p:nvPicPr>
+        <p:blipFill>
+          <a:blip r:embed="rId4">
+            <a:alphaModFix/>
+          </a:blip>
+          <a:stretch>
+            <a:fillRect/>
+          </a:stretch>
+        </p:blipFill>
+        <p:spPr>
+          <a:xfrm>
+            <a:off x="141400" y="2823875"/>
+            <a:ext cx="4632025" cy="1947556"/>
+          </a:xfrm>
+          <a:prstGeom prst="rect">
+            <a:avLst/>
+          </a:prstGeom>
+          <a:noFill/>
+          <a:ln>
+            <a:noFill/>
+          </a:ln>
+        </p:spPr>
+      </p:pic>
     </p:spTree>
   </p:cSld>
   <p:clrMapOvr>
@@ -11528,7 +14085,7 @@
   <p:cSld>
     <p:spTree>
       <p:nvGrpSpPr>
-        <p:cNvPr id="181" name="Shape 181"/>
+        <p:cNvPr id="192" name="Shape 192"/>
         <p:cNvGrpSpPr/>
         <p:nvPr/>
       </p:nvGrpSpPr>
@@ -11542,7 +14099,7 @@
       </p:grpSpPr>
       <p:sp>
         <p:nvSpPr>
-          <p:cNvPr id="182" name="Google Shape;182;p21"/>
+          <p:cNvPr id="193" name="Google Shape;193;p21"/>
           <p:cNvSpPr txBox="1"/>
           <p:nvPr>
             <p:ph type="title"/>
@@ -11582,7 +14139,7 @@
       </p:sp>
       <p:sp>
         <p:nvSpPr>
-          <p:cNvPr id="183" name="Google Shape;183;p21"/>
+          <p:cNvPr id="194" name="Google Shape;194;p21"/>
           <p:cNvSpPr txBox="1"/>
           <p:nvPr>
             <p:ph idx="1" type="body"/>
@@ -11687,6 +14244,34 @@
           </a:p>
         </p:txBody>
       </p:sp>
+      <p:pic>
+        <p:nvPicPr>
+          <p:cNvPr id="195" name="Google Shape;195;p21"/>
+          <p:cNvPicPr preferRelativeResize="0"/>
+          <p:nvPr/>
+        </p:nvPicPr>
+        <p:blipFill>
+          <a:blip r:embed="rId3">
+            <a:alphaModFix/>
+          </a:blip>
+          <a:stretch>
+            <a:fillRect/>
+          </a:stretch>
+        </p:blipFill>
+        <p:spPr>
+          <a:xfrm>
+            <a:off x="284300" y="1317275"/>
+            <a:ext cx="4380997" cy="3530850"/>
+          </a:xfrm>
+          <a:prstGeom prst="rect">
+            <a:avLst/>
+          </a:prstGeom>
+          <a:noFill/>
+          <a:ln>
+            <a:noFill/>
+          </a:ln>
+        </p:spPr>
+      </p:pic>
     </p:spTree>
   </p:cSld>
   <p:clrMapOvr>

--- a/Presentazione senza titolo.pptx
+++ b/Presentazione senza titolo.pptx
@@ -1,55 +1,55 @@
 
 <file path=ppt/presentation.xml><?xml version="1.0" encoding="utf-8"?>
-<p:presentation xmlns:a="http://schemas.openxmlformats.org/drawingml/2006/main" xmlns:r="http://schemas.openxmlformats.org/officeDocument/2006/relationships" xmlns:mc="http://schemas.openxmlformats.org/markup-compatibility/2006" xmlns:mv="urn:schemas-microsoft-com:mac:vml" xmlns:p="http://schemas.openxmlformats.org/presentationml/2006/main" xmlns:c="http://schemas.openxmlformats.org/drawingml/2006/chart" xmlns:dgm="http://schemas.openxmlformats.org/drawingml/2006/diagram" xmlns:o="urn:schemas-microsoft-com:office:office" xmlns:v="urn:schemas-microsoft-com:vml" xmlns:pvml="urn:schemas-microsoft-com:office:powerpoint" xmlns:com="http://schemas.openxmlformats.org/drawingml/2006/compatibility" xmlns:p14="http://schemas.microsoft.com/office/powerpoint/2010/main" xmlns:p15="http://schemas.microsoft.com/office/powerpoint/2012/main" xmlns:ahyp="http://schemas.microsoft.com/office/drawing/2018/hyperlinkcolor" autoCompressPictures="0" embedTrueTypeFonts="1" strictFirstAndLastChars="0" saveSubsetFonts="1">
+<p:presentation xmlns:a="http://schemas.openxmlformats.org/drawingml/2006/main" xmlns:r="http://schemas.openxmlformats.org/officeDocument/2006/relationships" xmlns:p="http://schemas.openxmlformats.org/presentationml/2006/main" strictFirstAndLastChars="0" embedTrueTypeFonts="1" saveSubsetFonts="1" autoCompressPictures="0">
   <p:sldMasterIdLst>
-    <p:sldMasterId id="2147483659" r:id="rId4"/>
+    <p:sldMasterId id="2147483659" r:id="rId1"/>
   </p:sldMasterIdLst>
   <p:notesMasterIdLst>
-    <p:notesMasterId r:id="rId5"/>
+    <p:notesMasterId r:id="rId23"/>
   </p:notesMasterIdLst>
   <p:sldIdLst>
-    <p:sldId id="256" r:id="rId6"/>
-    <p:sldId id="257" r:id="rId7"/>
-    <p:sldId id="258" r:id="rId8"/>
-    <p:sldId id="259" r:id="rId9"/>
-    <p:sldId id="260" r:id="rId10"/>
-    <p:sldId id="261" r:id="rId11"/>
-    <p:sldId id="262" r:id="rId12"/>
-    <p:sldId id="263" r:id="rId13"/>
-    <p:sldId id="264" r:id="rId14"/>
-    <p:sldId id="265" r:id="rId15"/>
-    <p:sldId id="266" r:id="rId16"/>
-    <p:sldId id="267" r:id="rId17"/>
-    <p:sldId id="268" r:id="rId18"/>
-    <p:sldId id="269" r:id="rId19"/>
-    <p:sldId id="270" r:id="rId20"/>
-    <p:sldId id="271" r:id="rId21"/>
-    <p:sldId id="272" r:id="rId22"/>
-    <p:sldId id="273" r:id="rId23"/>
-    <p:sldId id="274" r:id="rId24"/>
-    <p:sldId id="275" r:id="rId25"/>
-    <p:sldId id="276" r:id="rId26"/>
+    <p:sldId id="256" r:id="rId2"/>
+    <p:sldId id="257" r:id="rId3"/>
+    <p:sldId id="258" r:id="rId4"/>
+    <p:sldId id="259" r:id="rId5"/>
+    <p:sldId id="260" r:id="rId6"/>
+    <p:sldId id="261" r:id="rId7"/>
+    <p:sldId id="262" r:id="rId8"/>
+    <p:sldId id="263" r:id="rId9"/>
+    <p:sldId id="264" r:id="rId10"/>
+    <p:sldId id="265" r:id="rId11"/>
+    <p:sldId id="266" r:id="rId12"/>
+    <p:sldId id="267" r:id="rId13"/>
+    <p:sldId id="268" r:id="rId14"/>
+    <p:sldId id="269" r:id="rId15"/>
+    <p:sldId id="270" r:id="rId16"/>
+    <p:sldId id="271" r:id="rId17"/>
+    <p:sldId id="272" r:id="rId18"/>
+    <p:sldId id="273" r:id="rId19"/>
+    <p:sldId id="274" r:id="rId20"/>
+    <p:sldId id="275" r:id="rId21"/>
+    <p:sldId id="276" r:id="rId22"/>
   </p:sldIdLst>
-  <p:sldSz cy="5143500" cx="9144000"/>
+  <p:sldSz cx="9144000" cy="5143500" type="screen16x9"/>
   <p:notesSz cx="6858000" cy="9144000"/>
   <p:embeddedFontLst>
     <p:embeddedFont>
-      <p:font typeface="Montserrat"/>
-      <p:regular r:id="rId27"/>
-      <p:bold r:id="rId28"/>
-      <p:italic r:id="rId29"/>
-      <p:boldItalic r:id="rId30"/>
+      <p:font typeface="Lato" charset="0"/>
+      <p:regular r:id="rId24"/>
+      <p:bold r:id="rId25"/>
+      <p:italic r:id="rId26"/>
+      <p:boldItalic r:id="rId27"/>
     </p:embeddedFont>
     <p:embeddedFont>
-      <p:font typeface="Lato"/>
-      <p:regular r:id="rId31"/>
-      <p:bold r:id="rId32"/>
-      <p:italic r:id="rId33"/>
-      <p:boldItalic r:id="rId34"/>
+      <p:font typeface="Montserrat" charset="0"/>
+      <p:regular r:id="rId28"/>
+      <p:bold r:id="rId29"/>
+      <p:italic r:id="rId30"/>
+      <p:boldItalic r:id="rId31"/>
     </p:embeddedFont>
   </p:embeddedFontLst>
   <p:defaultTextStyle>
-    <a:defPPr lvl="0" marR="0" rtl="0" algn="l">
+    <a:defPPr marR="0" lvl="0" algn="l" rtl="0">
       <a:lnSpc>
         <a:spcPct val="100000"/>
       </a:lnSpc>
@@ -60,7 +60,7 @@
         <a:spcPts val="0"/>
       </a:spcAft>
     </a:defPPr>
-    <a:lvl1pPr lvl="0" marR="0" rtl="0" algn="l">
+    <a:lvl1pPr marR="0" lvl="0" algn="l" rtl="0">
       <a:lnSpc>
         <a:spcPct val="100000"/>
       </a:lnSpc>
@@ -74,7 +74,7 @@
         <a:srgbClr val="000000"/>
       </a:buClr>
       <a:buFont typeface="Arial"/>
-      <a:defRPr b="0" i="0" sz="1400" u="none" cap="none" strike="noStrike">
+      <a:defRPr sz="1400" b="0" i="0" u="none" strike="noStrike" cap="none">
         <a:solidFill>
           <a:srgbClr val="000000"/>
         </a:solidFill>
@@ -84,7 +84,7 @@
         <a:sym typeface="Arial"/>
       </a:defRPr>
     </a:lvl1pPr>
-    <a:lvl2pPr lvl="1" marR="0" rtl="0" algn="l">
+    <a:lvl2pPr marR="0" lvl="1" algn="l" rtl="0">
       <a:lnSpc>
         <a:spcPct val="100000"/>
       </a:lnSpc>
@@ -98,7 +98,7 @@
         <a:srgbClr val="000000"/>
       </a:buClr>
       <a:buFont typeface="Arial"/>
-      <a:defRPr b="0" i="0" sz="1400" u="none" cap="none" strike="noStrike">
+      <a:defRPr sz="1400" b="0" i="0" u="none" strike="noStrike" cap="none">
         <a:solidFill>
           <a:srgbClr val="000000"/>
         </a:solidFill>
@@ -108,7 +108,7 @@
         <a:sym typeface="Arial"/>
       </a:defRPr>
     </a:lvl2pPr>
-    <a:lvl3pPr lvl="2" marR="0" rtl="0" algn="l">
+    <a:lvl3pPr marR="0" lvl="2" algn="l" rtl="0">
       <a:lnSpc>
         <a:spcPct val="100000"/>
       </a:lnSpc>
@@ -122,7 +122,7 @@
         <a:srgbClr val="000000"/>
       </a:buClr>
       <a:buFont typeface="Arial"/>
-      <a:defRPr b="0" i="0" sz="1400" u="none" cap="none" strike="noStrike">
+      <a:defRPr sz="1400" b="0" i="0" u="none" strike="noStrike" cap="none">
         <a:solidFill>
           <a:srgbClr val="000000"/>
         </a:solidFill>
@@ -132,7 +132,7 @@
         <a:sym typeface="Arial"/>
       </a:defRPr>
     </a:lvl3pPr>
-    <a:lvl4pPr lvl="3" marR="0" rtl="0" algn="l">
+    <a:lvl4pPr marR="0" lvl="3" algn="l" rtl="0">
       <a:lnSpc>
         <a:spcPct val="100000"/>
       </a:lnSpc>
@@ -146,7 +146,7 @@
         <a:srgbClr val="000000"/>
       </a:buClr>
       <a:buFont typeface="Arial"/>
-      <a:defRPr b="0" i="0" sz="1400" u="none" cap="none" strike="noStrike">
+      <a:defRPr sz="1400" b="0" i="0" u="none" strike="noStrike" cap="none">
         <a:solidFill>
           <a:srgbClr val="000000"/>
         </a:solidFill>
@@ -156,7 +156,7 @@
         <a:sym typeface="Arial"/>
       </a:defRPr>
     </a:lvl4pPr>
-    <a:lvl5pPr lvl="4" marR="0" rtl="0" algn="l">
+    <a:lvl5pPr marR="0" lvl="4" algn="l" rtl="0">
       <a:lnSpc>
         <a:spcPct val="100000"/>
       </a:lnSpc>
@@ -170,7 +170,7 @@
         <a:srgbClr val="000000"/>
       </a:buClr>
       <a:buFont typeface="Arial"/>
-      <a:defRPr b="0" i="0" sz="1400" u="none" cap="none" strike="noStrike">
+      <a:defRPr sz="1400" b="0" i="0" u="none" strike="noStrike" cap="none">
         <a:solidFill>
           <a:srgbClr val="000000"/>
         </a:solidFill>
@@ -180,7 +180,7 @@
         <a:sym typeface="Arial"/>
       </a:defRPr>
     </a:lvl5pPr>
-    <a:lvl6pPr lvl="5" marR="0" rtl="0" algn="l">
+    <a:lvl6pPr marR="0" lvl="5" algn="l" rtl="0">
       <a:lnSpc>
         <a:spcPct val="100000"/>
       </a:lnSpc>
@@ -194,7 +194,7 @@
         <a:srgbClr val="000000"/>
       </a:buClr>
       <a:buFont typeface="Arial"/>
-      <a:defRPr b="0" i="0" sz="1400" u="none" cap="none" strike="noStrike">
+      <a:defRPr sz="1400" b="0" i="0" u="none" strike="noStrike" cap="none">
         <a:solidFill>
           <a:srgbClr val="000000"/>
         </a:solidFill>
@@ -204,7 +204,7 @@
         <a:sym typeface="Arial"/>
       </a:defRPr>
     </a:lvl6pPr>
-    <a:lvl7pPr lvl="6" marR="0" rtl="0" algn="l">
+    <a:lvl7pPr marR="0" lvl="6" algn="l" rtl="0">
       <a:lnSpc>
         <a:spcPct val="100000"/>
       </a:lnSpc>
@@ -218,7 +218,7 @@
         <a:srgbClr val="000000"/>
       </a:buClr>
       <a:buFont typeface="Arial"/>
-      <a:defRPr b="0" i="0" sz="1400" u="none" cap="none" strike="noStrike">
+      <a:defRPr sz="1400" b="0" i="0" u="none" strike="noStrike" cap="none">
         <a:solidFill>
           <a:srgbClr val="000000"/>
         </a:solidFill>
@@ -228,7 +228,7 @@
         <a:sym typeface="Arial"/>
       </a:defRPr>
     </a:lvl7pPr>
-    <a:lvl8pPr lvl="7" marR="0" rtl="0" algn="l">
+    <a:lvl8pPr marR="0" lvl="7" algn="l" rtl="0">
       <a:lnSpc>
         <a:spcPct val="100000"/>
       </a:lnSpc>
@@ -242,7 +242,7 @@
         <a:srgbClr val="000000"/>
       </a:buClr>
       <a:buFont typeface="Arial"/>
-      <a:defRPr b="0" i="0" sz="1400" u="none" cap="none" strike="noStrike">
+      <a:defRPr sz="1400" b="0" i="0" u="none" strike="noStrike" cap="none">
         <a:solidFill>
           <a:srgbClr val="000000"/>
         </a:solidFill>
@@ -252,7 +252,7 @@
         <a:sym typeface="Arial"/>
       </a:defRPr>
     </a:lvl8pPr>
-    <a:lvl9pPr lvl="8" marR="0" rtl="0" algn="l">
+    <a:lvl9pPr marR="0" lvl="8" algn="l" rtl="0">
       <a:lnSpc>
         <a:spcPct val="100000"/>
       </a:lnSpc>
@@ -266,7 +266,7 @@
         <a:srgbClr val="000000"/>
       </a:buClr>
       <a:buFont typeface="Arial"/>
-      <a:defRPr b="0" i="0" sz="1400" u="none" cap="none" strike="noStrike">
+      <a:defRPr sz="1400" b="0" i="0" u="none" strike="noStrike" cap="none">
         <a:solidFill>
           <a:srgbClr val="000000"/>
         </a:solidFill>
@@ -279,7 +279,7 @@
   </p:defaultTextStyle>
   <p:extLst>
     <p:ext uri="{EFAFB233-063F-42B5-8137-9DF3F51BA10A}">
-      <p15:sldGuideLst>
+      <p15:sldGuideLst xmlns:ahyp="http://schemas.microsoft.com/office/drawing/2018/hyperlinkcolor" xmlns:p15="http://schemas.microsoft.com/office/powerpoint/2012/main" xmlns:p14="http://schemas.microsoft.com/office/powerpoint/2010/main" xmlns:com="http://schemas.openxmlformats.org/drawingml/2006/compatibility" xmlns:pvml="urn:schemas-microsoft-com:office:powerpoint" xmlns:v="urn:schemas-microsoft-com:vml" xmlns:o="urn:schemas-microsoft-com:office:office" xmlns:dgm="http://schemas.openxmlformats.org/drawingml/2006/diagram" xmlns:c="http://schemas.openxmlformats.org/drawingml/2006/chart" xmlns:mv="urn:schemas-microsoft-com:mac:vml" xmlns:mc="http://schemas.openxmlformats.org/markup-compatibility/2006" xmlns="">
         <p15:guide id="1" orient="horz" pos="1620">
           <p15:clr>
             <a:srgbClr val="A4A3A4"/>
@@ -297,11 +297,16 @@
 </file>
 
 <file path=ppt/notesMasters/notesMaster1.xml><?xml version="1.0" encoding="utf-8"?>
-<p:notesMaster xmlns:a="http://schemas.openxmlformats.org/drawingml/2006/main" xmlns:r="http://schemas.openxmlformats.org/officeDocument/2006/relationships" xmlns:mc="http://schemas.openxmlformats.org/markup-compatibility/2006" xmlns:mv="urn:schemas-microsoft-com:mac:vml" xmlns:p="http://schemas.openxmlformats.org/presentationml/2006/main" xmlns:c="http://schemas.openxmlformats.org/drawingml/2006/chart" xmlns:dgm="http://schemas.openxmlformats.org/drawingml/2006/diagram" xmlns:o="urn:schemas-microsoft-com:office:office" xmlns:v="urn:schemas-microsoft-com:vml" xmlns:pvml="urn:schemas-microsoft-com:office:powerpoint" xmlns:com="http://schemas.openxmlformats.org/drawingml/2006/compatibility" xmlns:p14="http://schemas.microsoft.com/office/powerpoint/2010/main" xmlns:p15="http://schemas.microsoft.com/office/powerpoint/2012/main" xmlns:ahyp="http://schemas.microsoft.com/office/drawing/2018/hyperlinkcolor">
+<p:notesMaster xmlns:a="http://schemas.openxmlformats.org/drawingml/2006/main" xmlns:r="http://schemas.openxmlformats.org/officeDocument/2006/relationships" xmlns:p="http://schemas.openxmlformats.org/presentationml/2006/main">
   <p:cSld>
+    <p:bg>
+      <p:bgRef idx="1001">
+        <a:schemeClr val="bg1"/>
+      </p:bgRef>
+    </p:bg>
     <p:spTree>
       <p:nvGrpSpPr>
-        <p:cNvPr id="2" name="Shape 2"/>
+        <p:cNvPr id="1" name="Shape 2"/>
         <p:cNvGrpSpPr/>
         <p:nvPr/>
       </p:nvGrpSpPr>
@@ -316,9 +321,11 @@
       <p:sp>
         <p:nvSpPr>
           <p:cNvPr id="3" name="Google Shape;3;n"/>
-          <p:cNvSpPr/>
+          <p:cNvSpPr>
+            <a:spLocks noGrp="1" noRot="1" noChangeAspect="1"/>
+          </p:cNvSpPr>
           <p:nvPr>
-            <p:ph idx="2" type="sldImg"/>
+            <p:ph type="sldImg" idx="2"/>
           </p:nvPr>
         </p:nvSpPr>
         <p:spPr>
@@ -327,9 +334,13 @@
             <a:ext cx="6096075" cy="3429000"/>
           </a:xfrm>
           <a:custGeom>
-            <a:rect b="b" l="l" r="r" t="t"/>
+            <a:avLst/>
+            <a:gdLst/>
+            <a:ahLst/>
+            <a:cxnLst/>
+            <a:rect l="l" t="t" r="r" b="b"/>
             <a:pathLst>
-              <a:path extrusionOk="0" h="120000" w="120000">
+              <a:path w="120000" h="120000" extrusionOk="0">
                 <a:moveTo>
                   <a:pt x="0" y="0"/>
                 </a:moveTo>
@@ -347,23 +358,25 @@
             </a:pathLst>
           </a:custGeom>
           <a:noFill/>
-          <a:ln cap="flat" cmpd="sng" w="9525">
+          <a:ln w="9525" cap="flat" cmpd="sng">
             <a:solidFill>
               <a:srgbClr val="000000"/>
             </a:solidFill>
             <a:prstDash val="solid"/>
             <a:round/>
-            <a:headEnd len="sm" w="sm" type="none"/>
-            <a:tailEnd len="sm" w="sm" type="none"/>
+            <a:headEnd type="none" w="sm" len="sm"/>
+            <a:tailEnd type="none" w="sm" len="sm"/>
           </a:ln>
         </p:spPr>
       </p:sp>
       <p:sp>
         <p:nvSpPr>
           <p:cNvPr id="4" name="Google Shape;4;n"/>
-          <p:cNvSpPr txBox="1"/>
+          <p:cNvSpPr txBox="1">
+            <a:spLocks noGrp="1"/>
+          </p:cNvSpPr>
           <p:nvPr>
-            <p:ph idx="1" type="body"/>
+            <p:ph type="body" idx="1"/>
           </p:nvPr>
         </p:nvSpPr>
         <p:spPr>
@@ -380,11 +393,11 @@
           </a:ln>
         </p:spPr>
         <p:txBody>
-          <a:bodyPr anchorCtr="0" anchor="t" bIns="91425" lIns="91425" spcFirstLastPara="1" rIns="91425" wrap="square" tIns="91425">
+          <a:bodyPr spcFirstLastPara="1" wrap="square" lIns="91425" tIns="91425" rIns="91425" bIns="91425" anchor="t" anchorCtr="0">
             <a:noAutofit/>
           </a:bodyPr>
           <a:lstStyle>
-            <a:lvl1pPr indent="-298450" lvl="0" marL="457200">
+            <a:lvl1pPr marL="457200" lvl="0" indent="-298450">
               <a:spcBef>
                 <a:spcPts val="0"/>
               </a:spcBef>
@@ -395,7 +408,7 @@
               <a:buChar char="●"/>
               <a:defRPr sz="1100"/>
             </a:lvl1pPr>
-            <a:lvl2pPr indent="-298450" lvl="1" marL="914400">
+            <a:lvl2pPr marL="914400" lvl="1" indent="-298450">
               <a:spcBef>
                 <a:spcPts val="0"/>
               </a:spcBef>
@@ -406,7 +419,7 @@
               <a:buChar char="○"/>
               <a:defRPr sz="1100"/>
             </a:lvl2pPr>
-            <a:lvl3pPr indent="-298450" lvl="2" marL="1371600">
+            <a:lvl3pPr marL="1371600" lvl="2" indent="-298450">
               <a:spcBef>
                 <a:spcPts val="0"/>
               </a:spcBef>
@@ -417,7 +430,7 @@
               <a:buChar char="■"/>
               <a:defRPr sz="1100"/>
             </a:lvl3pPr>
-            <a:lvl4pPr indent="-298450" lvl="3" marL="1828800">
+            <a:lvl4pPr marL="1828800" lvl="3" indent="-298450">
               <a:spcBef>
                 <a:spcPts val="0"/>
               </a:spcBef>
@@ -428,7 +441,7 @@
               <a:buChar char="●"/>
               <a:defRPr sz="1100"/>
             </a:lvl4pPr>
-            <a:lvl5pPr indent="-298450" lvl="4" marL="2286000">
+            <a:lvl5pPr marL="2286000" lvl="4" indent="-298450">
               <a:spcBef>
                 <a:spcPts val="0"/>
               </a:spcBef>
@@ -439,7 +452,7 @@
               <a:buChar char="○"/>
               <a:defRPr sz="1100"/>
             </a:lvl5pPr>
-            <a:lvl6pPr indent="-298450" lvl="5" marL="2743200">
+            <a:lvl6pPr marL="2743200" lvl="5" indent="-298450">
               <a:spcBef>
                 <a:spcPts val="0"/>
               </a:spcBef>
@@ -450,7 +463,7 @@
               <a:buChar char="■"/>
               <a:defRPr sz="1100"/>
             </a:lvl6pPr>
-            <a:lvl7pPr indent="-298450" lvl="6" marL="3200400">
+            <a:lvl7pPr marL="3200400" lvl="6" indent="-298450">
               <a:spcBef>
                 <a:spcPts val="0"/>
               </a:spcBef>
@@ -461,7 +474,7 @@
               <a:buChar char="●"/>
               <a:defRPr sz="1100"/>
             </a:lvl7pPr>
-            <a:lvl8pPr indent="-298450" lvl="7" marL="3657600">
+            <a:lvl8pPr marL="3657600" lvl="7" indent="-298450">
               <a:spcBef>
                 <a:spcPts val="0"/>
               </a:spcBef>
@@ -472,7 +485,7 @@
               <a:buChar char="○"/>
               <a:defRPr sz="1100"/>
             </a:lvl8pPr>
-            <a:lvl9pPr indent="-298450" lvl="8" marL="4114800">
+            <a:lvl9pPr marL="4114800" lvl="8" indent="-298450">
               <a:spcBef>
                 <a:spcPts val="0"/>
               </a:spcBef>
@@ -484,14 +497,21 @@
               <a:defRPr sz="1100"/>
             </a:lvl9pPr>
           </a:lstStyle>
-          <a:p/>
+          <a:p>
+            <a:endParaRPr/>
+          </a:p>
         </p:txBody>
       </p:sp>
     </p:spTree>
+    <p:extLst>
+      <p:ext uri="{BB962C8B-B14F-4D97-AF65-F5344CB8AC3E}">
+        <p14:creationId xmlns:p14="http://schemas.microsoft.com/office/powerpoint/2010/main" val="2014183725"/>
+      </p:ext>
+    </p:extLst>
   </p:cSld>
-  <p:clrMap accent1="accent1" accent2="accent2" accent3="accent3" accent4="accent4" accent5="accent5" accent6="accent6" bg1="lt1" bg2="dk2" tx1="dk1" tx2="lt2" folHlink="folHlink" hlink="hlink"/>
+  <p:clrMap bg1="lt1" tx1="dk1" bg2="dk2" tx2="lt2" accent1="accent1" accent2="accent2" accent3="accent3" accent4="accent4" accent5="accent5" accent6="accent6" hlink="hlink" folHlink="folHlink"/>
   <p:notesStyle>
-    <a:defPPr lvl="0" marR="0" rtl="0" algn="l">
+    <a:defPPr marR="0" lvl="0" algn="l" rtl="0">
       <a:lnSpc>
         <a:spcPct val="100000"/>
       </a:lnSpc>
@@ -502,7 +522,7 @@
         <a:spcPts val="0"/>
       </a:spcAft>
     </a:defPPr>
-    <a:lvl1pPr lvl="0" marR="0" rtl="0" algn="l">
+    <a:lvl1pPr marR="0" lvl="0" algn="l" rtl="0">
       <a:lnSpc>
         <a:spcPct val="100000"/>
       </a:lnSpc>
@@ -516,7 +536,7 @@
         <a:srgbClr val="000000"/>
       </a:buClr>
       <a:buFont typeface="Arial"/>
-      <a:defRPr b="0" i="0" sz="1400" u="none" cap="none" strike="noStrike">
+      <a:defRPr sz="1400" b="0" i="0" u="none" strike="noStrike" cap="none">
         <a:solidFill>
           <a:srgbClr val="000000"/>
         </a:solidFill>
@@ -526,7 +546,7 @@
         <a:sym typeface="Arial"/>
       </a:defRPr>
     </a:lvl1pPr>
-    <a:lvl2pPr lvl="1" marR="0" rtl="0" algn="l">
+    <a:lvl2pPr marR="0" lvl="1" algn="l" rtl="0">
       <a:lnSpc>
         <a:spcPct val="100000"/>
       </a:lnSpc>
@@ -540,7 +560,7 @@
         <a:srgbClr val="000000"/>
       </a:buClr>
       <a:buFont typeface="Arial"/>
-      <a:defRPr b="0" i="0" sz="1400" u="none" cap="none" strike="noStrike">
+      <a:defRPr sz="1400" b="0" i="0" u="none" strike="noStrike" cap="none">
         <a:solidFill>
           <a:srgbClr val="000000"/>
         </a:solidFill>
@@ -550,7 +570,7 @@
         <a:sym typeface="Arial"/>
       </a:defRPr>
     </a:lvl2pPr>
-    <a:lvl3pPr lvl="2" marR="0" rtl="0" algn="l">
+    <a:lvl3pPr marR="0" lvl="2" algn="l" rtl="0">
       <a:lnSpc>
         <a:spcPct val="100000"/>
       </a:lnSpc>
@@ -564,7 +584,7 @@
         <a:srgbClr val="000000"/>
       </a:buClr>
       <a:buFont typeface="Arial"/>
-      <a:defRPr b="0" i="0" sz="1400" u="none" cap="none" strike="noStrike">
+      <a:defRPr sz="1400" b="0" i="0" u="none" strike="noStrike" cap="none">
         <a:solidFill>
           <a:srgbClr val="000000"/>
         </a:solidFill>
@@ -574,7 +594,7 @@
         <a:sym typeface="Arial"/>
       </a:defRPr>
     </a:lvl3pPr>
-    <a:lvl4pPr lvl="3" marR="0" rtl="0" algn="l">
+    <a:lvl4pPr marR="0" lvl="3" algn="l" rtl="0">
       <a:lnSpc>
         <a:spcPct val="100000"/>
       </a:lnSpc>
@@ -588,7 +608,7 @@
         <a:srgbClr val="000000"/>
       </a:buClr>
       <a:buFont typeface="Arial"/>
-      <a:defRPr b="0" i="0" sz="1400" u="none" cap="none" strike="noStrike">
+      <a:defRPr sz="1400" b="0" i="0" u="none" strike="noStrike" cap="none">
         <a:solidFill>
           <a:srgbClr val="000000"/>
         </a:solidFill>
@@ -598,7 +618,7 @@
         <a:sym typeface="Arial"/>
       </a:defRPr>
     </a:lvl4pPr>
-    <a:lvl5pPr lvl="4" marR="0" rtl="0" algn="l">
+    <a:lvl5pPr marR="0" lvl="4" algn="l" rtl="0">
       <a:lnSpc>
         <a:spcPct val="100000"/>
       </a:lnSpc>
@@ -612,7 +632,7 @@
         <a:srgbClr val="000000"/>
       </a:buClr>
       <a:buFont typeface="Arial"/>
-      <a:defRPr b="0" i="0" sz="1400" u="none" cap="none" strike="noStrike">
+      <a:defRPr sz="1400" b="0" i="0" u="none" strike="noStrike" cap="none">
         <a:solidFill>
           <a:srgbClr val="000000"/>
         </a:solidFill>
@@ -622,7 +642,7 @@
         <a:sym typeface="Arial"/>
       </a:defRPr>
     </a:lvl5pPr>
-    <a:lvl6pPr lvl="5" marR="0" rtl="0" algn="l">
+    <a:lvl6pPr marR="0" lvl="5" algn="l" rtl="0">
       <a:lnSpc>
         <a:spcPct val="100000"/>
       </a:lnSpc>
@@ -636,7 +656,7 @@
         <a:srgbClr val="000000"/>
       </a:buClr>
       <a:buFont typeface="Arial"/>
-      <a:defRPr b="0" i="0" sz="1400" u="none" cap="none" strike="noStrike">
+      <a:defRPr sz="1400" b="0" i="0" u="none" strike="noStrike" cap="none">
         <a:solidFill>
           <a:srgbClr val="000000"/>
         </a:solidFill>
@@ -646,7 +666,7 @@
         <a:sym typeface="Arial"/>
       </a:defRPr>
     </a:lvl6pPr>
-    <a:lvl7pPr lvl="6" marR="0" rtl="0" algn="l">
+    <a:lvl7pPr marR="0" lvl="6" algn="l" rtl="0">
       <a:lnSpc>
         <a:spcPct val="100000"/>
       </a:lnSpc>
@@ -660,7 +680,7 @@
         <a:srgbClr val="000000"/>
       </a:buClr>
       <a:buFont typeface="Arial"/>
-      <a:defRPr b="0" i="0" sz="1400" u="none" cap="none" strike="noStrike">
+      <a:defRPr sz="1400" b="0" i="0" u="none" strike="noStrike" cap="none">
         <a:solidFill>
           <a:srgbClr val="000000"/>
         </a:solidFill>
@@ -670,7 +690,7 @@
         <a:sym typeface="Arial"/>
       </a:defRPr>
     </a:lvl7pPr>
-    <a:lvl8pPr lvl="7" marR="0" rtl="0" algn="l">
+    <a:lvl8pPr marR="0" lvl="7" algn="l" rtl="0">
       <a:lnSpc>
         <a:spcPct val="100000"/>
       </a:lnSpc>
@@ -684,7 +704,7 @@
         <a:srgbClr val="000000"/>
       </a:buClr>
       <a:buFont typeface="Arial"/>
-      <a:defRPr b="0" i="0" sz="1400" u="none" cap="none" strike="noStrike">
+      <a:defRPr sz="1400" b="0" i="0" u="none" strike="noStrike" cap="none">
         <a:solidFill>
           <a:srgbClr val="000000"/>
         </a:solidFill>
@@ -694,7 +714,7 @@
         <a:sym typeface="Arial"/>
       </a:defRPr>
     </a:lvl8pPr>
-    <a:lvl9pPr lvl="8" marR="0" rtl="0" algn="l">
+    <a:lvl9pPr marR="0" lvl="8" algn="l" rtl="0">
       <a:lnSpc>
         <a:spcPct val="100000"/>
       </a:lnSpc>
@@ -708,7 +728,7 @@
         <a:srgbClr val="000000"/>
       </a:buClr>
       <a:buFont typeface="Arial"/>
-      <a:defRPr b="0" i="0" sz="1400" u="none" cap="none" strike="noStrike">
+      <a:defRPr sz="1400" b="0" i="0" u="none" strike="noStrike" cap="none">
         <a:solidFill>
           <a:srgbClr val="000000"/>
         </a:solidFill>
@@ -723,11 +743,11 @@
 </file>
 
 <file path=ppt/notesSlides/notesSlide1.xml><?xml version="1.0" encoding="utf-8"?>
-<p:notes xmlns:a="http://schemas.openxmlformats.org/drawingml/2006/main" xmlns:r="http://schemas.openxmlformats.org/officeDocument/2006/relationships" xmlns:mc="http://schemas.openxmlformats.org/markup-compatibility/2006" xmlns:mv="urn:schemas-microsoft-com:mac:vml" xmlns:p="http://schemas.openxmlformats.org/presentationml/2006/main" xmlns:c="http://schemas.openxmlformats.org/drawingml/2006/chart" xmlns:dgm="http://schemas.openxmlformats.org/drawingml/2006/diagram" xmlns:o="urn:schemas-microsoft-com:office:office" xmlns:v="urn:schemas-microsoft-com:vml" xmlns:pvml="urn:schemas-microsoft-com:office:powerpoint" xmlns:com="http://schemas.openxmlformats.org/drawingml/2006/compatibility" xmlns:p14="http://schemas.microsoft.com/office/powerpoint/2010/main" xmlns:p15="http://schemas.microsoft.com/office/powerpoint/2012/main" xmlns:ahyp="http://schemas.microsoft.com/office/drawing/2018/hyperlinkcolor" showMasterPhAnim="0" showMasterSp="0">
+<p:notes xmlns:a="http://schemas.openxmlformats.org/drawingml/2006/main" xmlns:r="http://schemas.openxmlformats.org/officeDocument/2006/relationships" xmlns:p="http://schemas.openxmlformats.org/presentationml/2006/main" showMasterSp="0" showMasterPhAnim="0">
   <p:cSld>
     <p:spTree>
       <p:nvGrpSpPr>
-        <p:cNvPr id="130" name="Shape 130"/>
+        <p:cNvPr id="1" name="Shape 130"/>
         <p:cNvGrpSpPr/>
         <p:nvPr/>
       </p:nvGrpSpPr>
@@ -742,9 +762,11 @@
       <p:sp>
         <p:nvSpPr>
           <p:cNvPr id="131" name="Google Shape;131;p:notes"/>
-          <p:cNvSpPr/>
+          <p:cNvSpPr>
+            <a:spLocks noGrp="1" noRot="1" noChangeAspect="1"/>
+          </p:cNvSpPr>
           <p:nvPr>
-            <p:ph idx="2" type="sldImg"/>
+            <p:ph type="sldImg" idx="2"/>
           </p:nvPr>
         </p:nvSpPr>
         <p:spPr>
@@ -753,9 +775,13 @@
             <a:ext cx="6096075" cy="3429000"/>
           </a:xfrm>
           <a:custGeom>
-            <a:rect b="b" l="l" r="r" t="t"/>
+            <a:avLst/>
+            <a:gdLst/>
+            <a:ahLst/>
+            <a:cxnLst/>
+            <a:rect l="l" t="t" r="r" b="b"/>
             <a:pathLst>
-              <a:path extrusionOk="0" h="120000" w="120000">
+              <a:path w="120000" h="120000" extrusionOk="0">
                 <a:moveTo>
                   <a:pt x="0" y="0"/>
                 </a:moveTo>
@@ -777,9 +803,11 @@
       <p:sp>
         <p:nvSpPr>
           <p:cNvPr id="132" name="Google Shape;132;p:notes"/>
-          <p:cNvSpPr txBox="1"/>
+          <p:cNvSpPr txBox="1">
+            <a:spLocks noGrp="1"/>
+          </p:cNvSpPr>
           <p:nvPr>
-            <p:ph idx="1" type="body"/>
+            <p:ph type="body" idx="1"/>
           </p:nvPr>
         </p:nvSpPr>
         <p:spPr>
@@ -792,12 +820,12 @@
           </a:prstGeom>
         </p:spPr>
         <p:txBody>
-          <a:bodyPr anchorCtr="0" anchor="t" bIns="91425" lIns="91425" spcFirstLastPara="1" rIns="91425" wrap="square" tIns="91425">
+          <a:bodyPr spcFirstLastPara="1" wrap="square" lIns="91425" tIns="91425" rIns="91425" bIns="91425" anchor="t" anchorCtr="0">
             <a:noAutofit/>
           </a:bodyPr>
           <a:lstStyle/>
           <a:p>
-            <a:pPr indent="0" lvl="0" marL="0" rtl="0" algn="l">
+            <a:pPr marL="0" lvl="0" indent="0" algn="l" rtl="0">
               <a:spcBef>
                 <a:spcPts val="0"/>
               </a:spcBef>
@@ -806,9 +834,6 @@
               </a:spcAft>
               <a:buNone/>
             </a:pPr>
-            <a:r>
-              <a:t/>
-            </a:r>
             <a:endParaRPr/>
           </a:p>
         </p:txBody>
@@ -822,11 +847,11 @@
 </file>
 
 <file path=ppt/notesSlides/notesSlide10.xml><?xml version="1.0" encoding="utf-8"?>
-<p:notes xmlns:a="http://schemas.openxmlformats.org/drawingml/2006/main" xmlns:r="http://schemas.openxmlformats.org/officeDocument/2006/relationships" xmlns:mc="http://schemas.openxmlformats.org/markup-compatibility/2006" xmlns:mv="urn:schemas-microsoft-com:mac:vml" xmlns:p="http://schemas.openxmlformats.org/presentationml/2006/main" xmlns:c="http://schemas.openxmlformats.org/drawingml/2006/chart" xmlns:dgm="http://schemas.openxmlformats.org/drawingml/2006/diagram" xmlns:o="urn:schemas-microsoft-com:office:office" xmlns:v="urn:schemas-microsoft-com:vml" xmlns:pvml="urn:schemas-microsoft-com:office:powerpoint" xmlns:com="http://schemas.openxmlformats.org/drawingml/2006/compatibility" xmlns:p14="http://schemas.microsoft.com/office/powerpoint/2010/main" xmlns:p15="http://schemas.microsoft.com/office/powerpoint/2012/main" xmlns:ahyp="http://schemas.microsoft.com/office/drawing/2018/hyperlinkcolor" showMasterPhAnim="0" showMasterSp="0">
+<p:notes xmlns:a="http://schemas.openxmlformats.org/drawingml/2006/main" xmlns:r="http://schemas.openxmlformats.org/officeDocument/2006/relationships" xmlns:p="http://schemas.openxmlformats.org/presentationml/2006/main" showMasterSp="0" showMasterPhAnim="0">
   <p:cSld>
     <p:spTree>
       <p:nvGrpSpPr>
-        <p:cNvPr id="196" name="Shape 196"/>
+        <p:cNvPr id="1" name="Shape 196"/>
         <p:cNvGrpSpPr/>
         <p:nvPr/>
       </p:nvGrpSpPr>
@@ -841,9 +866,11 @@
       <p:sp>
         <p:nvSpPr>
           <p:cNvPr id="197" name="Google Shape;197;g13b394b48b1_0_5:notes"/>
-          <p:cNvSpPr/>
+          <p:cNvSpPr>
+            <a:spLocks noGrp="1" noRot="1" noChangeAspect="1"/>
+          </p:cNvSpPr>
           <p:nvPr>
-            <p:ph idx="2" type="sldImg"/>
+            <p:ph type="sldImg" idx="2"/>
           </p:nvPr>
         </p:nvSpPr>
         <p:spPr>
@@ -852,9 +879,13 @@
             <a:ext cx="6096000" cy="3429000"/>
           </a:xfrm>
           <a:custGeom>
-            <a:rect b="b" l="l" r="r" t="t"/>
+            <a:avLst/>
+            <a:gdLst/>
+            <a:ahLst/>
+            <a:cxnLst/>
+            <a:rect l="l" t="t" r="r" b="b"/>
             <a:pathLst>
-              <a:path extrusionOk="0" h="120000" w="120000">
+              <a:path w="120000" h="120000" extrusionOk="0">
                 <a:moveTo>
                   <a:pt x="0" y="0"/>
                 </a:moveTo>
@@ -876,9 +907,11 @@
       <p:sp>
         <p:nvSpPr>
           <p:cNvPr id="198" name="Google Shape;198;g13b394b48b1_0_5:notes"/>
-          <p:cNvSpPr txBox="1"/>
+          <p:cNvSpPr txBox="1">
+            <a:spLocks noGrp="1"/>
+          </p:cNvSpPr>
           <p:nvPr>
-            <p:ph idx="1" type="body"/>
+            <p:ph type="body" idx="1"/>
           </p:nvPr>
         </p:nvSpPr>
         <p:spPr>
@@ -891,12 +924,12 @@
           </a:prstGeom>
         </p:spPr>
         <p:txBody>
-          <a:bodyPr anchorCtr="0" anchor="t" bIns="91425" lIns="91425" spcFirstLastPara="1" rIns="91425" wrap="square" tIns="91425">
+          <a:bodyPr spcFirstLastPara="1" wrap="square" lIns="91425" tIns="91425" rIns="91425" bIns="91425" anchor="t" anchorCtr="0">
             <a:noAutofit/>
           </a:bodyPr>
           <a:lstStyle/>
           <a:p>
-            <a:pPr indent="0" lvl="0" marL="0" rtl="0" algn="l">
+            <a:pPr marL="0" lvl="0" indent="0" algn="l" rtl="0">
               <a:spcBef>
                 <a:spcPts val="0"/>
               </a:spcBef>
@@ -905,9 +938,6 @@
               </a:spcAft>
               <a:buNone/>
             </a:pPr>
-            <a:r>
-              <a:t/>
-            </a:r>
             <a:endParaRPr/>
           </a:p>
         </p:txBody>
@@ -921,11 +951,11 @@
 </file>
 
 <file path=ppt/notesSlides/notesSlide11.xml><?xml version="1.0" encoding="utf-8"?>
-<p:notes xmlns:a="http://schemas.openxmlformats.org/drawingml/2006/main" xmlns:r="http://schemas.openxmlformats.org/officeDocument/2006/relationships" xmlns:mc="http://schemas.openxmlformats.org/markup-compatibility/2006" xmlns:mv="urn:schemas-microsoft-com:mac:vml" xmlns:p="http://schemas.openxmlformats.org/presentationml/2006/main" xmlns:c="http://schemas.openxmlformats.org/drawingml/2006/chart" xmlns:dgm="http://schemas.openxmlformats.org/drawingml/2006/diagram" xmlns:o="urn:schemas-microsoft-com:office:office" xmlns:v="urn:schemas-microsoft-com:vml" xmlns:pvml="urn:schemas-microsoft-com:office:powerpoint" xmlns:com="http://schemas.openxmlformats.org/drawingml/2006/compatibility" xmlns:p14="http://schemas.microsoft.com/office/powerpoint/2010/main" xmlns:p15="http://schemas.microsoft.com/office/powerpoint/2012/main" xmlns:ahyp="http://schemas.microsoft.com/office/drawing/2018/hyperlinkcolor" showMasterPhAnim="0" showMasterSp="0">
+<p:notes xmlns:a="http://schemas.openxmlformats.org/drawingml/2006/main" xmlns:r="http://schemas.openxmlformats.org/officeDocument/2006/relationships" xmlns:p="http://schemas.openxmlformats.org/presentationml/2006/main" showMasterSp="0" showMasterPhAnim="0">
   <p:cSld>
     <p:spTree>
       <p:nvGrpSpPr>
-        <p:cNvPr id="203" name="Shape 203"/>
+        <p:cNvPr id="1" name="Shape 203"/>
         <p:cNvGrpSpPr/>
         <p:nvPr/>
       </p:nvGrpSpPr>
@@ -940,9 +970,11 @@
       <p:sp>
         <p:nvSpPr>
           <p:cNvPr id="204" name="Google Shape;204;g13b394b48b1_0_10:notes"/>
-          <p:cNvSpPr/>
+          <p:cNvSpPr>
+            <a:spLocks noGrp="1" noRot="1" noChangeAspect="1"/>
+          </p:cNvSpPr>
           <p:nvPr>
-            <p:ph idx="2" type="sldImg"/>
+            <p:ph type="sldImg" idx="2"/>
           </p:nvPr>
         </p:nvSpPr>
         <p:spPr>
@@ -951,9 +983,13 @@
             <a:ext cx="6096000" cy="3429000"/>
           </a:xfrm>
           <a:custGeom>
-            <a:rect b="b" l="l" r="r" t="t"/>
+            <a:avLst/>
+            <a:gdLst/>
+            <a:ahLst/>
+            <a:cxnLst/>
+            <a:rect l="l" t="t" r="r" b="b"/>
             <a:pathLst>
-              <a:path extrusionOk="0" h="120000" w="120000">
+              <a:path w="120000" h="120000" extrusionOk="0">
                 <a:moveTo>
                   <a:pt x="0" y="0"/>
                 </a:moveTo>
@@ -975,9 +1011,11 @@
       <p:sp>
         <p:nvSpPr>
           <p:cNvPr id="205" name="Google Shape;205;g13b394b48b1_0_10:notes"/>
-          <p:cNvSpPr txBox="1"/>
+          <p:cNvSpPr txBox="1">
+            <a:spLocks noGrp="1"/>
+          </p:cNvSpPr>
           <p:nvPr>
-            <p:ph idx="1" type="body"/>
+            <p:ph type="body" idx="1"/>
           </p:nvPr>
         </p:nvSpPr>
         <p:spPr>
@@ -990,12 +1028,12 @@
           </a:prstGeom>
         </p:spPr>
         <p:txBody>
-          <a:bodyPr anchorCtr="0" anchor="t" bIns="91425" lIns="91425" spcFirstLastPara="1" rIns="91425" wrap="square" tIns="91425">
+          <a:bodyPr spcFirstLastPara="1" wrap="square" lIns="91425" tIns="91425" rIns="91425" bIns="91425" anchor="t" anchorCtr="0">
             <a:noAutofit/>
           </a:bodyPr>
           <a:lstStyle/>
           <a:p>
-            <a:pPr indent="0" lvl="0" marL="0" rtl="0" algn="l">
+            <a:pPr marL="0" lvl="0" indent="0" algn="l" rtl="0">
               <a:spcBef>
                 <a:spcPts val="0"/>
               </a:spcBef>
@@ -1004,9 +1042,6 @@
               </a:spcAft>
               <a:buNone/>
             </a:pPr>
-            <a:r>
-              <a:t/>
-            </a:r>
             <a:endParaRPr/>
           </a:p>
         </p:txBody>
@@ -1020,11 +1055,11 @@
 </file>
 
 <file path=ppt/notesSlides/notesSlide12.xml><?xml version="1.0" encoding="utf-8"?>
-<p:notes xmlns:a="http://schemas.openxmlformats.org/drawingml/2006/main" xmlns:r="http://schemas.openxmlformats.org/officeDocument/2006/relationships" xmlns:mc="http://schemas.openxmlformats.org/markup-compatibility/2006" xmlns:mv="urn:schemas-microsoft-com:mac:vml" xmlns:p="http://schemas.openxmlformats.org/presentationml/2006/main" xmlns:c="http://schemas.openxmlformats.org/drawingml/2006/chart" xmlns:dgm="http://schemas.openxmlformats.org/drawingml/2006/diagram" xmlns:o="urn:schemas-microsoft-com:office:office" xmlns:v="urn:schemas-microsoft-com:vml" xmlns:pvml="urn:schemas-microsoft-com:office:powerpoint" xmlns:com="http://schemas.openxmlformats.org/drawingml/2006/compatibility" xmlns:p14="http://schemas.microsoft.com/office/powerpoint/2010/main" xmlns:p15="http://schemas.microsoft.com/office/powerpoint/2012/main" xmlns:ahyp="http://schemas.microsoft.com/office/drawing/2018/hyperlinkcolor" showMasterPhAnim="0" showMasterSp="0">
+<p:notes xmlns:a="http://schemas.openxmlformats.org/drawingml/2006/main" xmlns:r="http://schemas.openxmlformats.org/officeDocument/2006/relationships" xmlns:p="http://schemas.openxmlformats.org/presentationml/2006/main" showMasterSp="0" showMasterPhAnim="0">
   <p:cSld>
     <p:spTree>
       <p:nvGrpSpPr>
-        <p:cNvPr id="210" name="Shape 210"/>
+        <p:cNvPr id="1" name="Shape 210"/>
         <p:cNvGrpSpPr/>
         <p:nvPr/>
       </p:nvGrpSpPr>
@@ -1039,9 +1074,11 @@
       <p:sp>
         <p:nvSpPr>
           <p:cNvPr id="211" name="Google Shape;211;g13b394b48b1_0_15:notes"/>
-          <p:cNvSpPr/>
+          <p:cNvSpPr>
+            <a:spLocks noGrp="1" noRot="1" noChangeAspect="1"/>
+          </p:cNvSpPr>
           <p:nvPr>
-            <p:ph idx="2" type="sldImg"/>
+            <p:ph type="sldImg" idx="2"/>
           </p:nvPr>
         </p:nvSpPr>
         <p:spPr>
@@ -1050,9 +1087,13 @@
             <a:ext cx="6096000" cy="3429000"/>
           </a:xfrm>
           <a:custGeom>
-            <a:rect b="b" l="l" r="r" t="t"/>
+            <a:avLst/>
+            <a:gdLst/>
+            <a:ahLst/>
+            <a:cxnLst/>
+            <a:rect l="l" t="t" r="r" b="b"/>
             <a:pathLst>
-              <a:path extrusionOk="0" h="120000" w="120000">
+              <a:path w="120000" h="120000" extrusionOk="0">
                 <a:moveTo>
                   <a:pt x="0" y="0"/>
                 </a:moveTo>
@@ -1074,9 +1115,11 @@
       <p:sp>
         <p:nvSpPr>
           <p:cNvPr id="212" name="Google Shape;212;g13b394b48b1_0_15:notes"/>
-          <p:cNvSpPr txBox="1"/>
+          <p:cNvSpPr txBox="1">
+            <a:spLocks noGrp="1"/>
+          </p:cNvSpPr>
           <p:nvPr>
-            <p:ph idx="1" type="body"/>
+            <p:ph type="body" idx="1"/>
           </p:nvPr>
         </p:nvSpPr>
         <p:spPr>
@@ -1089,12 +1132,12 @@
           </a:prstGeom>
         </p:spPr>
         <p:txBody>
-          <a:bodyPr anchorCtr="0" anchor="t" bIns="91425" lIns="91425" spcFirstLastPara="1" rIns="91425" wrap="square" tIns="91425">
+          <a:bodyPr spcFirstLastPara="1" wrap="square" lIns="91425" tIns="91425" rIns="91425" bIns="91425" anchor="t" anchorCtr="0">
             <a:noAutofit/>
           </a:bodyPr>
           <a:lstStyle/>
           <a:p>
-            <a:pPr indent="0" lvl="0" marL="0" rtl="0" algn="l">
+            <a:pPr marL="0" lvl="0" indent="0" algn="l" rtl="0">
               <a:spcBef>
                 <a:spcPts val="0"/>
               </a:spcBef>
@@ -1103,9 +1146,6 @@
               </a:spcAft>
               <a:buNone/>
             </a:pPr>
-            <a:r>
-              <a:t/>
-            </a:r>
             <a:endParaRPr/>
           </a:p>
         </p:txBody>
@@ -1119,11 +1159,11 @@
 </file>
 
 <file path=ppt/notesSlides/notesSlide13.xml><?xml version="1.0" encoding="utf-8"?>
-<p:notes xmlns:a="http://schemas.openxmlformats.org/drawingml/2006/main" xmlns:r="http://schemas.openxmlformats.org/officeDocument/2006/relationships" xmlns:mc="http://schemas.openxmlformats.org/markup-compatibility/2006" xmlns:mv="urn:schemas-microsoft-com:mac:vml" xmlns:p="http://schemas.openxmlformats.org/presentationml/2006/main" xmlns:c="http://schemas.openxmlformats.org/drawingml/2006/chart" xmlns:dgm="http://schemas.openxmlformats.org/drawingml/2006/diagram" xmlns:o="urn:schemas-microsoft-com:office:office" xmlns:v="urn:schemas-microsoft-com:vml" xmlns:pvml="urn:schemas-microsoft-com:office:powerpoint" xmlns:com="http://schemas.openxmlformats.org/drawingml/2006/compatibility" xmlns:p14="http://schemas.microsoft.com/office/powerpoint/2010/main" xmlns:p15="http://schemas.microsoft.com/office/powerpoint/2012/main" xmlns:ahyp="http://schemas.microsoft.com/office/drawing/2018/hyperlinkcolor" showMasterPhAnim="0" showMasterSp="0">
+<p:notes xmlns:a="http://schemas.openxmlformats.org/drawingml/2006/main" xmlns:r="http://schemas.openxmlformats.org/officeDocument/2006/relationships" xmlns:p="http://schemas.openxmlformats.org/presentationml/2006/main" showMasterSp="0" showMasterPhAnim="0">
   <p:cSld>
     <p:spTree>
       <p:nvGrpSpPr>
-        <p:cNvPr id="217" name="Shape 217"/>
+        <p:cNvPr id="1" name="Shape 217"/>
         <p:cNvGrpSpPr/>
         <p:nvPr/>
       </p:nvGrpSpPr>
@@ -1138,20 +1178,26 @@
       <p:sp>
         <p:nvSpPr>
           <p:cNvPr id="218" name="Google Shape;218;g13678e18ea3_0_0:notes"/>
-          <p:cNvSpPr/>
+          <p:cNvSpPr>
+            <a:spLocks noGrp="1" noRot="1" noChangeAspect="1"/>
+          </p:cNvSpPr>
           <p:nvPr>
-            <p:ph idx="2" type="sldImg"/>
+            <p:ph type="sldImg" idx="2"/>
           </p:nvPr>
         </p:nvSpPr>
         <p:spPr>
           <a:xfrm>
-            <a:off x="381300" y="685800"/>
+            <a:off x="381000" y="685800"/>
             <a:ext cx="6096000" cy="3429000"/>
           </a:xfrm>
           <a:custGeom>
-            <a:rect b="b" l="l" r="r" t="t"/>
+            <a:avLst/>
+            <a:gdLst/>
+            <a:ahLst/>
+            <a:cxnLst/>
+            <a:rect l="l" t="t" r="r" b="b"/>
             <a:pathLst>
-              <a:path extrusionOk="0" h="120000" w="120000">
+              <a:path w="120000" h="120000" extrusionOk="0">
                 <a:moveTo>
                   <a:pt x="0" y="0"/>
                 </a:moveTo>
@@ -1173,9 +1219,11 @@
       <p:sp>
         <p:nvSpPr>
           <p:cNvPr id="219" name="Google Shape;219;g13678e18ea3_0_0:notes"/>
-          <p:cNvSpPr txBox="1"/>
+          <p:cNvSpPr txBox="1">
+            <a:spLocks noGrp="1"/>
+          </p:cNvSpPr>
           <p:nvPr>
-            <p:ph idx="1" type="body"/>
+            <p:ph type="body" idx="1"/>
           </p:nvPr>
         </p:nvSpPr>
         <p:spPr>
@@ -1188,12 +1236,12 @@
           </a:prstGeom>
         </p:spPr>
         <p:txBody>
-          <a:bodyPr anchorCtr="0" anchor="t" bIns="91425" lIns="91425" spcFirstLastPara="1" rIns="91425" wrap="square" tIns="91425">
+          <a:bodyPr spcFirstLastPara="1" wrap="square" lIns="91425" tIns="91425" rIns="91425" bIns="91425" anchor="t" anchorCtr="0">
             <a:noAutofit/>
           </a:bodyPr>
           <a:lstStyle/>
           <a:p>
-            <a:pPr indent="0" lvl="0" marL="0" rtl="0" algn="l">
+            <a:pPr marL="0" lvl="0" indent="0" algn="l" rtl="0">
               <a:spcBef>
                 <a:spcPts val="0"/>
               </a:spcBef>
@@ -1202,9 +1250,6 @@
               </a:spcAft>
               <a:buNone/>
             </a:pPr>
-            <a:r>
-              <a:t/>
-            </a:r>
             <a:endParaRPr/>
           </a:p>
         </p:txBody>
@@ -1218,11 +1263,11 @@
 </file>
 
 <file path=ppt/notesSlides/notesSlide14.xml><?xml version="1.0" encoding="utf-8"?>
-<p:notes xmlns:a="http://schemas.openxmlformats.org/drawingml/2006/main" xmlns:r="http://schemas.openxmlformats.org/officeDocument/2006/relationships" xmlns:mc="http://schemas.openxmlformats.org/markup-compatibility/2006" xmlns:mv="urn:schemas-microsoft-com:mac:vml" xmlns:p="http://schemas.openxmlformats.org/presentationml/2006/main" xmlns:c="http://schemas.openxmlformats.org/drawingml/2006/chart" xmlns:dgm="http://schemas.openxmlformats.org/drawingml/2006/diagram" xmlns:o="urn:schemas-microsoft-com:office:office" xmlns:v="urn:schemas-microsoft-com:vml" xmlns:pvml="urn:schemas-microsoft-com:office:powerpoint" xmlns:com="http://schemas.openxmlformats.org/drawingml/2006/compatibility" xmlns:p14="http://schemas.microsoft.com/office/powerpoint/2010/main" xmlns:p15="http://schemas.microsoft.com/office/powerpoint/2012/main" xmlns:ahyp="http://schemas.microsoft.com/office/drawing/2018/hyperlinkcolor" showMasterPhAnim="0" showMasterSp="0">
+<p:notes xmlns:a="http://schemas.openxmlformats.org/drawingml/2006/main" xmlns:r="http://schemas.openxmlformats.org/officeDocument/2006/relationships" xmlns:p="http://schemas.openxmlformats.org/presentationml/2006/main" showMasterSp="0" showMasterPhAnim="0">
   <p:cSld>
     <p:spTree>
       <p:nvGrpSpPr>
-        <p:cNvPr id="223" name="Shape 223"/>
+        <p:cNvPr id="1" name="Shape 223"/>
         <p:cNvGrpSpPr/>
         <p:nvPr/>
       </p:nvGrpSpPr>
@@ -1237,9 +1282,11 @@
       <p:sp>
         <p:nvSpPr>
           <p:cNvPr id="224" name="Google Shape;224;g13678e18ea3_0_5:notes"/>
-          <p:cNvSpPr/>
+          <p:cNvSpPr>
+            <a:spLocks noGrp="1" noRot="1" noChangeAspect="1"/>
+          </p:cNvSpPr>
           <p:nvPr>
-            <p:ph idx="2" type="sldImg"/>
+            <p:ph type="sldImg" idx="2"/>
           </p:nvPr>
         </p:nvSpPr>
         <p:spPr>
@@ -1248,9 +1295,13 @@
             <a:ext cx="6096000" cy="3429000"/>
           </a:xfrm>
           <a:custGeom>
-            <a:rect b="b" l="l" r="r" t="t"/>
+            <a:avLst/>
+            <a:gdLst/>
+            <a:ahLst/>
+            <a:cxnLst/>
+            <a:rect l="l" t="t" r="r" b="b"/>
             <a:pathLst>
-              <a:path extrusionOk="0" h="120000" w="120000">
+              <a:path w="120000" h="120000" extrusionOk="0">
                 <a:moveTo>
                   <a:pt x="0" y="0"/>
                 </a:moveTo>
@@ -1272,9 +1323,11 @@
       <p:sp>
         <p:nvSpPr>
           <p:cNvPr id="225" name="Google Shape;225;g13678e18ea3_0_5:notes"/>
-          <p:cNvSpPr txBox="1"/>
+          <p:cNvSpPr txBox="1">
+            <a:spLocks noGrp="1"/>
+          </p:cNvSpPr>
           <p:nvPr>
-            <p:ph idx="1" type="body"/>
+            <p:ph type="body" idx="1"/>
           </p:nvPr>
         </p:nvSpPr>
         <p:spPr>
@@ -1287,12 +1340,12 @@
           </a:prstGeom>
         </p:spPr>
         <p:txBody>
-          <a:bodyPr anchorCtr="0" anchor="t" bIns="91425" lIns="91425" spcFirstLastPara="1" rIns="91425" wrap="square" tIns="91425">
+          <a:bodyPr spcFirstLastPara="1" wrap="square" lIns="91425" tIns="91425" rIns="91425" bIns="91425" anchor="t" anchorCtr="0">
             <a:noAutofit/>
           </a:bodyPr>
           <a:lstStyle/>
           <a:p>
-            <a:pPr indent="0" lvl="0" marL="0" rtl="0" algn="l">
+            <a:pPr marL="0" lvl="0" indent="0" algn="l" rtl="0">
               <a:spcBef>
                 <a:spcPts val="0"/>
               </a:spcBef>
@@ -1301,9 +1354,6 @@
               </a:spcAft>
               <a:buNone/>
             </a:pPr>
-            <a:r>
-              <a:t/>
-            </a:r>
             <a:endParaRPr/>
           </a:p>
         </p:txBody>
@@ -1317,11 +1367,11 @@
 </file>
 
 <file path=ppt/notesSlides/notesSlide15.xml><?xml version="1.0" encoding="utf-8"?>
-<p:notes xmlns:a="http://schemas.openxmlformats.org/drawingml/2006/main" xmlns:r="http://schemas.openxmlformats.org/officeDocument/2006/relationships" xmlns:mc="http://schemas.openxmlformats.org/markup-compatibility/2006" xmlns:mv="urn:schemas-microsoft-com:mac:vml" xmlns:p="http://schemas.openxmlformats.org/presentationml/2006/main" xmlns:c="http://schemas.openxmlformats.org/drawingml/2006/chart" xmlns:dgm="http://schemas.openxmlformats.org/drawingml/2006/diagram" xmlns:o="urn:schemas-microsoft-com:office:office" xmlns:v="urn:schemas-microsoft-com:vml" xmlns:pvml="urn:schemas-microsoft-com:office:powerpoint" xmlns:com="http://schemas.openxmlformats.org/drawingml/2006/compatibility" xmlns:p14="http://schemas.microsoft.com/office/powerpoint/2010/main" xmlns:p15="http://schemas.microsoft.com/office/powerpoint/2012/main" xmlns:ahyp="http://schemas.microsoft.com/office/drawing/2018/hyperlinkcolor" showMasterPhAnim="0" showMasterSp="0">
+<p:notes xmlns:a="http://schemas.openxmlformats.org/drawingml/2006/main" xmlns:r="http://schemas.openxmlformats.org/officeDocument/2006/relationships" xmlns:p="http://schemas.openxmlformats.org/presentationml/2006/main" showMasterSp="0" showMasterPhAnim="0">
   <p:cSld>
     <p:spTree>
       <p:nvGrpSpPr>
-        <p:cNvPr id="230" name="Shape 230"/>
+        <p:cNvPr id="1" name="Shape 230"/>
         <p:cNvGrpSpPr/>
         <p:nvPr/>
       </p:nvGrpSpPr>
@@ -1336,9 +1386,11 @@
       <p:sp>
         <p:nvSpPr>
           <p:cNvPr id="231" name="Google Shape;231;g13678e18ea3_0_10:notes"/>
-          <p:cNvSpPr/>
+          <p:cNvSpPr>
+            <a:spLocks noGrp="1" noRot="1" noChangeAspect="1"/>
+          </p:cNvSpPr>
           <p:nvPr>
-            <p:ph idx="2" type="sldImg"/>
+            <p:ph type="sldImg" idx="2"/>
           </p:nvPr>
         </p:nvSpPr>
         <p:spPr>
@@ -1347,9 +1399,13 @@
             <a:ext cx="6096000" cy="3429000"/>
           </a:xfrm>
           <a:custGeom>
-            <a:rect b="b" l="l" r="r" t="t"/>
+            <a:avLst/>
+            <a:gdLst/>
+            <a:ahLst/>
+            <a:cxnLst/>
+            <a:rect l="l" t="t" r="r" b="b"/>
             <a:pathLst>
-              <a:path extrusionOk="0" h="120000" w="120000">
+              <a:path w="120000" h="120000" extrusionOk="0">
                 <a:moveTo>
                   <a:pt x="0" y="0"/>
                 </a:moveTo>
@@ -1371,9 +1427,11 @@
       <p:sp>
         <p:nvSpPr>
           <p:cNvPr id="232" name="Google Shape;232;g13678e18ea3_0_10:notes"/>
-          <p:cNvSpPr txBox="1"/>
+          <p:cNvSpPr txBox="1">
+            <a:spLocks noGrp="1"/>
+          </p:cNvSpPr>
           <p:nvPr>
-            <p:ph idx="1" type="body"/>
+            <p:ph type="body" idx="1"/>
           </p:nvPr>
         </p:nvSpPr>
         <p:spPr>
@@ -1386,12 +1444,12 @@
           </a:prstGeom>
         </p:spPr>
         <p:txBody>
-          <a:bodyPr anchorCtr="0" anchor="t" bIns="91425" lIns="91425" spcFirstLastPara="1" rIns="91425" wrap="square" tIns="91425">
+          <a:bodyPr spcFirstLastPara="1" wrap="square" lIns="91425" tIns="91425" rIns="91425" bIns="91425" anchor="t" anchorCtr="0">
             <a:noAutofit/>
           </a:bodyPr>
           <a:lstStyle/>
           <a:p>
-            <a:pPr indent="0" lvl="0" marL="0" rtl="0" algn="l">
+            <a:pPr marL="0" lvl="0" indent="0" algn="l" rtl="0">
               <a:spcBef>
                 <a:spcPts val="0"/>
               </a:spcBef>
@@ -1400,9 +1458,6 @@
               </a:spcAft>
               <a:buNone/>
             </a:pPr>
-            <a:r>
-              <a:t/>
-            </a:r>
             <a:endParaRPr/>
           </a:p>
         </p:txBody>
@@ -1416,11 +1471,11 @@
 </file>
 
 <file path=ppt/notesSlides/notesSlide16.xml><?xml version="1.0" encoding="utf-8"?>
-<p:notes xmlns:a="http://schemas.openxmlformats.org/drawingml/2006/main" xmlns:r="http://schemas.openxmlformats.org/officeDocument/2006/relationships" xmlns:mc="http://schemas.openxmlformats.org/markup-compatibility/2006" xmlns:mv="urn:schemas-microsoft-com:mac:vml" xmlns:p="http://schemas.openxmlformats.org/presentationml/2006/main" xmlns:c="http://schemas.openxmlformats.org/drawingml/2006/chart" xmlns:dgm="http://schemas.openxmlformats.org/drawingml/2006/diagram" xmlns:o="urn:schemas-microsoft-com:office:office" xmlns:v="urn:schemas-microsoft-com:vml" xmlns:pvml="urn:schemas-microsoft-com:office:powerpoint" xmlns:com="http://schemas.openxmlformats.org/drawingml/2006/compatibility" xmlns:p14="http://schemas.microsoft.com/office/powerpoint/2010/main" xmlns:p15="http://schemas.microsoft.com/office/powerpoint/2012/main" xmlns:ahyp="http://schemas.microsoft.com/office/drawing/2018/hyperlinkcolor" showMasterPhAnim="0" showMasterSp="0">
+<p:notes xmlns:a="http://schemas.openxmlformats.org/drawingml/2006/main" xmlns:r="http://schemas.openxmlformats.org/officeDocument/2006/relationships" xmlns:p="http://schemas.openxmlformats.org/presentationml/2006/main" showMasterSp="0" showMasterPhAnim="0">
   <p:cSld>
     <p:spTree>
       <p:nvGrpSpPr>
-        <p:cNvPr id="237" name="Shape 237"/>
+        <p:cNvPr id="1" name="Shape 237"/>
         <p:cNvGrpSpPr/>
         <p:nvPr/>
       </p:nvGrpSpPr>
@@ -1435,9 +1490,11 @@
       <p:sp>
         <p:nvSpPr>
           <p:cNvPr id="238" name="Google Shape;238;g13678e18ea3_0_17:notes"/>
-          <p:cNvSpPr/>
+          <p:cNvSpPr>
+            <a:spLocks noGrp="1" noRot="1" noChangeAspect="1"/>
+          </p:cNvSpPr>
           <p:nvPr>
-            <p:ph idx="2" type="sldImg"/>
+            <p:ph type="sldImg" idx="2"/>
           </p:nvPr>
         </p:nvSpPr>
         <p:spPr>
@@ -1446,9 +1503,13 @@
             <a:ext cx="6096000" cy="3429000"/>
           </a:xfrm>
           <a:custGeom>
-            <a:rect b="b" l="l" r="r" t="t"/>
+            <a:avLst/>
+            <a:gdLst/>
+            <a:ahLst/>
+            <a:cxnLst/>
+            <a:rect l="l" t="t" r="r" b="b"/>
             <a:pathLst>
-              <a:path extrusionOk="0" h="120000" w="120000">
+              <a:path w="120000" h="120000" extrusionOk="0">
                 <a:moveTo>
                   <a:pt x="0" y="0"/>
                 </a:moveTo>
@@ -1470,9 +1531,11 @@
       <p:sp>
         <p:nvSpPr>
           <p:cNvPr id="239" name="Google Shape;239;g13678e18ea3_0_17:notes"/>
-          <p:cNvSpPr txBox="1"/>
+          <p:cNvSpPr txBox="1">
+            <a:spLocks noGrp="1"/>
+          </p:cNvSpPr>
           <p:nvPr>
-            <p:ph idx="1" type="body"/>
+            <p:ph type="body" idx="1"/>
           </p:nvPr>
         </p:nvSpPr>
         <p:spPr>
@@ -1485,12 +1548,12 @@
           </a:prstGeom>
         </p:spPr>
         <p:txBody>
-          <a:bodyPr anchorCtr="0" anchor="t" bIns="91425" lIns="91425" spcFirstLastPara="1" rIns="91425" wrap="square" tIns="91425">
+          <a:bodyPr spcFirstLastPara="1" wrap="square" lIns="91425" tIns="91425" rIns="91425" bIns="91425" anchor="t" anchorCtr="0">
             <a:noAutofit/>
           </a:bodyPr>
           <a:lstStyle/>
           <a:p>
-            <a:pPr indent="0" lvl="0" marL="0" rtl="0" algn="l">
+            <a:pPr marL="0" lvl="0" indent="0" algn="l" rtl="0">
               <a:spcBef>
                 <a:spcPts val="0"/>
               </a:spcBef>
@@ -1499,9 +1562,6 @@
               </a:spcAft>
               <a:buNone/>
             </a:pPr>
-            <a:r>
-              <a:t/>
-            </a:r>
             <a:endParaRPr/>
           </a:p>
         </p:txBody>
@@ -1515,11 +1575,11 @@
 </file>
 
 <file path=ppt/notesSlides/notesSlide17.xml><?xml version="1.0" encoding="utf-8"?>
-<p:notes xmlns:a="http://schemas.openxmlformats.org/drawingml/2006/main" xmlns:r="http://schemas.openxmlformats.org/officeDocument/2006/relationships" xmlns:mc="http://schemas.openxmlformats.org/markup-compatibility/2006" xmlns:mv="urn:schemas-microsoft-com:mac:vml" xmlns:p="http://schemas.openxmlformats.org/presentationml/2006/main" xmlns:c="http://schemas.openxmlformats.org/drawingml/2006/chart" xmlns:dgm="http://schemas.openxmlformats.org/drawingml/2006/diagram" xmlns:o="urn:schemas-microsoft-com:office:office" xmlns:v="urn:schemas-microsoft-com:vml" xmlns:pvml="urn:schemas-microsoft-com:office:powerpoint" xmlns:com="http://schemas.openxmlformats.org/drawingml/2006/compatibility" xmlns:p14="http://schemas.microsoft.com/office/powerpoint/2010/main" xmlns:p15="http://schemas.microsoft.com/office/powerpoint/2012/main" xmlns:ahyp="http://schemas.microsoft.com/office/drawing/2018/hyperlinkcolor" showMasterPhAnim="0" showMasterSp="0">
+<p:notes xmlns:a="http://schemas.openxmlformats.org/drawingml/2006/main" xmlns:r="http://schemas.openxmlformats.org/officeDocument/2006/relationships" xmlns:p="http://schemas.openxmlformats.org/presentationml/2006/main" showMasterSp="0" showMasterPhAnim="0">
   <p:cSld>
     <p:spTree>
       <p:nvGrpSpPr>
-        <p:cNvPr id="244" name="Shape 244"/>
+        <p:cNvPr id="1" name="Shape 244"/>
         <p:cNvGrpSpPr/>
         <p:nvPr/>
       </p:nvGrpSpPr>
@@ -1534,9 +1594,11 @@
       <p:sp>
         <p:nvSpPr>
           <p:cNvPr id="245" name="Google Shape;245;g13678e18ea3_0_23:notes"/>
-          <p:cNvSpPr/>
+          <p:cNvSpPr>
+            <a:spLocks noGrp="1" noRot="1" noChangeAspect="1"/>
+          </p:cNvSpPr>
           <p:nvPr>
-            <p:ph idx="2" type="sldImg"/>
+            <p:ph type="sldImg" idx="2"/>
           </p:nvPr>
         </p:nvSpPr>
         <p:spPr>
@@ -1545,9 +1607,13 @@
             <a:ext cx="6096000" cy="3429000"/>
           </a:xfrm>
           <a:custGeom>
-            <a:rect b="b" l="l" r="r" t="t"/>
+            <a:avLst/>
+            <a:gdLst/>
+            <a:ahLst/>
+            <a:cxnLst/>
+            <a:rect l="l" t="t" r="r" b="b"/>
             <a:pathLst>
-              <a:path extrusionOk="0" h="120000" w="120000">
+              <a:path w="120000" h="120000" extrusionOk="0">
                 <a:moveTo>
                   <a:pt x="0" y="0"/>
                 </a:moveTo>
@@ -1569,9 +1635,11 @@
       <p:sp>
         <p:nvSpPr>
           <p:cNvPr id="246" name="Google Shape;246;g13678e18ea3_0_23:notes"/>
-          <p:cNvSpPr txBox="1"/>
+          <p:cNvSpPr txBox="1">
+            <a:spLocks noGrp="1"/>
+          </p:cNvSpPr>
           <p:nvPr>
-            <p:ph idx="1" type="body"/>
+            <p:ph type="body" idx="1"/>
           </p:nvPr>
         </p:nvSpPr>
         <p:spPr>
@@ -1584,12 +1652,12 @@
           </a:prstGeom>
         </p:spPr>
         <p:txBody>
-          <a:bodyPr anchorCtr="0" anchor="t" bIns="91425" lIns="91425" spcFirstLastPara="1" rIns="91425" wrap="square" tIns="91425">
+          <a:bodyPr spcFirstLastPara="1" wrap="square" lIns="91425" tIns="91425" rIns="91425" bIns="91425" anchor="t" anchorCtr="0">
             <a:noAutofit/>
           </a:bodyPr>
           <a:lstStyle/>
           <a:p>
-            <a:pPr indent="0" lvl="0" marL="0" rtl="0" algn="l">
+            <a:pPr marL="0" lvl="0" indent="0" algn="l" rtl="0">
               <a:spcBef>
                 <a:spcPts val="0"/>
               </a:spcBef>
@@ -1598,9 +1666,6 @@
               </a:spcAft>
               <a:buNone/>
             </a:pPr>
-            <a:r>
-              <a:t/>
-            </a:r>
             <a:endParaRPr/>
           </a:p>
         </p:txBody>
@@ -1614,11 +1679,11 @@
 </file>
 
 <file path=ppt/notesSlides/notesSlide18.xml><?xml version="1.0" encoding="utf-8"?>
-<p:notes xmlns:a="http://schemas.openxmlformats.org/drawingml/2006/main" xmlns:r="http://schemas.openxmlformats.org/officeDocument/2006/relationships" xmlns:mc="http://schemas.openxmlformats.org/markup-compatibility/2006" xmlns:mv="urn:schemas-microsoft-com:mac:vml" xmlns:p="http://schemas.openxmlformats.org/presentationml/2006/main" xmlns:c="http://schemas.openxmlformats.org/drawingml/2006/chart" xmlns:dgm="http://schemas.openxmlformats.org/drawingml/2006/diagram" xmlns:o="urn:schemas-microsoft-com:office:office" xmlns:v="urn:schemas-microsoft-com:vml" xmlns:pvml="urn:schemas-microsoft-com:office:powerpoint" xmlns:com="http://schemas.openxmlformats.org/drawingml/2006/compatibility" xmlns:p14="http://schemas.microsoft.com/office/powerpoint/2010/main" xmlns:p15="http://schemas.microsoft.com/office/powerpoint/2012/main" xmlns:ahyp="http://schemas.microsoft.com/office/drawing/2018/hyperlinkcolor" showMasterPhAnim="0" showMasterSp="0">
+<p:notes xmlns:a="http://schemas.openxmlformats.org/drawingml/2006/main" xmlns:r="http://schemas.openxmlformats.org/officeDocument/2006/relationships" xmlns:p="http://schemas.openxmlformats.org/presentationml/2006/main" showMasterSp="0" showMasterPhAnim="0">
   <p:cSld>
     <p:spTree>
       <p:nvGrpSpPr>
-        <p:cNvPr id="252" name="Shape 252"/>
+        <p:cNvPr id="1" name="Shape 252"/>
         <p:cNvGrpSpPr/>
         <p:nvPr/>
       </p:nvGrpSpPr>
@@ -1633,9 +1698,11 @@
       <p:sp>
         <p:nvSpPr>
           <p:cNvPr id="253" name="Google Shape;253;g13678e18ea3_0_45:notes"/>
-          <p:cNvSpPr/>
+          <p:cNvSpPr>
+            <a:spLocks noGrp="1" noRot="1" noChangeAspect="1"/>
+          </p:cNvSpPr>
           <p:nvPr>
-            <p:ph idx="2" type="sldImg"/>
+            <p:ph type="sldImg" idx="2"/>
           </p:nvPr>
         </p:nvSpPr>
         <p:spPr>
@@ -1644,9 +1711,13 @@
             <a:ext cx="6096000" cy="3429000"/>
           </a:xfrm>
           <a:custGeom>
-            <a:rect b="b" l="l" r="r" t="t"/>
+            <a:avLst/>
+            <a:gdLst/>
+            <a:ahLst/>
+            <a:cxnLst/>
+            <a:rect l="l" t="t" r="r" b="b"/>
             <a:pathLst>
-              <a:path extrusionOk="0" h="120000" w="120000">
+              <a:path w="120000" h="120000" extrusionOk="0">
                 <a:moveTo>
                   <a:pt x="0" y="0"/>
                 </a:moveTo>
@@ -1668,9 +1739,11 @@
       <p:sp>
         <p:nvSpPr>
           <p:cNvPr id="254" name="Google Shape;254;g13678e18ea3_0_45:notes"/>
-          <p:cNvSpPr txBox="1"/>
+          <p:cNvSpPr txBox="1">
+            <a:spLocks noGrp="1"/>
+          </p:cNvSpPr>
           <p:nvPr>
-            <p:ph idx="1" type="body"/>
+            <p:ph type="body" idx="1"/>
           </p:nvPr>
         </p:nvSpPr>
         <p:spPr>
@@ -1683,12 +1756,12 @@
           </a:prstGeom>
         </p:spPr>
         <p:txBody>
-          <a:bodyPr anchorCtr="0" anchor="t" bIns="91425" lIns="91425" spcFirstLastPara="1" rIns="91425" wrap="square" tIns="91425">
+          <a:bodyPr spcFirstLastPara="1" wrap="square" lIns="91425" tIns="91425" rIns="91425" bIns="91425" anchor="t" anchorCtr="0">
             <a:noAutofit/>
           </a:bodyPr>
           <a:lstStyle/>
           <a:p>
-            <a:pPr indent="0" lvl="0" marL="0" rtl="0" algn="l">
+            <a:pPr marL="0" lvl="0" indent="0" algn="l" rtl="0">
               <a:spcBef>
                 <a:spcPts val="0"/>
               </a:spcBef>
@@ -1697,9 +1770,6 @@
               </a:spcAft>
               <a:buNone/>
             </a:pPr>
-            <a:r>
-              <a:t/>
-            </a:r>
             <a:endParaRPr/>
           </a:p>
         </p:txBody>
@@ -1713,11 +1783,11 @@
 </file>
 
 <file path=ppt/notesSlides/notesSlide19.xml><?xml version="1.0" encoding="utf-8"?>
-<p:notes xmlns:a="http://schemas.openxmlformats.org/drawingml/2006/main" xmlns:r="http://schemas.openxmlformats.org/officeDocument/2006/relationships" xmlns:mc="http://schemas.openxmlformats.org/markup-compatibility/2006" xmlns:mv="urn:schemas-microsoft-com:mac:vml" xmlns:p="http://schemas.openxmlformats.org/presentationml/2006/main" xmlns:c="http://schemas.openxmlformats.org/drawingml/2006/chart" xmlns:dgm="http://schemas.openxmlformats.org/drawingml/2006/diagram" xmlns:o="urn:schemas-microsoft-com:office:office" xmlns:v="urn:schemas-microsoft-com:vml" xmlns:pvml="urn:schemas-microsoft-com:office:powerpoint" xmlns:com="http://schemas.openxmlformats.org/drawingml/2006/compatibility" xmlns:p14="http://schemas.microsoft.com/office/powerpoint/2010/main" xmlns:p15="http://schemas.microsoft.com/office/powerpoint/2012/main" xmlns:ahyp="http://schemas.microsoft.com/office/drawing/2018/hyperlinkcolor" showMasterPhAnim="0" showMasterSp="0">
+<p:notes xmlns:a="http://schemas.openxmlformats.org/drawingml/2006/main" xmlns:r="http://schemas.openxmlformats.org/officeDocument/2006/relationships" xmlns:p="http://schemas.openxmlformats.org/presentationml/2006/main" showMasterSp="0" showMasterPhAnim="0">
   <p:cSld>
     <p:spTree>
       <p:nvGrpSpPr>
-        <p:cNvPr id="259" name="Shape 259"/>
+        <p:cNvPr id="1" name="Shape 259"/>
         <p:cNvGrpSpPr/>
         <p:nvPr/>
       </p:nvGrpSpPr>
@@ -1732,9 +1802,11 @@
       <p:sp>
         <p:nvSpPr>
           <p:cNvPr id="260" name="Google Shape;260;g13678e18ea3_0_31:notes"/>
-          <p:cNvSpPr/>
+          <p:cNvSpPr>
+            <a:spLocks noGrp="1" noRot="1" noChangeAspect="1"/>
+          </p:cNvSpPr>
           <p:nvPr>
-            <p:ph idx="2" type="sldImg"/>
+            <p:ph type="sldImg" idx="2"/>
           </p:nvPr>
         </p:nvSpPr>
         <p:spPr>
@@ -1743,9 +1815,13 @@
             <a:ext cx="6096000" cy="3429000"/>
           </a:xfrm>
           <a:custGeom>
-            <a:rect b="b" l="l" r="r" t="t"/>
+            <a:avLst/>
+            <a:gdLst/>
+            <a:ahLst/>
+            <a:cxnLst/>
+            <a:rect l="l" t="t" r="r" b="b"/>
             <a:pathLst>
-              <a:path extrusionOk="0" h="120000" w="120000">
+              <a:path w="120000" h="120000" extrusionOk="0">
                 <a:moveTo>
                   <a:pt x="0" y="0"/>
                 </a:moveTo>
@@ -1767,9 +1843,11 @@
       <p:sp>
         <p:nvSpPr>
           <p:cNvPr id="261" name="Google Shape;261;g13678e18ea3_0_31:notes"/>
-          <p:cNvSpPr txBox="1"/>
+          <p:cNvSpPr txBox="1">
+            <a:spLocks noGrp="1"/>
+          </p:cNvSpPr>
           <p:nvPr>
-            <p:ph idx="1" type="body"/>
+            <p:ph type="body" idx="1"/>
           </p:nvPr>
         </p:nvSpPr>
         <p:spPr>
@@ -1782,12 +1860,12 @@
           </a:prstGeom>
         </p:spPr>
         <p:txBody>
-          <a:bodyPr anchorCtr="0" anchor="t" bIns="91425" lIns="91425" spcFirstLastPara="1" rIns="91425" wrap="square" tIns="91425">
+          <a:bodyPr spcFirstLastPara="1" wrap="square" lIns="91425" tIns="91425" rIns="91425" bIns="91425" anchor="t" anchorCtr="0">
             <a:noAutofit/>
           </a:bodyPr>
           <a:lstStyle/>
           <a:p>
-            <a:pPr indent="0" lvl="0" marL="0" rtl="0" algn="l">
+            <a:pPr marL="0" lvl="0" indent="0" algn="l" rtl="0">
               <a:spcBef>
                 <a:spcPts val="0"/>
               </a:spcBef>
@@ -1796,9 +1874,6 @@
               </a:spcAft>
               <a:buNone/>
             </a:pPr>
-            <a:r>
-              <a:t/>
-            </a:r>
             <a:endParaRPr/>
           </a:p>
         </p:txBody>
@@ -1812,11 +1887,11 @@
 </file>
 
 <file path=ppt/notesSlides/notesSlide2.xml><?xml version="1.0" encoding="utf-8"?>
-<p:notes xmlns:a="http://schemas.openxmlformats.org/drawingml/2006/main" xmlns:r="http://schemas.openxmlformats.org/officeDocument/2006/relationships" xmlns:mc="http://schemas.openxmlformats.org/markup-compatibility/2006" xmlns:mv="urn:schemas-microsoft-com:mac:vml" xmlns:p="http://schemas.openxmlformats.org/presentationml/2006/main" xmlns:c="http://schemas.openxmlformats.org/drawingml/2006/chart" xmlns:dgm="http://schemas.openxmlformats.org/drawingml/2006/diagram" xmlns:o="urn:schemas-microsoft-com:office:office" xmlns:v="urn:schemas-microsoft-com:vml" xmlns:pvml="urn:schemas-microsoft-com:office:powerpoint" xmlns:com="http://schemas.openxmlformats.org/drawingml/2006/compatibility" xmlns:p14="http://schemas.microsoft.com/office/powerpoint/2010/main" xmlns:p15="http://schemas.microsoft.com/office/powerpoint/2012/main" xmlns:ahyp="http://schemas.microsoft.com/office/drawing/2018/hyperlinkcolor" showMasterPhAnim="0" showMasterSp="0">
+<p:notes xmlns:a="http://schemas.openxmlformats.org/drawingml/2006/main" xmlns:r="http://schemas.openxmlformats.org/officeDocument/2006/relationships" xmlns:p="http://schemas.openxmlformats.org/presentationml/2006/main" showMasterSp="0" showMasterPhAnim="0">
   <p:cSld>
     <p:spTree>
       <p:nvGrpSpPr>
-        <p:cNvPr id="136" name="Shape 136"/>
+        <p:cNvPr id="1" name="Shape 136"/>
         <p:cNvGrpSpPr/>
         <p:nvPr/>
       </p:nvGrpSpPr>
@@ -1831,9 +1906,11 @@
       <p:sp>
         <p:nvSpPr>
           <p:cNvPr id="137" name="Google Shape;137;g13b3fd6cc90_0_125:notes"/>
-          <p:cNvSpPr/>
+          <p:cNvSpPr>
+            <a:spLocks noGrp="1" noRot="1" noChangeAspect="1"/>
+          </p:cNvSpPr>
           <p:nvPr>
-            <p:ph idx="2" type="sldImg"/>
+            <p:ph type="sldImg" idx="2"/>
           </p:nvPr>
         </p:nvSpPr>
         <p:spPr>
@@ -1842,9 +1919,13 @@
             <a:ext cx="6096000" cy="3429000"/>
           </a:xfrm>
           <a:custGeom>
-            <a:rect b="b" l="l" r="r" t="t"/>
+            <a:avLst/>
+            <a:gdLst/>
+            <a:ahLst/>
+            <a:cxnLst/>
+            <a:rect l="l" t="t" r="r" b="b"/>
             <a:pathLst>
-              <a:path extrusionOk="0" h="120000" w="120000">
+              <a:path w="120000" h="120000" extrusionOk="0">
                 <a:moveTo>
                   <a:pt x="0" y="0"/>
                 </a:moveTo>
@@ -1866,9 +1947,11 @@
       <p:sp>
         <p:nvSpPr>
           <p:cNvPr id="138" name="Google Shape;138;g13b3fd6cc90_0_125:notes"/>
-          <p:cNvSpPr txBox="1"/>
+          <p:cNvSpPr txBox="1">
+            <a:spLocks noGrp="1"/>
+          </p:cNvSpPr>
           <p:nvPr>
-            <p:ph idx="1" type="body"/>
+            <p:ph type="body" idx="1"/>
           </p:nvPr>
         </p:nvSpPr>
         <p:spPr>
@@ -1881,12 +1964,12 @@
           </a:prstGeom>
         </p:spPr>
         <p:txBody>
-          <a:bodyPr anchorCtr="0" anchor="t" bIns="91425" lIns="91425" spcFirstLastPara="1" rIns="91425" wrap="square" tIns="91425">
+          <a:bodyPr spcFirstLastPara="1" wrap="square" lIns="91425" tIns="91425" rIns="91425" bIns="91425" anchor="t" anchorCtr="0">
             <a:noAutofit/>
           </a:bodyPr>
           <a:lstStyle/>
           <a:p>
-            <a:pPr indent="0" lvl="0" marL="0" rtl="0" algn="l">
+            <a:pPr marL="0" lvl="0" indent="0" algn="l" rtl="0">
               <a:spcBef>
                 <a:spcPts val="0"/>
               </a:spcBef>
@@ -1895,9 +1978,6 @@
               </a:spcAft>
               <a:buNone/>
             </a:pPr>
-            <a:r>
-              <a:t/>
-            </a:r>
             <a:endParaRPr/>
           </a:p>
         </p:txBody>
@@ -1911,11 +1991,11 @@
 </file>
 
 <file path=ppt/notesSlides/notesSlide20.xml><?xml version="1.0" encoding="utf-8"?>
-<p:notes xmlns:a="http://schemas.openxmlformats.org/drawingml/2006/main" xmlns:r="http://schemas.openxmlformats.org/officeDocument/2006/relationships" xmlns:mc="http://schemas.openxmlformats.org/markup-compatibility/2006" xmlns:mv="urn:schemas-microsoft-com:mac:vml" xmlns:p="http://schemas.openxmlformats.org/presentationml/2006/main" xmlns:c="http://schemas.openxmlformats.org/drawingml/2006/chart" xmlns:dgm="http://schemas.openxmlformats.org/drawingml/2006/diagram" xmlns:o="urn:schemas-microsoft-com:office:office" xmlns:v="urn:schemas-microsoft-com:vml" xmlns:pvml="urn:schemas-microsoft-com:office:powerpoint" xmlns:com="http://schemas.openxmlformats.org/drawingml/2006/compatibility" xmlns:p14="http://schemas.microsoft.com/office/powerpoint/2010/main" xmlns:p15="http://schemas.microsoft.com/office/powerpoint/2012/main" xmlns:ahyp="http://schemas.microsoft.com/office/drawing/2018/hyperlinkcolor" showMasterPhAnim="0" showMasterSp="0">
+<p:notes xmlns:a="http://schemas.openxmlformats.org/drawingml/2006/main" xmlns:r="http://schemas.openxmlformats.org/officeDocument/2006/relationships" xmlns:p="http://schemas.openxmlformats.org/presentationml/2006/main" showMasterSp="0" showMasterPhAnim="0">
   <p:cSld>
     <p:spTree>
       <p:nvGrpSpPr>
-        <p:cNvPr id="266" name="Shape 266"/>
+        <p:cNvPr id="1" name="Shape 266"/>
         <p:cNvGrpSpPr/>
         <p:nvPr/>
       </p:nvGrpSpPr>
@@ -1930,9 +2010,11 @@
       <p:sp>
         <p:nvSpPr>
           <p:cNvPr id="267" name="Google Shape;267;g13678e18ea3_0_53:notes"/>
-          <p:cNvSpPr/>
+          <p:cNvSpPr>
+            <a:spLocks noGrp="1" noRot="1" noChangeAspect="1"/>
+          </p:cNvSpPr>
           <p:nvPr>
-            <p:ph idx="2" type="sldImg"/>
+            <p:ph type="sldImg" idx="2"/>
           </p:nvPr>
         </p:nvSpPr>
         <p:spPr>
@@ -1941,9 +2023,13 @@
             <a:ext cx="6096000" cy="3429000"/>
           </a:xfrm>
           <a:custGeom>
-            <a:rect b="b" l="l" r="r" t="t"/>
+            <a:avLst/>
+            <a:gdLst/>
+            <a:ahLst/>
+            <a:cxnLst/>
+            <a:rect l="l" t="t" r="r" b="b"/>
             <a:pathLst>
-              <a:path extrusionOk="0" h="120000" w="120000">
+              <a:path w="120000" h="120000" extrusionOk="0">
                 <a:moveTo>
                   <a:pt x="0" y="0"/>
                 </a:moveTo>
@@ -1965,9 +2051,11 @@
       <p:sp>
         <p:nvSpPr>
           <p:cNvPr id="268" name="Google Shape;268;g13678e18ea3_0_53:notes"/>
-          <p:cNvSpPr txBox="1"/>
+          <p:cNvSpPr txBox="1">
+            <a:spLocks noGrp="1"/>
+          </p:cNvSpPr>
           <p:nvPr>
-            <p:ph idx="1" type="body"/>
+            <p:ph type="body" idx="1"/>
           </p:nvPr>
         </p:nvSpPr>
         <p:spPr>
@@ -1980,12 +2068,12 @@
           </a:prstGeom>
         </p:spPr>
         <p:txBody>
-          <a:bodyPr anchorCtr="0" anchor="t" bIns="91425" lIns="91425" spcFirstLastPara="1" rIns="91425" wrap="square" tIns="91425">
+          <a:bodyPr spcFirstLastPara="1" wrap="square" lIns="91425" tIns="91425" rIns="91425" bIns="91425" anchor="t" anchorCtr="0">
             <a:noAutofit/>
           </a:bodyPr>
           <a:lstStyle/>
           <a:p>
-            <a:pPr indent="0" lvl="0" marL="0" rtl="0" algn="l">
+            <a:pPr marL="0" lvl="0" indent="0" algn="l" rtl="0">
               <a:spcBef>
                 <a:spcPts val="0"/>
               </a:spcBef>
@@ -1994,9 +2082,6 @@
               </a:spcAft>
               <a:buNone/>
             </a:pPr>
-            <a:r>
-              <a:t/>
-            </a:r>
             <a:endParaRPr/>
           </a:p>
         </p:txBody>
@@ -2010,11 +2095,11 @@
 </file>
 
 <file path=ppt/notesSlides/notesSlide21.xml><?xml version="1.0" encoding="utf-8"?>
-<p:notes xmlns:a="http://schemas.openxmlformats.org/drawingml/2006/main" xmlns:r="http://schemas.openxmlformats.org/officeDocument/2006/relationships" xmlns:mc="http://schemas.openxmlformats.org/markup-compatibility/2006" xmlns:mv="urn:schemas-microsoft-com:mac:vml" xmlns:p="http://schemas.openxmlformats.org/presentationml/2006/main" xmlns:c="http://schemas.openxmlformats.org/drawingml/2006/chart" xmlns:dgm="http://schemas.openxmlformats.org/drawingml/2006/diagram" xmlns:o="urn:schemas-microsoft-com:office:office" xmlns:v="urn:schemas-microsoft-com:vml" xmlns:pvml="urn:schemas-microsoft-com:office:powerpoint" xmlns:com="http://schemas.openxmlformats.org/drawingml/2006/compatibility" xmlns:p14="http://schemas.microsoft.com/office/powerpoint/2010/main" xmlns:p15="http://schemas.microsoft.com/office/powerpoint/2012/main" xmlns:ahyp="http://schemas.microsoft.com/office/drawing/2018/hyperlinkcolor" showMasterPhAnim="0" showMasterSp="0">
+<p:notes xmlns:a="http://schemas.openxmlformats.org/drawingml/2006/main" xmlns:r="http://schemas.openxmlformats.org/officeDocument/2006/relationships" xmlns:p="http://schemas.openxmlformats.org/presentationml/2006/main" showMasterSp="0" showMasterPhAnim="0">
   <p:cSld>
     <p:spTree>
       <p:nvGrpSpPr>
-        <p:cNvPr id="273" name="Shape 273"/>
+        <p:cNvPr id="1" name="Shape 273"/>
         <p:cNvGrpSpPr/>
         <p:nvPr/>
       </p:nvGrpSpPr>
@@ -2029,9 +2114,11 @@
       <p:sp>
         <p:nvSpPr>
           <p:cNvPr id="274" name="Google Shape;274;g13678e18ea3_0_65:notes"/>
-          <p:cNvSpPr/>
+          <p:cNvSpPr>
+            <a:spLocks noGrp="1" noRot="1" noChangeAspect="1"/>
+          </p:cNvSpPr>
           <p:nvPr>
-            <p:ph idx="2" type="sldImg"/>
+            <p:ph type="sldImg" idx="2"/>
           </p:nvPr>
         </p:nvSpPr>
         <p:spPr>
@@ -2040,9 +2127,13 @@
             <a:ext cx="6096000" cy="3429000"/>
           </a:xfrm>
           <a:custGeom>
-            <a:rect b="b" l="l" r="r" t="t"/>
+            <a:avLst/>
+            <a:gdLst/>
+            <a:ahLst/>
+            <a:cxnLst/>
+            <a:rect l="l" t="t" r="r" b="b"/>
             <a:pathLst>
-              <a:path extrusionOk="0" h="120000" w="120000">
+              <a:path w="120000" h="120000" extrusionOk="0">
                 <a:moveTo>
                   <a:pt x="0" y="0"/>
                 </a:moveTo>
@@ -2064,9 +2155,11 @@
       <p:sp>
         <p:nvSpPr>
           <p:cNvPr id="275" name="Google Shape;275;g13678e18ea3_0_65:notes"/>
-          <p:cNvSpPr txBox="1"/>
+          <p:cNvSpPr txBox="1">
+            <a:spLocks noGrp="1"/>
+          </p:cNvSpPr>
           <p:nvPr>
-            <p:ph idx="1" type="body"/>
+            <p:ph type="body" idx="1"/>
           </p:nvPr>
         </p:nvSpPr>
         <p:spPr>
@@ -2079,12 +2172,12 @@
           </a:prstGeom>
         </p:spPr>
         <p:txBody>
-          <a:bodyPr anchorCtr="0" anchor="t" bIns="91425" lIns="91425" spcFirstLastPara="1" rIns="91425" wrap="square" tIns="91425">
+          <a:bodyPr spcFirstLastPara="1" wrap="square" lIns="91425" tIns="91425" rIns="91425" bIns="91425" anchor="t" anchorCtr="0">
             <a:noAutofit/>
           </a:bodyPr>
           <a:lstStyle/>
           <a:p>
-            <a:pPr indent="0" lvl="0" marL="0" rtl="0" algn="l">
+            <a:pPr marL="0" lvl="0" indent="0" algn="l" rtl="0">
               <a:spcBef>
                 <a:spcPts val="0"/>
               </a:spcBef>
@@ -2093,9 +2186,6 @@
               </a:spcAft>
               <a:buNone/>
             </a:pPr>
-            <a:r>
-              <a:t/>
-            </a:r>
             <a:endParaRPr/>
           </a:p>
         </p:txBody>
@@ -2109,11 +2199,11 @@
 </file>
 
 <file path=ppt/notesSlides/notesSlide3.xml><?xml version="1.0" encoding="utf-8"?>
-<p:notes xmlns:a="http://schemas.openxmlformats.org/drawingml/2006/main" xmlns:r="http://schemas.openxmlformats.org/officeDocument/2006/relationships" xmlns:mc="http://schemas.openxmlformats.org/markup-compatibility/2006" xmlns:mv="urn:schemas-microsoft-com:mac:vml" xmlns:p="http://schemas.openxmlformats.org/presentationml/2006/main" xmlns:c="http://schemas.openxmlformats.org/drawingml/2006/chart" xmlns:dgm="http://schemas.openxmlformats.org/drawingml/2006/diagram" xmlns:o="urn:schemas-microsoft-com:office:office" xmlns:v="urn:schemas-microsoft-com:vml" xmlns:pvml="urn:schemas-microsoft-com:office:powerpoint" xmlns:com="http://schemas.openxmlformats.org/drawingml/2006/compatibility" xmlns:p14="http://schemas.microsoft.com/office/powerpoint/2010/main" xmlns:p15="http://schemas.microsoft.com/office/powerpoint/2012/main" xmlns:ahyp="http://schemas.microsoft.com/office/drawing/2018/hyperlinkcolor" showMasterPhAnim="0" showMasterSp="0">
+<p:notes xmlns:a="http://schemas.openxmlformats.org/drawingml/2006/main" xmlns:r="http://schemas.openxmlformats.org/officeDocument/2006/relationships" xmlns:p="http://schemas.openxmlformats.org/presentationml/2006/main" showMasterSp="0" showMasterPhAnim="0">
   <p:cSld>
     <p:spTree>
       <p:nvGrpSpPr>
-        <p:cNvPr id="142" name="Shape 142"/>
+        <p:cNvPr id="1" name="Shape 142"/>
         <p:cNvGrpSpPr/>
         <p:nvPr/>
       </p:nvGrpSpPr>
@@ -2128,9 +2218,11 @@
       <p:sp>
         <p:nvSpPr>
           <p:cNvPr id="143" name="Google Shape;143;g13b3fd6cc90_0_130:notes"/>
-          <p:cNvSpPr/>
+          <p:cNvSpPr>
+            <a:spLocks noGrp="1" noRot="1" noChangeAspect="1"/>
+          </p:cNvSpPr>
           <p:nvPr>
-            <p:ph idx="2" type="sldImg"/>
+            <p:ph type="sldImg" idx="2"/>
           </p:nvPr>
         </p:nvSpPr>
         <p:spPr>
@@ -2139,9 +2231,13 @@
             <a:ext cx="6096000" cy="3429000"/>
           </a:xfrm>
           <a:custGeom>
-            <a:rect b="b" l="l" r="r" t="t"/>
+            <a:avLst/>
+            <a:gdLst/>
+            <a:ahLst/>
+            <a:cxnLst/>
+            <a:rect l="l" t="t" r="r" b="b"/>
             <a:pathLst>
-              <a:path extrusionOk="0" h="120000" w="120000">
+              <a:path w="120000" h="120000" extrusionOk="0">
                 <a:moveTo>
                   <a:pt x="0" y="0"/>
                 </a:moveTo>
@@ -2163,9 +2259,11 @@
       <p:sp>
         <p:nvSpPr>
           <p:cNvPr id="144" name="Google Shape;144;g13b3fd6cc90_0_130:notes"/>
-          <p:cNvSpPr txBox="1"/>
+          <p:cNvSpPr txBox="1">
+            <a:spLocks noGrp="1"/>
+          </p:cNvSpPr>
           <p:nvPr>
-            <p:ph idx="1" type="body"/>
+            <p:ph type="body" idx="1"/>
           </p:nvPr>
         </p:nvSpPr>
         <p:spPr>
@@ -2178,12 +2276,12 @@
           </a:prstGeom>
         </p:spPr>
         <p:txBody>
-          <a:bodyPr anchorCtr="0" anchor="t" bIns="91425" lIns="91425" spcFirstLastPara="1" rIns="91425" wrap="square" tIns="91425">
+          <a:bodyPr spcFirstLastPara="1" wrap="square" lIns="91425" tIns="91425" rIns="91425" bIns="91425" anchor="t" anchorCtr="0">
             <a:noAutofit/>
           </a:bodyPr>
           <a:lstStyle/>
           <a:p>
-            <a:pPr indent="0" lvl="0" marL="0" rtl="0" algn="l">
+            <a:pPr marL="0" lvl="0" indent="0" algn="l" rtl="0">
               <a:spcBef>
                 <a:spcPts val="0"/>
               </a:spcBef>
@@ -2192,9 +2290,6 @@
               </a:spcAft>
               <a:buNone/>
             </a:pPr>
-            <a:r>
-              <a:t/>
-            </a:r>
             <a:endParaRPr/>
           </a:p>
         </p:txBody>
@@ -2208,11 +2303,11 @@
 </file>
 
 <file path=ppt/notesSlides/notesSlide4.xml><?xml version="1.0" encoding="utf-8"?>
-<p:notes xmlns:a="http://schemas.openxmlformats.org/drawingml/2006/main" xmlns:r="http://schemas.openxmlformats.org/officeDocument/2006/relationships" xmlns:mc="http://schemas.openxmlformats.org/markup-compatibility/2006" xmlns:mv="urn:schemas-microsoft-com:mac:vml" xmlns:p="http://schemas.openxmlformats.org/presentationml/2006/main" xmlns:c="http://schemas.openxmlformats.org/drawingml/2006/chart" xmlns:dgm="http://schemas.openxmlformats.org/drawingml/2006/diagram" xmlns:o="urn:schemas-microsoft-com:office:office" xmlns:v="urn:schemas-microsoft-com:vml" xmlns:pvml="urn:schemas-microsoft-com:office:powerpoint" xmlns:com="http://schemas.openxmlformats.org/drawingml/2006/compatibility" xmlns:p14="http://schemas.microsoft.com/office/powerpoint/2010/main" xmlns:p15="http://schemas.microsoft.com/office/powerpoint/2012/main" xmlns:ahyp="http://schemas.microsoft.com/office/drawing/2018/hyperlinkcolor" showMasterPhAnim="0" showMasterSp="0">
+<p:notes xmlns:a="http://schemas.openxmlformats.org/drawingml/2006/main" xmlns:r="http://schemas.openxmlformats.org/officeDocument/2006/relationships" xmlns:p="http://schemas.openxmlformats.org/presentationml/2006/main" showMasterSp="0" showMasterPhAnim="0">
   <p:cSld>
     <p:spTree>
       <p:nvGrpSpPr>
-        <p:cNvPr id="150" name="Shape 150"/>
+        <p:cNvPr id="1" name="Shape 150"/>
         <p:cNvGrpSpPr/>
         <p:nvPr/>
       </p:nvGrpSpPr>
@@ -2227,9 +2322,11 @@
       <p:sp>
         <p:nvSpPr>
           <p:cNvPr id="151" name="Google Shape;151;g13b3fd6cc90_0_135:notes"/>
-          <p:cNvSpPr/>
+          <p:cNvSpPr>
+            <a:spLocks noGrp="1" noRot="1" noChangeAspect="1"/>
+          </p:cNvSpPr>
           <p:nvPr>
-            <p:ph idx="2" type="sldImg"/>
+            <p:ph type="sldImg" idx="2"/>
           </p:nvPr>
         </p:nvSpPr>
         <p:spPr>
@@ -2238,9 +2335,13 @@
             <a:ext cx="6096000" cy="3429000"/>
           </a:xfrm>
           <a:custGeom>
-            <a:rect b="b" l="l" r="r" t="t"/>
+            <a:avLst/>
+            <a:gdLst/>
+            <a:ahLst/>
+            <a:cxnLst/>
+            <a:rect l="l" t="t" r="r" b="b"/>
             <a:pathLst>
-              <a:path extrusionOk="0" h="120000" w="120000">
+              <a:path w="120000" h="120000" extrusionOk="0">
                 <a:moveTo>
                   <a:pt x="0" y="0"/>
                 </a:moveTo>
@@ -2262,9 +2363,11 @@
       <p:sp>
         <p:nvSpPr>
           <p:cNvPr id="152" name="Google Shape;152;g13b3fd6cc90_0_135:notes"/>
-          <p:cNvSpPr txBox="1"/>
+          <p:cNvSpPr txBox="1">
+            <a:spLocks noGrp="1"/>
+          </p:cNvSpPr>
           <p:nvPr>
-            <p:ph idx="1" type="body"/>
+            <p:ph type="body" idx="1"/>
           </p:nvPr>
         </p:nvSpPr>
         <p:spPr>
@@ -2277,12 +2380,12 @@
           </a:prstGeom>
         </p:spPr>
         <p:txBody>
-          <a:bodyPr anchorCtr="0" anchor="t" bIns="91425" lIns="91425" spcFirstLastPara="1" rIns="91425" wrap="square" tIns="91425">
+          <a:bodyPr spcFirstLastPara="1" wrap="square" lIns="91425" tIns="91425" rIns="91425" bIns="91425" anchor="t" anchorCtr="0">
             <a:noAutofit/>
           </a:bodyPr>
           <a:lstStyle/>
           <a:p>
-            <a:pPr indent="0" lvl="0" marL="0" rtl="0" algn="l">
+            <a:pPr marL="0" lvl="0" indent="0" algn="l" rtl="0">
               <a:spcBef>
                 <a:spcPts val="0"/>
               </a:spcBef>
@@ -2291,9 +2394,6 @@
               </a:spcAft>
               <a:buNone/>
             </a:pPr>
-            <a:r>
-              <a:t/>
-            </a:r>
             <a:endParaRPr/>
           </a:p>
         </p:txBody>
@@ -2307,11 +2407,11 @@
 </file>
 
 <file path=ppt/notesSlides/notesSlide5.xml><?xml version="1.0" encoding="utf-8"?>
-<p:notes xmlns:a="http://schemas.openxmlformats.org/drawingml/2006/main" xmlns:r="http://schemas.openxmlformats.org/officeDocument/2006/relationships" xmlns:mc="http://schemas.openxmlformats.org/markup-compatibility/2006" xmlns:mv="urn:schemas-microsoft-com:mac:vml" xmlns:p="http://schemas.openxmlformats.org/presentationml/2006/main" xmlns:c="http://schemas.openxmlformats.org/drawingml/2006/chart" xmlns:dgm="http://schemas.openxmlformats.org/drawingml/2006/diagram" xmlns:o="urn:schemas-microsoft-com:office:office" xmlns:v="urn:schemas-microsoft-com:vml" xmlns:pvml="urn:schemas-microsoft-com:office:powerpoint" xmlns:com="http://schemas.openxmlformats.org/drawingml/2006/compatibility" xmlns:p14="http://schemas.microsoft.com/office/powerpoint/2010/main" xmlns:p15="http://schemas.microsoft.com/office/powerpoint/2012/main" xmlns:ahyp="http://schemas.microsoft.com/office/drawing/2018/hyperlinkcolor" showMasterPhAnim="0" showMasterSp="0">
+<p:notes xmlns:a="http://schemas.openxmlformats.org/drawingml/2006/main" xmlns:r="http://schemas.openxmlformats.org/officeDocument/2006/relationships" xmlns:p="http://schemas.openxmlformats.org/presentationml/2006/main" showMasterSp="0" showMasterPhAnim="0">
   <p:cSld>
     <p:spTree>
       <p:nvGrpSpPr>
-        <p:cNvPr id="158" name="Shape 158"/>
+        <p:cNvPr id="1" name="Shape 158"/>
         <p:cNvGrpSpPr/>
         <p:nvPr/>
       </p:nvGrpSpPr>
@@ -2326,9 +2426,11 @@
       <p:sp>
         <p:nvSpPr>
           <p:cNvPr id="159" name="Google Shape;159;g13b3fd6cc90_0_140:notes"/>
-          <p:cNvSpPr/>
+          <p:cNvSpPr>
+            <a:spLocks noGrp="1" noRot="1" noChangeAspect="1"/>
+          </p:cNvSpPr>
           <p:nvPr>
-            <p:ph idx="2" type="sldImg"/>
+            <p:ph type="sldImg" idx="2"/>
           </p:nvPr>
         </p:nvSpPr>
         <p:spPr>
@@ -2337,9 +2439,13 @@
             <a:ext cx="6096000" cy="3429000"/>
           </a:xfrm>
           <a:custGeom>
-            <a:rect b="b" l="l" r="r" t="t"/>
+            <a:avLst/>
+            <a:gdLst/>
+            <a:ahLst/>
+            <a:cxnLst/>
+            <a:rect l="l" t="t" r="r" b="b"/>
             <a:pathLst>
-              <a:path extrusionOk="0" h="120000" w="120000">
+              <a:path w="120000" h="120000" extrusionOk="0">
                 <a:moveTo>
                   <a:pt x="0" y="0"/>
                 </a:moveTo>
@@ -2361,9 +2467,11 @@
       <p:sp>
         <p:nvSpPr>
           <p:cNvPr id="160" name="Google Shape;160;g13b3fd6cc90_0_140:notes"/>
-          <p:cNvSpPr txBox="1"/>
+          <p:cNvSpPr txBox="1">
+            <a:spLocks noGrp="1"/>
+          </p:cNvSpPr>
           <p:nvPr>
-            <p:ph idx="1" type="body"/>
+            <p:ph type="body" idx="1"/>
           </p:nvPr>
         </p:nvSpPr>
         <p:spPr>
@@ -2376,12 +2484,12 @@
           </a:prstGeom>
         </p:spPr>
         <p:txBody>
-          <a:bodyPr anchorCtr="0" anchor="t" bIns="91425" lIns="91425" spcFirstLastPara="1" rIns="91425" wrap="square" tIns="91425">
+          <a:bodyPr spcFirstLastPara="1" wrap="square" lIns="91425" tIns="91425" rIns="91425" bIns="91425" anchor="t" anchorCtr="0">
             <a:noAutofit/>
           </a:bodyPr>
           <a:lstStyle/>
           <a:p>
-            <a:pPr indent="0" lvl="0" marL="0" rtl="0" algn="l">
+            <a:pPr marL="0" lvl="0" indent="0" algn="l" rtl="0">
               <a:spcBef>
                 <a:spcPts val="0"/>
               </a:spcBef>
@@ -2390,9 +2498,6 @@
               </a:spcAft>
               <a:buNone/>
             </a:pPr>
-            <a:r>
-              <a:t/>
-            </a:r>
             <a:endParaRPr/>
           </a:p>
         </p:txBody>
@@ -2406,11 +2511,11 @@
 </file>
 
 <file path=ppt/notesSlides/notesSlide6.xml><?xml version="1.0" encoding="utf-8"?>
-<p:notes xmlns:a="http://schemas.openxmlformats.org/drawingml/2006/main" xmlns:r="http://schemas.openxmlformats.org/officeDocument/2006/relationships" xmlns:mc="http://schemas.openxmlformats.org/markup-compatibility/2006" xmlns:mv="urn:schemas-microsoft-com:mac:vml" xmlns:p="http://schemas.openxmlformats.org/presentationml/2006/main" xmlns:c="http://schemas.openxmlformats.org/drawingml/2006/chart" xmlns:dgm="http://schemas.openxmlformats.org/drawingml/2006/diagram" xmlns:o="urn:schemas-microsoft-com:office:office" xmlns:v="urn:schemas-microsoft-com:vml" xmlns:pvml="urn:schemas-microsoft-com:office:powerpoint" xmlns:com="http://schemas.openxmlformats.org/drawingml/2006/compatibility" xmlns:p14="http://schemas.microsoft.com/office/powerpoint/2010/main" xmlns:p15="http://schemas.microsoft.com/office/powerpoint/2012/main" xmlns:ahyp="http://schemas.microsoft.com/office/drawing/2018/hyperlinkcolor" showMasterPhAnim="0" showMasterSp="0">
+<p:notes xmlns:a="http://schemas.openxmlformats.org/drawingml/2006/main" xmlns:r="http://schemas.openxmlformats.org/officeDocument/2006/relationships" xmlns:p="http://schemas.openxmlformats.org/presentationml/2006/main" showMasterSp="0" showMasterPhAnim="0">
   <p:cSld>
     <p:spTree>
       <p:nvGrpSpPr>
-        <p:cNvPr id="166" name="Shape 166"/>
+        <p:cNvPr id="1" name="Shape 166"/>
         <p:cNvGrpSpPr/>
         <p:nvPr/>
       </p:nvGrpSpPr>
@@ -2425,9 +2530,11 @@
       <p:sp>
         <p:nvSpPr>
           <p:cNvPr id="167" name="Google Shape;167;g13b3fd6cc90_0_146:notes"/>
-          <p:cNvSpPr/>
+          <p:cNvSpPr>
+            <a:spLocks noGrp="1" noRot="1" noChangeAspect="1"/>
+          </p:cNvSpPr>
           <p:nvPr>
-            <p:ph idx="2" type="sldImg"/>
+            <p:ph type="sldImg" idx="2"/>
           </p:nvPr>
         </p:nvSpPr>
         <p:spPr>
@@ -2436,9 +2543,13 @@
             <a:ext cx="6096000" cy="3429000"/>
           </a:xfrm>
           <a:custGeom>
-            <a:rect b="b" l="l" r="r" t="t"/>
+            <a:avLst/>
+            <a:gdLst/>
+            <a:ahLst/>
+            <a:cxnLst/>
+            <a:rect l="l" t="t" r="r" b="b"/>
             <a:pathLst>
-              <a:path extrusionOk="0" h="120000" w="120000">
+              <a:path w="120000" h="120000" extrusionOk="0">
                 <a:moveTo>
                   <a:pt x="0" y="0"/>
                 </a:moveTo>
@@ -2460,9 +2571,11 @@
       <p:sp>
         <p:nvSpPr>
           <p:cNvPr id="168" name="Google Shape;168;g13b3fd6cc90_0_146:notes"/>
-          <p:cNvSpPr txBox="1"/>
+          <p:cNvSpPr txBox="1">
+            <a:spLocks noGrp="1"/>
+          </p:cNvSpPr>
           <p:nvPr>
-            <p:ph idx="1" type="body"/>
+            <p:ph type="body" idx="1"/>
           </p:nvPr>
         </p:nvSpPr>
         <p:spPr>
@@ -2475,12 +2588,12 @@
           </a:prstGeom>
         </p:spPr>
         <p:txBody>
-          <a:bodyPr anchorCtr="0" anchor="t" bIns="91425" lIns="91425" spcFirstLastPara="1" rIns="91425" wrap="square" tIns="91425">
+          <a:bodyPr spcFirstLastPara="1" wrap="square" lIns="91425" tIns="91425" rIns="91425" bIns="91425" anchor="t" anchorCtr="0">
             <a:noAutofit/>
           </a:bodyPr>
           <a:lstStyle/>
           <a:p>
-            <a:pPr indent="0" lvl="0" marL="0" rtl="0" algn="l">
+            <a:pPr marL="0" lvl="0" indent="0" algn="l" rtl="0">
               <a:spcBef>
                 <a:spcPts val="0"/>
               </a:spcBef>
@@ -2489,9 +2602,6 @@
               </a:spcAft>
               <a:buNone/>
             </a:pPr>
-            <a:r>
-              <a:t/>
-            </a:r>
             <a:endParaRPr/>
           </a:p>
         </p:txBody>
@@ -2505,11 +2615,11 @@
 </file>
 
 <file path=ppt/notesSlides/notesSlide7.xml><?xml version="1.0" encoding="utf-8"?>
-<p:notes xmlns:a="http://schemas.openxmlformats.org/drawingml/2006/main" xmlns:r="http://schemas.openxmlformats.org/officeDocument/2006/relationships" xmlns:mc="http://schemas.openxmlformats.org/markup-compatibility/2006" xmlns:mv="urn:schemas-microsoft-com:mac:vml" xmlns:p="http://schemas.openxmlformats.org/presentationml/2006/main" xmlns:c="http://schemas.openxmlformats.org/drawingml/2006/chart" xmlns:dgm="http://schemas.openxmlformats.org/drawingml/2006/diagram" xmlns:o="urn:schemas-microsoft-com:office:office" xmlns:v="urn:schemas-microsoft-com:vml" xmlns:pvml="urn:schemas-microsoft-com:office:powerpoint" xmlns:com="http://schemas.openxmlformats.org/drawingml/2006/compatibility" xmlns:p14="http://schemas.microsoft.com/office/powerpoint/2010/main" xmlns:p15="http://schemas.microsoft.com/office/powerpoint/2012/main" xmlns:ahyp="http://schemas.microsoft.com/office/drawing/2018/hyperlinkcolor" showMasterPhAnim="0" showMasterSp="0">
+<p:notes xmlns:a="http://schemas.openxmlformats.org/drawingml/2006/main" xmlns:r="http://schemas.openxmlformats.org/officeDocument/2006/relationships" xmlns:p="http://schemas.openxmlformats.org/presentationml/2006/main" showMasterSp="0" showMasterPhAnim="0">
   <p:cSld>
     <p:spTree>
       <p:nvGrpSpPr>
-        <p:cNvPr id="173" name="Shape 173"/>
+        <p:cNvPr id="1" name="Shape 173"/>
         <p:cNvGrpSpPr/>
         <p:nvPr/>
       </p:nvGrpSpPr>
@@ -2524,9 +2634,11 @@
       <p:sp>
         <p:nvSpPr>
           <p:cNvPr id="174" name="Google Shape;174;g13b3fd6cc90_0_151:notes"/>
-          <p:cNvSpPr/>
+          <p:cNvSpPr>
+            <a:spLocks noGrp="1" noRot="1" noChangeAspect="1"/>
+          </p:cNvSpPr>
           <p:nvPr>
-            <p:ph idx="2" type="sldImg"/>
+            <p:ph type="sldImg" idx="2"/>
           </p:nvPr>
         </p:nvSpPr>
         <p:spPr>
@@ -2535,9 +2647,13 @@
             <a:ext cx="6096000" cy="3429000"/>
           </a:xfrm>
           <a:custGeom>
-            <a:rect b="b" l="l" r="r" t="t"/>
+            <a:avLst/>
+            <a:gdLst/>
+            <a:ahLst/>
+            <a:cxnLst/>
+            <a:rect l="l" t="t" r="r" b="b"/>
             <a:pathLst>
-              <a:path extrusionOk="0" h="120000" w="120000">
+              <a:path w="120000" h="120000" extrusionOk="0">
                 <a:moveTo>
                   <a:pt x="0" y="0"/>
                 </a:moveTo>
@@ -2559,9 +2675,11 @@
       <p:sp>
         <p:nvSpPr>
           <p:cNvPr id="175" name="Google Shape;175;g13b3fd6cc90_0_151:notes"/>
-          <p:cNvSpPr txBox="1"/>
+          <p:cNvSpPr txBox="1">
+            <a:spLocks noGrp="1"/>
+          </p:cNvSpPr>
           <p:nvPr>
-            <p:ph idx="1" type="body"/>
+            <p:ph type="body" idx="1"/>
           </p:nvPr>
         </p:nvSpPr>
         <p:spPr>
@@ -2574,12 +2692,12 @@
           </a:prstGeom>
         </p:spPr>
         <p:txBody>
-          <a:bodyPr anchorCtr="0" anchor="t" bIns="91425" lIns="91425" spcFirstLastPara="1" rIns="91425" wrap="square" tIns="91425">
+          <a:bodyPr spcFirstLastPara="1" wrap="square" lIns="91425" tIns="91425" rIns="91425" bIns="91425" anchor="t" anchorCtr="0">
             <a:noAutofit/>
           </a:bodyPr>
           <a:lstStyle/>
           <a:p>
-            <a:pPr indent="0" lvl="0" marL="0" rtl="0" algn="l">
+            <a:pPr marL="0" lvl="0" indent="0" algn="l" rtl="0">
               <a:spcBef>
                 <a:spcPts val="0"/>
               </a:spcBef>
@@ -2588,9 +2706,6 @@
               </a:spcAft>
               <a:buNone/>
             </a:pPr>
-            <a:r>
-              <a:t/>
-            </a:r>
             <a:endParaRPr/>
           </a:p>
         </p:txBody>
@@ -2604,11 +2719,11 @@
 </file>
 
 <file path=ppt/notesSlides/notesSlide8.xml><?xml version="1.0" encoding="utf-8"?>
-<p:notes xmlns:a="http://schemas.openxmlformats.org/drawingml/2006/main" xmlns:r="http://schemas.openxmlformats.org/officeDocument/2006/relationships" xmlns:mc="http://schemas.openxmlformats.org/markup-compatibility/2006" xmlns:mv="urn:schemas-microsoft-com:mac:vml" xmlns:p="http://schemas.openxmlformats.org/presentationml/2006/main" xmlns:c="http://schemas.openxmlformats.org/drawingml/2006/chart" xmlns:dgm="http://schemas.openxmlformats.org/drawingml/2006/diagram" xmlns:o="urn:schemas-microsoft-com:office:office" xmlns:v="urn:schemas-microsoft-com:vml" xmlns:pvml="urn:schemas-microsoft-com:office:powerpoint" xmlns:com="http://schemas.openxmlformats.org/drawingml/2006/compatibility" xmlns:p14="http://schemas.microsoft.com/office/powerpoint/2010/main" xmlns:p15="http://schemas.microsoft.com/office/powerpoint/2012/main" xmlns:ahyp="http://schemas.microsoft.com/office/drawing/2018/hyperlinkcolor" showMasterPhAnim="0" showMasterSp="0">
+<p:notes xmlns:a="http://schemas.openxmlformats.org/drawingml/2006/main" xmlns:r="http://schemas.openxmlformats.org/officeDocument/2006/relationships" xmlns:p="http://schemas.openxmlformats.org/presentationml/2006/main" showMasterSp="0" showMasterPhAnim="0">
   <p:cSld>
     <p:spTree>
       <p:nvGrpSpPr>
-        <p:cNvPr id="181" name="Shape 181"/>
+        <p:cNvPr id="1" name="Shape 181"/>
         <p:cNvGrpSpPr/>
         <p:nvPr/>
       </p:nvGrpSpPr>
@@ -2623,9 +2738,11 @@
       <p:sp>
         <p:nvSpPr>
           <p:cNvPr id="182" name="Google Shape;182;g13b3fd6cc90_0_171:notes"/>
-          <p:cNvSpPr/>
+          <p:cNvSpPr>
+            <a:spLocks noGrp="1" noRot="1" noChangeAspect="1"/>
+          </p:cNvSpPr>
           <p:nvPr>
-            <p:ph idx="2" type="sldImg"/>
+            <p:ph type="sldImg" idx="2"/>
           </p:nvPr>
         </p:nvSpPr>
         <p:spPr>
@@ -2634,9 +2751,13 @@
             <a:ext cx="6096000" cy="3429000"/>
           </a:xfrm>
           <a:custGeom>
-            <a:rect b="b" l="l" r="r" t="t"/>
+            <a:avLst/>
+            <a:gdLst/>
+            <a:ahLst/>
+            <a:cxnLst/>
+            <a:rect l="l" t="t" r="r" b="b"/>
             <a:pathLst>
-              <a:path extrusionOk="0" h="120000" w="120000">
+              <a:path w="120000" h="120000" extrusionOk="0">
                 <a:moveTo>
                   <a:pt x="0" y="0"/>
                 </a:moveTo>
@@ -2658,9 +2779,11 @@
       <p:sp>
         <p:nvSpPr>
           <p:cNvPr id="183" name="Google Shape;183;g13b3fd6cc90_0_171:notes"/>
-          <p:cNvSpPr txBox="1"/>
+          <p:cNvSpPr txBox="1">
+            <a:spLocks noGrp="1"/>
+          </p:cNvSpPr>
           <p:nvPr>
-            <p:ph idx="1" type="body"/>
+            <p:ph type="body" idx="1"/>
           </p:nvPr>
         </p:nvSpPr>
         <p:spPr>
@@ -2673,12 +2796,12 @@
           </a:prstGeom>
         </p:spPr>
         <p:txBody>
-          <a:bodyPr anchorCtr="0" anchor="t" bIns="91425" lIns="91425" spcFirstLastPara="1" rIns="91425" wrap="square" tIns="91425">
+          <a:bodyPr spcFirstLastPara="1" wrap="square" lIns="91425" tIns="91425" rIns="91425" bIns="91425" anchor="t" anchorCtr="0">
             <a:noAutofit/>
           </a:bodyPr>
           <a:lstStyle/>
           <a:p>
-            <a:pPr indent="0" lvl="0" marL="0" rtl="0" algn="l">
+            <a:pPr marL="0" lvl="0" indent="0" algn="l" rtl="0">
               <a:spcBef>
                 <a:spcPts val="0"/>
               </a:spcBef>
@@ -2687,9 +2810,6 @@
               </a:spcAft>
               <a:buNone/>
             </a:pPr>
-            <a:r>
-              <a:t/>
-            </a:r>
             <a:endParaRPr/>
           </a:p>
         </p:txBody>
@@ -2703,11 +2823,11 @@
 </file>
 
 <file path=ppt/notesSlides/notesSlide9.xml><?xml version="1.0" encoding="utf-8"?>
-<p:notes xmlns:a="http://schemas.openxmlformats.org/drawingml/2006/main" xmlns:r="http://schemas.openxmlformats.org/officeDocument/2006/relationships" xmlns:mc="http://schemas.openxmlformats.org/markup-compatibility/2006" xmlns:mv="urn:schemas-microsoft-com:mac:vml" xmlns:p="http://schemas.openxmlformats.org/presentationml/2006/main" xmlns:c="http://schemas.openxmlformats.org/drawingml/2006/chart" xmlns:dgm="http://schemas.openxmlformats.org/drawingml/2006/diagram" xmlns:o="urn:schemas-microsoft-com:office:office" xmlns:v="urn:schemas-microsoft-com:vml" xmlns:pvml="urn:schemas-microsoft-com:office:powerpoint" xmlns:com="http://schemas.openxmlformats.org/drawingml/2006/compatibility" xmlns:p14="http://schemas.microsoft.com/office/powerpoint/2010/main" xmlns:p15="http://schemas.microsoft.com/office/powerpoint/2012/main" xmlns:ahyp="http://schemas.microsoft.com/office/drawing/2018/hyperlinkcolor" showMasterPhAnim="0" showMasterSp="0">
+<p:notes xmlns:a="http://schemas.openxmlformats.org/drawingml/2006/main" xmlns:r="http://schemas.openxmlformats.org/officeDocument/2006/relationships" xmlns:p="http://schemas.openxmlformats.org/presentationml/2006/main" showMasterSp="0" showMasterPhAnim="0">
   <p:cSld>
     <p:spTree>
       <p:nvGrpSpPr>
-        <p:cNvPr id="189" name="Shape 189"/>
+        <p:cNvPr id="1" name="Shape 189"/>
         <p:cNvGrpSpPr/>
         <p:nvPr/>
       </p:nvGrpSpPr>
@@ -2722,9 +2842,11 @@
       <p:sp>
         <p:nvSpPr>
           <p:cNvPr id="190" name="Google Shape;190;g13b394b48b1_0_0:notes"/>
-          <p:cNvSpPr/>
+          <p:cNvSpPr>
+            <a:spLocks noGrp="1" noRot="1" noChangeAspect="1"/>
+          </p:cNvSpPr>
           <p:nvPr>
-            <p:ph idx="2" type="sldImg"/>
+            <p:ph type="sldImg" idx="2"/>
           </p:nvPr>
         </p:nvSpPr>
         <p:spPr>
@@ -2733,9 +2855,13 @@
             <a:ext cx="6096000" cy="3429000"/>
           </a:xfrm>
           <a:custGeom>
-            <a:rect b="b" l="l" r="r" t="t"/>
+            <a:avLst/>
+            <a:gdLst/>
+            <a:ahLst/>
+            <a:cxnLst/>
+            <a:rect l="l" t="t" r="r" b="b"/>
             <a:pathLst>
-              <a:path extrusionOk="0" h="120000" w="120000">
+              <a:path w="120000" h="120000" extrusionOk="0">
                 <a:moveTo>
                   <a:pt x="0" y="0"/>
                 </a:moveTo>
@@ -2757,9 +2883,11 @@
       <p:sp>
         <p:nvSpPr>
           <p:cNvPr id="191" name="Google Shape;191;g13b394b48b1_0_0:notes"/>
-          <p:cNvSpPr txBox="1"/>
+          <p:cNvSpPr txBox="1">
+            <a:spLocks noGrp="1"/>
+          </p:cNvSpPr>
           <p:nvPr>
-            <p:ph idx="1" type="body"/>
+            <p:ph type="body" idx="1"/>
           </p:nvPr>
         </p:nvSpPr>
         <p:spPr>
@@ -2772,12 +2900,12 @@
           </a:prstGeom>
         </p:spPr>
         <p:txBody>
-          <a:bodyPr anchorCtr="0" anchor="t" bIns="91425" lIns="91425" spcFirstLastPara="1" rIns="91425" wrap="square" tIns="91425">
+          <a:bodyPr spcFirstLastPara="1" wrap="square" lIns="91425" tIns="91425" rIns="91425" bIns="91425" anchor="t" anchorCtr="0">
             <a:noAutofit/>
           </a:bodyPr>
           <a:lstStyle/>
           <a:p>
-            <a:pPr indent="0" lvl="0" marL="0" rtl="0" algn="l">
+            <a:pPr marL="0" lvl="0" indent="0" algn="l" rtl="0">
               <a:spcBef>
                 <a:spcPts val="0"/>
               </a:spcBef>
@@ -2786,9 +2914,6 @@
               </a:spcAft>
               <a:buNone/>
             </a:pPr>
-            <a:r>
-              <a:t/>
-            </a:r>
             <a:endParaRPr/>
           </a:p>
         </p:txBody>
@@ -2802,11 +2927,11 @@
 </file>
 
 <file path=ppt/slideLayouts/slideLayout1.xml><?xml version="1.0" encoding="utf-8"?>
-<p:sldLayout xmlns:a="http://schemas.openxmlformats.org/drawingml/2006/main" xmlns:r="http://schemas.openxmlformats.org/officeDocument/2006/relationships" xmlns:mc="http://schemas.openxmlformats.org/markup-compatibility/2006" xmlns:mv="urn:schemas-microsoft-com:mac:vml" xmlns:p="http://schemas.openxmlformats.org/presentationml/2006/main" xmlns:c="http://schemas.openxmlformats.org/drawingml/2006/chart" xmlns:dgm="http://schemas.openxmlformats.org/drawingml/2006/diagram" xmlns:o="urn:schemas-microsoft-com:office:office" xmlns:v="urn:schemas-microsoft-com:vml" xmlns:pvml="urn:schemas-microsoft-com:office:powerpoint" xmlns:com="http://schemas.openxmlformats.org/drawingml/2006/compatibility" xmlns:p14="http://schemas.microsoft.com/office/powerpoint/2010/main" xmlns:p15="http://schemas.microsoft.com/office/powerpoint/2012/main" xmlns:ahyp="http://schemas.microsoft.com/office/drawing/2018/hyperlinkcolor" matchingName="Title slide" type="title">
+<p:sldLayout xmlns:a="http://schemas.openxmlformats.org/drawingml/2006/main" xmlns:r="http://schemas.openxmlformats.org/officeDocument/2006/relationships" xmlns:p="http://schemas.openxmlformats.org/presentationml/2006/main" matchingName="Title slide" type="title">
   <p:cSld name="TITLE">
     <p:spTree>
       <p:nvGrpSpPr>
-        <p:cNvPr id="9" name="Shape 9"/>
+        <p:cNvPr id="1" name="Shape 9"/>
         <p:cNvGrpSpPr/>
         <p:nvPr/>
       </p:nvGrpSpPr>
@@ -2831,7 +2956,7 @@
           </a:xfrm>
           <a:prstGeom prst="diagStripe">
             <a:avLst>
-              <a:gd fmla="val 0" name="adj"/>
+              <a:gd name="adj" fmla="val 0"/>
             </a:avLst>
           </a:prstGeom>
           <a:solidFill>
@@ -2844,12 +2969,12 @@
           </a:ln>
         </p:spPr>
         <p:txBody>
-          <a:bodyPr anchorCtr="0" anchor="ctr" bIns="91425" lIns="91425" spcFirstLastPara="1" rIns="91425" wrap="square" tIns="91425">
+          <a:bodyPr spcFirstLastPara="1" wrap="square" lIns="91425" tIns="91425" rIns="91425" bIns="91425" anchor="ctr" anchorCtr="0">
             <a:noAutofit/>
           </a:bodyPr>
           <a:lstStyle/>
           <a:p>
-            <a:pPr indent="0" lvl="0" marL="0" rtl="0" algn="l">
+            <a:pPr marL="0" lvl="0" indent="0" algn="l" rtl="0">
               <a:spcBef>
                 <a:spcPts val="0"/>
               </a:spcBef>
@@ -2858,9 +2983,6 @@
               </a:spcAft>
               <a:buNone/>
             </a:pPr>
-            <a:r>
-              <a:t/>
-            </a:r>
             <a:endParaRPr/>
           </a:p>
         </p:txBody>
@@ -2892,7 +3014,7 @@
             </a:xfrm>
             <a:prstGeom prst="diagStripe">
               <a:avLst>
-                <a:gd fmla="val 50000" name="adj"/>
+                <a:gd name="adj" fmla="val 50000"/>
               </a:avLst>
             </a:prstGeom>
             <a:solidFill>
@@ -2905,12 +3027,12 @@
             </a:ln>
           </p:spPr>
           <p:txBody>
-            <a:bodyPr anchorCtr="0" anchor="ctr" bIns="91425" lIns="91425" spcFirstLastPara="1" rIns="91425" wrap="square" tIns="91425">
+            <a:bodyPr spcFirstLastPara="1" wrap="square" lIns="91425" tIns="91425" rIns="91425" bIns="91425" anchor="ctr" anchorCtr="0">
               <a:noAutofit/>
             </a:bodyPr>
             <a:lstStyle/>
             <a:p>
-              <a:pPr indent="0" lvl="0" marL="0" rtl="0" algn="l">
+              <a:pPr marL="0" lvl="0" indent="0" algn="l" rtl="0">
                 <a:spcBef>
                   <a:spcPts val="0"/>
                 </a:spcBef>
@@ -2919,9 +3041,6 @@
                 </a:spcAft>
                 <a:buNone/>
               </a:pPr>
-              <a:r>
-                <a:t/>
-              </a:r>
               <a:endParaRPr/>
             </a:p>
           </p:txBody>
@@ -2939,7 +3058,7 @@
             </a:xfrm>
             <a:prstGeom prst="diagStripe">
               <a:avLst>
-                <a:gd fmla="val 58774" name="adj"/>
+                <a:gd name="adj" fmla="val 58774"/>
               </a:avLst>
             </a:prstGeom>
             <a:solidFill>
@@ -2952,12 +3071,12 @@
             </a:ln>
           </p:spPr>
           <p:txBody>
-            <a:bodyPr anchorCtr="0" anchor="ctr" bIns="91425" lIns="91425" spcFirstLastPara="1" rIns="91425" wrap="square" tIns="91425">
+            <a:bodyPr spcFirstLastPara="1" wrap="square" lIns="91425" tIns="91425" rIns="91425" bIns="91425" anchor="ctr" anchorCtr="0">
               <a:noAutofit/>
             </a:bodyPr>
             <a:lstStyle/>
             <a:p>
-              <a:pPr indent="0" lvl="0" marL="0" rtl="0" algn="l">
+              <a:pPr marL="0" lvl="0" indent="0" algn="l" rtl="0">
                 <a:spcBef>
                   <a:spcPts val="0"/>
                 </a:spcBef>
@@ -2966,9 +3085,6 @@
                 </a:spcAft>
                 <a:buNone/>
               </a:pPr>
-              <a:r>
-                <a:t/>
-              </a:r>
               <a:endParaRPr/>
             </a:p>
           </p:txBody>
@@ -2986,7 +3102,7 @@
             </a:xfrm>
             <a:prstGeom prst="diagStripe">
               <a:avLst>
-                <a:gd fmla="val 50000" name="adj"/>
+                <a:gd name="adj" fmla="val 50000"/>
               </a:avLst>
             </a:prstGeom>
             <a:solidFill>
@@ -2997,12 +3113,12 @@
             </a:ln>
           </p:spPr>
           <p:txBody>
-            <a:bodyPr anchorCtr="0" anchor="ctr" bIns="91425" lIns="91425" spcFirstLastPara="1" rIns="91425" wrap="square" tIns="91425">
+            <a:bodyPr spcFirstLastPara="1" wrap="square" lIns="91425" tIns="91425" rIns="91425" bIns="91425" anchor="ctr" anchorCtr="0">
               <a:noAutofit/>
             </a:bodyPr>
             <a:lstStyle/>
             <a:p>
-              <a:pPr indent="0" lvl="0" marL="0" rtl="0" algn="l">
+              <a:pPr marL="0" lvl="0" indent="0" algn="l" rtl="0">
                 <a:spcBef>
                   <a:spcPts val="0"/>
                 </a:spcBef>
@@ -3011,9 +3127,6 @@
                 </a:spcAft>
                 <a:buNone/>
               </a:pPr>
-              <a:r>
-                <a:t/>
-              </a:r>
               <a:endParaRPr/>
             </a:p>
           </p:txBody>
@@ -3031,7 +3144,7 @@
             </a:xfrm>
             <a:prstGeom prst="diagStripe">
               <a:avLst>
-                <a:gd fmla="val 50000" name="adj"/>
+                <a:gd name="adj" fmla="val 50000"/>
               </a:avLst>
             </a:prstGeom>
             <a:solidFill>
@@ -3042,12 +3155,12 @@
             </a:ln>
           </p:spPr>
           <p:txBody>
-            <a:bodyPr anchorCtr="0" anchor="ctr" bIns="91425" lIns="91425" spcFirstLastPara="1" rIns="91425" wrap="square" tIns="91425">
+            <a:bodyPr spcFirstLastPara="1" wrap="square" lIns="91425" tIns="91425" rIns="91425" bIns="91425" anchor="ctr" anchorCtr="0">
               <a:noAutofit/>
             </a:bodyPr>
             <a:lstStyle/>
             <a:p>
-              <a:pPr indent="0" lvl="0" marL="0" rtl="0" algn="l">
+              <a:pPr marL="0" lvl="0" indent="0" algn="l" rtl="0">
                 <a:spcBef>
                   <a:spcPts val="0"/>
                 </a:spcBef>
@@ -3056,9 +3169,6 @@
                 </a:spcAft>
                 <a:buNone/>
               </a:pPr>
-              <a:r>
-                <a:t/>
-              </a:r>
               <a:endParaRPr/>
             </a:p>
           </p:txBody>
@@ -3067,7 +3177,9 @@
       <p:sp>
         <p:nvSpPr>
           <p:cNvPr id="16" name="Google Shape;16;p2"/>
-          <p:cNvSpPr txBox="1"/>
+          <p:cNvSpPr txBox="1">
+            <a:spLocks noGrp="1"/>
+          </p:cNvSpPr>
           <p:nvPr>
             <p:ph type="ctrTitle"/>
           </p:nvPr>
@@ -3082,7 +3194,7 @@
           </a:prstGeom>
         </p:spPr>
         <p:txBody>
-          <a:bodyPr anchorCtr="0" anchor="t" bIns="91425" lIns="91425" spcFirstLastPara="1" rIns="91425" wrap="square" tIns="91425">
+          <a:bodyPr spcFirstLastPara="1" wrap="square" lIns="91425" tIns="91425" rIns="91425" bIns="91425" anchor="t" anchorCtr="0">
             <a:normAutofit/>
           </a:bodyPr>
           <a:lstStyle>
@@ -3186,15 +3298,19 @@
               <a:defRPr sz="4000"/>
             </a:lvl9pPr>
           </a:lstStyle>
-          <a:p/>
+          <a:p>
+            <a:endParaRPr/>
+          </a:p>
         </p:txBody>
       </p:sp>
       <p:sp>
         <p:nvSpPr>
           <p:cNvPr id="17" name="Google Shape;17;p2"/>
-          <p:cNvSpPr txBox="1"/>
+          <p:cNvSpPr txBox="1">
+            <a:spLocks noGrp="1"/>
+          </p:cNvSpPr>
           <p:nvPr>
-            <p:ph idx="1" type="subTitle"/>
+            <p:ph type="subTitle" idx="1"/>
           </p:nvPr>
         </p:nvSpPr>
         <p:spPr>
@@ -3207,7 +3323,7 @@
           </a:prstGeom>
         </p:spPr>
         <p:txBody>
-          <a:bodyPr anchorCtr="0" anchor="t" bIns="91425" lIns="91425" spcFirstLastPara="1" rIns="91425" wrap="square" tIns="91425">
+          <a:bodyPr spcFirstLastPara="1" wrap="square" lIns="91425" tIns="91425" rIns="91425" bIns="91425" anchor="t" anchorCtr="0">
             <a:normAutofit/>
           </a:bodyPr>
           <a:lstStyle>
@@ -3338,15 +3454,19 @@
               <a:defRPr sz="1300"/>
             </a:lvl9pPr>
           </a:lstStyle>
-          <a:p/>
+          <a:p>
+            <a:endParaRPr/>
+          </a:p>
         </p:txBody>
       </p:sp>
       <p:sp>
         <p:nvSpPr>
           <p:cNvPr id="18" name="Google Shape;18;p2"/>
-          <p:cNvSpPr txBox="1"/>
+          <p:cNvSpPr txBox="1">
+            <a:spLocks noGrp="1"/>
+          </p:cNvSpPr>
           <p:nvPr>
-            <p:ph idx="12" type="sldNum"/>
+            <p:ph type="sldNum" idx="12"/>
           </p:nvPr>
         </p:nvSpPr>
         <p:spPr>
@@ -3359,7 +3479,7 @@
           </a:prstGeom>
         </p:spPr>
         <p:txBody>
-          <a:bodyPr anchorCtr="0" anchor="ctr" bIns="91425" lIns="91425" spcFirstLastPara="1" rIns="91425" wrap="square" tIns="91425">
+          <a:bodyPr spcFirstLastPara="1" wrap="square" lIns="91425" tIns="91425" rIns="91425" bIns="91425" anchor="ctr" anchorCtr="0">
             <a:normAutofit/>
           </a:bodyPr>
           <a:lstStyle>
@@ -3401,7 +3521,7 @@
             </a:lvl9pPr>
           </a:lstStyle>
           <a:p>
-            <a:pPr indent="0" lvl="0" marL="0" rtl="0" algn="r">
+            <a:pPr marL="0" lvl="0" indent="0" algn="r" rtl="0">
               <a:spcBef>
                 <a:spcPts val="0"/>
               </a:spcBef>
@@ -3412,7 +3532,7 @@
             </a:pPr>
             <a:fld id="{00000000-1234-1234-1234-123412341234}" type="slidenum">
               <a:rPr lang="it"/>
-              <a:t>‹#›</a:t>
+              <a:t>‹N›</a:t>
             </a:fld>
             <a:endParaRPr/>
           </a:p>
@@ -3427,11 +3547,11 @@
 </file>
 
 <file path=ppt/slideLayouts/slideLayout10.xml><?xml version="1.0" encoding="utf-8"?>
-<p:sldLayout xmlns:a="http://schemas.openxmlformats.org/drawingml/2006/main" xmlns:r="http://schemas.openxmlformats.org/officeDocument/2006/relationships" xmlns:mc="http://schemas.openxmlformats.org/markup-compatibility/2006" xmlns:mv="urn:schemas-microsoft-com:mac:vml" xmlns:p="http://schemas.openxmlformats.org/presentationml/2006/main" xmlns:c="http://schemas.openxmlformats.org/drawingml/2006/chart" xmlns:dgm="http://schemas.openxmlformats.org/drawingml/2006/diagram" xmlns:o="urn:schemas-microsoft-com:office:office" xmlns:v="urn:schemas-microsoft-com:vml" xmlns:pvml="urn:schemas-microsoft-com:office:powerpoint" xmlns:com="http://schemas.openxmlformats.org/drawingml/2006/compatibility" xmlns:p14="http://schemas.microsoft.com/office/powerpoint/2010/main" xmlns:p15="http://schemas.microsoft.com/office/powerpoint/2012/main" xmlns:ahyp="http://schemas.microsoft.com/office/drawing/2018/hyperlinkcolor" matchingName="Big number">
+<p:sldLayout xmlns:a="http://schemas.openxmlformats.org/drawingml/2006/main" xmlns:r="http://schemas.openxmlformats.org/officeDocument/2006/relationships" xmlns:p="http://schemas.openxmlformats.org/presentationml/2006/main" matchingName="Big number">
   <p:cSld name="BIG_NUMBER">
     <p:spTree>
       <p:nvGrpSpPr>
-        <p:cNvPr id="105" name="Shape 105"/>
+        <p:cNvPr id="1" name="Shape 105"/>
         <p:cNvGrpSpPr/>
         <p:nvPr/>
       </p:nvGrpSpPr>
@@ -3470,7 +3590,7 @@
             </a:xfrm>
             <a:prstGeom prst="diagStripe">
               <a:avLst>
-                <a:gd fmla="val 49469" name="adj"/>
+                <a:gd name="adj" fmla="val 49469"/>
               </a:avLst>
             </a:prstGeom>
             <a:solidFill>
@@ -3483,12 +3603,12 @@
             </a:ln>
           </p:spPr>
           <p:txBody>
-            <a:bodyPr anchorCtr="0" anchor="ctr" bIns="91425" lIns="91425" spcFirstLastPara="1" rIns="91425" wrap="square" tIns="91425">
+            <a:bodyPr spcFirstLastPara="1" wrap="square" lIns="91425" tIns="91425" rIns="91425" bIns="91425" anchor="ctr" anchorCtr="0">
               <a:noAutofit/>
             </a:bodyPr>
             <a:lstStyle/>
             <a:p>
-              <a:pPr indent="0" lvl="0" marL="0" rtl="0" algn="l">
+              <a:pPr marL="0" lvl="0" indent="0" algn="l" rtl="0">
                 <a:spcBef>
                   <a:spcPts val="0"/>
                 </a:spcBef>
@@ -3497,9 +3617,6 @@
                 </a:spcAft>
                 <a:buNone/>
               </a:pPr>
-              <a:r>
-                <a:t/>
-              </a:r>
               <a:endParaRPr/>
             </a:p>
           </p:txBody>
@@ -3517,7 +3634,7 @@
             </a:xfrm>
             <a:prstGeom prst="diagStripe">
               <a:avLst>
-                <a:gd fmla="val 0" name="adj"/>
+                <a:gd name="adj" fmla="val 0"/>
               </a:avLst>
             </a:prstGeom>
             <a:solidFill>
@@ -3530,12 +3647,12 @@
             </a:ln>
           </p:spPr>
           <p:txBody>
-            <a:bodyPr anchorCtr="0" anchor="ctr" bIns="91425" lIns="91425" spcFirstLastPara="1" rIns="91425" wrap="square" tIns="91425">
+            <a:bodyPr spcFirstLastPara="1" wrap="square" lIns="91425" tIns="91425" rIns="91425" bIns="91425" anchor="ctr" anchorCtr="0">
               <a:noAutofit/>
             </a:bodyPr>
             <a:lstStyle/>
             <a:p>
-              <a:pPr indent="0" lvl="0" marL="0" rtl="0" algn="l">
+              <a:pPr marL="0" lvl="0" indent="0" algn="l" rtl="0">
                 <a:spcBef>
                   <a:spcPts val="0"/>
                 </a:spcBef>
@@ -3544,9 +3661,6 @@
                 </a:spcAft>
                 <a:buNone/>
               </a:pPr>
-              <a:r>
-                <a:t/>
-              </a:r>
               <a:endParaRPr/>
             </a:p>
           </p:txBody>
@@ -3564,7 +3678,7 @@
             </a:xfrm>
             <a:prstGeom prst="diagStripe">
               <a:avLst>
-                <a:gd fmla="val 50000" name="adj"/>
+                <a:gd name="adj" fmla="val 50000"/>
               </a:avLst>
             </a:prstGeom>
             <a:solidFill>
@@ -3577,12 +3691,12 @@
             </a:ln>
           </p:spPr>
           <p:txBody>
-            <a:bodyPr anchorCtr="0" anchor="ctr" bIns="91425" lIns="91425" spcFirstLastPara="1" rIns="91425" wrap="square" tIns="91425">
+            <a:bodyPr spcFirstLastPara="1" wrap="square" lIns="91425" tIns="91425" rIns="91425" bIns="91425" anchor="ctr" anchorCtr="0">
               <a:noAutofit/>
             </a:bodyPr>
             <a:lstStyle/>
             <a:p>
-              <a:pPr indent="0" lvl="0" marL="0" rtl="0" algn="l">
+              <a:pPr marL="0" lvl="0" indent="0" algn="l" rtl="0">
                 <a:spcBef>
                   <a:spcPts val="0"/>
                 </a:spcBef>
@@ -3591,9 +3705,6 @@
                 </a:spcAft>
                 <a:buNone/>
               </a:pPr>
-              <a:r>
-                <a:t/>
-              </a:r>
               <a:endParaRPr/>
             </a:p>
           </p:txBody>
@@ -3611,7 +3722,7 @@
             </a:xfrm>
             <a:prstGeom prst="diagStripe">
               <a:avLst>
-                <a:gd fmla="val 50000" name="adj"/>
+                <a:gd name="adj" fmla="val 50000"/>
               </a:avLst>
             </a:prstGeom>
             <a:solidFill>
@@ -3624,12 +3735,12 @@
             </a:ln>
           </p:spPr>
           <p:txBody>
-            <a:bodyPr anchorCtr="0" anchor="ctr" bIns="91425" lIns="91425" spcFirstLastPara="1" rIns="91425" wrap="square" tIns="91425">
+            <a:bodyPr spcFirstLastPara="1" wrap="square" lIns="91425" tIns="91425" rIns="91425" bIns="91425" anchor="ctr" anchorCtr="0">
               <a:noAutofit/>
             </a:bodyPr>
             <a:lstStyle/>
             <a:p>
-              <a:pPr indent="0" lvl="0" marL="0" rtl="0" algn="l">
+              <a:pPr marL="0" lvl="0" indent="0" algn="l" rtl="0">
                 <a:spcBef>
                   <a:spcPts val="0"/>
                 </a:spcBef>
@@ -3638,9 +3749,6 @@
                 </a:spcAft>
                 <a:buNone/>
               </a:pPr>
-              <a:r>
-                <a:t/>
-              </a:r>
               <a:endParaRPr/>
             </a:p>
           </p:txBody>
@@ -3658,7 +3766,7 @@
             </a:xfrm>
             <a:prstGeom prst="diagStripe">
               <a:avLst>
-                <a:gd fmla="val 50000" name="adj"/>
+                <a:gd name="adj" fmla="val 50000"/>
               </a:avLst>
             </a:prstGeom>
             <a:solidFill>
@@ -3671,12 +3779,12 @@
             </a:ln>
           </p:spPr>
           <p:txBody>
-            <a:bodyPr anchorCtr="0" anchor="ctr" bIns="91425" lIns="91425" spcFirstLastPara="1" rIns="91425" wrap="square" tIns="91425">
+            <a:bodyPr spcFirstLastPara="1" wrap="square" lIns="91425" tIns="91425" rIns="91425" bIns="91425" anchor="ctr" anchorCtr="0">
               <a:noAutofit/>
             </a:bodyPr>
             <a:lstStyle/>
             <a:p>
-              <a:pPr indent="0" lvl="0" marL="0" rtl="0" algn="l">
+              <a:pPr marL="0" lvl="0" indent="0" algn="l" rtl="0">
                 <a:spcBef>
                   <a:spcPts val="0"/>
                 </a:spcBef>
@@ -3685,9 +3793,6 @@
                 </a:spcAft>
                 <a:buNone/>
               </a:pPr>
-              <a:r>
-                <a:t/>
-              </a:r>
               <a:endParaRPr/>
             </a:p>
           </p:txBody>
@@ -3705,7 +3810,7 @@
             </a:xfrm>
             <a:prstGeom prst="diagStripe">
               <a:avLst>
-                <a:gd fmla="val 50000" name="adj"/>
+                <a:gd name="adj" fmla="val 50000"/>
               </a:avLst>
             </a:prstGeom>
             <a:solidFill>
@@ -3718,12 +3823,12 @@
             </a:ln>
           </p:spPr>
           <p:txBody>
-            <a:bodyPr anchorCtr="0" anchor="ctr" bIns="91425" lIns="91425" spcFirstLastPara="1" rIns="91425" wrap="square" tIns="91425">
+            <a:bodyPr spcFirstLastPara="1" wrap="square" lIns="91425" tIns="91425" rIns="91425" bIns="91425" anchor="ctr" anchorCtr="0">
               <a:noAutofit/>
             </a:bodyPr>
             <a:lstStyle/>
             <a:p>
-              <a:pPr indent="0" lvl="0" marL="0" rtl="0" algn="l">
+              <a:pPr marL="0" lvl="0" indent="0" algn="l" rtl="0">
                 <a:spcBef>
                   <a:spcPts val="0"/>
                 </a:spcBef>
@@ -3732,9 +3837,6 @@
                 </a:spcAft>
                 <a:buNone/>
               </a:pPr>
-              <a:r>
-                <a:t/>
-              </a:r>
               <a:endParaRPr/>
             </a:p>
           </p:txBody>
@@ -3752,7 +3854,7 @@
             </a:xfrm>
             <a:prstGeom prst="diagStripe">
               <a:avLst>
-                <a:gd fmla="val 50000" name="adj"/>
+                <a:gd name="adj" fmla="val 50000"/>
               </a:avLst>
             </a:prstGeom>
             <a:solidFill>
@@ -3765,12 +3867,12 @@
             </a:ln>
           </p:spPr>
           <p:txBody>
-            <a:bodyPr anchorCtr="0" anchor="ctr" bIns="91425" lIns="91425" spcFirstLastPara="1" rIns="91425" wrap="square" tIns="91425">
+            <a:bodyPr spcFirstLastPara="1" wrap="square" lIns="91425" tIns="91425" rIns="91425" bIns="91425" anchor="ctr" anchorCtr="0">
               <a:noAutofit/>
             </a:bodyPr>
             <a:lstStyle/>
             <a:p>
-              <a:pPr indent="0" lvl="0" marL="0" rtl="0" algn="l">
+              <a:pPr marL="0" lvl="0" indent="0" algn="l" rtl="0">
                 <a:spcBef>
                   <a:spcPts val="0"/>
                 </a:spcBef>
@@ -3779,9 +3881,6 @@
                 </a:spcAft>
                 <a:buNone/>
               </a:pPr>
-              <a:r>
-                <a:t/>
-              </a:r>
               <a:endParaRPr/>
             </a:p>
           </p:txBody>
@@ -3799,7 +3898,7 @@
             </a:xfrm>
             <a:prstGeom prst="diagStripe">
               <a:avLst>
-                <a:gd fmla="val 50000" name="adj"/>
+                <a:gd name="adj" fmla="val 50000"/>
               </a:avLst>
             </a:prstGeom>
             <a:solidFill>
@@ -3810,12 +3909,12 @@
             </a:ln>
           </p:spPr>
           <p:txBody>
-            <a:bodyPr anchorCtr="0" anchor="ctr" bIns="91425" lIns="91425" spcFirstLastPara="1" rIns="91425" wrap="square" tIns="91425">
+            <a:bodyPr spcFirstLastPara="1" wrap="square" lIns="91425" tIns="91425" rIns="91425" bIns="91425" anchor="ctr" anchorCtr="0">
               <a:noAutofit/>
             </a:bodyPr>
             <a:lstStyle/>
             <a:p>
-              <a:pPr indent="0" lvl="0" marL="0" rtl="0" algn="l">
+              <a:pPr marL="0" lvl="0" indent="0" algn="l" rtl="0">
                 <a:spcBef>
                   <a:spcPts val="0"/>
                 </a:spcBef>
@@ -3824,9 +3923,6 @@
                 </a:spcAft>
                 <a:buNone/>
               </a:pPr>
-              <a:r>
-                <a:t/>
-              </a:r>
               <a:endParaRPr/>
             </a:p>
           </p:txBody>
@@ -3844,7 +3940,7 @@
             </a:xfrm>
             <a:prstGeom prst="diagStripe">
               <a:avLst>
-                <a:gd fmla="val 50000" name="adj"/>
+                <a:gd name="adj" fmla="val 50000"/>
               </a:avLst>
             </a:prstGeom>
             <a:solidFill>
@@ -3857,12 +3953,12 @@
             </a:ln>
           </p:spPr>
           <p:txBody>
-            <a:bodyPr anchorCtr="0" anchor="ctr" bIns="91425" lIns="91425" spcFirstLastPara="1" rIns="91425" wrap="square" tIns="91425">
+            <a:bodyPr spcFirstLastPara="1" wrap="square" lIns="91425" tIns="91425" rIns="91425" bIns="91425" anchor="ctr" anchorCtr="0">
               <a:noAutofit/>
             </a:bodyPr>
             <a:lstStyle/>
             <a:p>
-              <a:pPr indent="0" lvl="0" marL="0" rtl="0" algn="l">
+              <a:pPr marL="0" lvl="0" indent="0" algn="l" rtl="0">
                 <a:spcBef>
                   <a:spcPts val="0"/>
                 </a:spcBef>
@@ -3871,9 +3967,6 @@
                 </a:spcAft>
                 <a:buNone/>
               </a:pPr>
-              <a:r>
-                <a:t/>
-              </a:r>
               <a:endParaRPr/>
             </a:p>
           </p:txBody>
@@ -3891,7 +3984,7 @@
             </a:xfrm>
             <a:prstGeom prst="diagStripe">
               <a:avLst>
-                <a:gd fmla="val 50000" name="adj"/>
+                <a:gd name="adj" fmla="val 50000"/>
               </a:avLst>
             </a:prstGeom>
             <a:solidFill>
@@ -3904,12 +3997,12 @@
             </a:ln>
           </p:spPr>
           <p:txBody>
-            <a:bodyPr anchorCtr="0" anchor="ctr" bIns="91425" lIns="91425" spcFirstLastPara="1" rIns="91425" wrap="square" tIns="91425">
+            <a:bodyPr spcFirstLastPara="1" wrap="square" lIns="91425" tIns="91425" rIns="91425" bIns="91425" anchor="ctr" anchorCtr="0">
               <a:noAutofit/>
             </a:bodyPr>
             <a:lstStyle/>
             <a:p>
-              <a:pPr indent="0" lvl="0" marL="0" rtl="0" algn="l">
+              <a:pPr marL="0" lvl="0" indent="0" algn="l" rtl="0">
                 <a:spcBef>
                   <a:spcPts val="0"/>
                 </a:spcBef>
@@ -3918,9 +4011,6 @@
                 </a:spcAft>
                 <a:buNone/>
               </a:pPr>
-              <a:r>
-                <a:t/>
-              </a:r>
               <a:endParaRPr/>
             </a:p>
           </p:txBody>
@@ -3938,7 +4028,7 @@
             </a:xfrm>
             <a:prstGeom prst="diagStripe">
               <a:avLst>
-                <a:gd fmla="val 50000" name="adj"/>
+                <a:gd name="adj" fmla="val 50000"/>
               </a:avLst>
             </a:prstGeom>
             <a:solidFill>
@@ -3951,12 +4041,12 @@
             </a:ln>
           </p:spPr>
           <p:txBody>
-            <a:bodyPr anchorCtr="0" anchor="ctr" bIns="91425" lIns="91425" spcFirstLastPara="1" rIns="91425" wrap="square" tIns="91425">
+            <a:bodyPr spcFirstLastPara="1" wrap="square" lIns="91425" tIns="91425" rIns="91425" bIns="91425" anchor="ctr" anchorCtr="0">
               <a:noAutofit/>
             </a:bodyPr>
             <a:lstStyle/>
             <a:p>
-              <a:pPr indent="0" lvl="0" marL="0" rtl="0" algn="l">
+              <a:pPr marL="0" lvl="0" indent="0" algn="l" rtl="0">
                 <a:spcBef>
                   <a:spcPts val="0"/>
                 </a:spcBef>
@@ -3965,9 +4055,6 @@
                 </a:spcAft>
                 <a:buNone/>
               </a:pPr>
-              <a:r>
-                <a:t/>
-              </a:r>
               <a:endParaRPr/>
             </a:p>
           </p:txBody>
@@ -3985,7 +4072,7 @@
             </a:xfrm>
             <a:prstGeom prst="diagStripe">
               <a:avLst>
-                <a:gd fmla="val 50000" name="adj"/>
+                <a:gd name="adj" fmla="val 50000"/>
               </a:avLst>
             </a:prstGeom>
             <a:solidFill>
@@ -3998,12 +4085,12 @@
             </a:ln>
           </p:spPr>
           <p:txBody>
-            <a:bodyPr anchorCtr="0" anchor="ctr" bIns="91425" lIns="91425" spcFirstLastPara="1" rIns="91425" wrap="square" tIns="91425">
+            <a:bodyPr spcFirstLastPara="1" wrap="square" lIns="91425" tIns="91425" rIns="91425" bIns="91425" anchor="ctr" anchorCtr="0">
               <a:noAutofit/>
             </a:bodyPr>
             <a:lstStyle/>
             <a:p>
-              <a:pPr indent="0" lvl="0" marL="0" rtl="0" algn="l">
+              <a:pPr marL="0" lvl="0" indent="0" algn="l" rtl="0">
                 <a:spcBef>
                   <a:spcPts val="0"/>
                 </a:spcBef>
@@ -4012,9 +4099,6 @@
                 </a:spcAft>
                 <a:buNone/>
               </a:pPr>
-              <a:r>
-                <a:t/>
-              </a:r>
               <a:endParaRPr/>
             </a:p>
           </p:txBody>
@@ -4032,7 +4116,7 @@
             </a:xfrm>
             <a:prstGeom prst="diagStripe">
               <a:avLst>
-                <a:gd fmla="val 50000" name="adj"/>
+                <a:gd name="adj" fmla="val 50000"/>
               </a:avLst>
             </a:prstGeom>
             <a:solidFill>
@@ -4045,12 +4129,12 @@
             </a:ln>
           </p:spPr>
           <p:txBody>
-            <a:bodyPr anchorCtr="0" anchor="ctr" bIns="91425" lIns="91425" spcFirstLastPara="1" rIns="91425" wrap="square" tIns="91425">
+            <a:bodyPr spcFirstLastPara="1" wrap="square" lIns="91425" tIns="91425" rIns="91425" bIns="91425" anchor="ctr" anchorCtr="0">
               <a:noAutofit/>
             </a:bodyPr>
             <a:lstStyle/>
             <a:p>
-              <a:pPr indent="0" lvl="0" marL="0" rtl="0" algn="l">
+              <a:pPr marL="0" lvl="0" indent="0" algn="l" rtl="0">
                 <a:spcBef>
                   <a:spcPts val="0"/>
                 </a:spcBef>
@@ -4059,9 +4143,6 @@
                 </a:spcAft>
                 <a:buNone/>
               </a:pPr>
-              <a:r>
-                <a:t/>
-              </a:r>
               <a:endParaRPr/>
             </a:p>
           </p:txBody>
@@ -4079,7 +4160,7 @@
             </a:xfrm>
             <a:prstGeom prst="diagStripe">
               <a:avLst>
-                <a:gd fmla="val 50000" name="adj"/>
+                <a:gd name="adj" fmla="val 50000"/>
               </a:avLst>
             </a:prstGeom>
             <a:solidFill>
@@ -4090,12 +4171,12 @@
             </a:ln>
           </p:spPr>
           <p:txBody>
-            <a:bodyPr anchorCtr="0" anchor="ctr" bIns="91425" lIns="91425" spcFirstLastPara="1" rIns="91425" wrap="square" tIns="91425">
+            <a:bodyPr spcFirstLastPara="1" wrap="square" lIns="91425" tIns="91425" rIns="91425" bIns="91425" anchor="ctr" anchorCtr="0">
               <a:noAutofit/>
             </a:bodyPr>
             <a:lstStyle/>
             <a:p>
-              <a:pPr indent="0" lvl="0" marL="0" rtl="0" algn="l">
+              <a:pPr marL="0" lvl="0" indent="0" algn="l" rtl="0">
                 <a:spcBef>
                   <a:spcPts val="0"/>
                 </a:spcBef>
@@ -4104,9 +4185,6 @@
                 </a:spcAft>
                 <a:buNone/>
               </a:pPr>
-              <a:r>
-                <a:t/>
-              </a:r>
               <a:endParaRPr/>
             </a:p>
           </p:txBody>
@@ -4124,7 +4202,7 @@
             </a:xfrm>
             <a:prstGeom prst="diagStripe">
               <a:avLst>
-                <a:gd fmla="val 50000" name="adj"/>
+                <a:gd name="adj" fmla="val 50000"/>
               </a:avLst>
             </a:prstGeom>
             <a:solidFill>
@@ -4137,12 +4215,12 @@
             </a:ln>
           </p:spPr>
           <p:txBody>
-            <a:bodyPr anchorCtr="0" anchor="ctr" bIns="91425" lIns="91425" spcFirstLastPara="1" rIns="91425" wrap="square" tIns="91425">
+            <a:bodyPr spcFirstLastPara="1" wrap="square" lIns="91425" tIns="91425" rIns="91425" bIns="91425" anchor="ctr" anchorCtr="0">
               <a:noAutofit/>
             </a:bodyPr>
             <a:lstStyle/>
             <a:p>
-              <a:pPr indent="0" lvl="0" marL="0" rtl="0" algn="l">
+              <a:pPr marL="0" lvl="0" indent="0" algn="l" rtl="0">
                 <a:spcBef>
                   <a:spcPts val="0"/>
                 </a:spcBef>
@@ -4151,9 +4229,6 @@
                 </a:spcAft>
                 <a:buNone/>
               </a:pPr>
-              <a:r>
-                <a:t/>
-              </a:r>
               <a:endParaRPr/>
             </a:p>
           </p:txBody>
@@ -4171,7 +4246,7 @@
             </a:xfrm>
             <a:prstGeom prst="diagStripe">
               <a:avLst>
-                <a:gd fmla="val 50000" name="adj"/>
+                <a:gd name="adj" fmla="val 50000"/>
               </a:avLst>
             </a:prstGeom>
             <a:solidFill>
@@ -4184,12 +4259,12 @@
             </a:ln>
           </p:spPr>
           <p:txBody>
-            <a:bodyPr anchorCtr="0" anchor="ctr" bIns="91425" lIns="91425" spcFirstLastPara="1" rIns="91425" wrap="square" tIns="91425">
+            <a:bodyPr spcFirstLastPara="1" wrap="square" lIns="91425" tIns="91425" rIns="91425" bIns="91425" anchor="ctr" anchorCtr="0">
               <a:noAutofit/>
             </a:bodyPr>
             <a:lstStyle/>
             <a:p>
-              <a:pPr indent="0" lvl="0" marL="0" rtl="0" algn="l">
+              <a:pPr marL="0" lvl="0" indent="0" algn="l" rtl="0">
                 <a:spcBef>
                   <a:spcPts val="0"/>
                 </a:spcBef>
@@ -4198,9 +4273,6 @@
                 </a:spcAft>
                 <a:buNone/>
               </a:pPr>
-              <a:r>
-                <a:t/>
-              </a:r>
               <a:endParaRPr/>
             </a:p>
           </p:txBody>
@@ -4218,7 +4290,7 @@
             </a:xfrm>
             <a:prstGeom prst="diagStripe">
               <a:avLst>
-                <a:gd fmla="val 50000" name="adj"/>
+                <a:gd name="adj" fmla="val 50000"/>
               </a:avLst>
             </a:prstGeom>
             <a:solidFill>
@@ -4231,12 +4303,12 @@
             </a:ln>
           </p:spPr>
           <p:txBody>
-            <a:bodyPr anchorCtr="0" anchor="ctr" bIns="91425" lIns="91425" spcFirstLastPara="1" rIns="91425" wrap="square" tIns="91425">
+            <a:bodyPr spcFirstLastPara="1" wrap="square" lIns="91425" tIns="91425" rIns="91425" bIns="91425" anchor="ctr" anchorCtr="0">
               <a:noAutofit/>
             </a:bodyPr>
             <a:lstStyle/>
             <a:p>
-              <a:pPr indent="0" lvl="0" marL="0" rtl="0" algn="l">
+              <a:pPr marL="0" lvl="0" indent="0" algn="l" rtl="0">
                 <a:spcBef>
                   <a:spcPts val="0"/>
                 </a:spcBef>
@@ -4245,9 +4317,6 @@
                 </a:spcAft>
                 <a:buNone/>
               </a:pPr>
-              <a:r>
-                <a:t/>
-              </a:r>
               <a:endParaRPr/>
             </a:p>
           </p:txBody>
@@ -4265,7 +4334,7 @@
             </a:xfrm>
             <a:prstGeom prst="diagStripe">
               <a:avLst>
-                <a:gd fmla="val 50000" name="adj"/>
+                <a:gd name="adj" fmla="val 50000"/>
               </a:avLst>
             </a:prstGeom>
             <a:solidFill>
@@ -4278,12 +4347,12 @@
             </a:ln>
           </p:spPr>
           <p:txBody>
-            <a:bodyPr anchorCtr="0" anchor="ctr" bIns="91425" lIns="91425" spcFirstLastPara="1" rIns="91425" wrap="square" tIns="91425">
+            <a:bodyPr spcFirstLastPara="1" wrap="square" lIns="91425" tIns="91425" rIns="91425" bIns="91425" anchor="ctr" anchorCtr="0">
               <a:noAutofit/>
             </a:bodyPr>
             <a:lstStyle/>
             <a:p>
-              <a:pPr indent="0" lvl="0" marL="0" rtl="0" algn="l">
+              <a:pPr marL="0" lvl="0" indent="0" algn="l" rtl="0">
                 <a:spcBef>
                   <a:spcPts val="0"/>
                 </a:spcBef>
@@ -4292,9 +4361,6 @@
                 </a:spcAft>
                 <a:buNone/>
               </a:pPr>
-              <a:r>
-                <a:t/>
-              </a:r>
               <a:endParaRPr/>
             </a:p>
           </p:txBody>
@@ -4303,9 +4369,11 @@
       <p:sp>
         <p:nvSpPr>
           <p:cNvPr id="125" name="Google Shape;125;p11"/>
-          <p:cNvSpPr txBox="1"/>
+          <p:cNvSpPr txBox="1">
+            <a:spLocks noGrp="1"/>
+          </p:cNvSpPr>
           <p:nvPr>
-            <p:ph hasCustomPrompt="1" type="title"/>
+            <p:ph type="title" hasCustomPrompt="1"/>
           </p:nvPr>
         </p:nvSpPr>
         <p:spPr>
@@ -4318,7 +4386,7 @@
           </a:prstGeom>
         </p:spPr>
         <p:txBody>
-          <a:bodyPr anchorCtr="0" anchor="t" bIns="91425" lIns="91425" spcFirstLastPara="1" rIns="91425" wrap="square" tIns="91425">
+          <a:bodyPr spcFirstLastPara="1" wrap="square" lIns="91425" tIns="91425" rIns="91425" bIns="91425" anchor="t" anchorCtr="0">
             <a:normAutofit/>
           </a:bodyPr>
           <a:lstStyle>
@@ -4432,9 +4500,11 @@
       <p:sp>
         <p:nvSpPr>
           <p:cNvPr id="126" name="Google Shape;126;p11"/>
-          <p:cNvSpPr txBox="1"/>
+          <p:cNvSpPr txBox="1">
+            <a:spLocks noGrp="1"/>
+          </p:cNvSpPr>
           <p:nvPr>
-            <p:ph idx="1" type="body"/>
+            <p:ph type="body" idx="1"/>
           </p:nvPr>
         </p:nvSpPr>
         <p:spPr>
@@ -4447,11 +4517,11 @@
           </a:prstGeom>
         </p:spPr>
         <p:txBody>
-          <a:bodyPr anchorCtr="0" anchor="t" bIns="91425" lIns="91425" spcFirstLastPara="1" rIns="91425" wrap="square" tIns="91425">
+          <a:bodyPr spcFirstLastPara="1" wrap="square" lIns="91425" tIns="91425" rIns="91425" bIns="91425" anchor="t" anchorCtr="0">
             <a:normAutofit/>
           </a:bodyPr>
           <a:lstStyle>
-            <a:lvl1pPr indent="-311150" lvl="0" marL="457200">
+            <a:lvl1pPr marL="457200" lvl="0" indent="-311150">
               <a:spcBef>
                 <a:spcPts val="0"/>
               </a:spcBef>
@@ -4462,7 +4532,7 @@
               <a:buChar char="●"/>
               <a:defRPr/>
             </a:lvl1pPr>
-            <a:lvl2pPr indent="-298450" lvl="1" marL="914400">
+            <a:lvl2pPr marL="914400" lvl="1" indent="-298450">
               <a:spcBef>
                 <a:spcPts val="0"/>
               </a:spcBef>
@@ -4473,7 +4543,7 @@
               <a:buChar char="○"/>
               <a:defRPr/>
             </a:lvl2pPr>
-            <a:lvl3pPr indent="-298450" lvl="2" marL="1371600">
+            <a:lvl3pPr marL="1371600" lvl="2" indent="-298450">
               <a:spcBef>
                 <a:spcPts val="0"/>
               </a:spcBef>
@@ -4484,7 +4554,7 @@
               <a:buChar char="■"/>
               <a:defRPr/>
             </a:lvl3pPr>
-            <a:lvl4pPr indent="-298450" lvl="3" marL="1828800">
+            <a:lvl4pPr marL="1828800" lvl="3" indent="-298450">
               <a:spcBef>
                 <a:spcPts val="0"/>
               </a:spcBef>
@@ -4495,7 +4565,7 @@
               <a:buChar char="●"/>
               <a:defRPr/>
             </a:lvl4pPr>
-            <a:lvl5pPr indent="-298450" lvl="4" marL="2286000">
+            <a:lvl5pPr marL="2286000" lvl="4" indent="-298450">
               <a:spcBef>
                 <a:spcPts val="0"/>
               </a:spcBef>
@@ -4506,7 +4576,7 @@
               <a:buChar char="○"/>
               <a:defRPr/>
             </a:lvl5pPr>
-            <a:lvl6pPr indent="-298450" lvl="5" marL="2743200">
+            <a:lvl6pPr marL="2743200" lvl="5" indent="-298450">
               <a:spcBef>
                 <a:spcPts val="0"/>
               </a:spcBef>
@@ -4517,7 +4587,7 @@
               <a:buChar char="■"/>
               <a:defRPr/>
             </a:lvl6pPr>
-            <a:lvl7pPr indent="-298450" lvl="6" marL="3200400">
+            <a:lvl7pPr marL="3200400" lvl="6" indent="-298450">
               <a:spcBef>
                 <a:spcPts val="0"/>
               </a:spcBef>
@@ -4528,7 +4598,7 @@
               <a:buChar char="●"/>
               <a:defRPr/>
             </a:lvl7pPr>
-            <a:lvl8pPr indent="-298450" lvl="7" marL="3657600">
+            <a:lvl8pPr marL="3657600" lvl="7" indent="-298450">
               <a:spcBef>
                 <a:spcPts val="0"/>
               </a:spcBef>
@@ -4539,7 +4609,7 @@
               <a:buChar char="○"/>
               <a:defRPr/>
             </a:lvl8pPr>
-            <a:lvl9pPr indent="-298450" lvl="8" marL="4114800">
+            <a:lvl9pPr marL="4114800" lvl="8" indent="-298450">
               <a:spcBef>
                 <a:spcPts val="0"/>
               </a:spcBef>
@@ -4551,15 +4621,19 @@
               <a:defRPr/>
             </a:lvl9pPr>
           </a:lstStyle>
-          <a:p/>
+          <a:p>
+            <a:endParaRPr/>
+          </a:p>
         </p:txBody>
       </p:sp>
       <p:sp>
         <p:nvSpPr>
           <p:cNvPr id="127" name="Google Shape;127;p11"/>
-          <p:cNvSpPr txBox="1"/>
+          <p:cNvSpPr txBox="1">
+            <a:spLocks noGrp="1"/>
+          </p:cNvSpPr>
           <p:nvPr>
-            <p:ph idx="12" type="sldNum"/>
+            <p:ph type="sldNum" idx="12"/>
           </p:nvPr>
         </p:nvSpPr>
         <p:spPr>
@@ -4572,7 +4646,7 @@
           </a:prstGeom>
         </p:spPr>
         <p:txBody>
-          <a:bodyPr anchorCtr="0" anchor="ctr" bIns="91425" lIns="91425" spcFirstLastPara="1" rIns="91425" wrap="square" tIns="91425">
+          <a:bodyPr spcFirstLastPara="1" wrap="square" lIns="91425" tIns="91425" rIns="91425" bIns="91425" anchor="ctr" anchorCtr="0">
             <a:normAutofit/>
           </a:bodyPr>
           <a:lstStyle>
@@ -4614,7 +4688,7 @@
             </a:lvl9pPr>
           </a:lstStyle>
           <a:p>
-            <a:pPr indent="0" lvl="0" marL="0" rtl="0" algn="r">
+            <a:pPr marL="0" lvl="0" indent="0" algn="r" rtl="0">
               <a:spcBef>
                 <a:spcPts val="0"/>
               </a:spcBef>
@@ -4625,7 +4699,7 @@
             </a:pPr>
             <a:fld id="{00000000-1234-1234-1234-123412341234}" type="slidenum">
               <a:rPr lang="it"/>
-              <a:t>‹#›</a:t>
+              <a:t>‹N›</a:t>
             </a:fld>
             <a:endParaRPr/>
           </a:p>
@@ -4640,11 +4714,11 @@
 </file>
 
 <file path=ppt/slideLayouts/slideLayout11.xml><?xml version="1.0" encoding="utf-8"?>
-<p:sldLayout xmlns:a="http://schemas.openxmlformats.org/drawingml/2006/main" xmlns:r="http://schemas.openxmlformats.org/officeDocument/2006/relationships" xmlns:mc="http://schemas.openxmlformats.org/markup-compatibility/2006" xmlns:mv="urn:schemas-microsoft-com:mac:vml" xmlns:p="http://schemas.openxmlformats.org/presentationml/2006/main" xmlns:c="http://schemas.openxmlformats.org/drawingml/2006/chart" xmlns:dgm="http://schemas.openxmlformats.org/drawingml/2006/diagram" xmlns:o="urn:schemas-microsoft-com:office:office" xmlns:v="urn:schemas-microsoft-com:vml" xmlns:pvml="urn:schemas-microsoft-com:office:powerpoint" xmlns:com="http://schemas.openxmlformats.org/drawingml/2006/compatibility" xmlns:p14="http://schemas.microsoft.com/office/powerpoint/2010/main" xmlns:p15="http://schemas.microsoft.com/office/powerpoint/2012/main" xmlns:ahyp="http://schemas.microsoft.com/office/drawing/2018/hyperlinkcolor" matchingName="Blank" type="blank">
+<p:sldLayout xmlns:a="http://schemas.openxmlformats.org/drawingml/2006/main" xmlns:r="http://schemas.openxmlformats.org/officeDocument/2006/relationships" xmlns:p="http://schemas.openxmlformats.org/presentationml/2006/main" matchingName="Blank" type="blank">
   <p:cSld name="BLANK">
     <p:spTree>
       <p:nvGrpSpPr>
-        <p:cNvPr id="128" name="Shape 128"/>
+        <p:cNvPr id="1" name="Shape 128"/>
         <p:cNvGrpSpPr/>
         <p:nvPr/>
       </p:nvGrpSpPr>
@@ -4659,9 +4733,11 @@
       <p:sp>
         <p:nvSpPr>
           <p:cNvPr id="129" name="Google Shape;129;p12"/>
-          <p:cNvSpPr txBox="1"/>
+          <p:cNvSpPr txBox="1">
+            <a:spLocks noGrp="1"/>
+          </p:cNvSpPr>
           <p:nvPr>
-            <p:ph idx="12" type="sldNum"/>
+            <p:ph type="sldNum" idx="12"/>
           </p:nvPr>
         </p:nvSpPr>
         <p:spPr>
@@ -4674,7 +4750,7 @@
           </a:prstGeom>
         </p:spPr>
         <p:txBody>
-          <a:bodyPr anchorCtr="0" anchor="ctr" bIns="91425" lIns="91425" spcFirstLastPara="1" rIns="91425" wrap="square" tIns="91425">
+          <a:bodyPr spcFirstLastPara="1" wrap="square" lIns="91425" tIns="91425" rIns="91425" bIns="91425" anchor="ctr" anchorCtr="0">
             <a:normAutofit/>
           </a:bodyPr>
           <a:lstStyle>
@@ -4716,7 +4792,7 @@
             </a:lvl9pPr>
           </a:lstStyle>
           <a:p>
-            <a:pPr indent="0" lvl="0" marL="0" rtl="0" algn="r">
+            <a:pPr marL="0" lvl="0" indent="0" algn="r" rtl="0">
               <a:spcBef>
                 <a:spcPts val="0"/>
               </a:spcBef>
@@ -4727,7 +4803,7 @@
             </a:pPr>
             <a:fld id="{00000000-1234-1234-1234-123412341234}" type="slidenum">
               <a:rPr lang="it"/>
-              <a:t>‹#›</a:t>
+              <a:t>‹N›</a:t>
             </a:fld>
             <a:endParaRPr/>
           </a:p>
@@ -4742,11 +4818,11 @@
 </file>
 
 <file path=ppt/slideLayouts/slideLayout2.xml><?xml version="1.0" encoding="utf-8"?>
-<p:sldLayout xmlns:a="http://schemas.openxmlformats.org/drawingml/2006/main" xmlns:r="http://schemas.openxmlformats.org/officeDocument/2006/relationships" xmlns:mc="http://schemas.openxmlformats.org/markup-compatibility/2006" xmlns:mv="urn:schemas-microsoft-com:mac:vml" xmlns:p="http://schemas.openxmlformats.org/presentationml/2006/main" xmlns:c="http://schemas.openxmlformats.org/drawingml/2006/chart" xmlns:dgm="http://schemas.openxmlformats.org/drawingml/2006/diagram" xmlns:o="urn:schemas-microsoft-com:office:office" xmlns:v="urn:schemas-microsoft-com:vml" xmlns:pvml="urn:schemas-microsoft-com:office:powerpoint" xmlns:com="http://schemas.openxmlformats.org/drawingml/2006/compatibility" xmlns:p14="http://schemas.microsoft.com/office/powerpoint/2010/main" xmlns:p15="http://schemas.microsoft.com/office/powerpoint/2012/main" xmlns:ahyp="http://schemas.microsoft.com/office/drawing/2018/hyperlinkcolor" matchingName="Section header" type="secHead">
+<p:sldLayout xmlns:a="http://schemas.openxmlformats.org/drawingml/2006/main" xmlns:r="http://schemas.openxmlformats.org/officeDocument/2006/relationships" xmlns:p="http://schemas.openxmlformats.org/presentationml/2006/main" matchingName="Section header" type="secHead">
   <p:cSld name="SECTION_HEADER">
     <p:spTree>
       <p:nvGrpSpPr>
-        <p:cNvPr id="19" name="Shape 19"/>
+        <p:cNvPr id="1" name="Shape 19"/>
         <p:cNvGrpSpPr/>
         <p:nvPr/>
       </p:nvGrpSpPr>
@@ -4785,7 +4861,7 @@
             </a:xfrm>
             <a:prstGeom prst="diagStripe">
               <a:avLst>
-                <a:gd fmla="val 49469" name="adj"/>
+                <a:gd name="adj" fmla="val 49469"/>
               </a:avLst>
             </a:prstGeom>
             <a:solidFill>
@@ -4798,12 +4874,12 @@
             </a:ln>
           </p:spPr>
           <p:txBody>
-            <a:bodyPr anchorCtr="0" anchor="ctr" bIns="91425" lIns="91425" spcFirstLastPara="1" rIns="91425" wrap="square" tIns="91425">
+            <a:bodyPr spcFirstLastPara="1" wrap="square" lIns="91425" tIns="91425" rIns="91425" bIns="91425" anchor="ctr" anchorCtr="0">
               <a:noAutofit/>
             </a:bodyPr>
             <a:lstStyle/>
             <a:p>
-              <a:pPr indent="0" lvl="0" marL="0" rtl="0" algn="l">
+              <a:pPr marL="0" lvl="0" indent="0" algn="l" rtl="0">
                 <a:spcBef>
                   <a:spcPts val="0"/>
                 </a:spcBef>
@@ -4812,9 +4888,6 @@
                 </a:spcAft>
                 <a:buNone/>
               </a:pPr>
-              <a:r>
-                <a:t/>
-              </a:r>
               <a:endParaRPr/>
             </a:p>
           </p:txBody>
@@ -4832,7 +4905,7 @@
             </a:xfrm>
             <a:prstGeom prst="diagStripe">
               <a:avLst>
-                <a:gd fmla="val 0" name="adj"/>
+                <a:gd name="adj" fmla="val 0"/>
               </a:avLst>
             </a:prstGeom>
             <a:solidFill>
@@ -4845,12 +4918,12 @@
             </a:ln>
           </p:spPr>
           <p:txBody>
-            <a:bodyPr anchorCtr="0" anchor="ctr" bIns="91425" lIns="91425" spcFirstLastPara="1" rIns="91425" wrap="square" tIns="91425">
+            <a:bodyPr spcFirstLastPara="1" wrap="square" lIns="91425" tIns="91425" rIns="91425" bIns="91425" anchor="ctr" anchorCtr="0">
               <a:noAutofit/>
             </a:bodyPr>
             <a:lstStyle/>
             <a:p>
-              <a:pPr indent="0" lvl="0" marL="0" rtl="0" algn="l">
+              <a:pPr marL="0" lvl="0" indent="0" algn="l" rtl="0">
                 <a:spcBef>
                   <a:spcPts val="0"/>
                 </a:spcBef>
@@ -4859,9 +4932,6 @@
                 </a:spcAft>
                 <a:buNone/>
               </a:pPr>
-              <a:r>
-                <a:t/>
-              </a:r>
               <a:endParaRPr/>
             </a:p>
           </p:txBody>
@@ -4879,7 +4949,7 @@
             </a:xfrm>
             <a:prstGeom prst="diagStripe">
               <a:avLst>
-                <a:gd fmla="val 50000" name="adj"/>
+                <a:gd name="adj" fmla="val 50000"/>
               </a:avLst>
             </a:prstGeom>
             <a:solidFill>
@@ -4892,12 +4962,12 @@
             </a:ln>
           </p:spPr>
           <p:txBody>
-            <a:bodyPr anchorCtr="0" anchor="ctr" bIns="91425" lIns="91425" spcFirstLastPara="1" rIns="91425" wrap="square" tIns="91425">
+            <a:bodyPr spcFirstLastPara="1" wrap="square" lIns="91425" tIns="91425" rIns="91425" bIns="91425" anchor="ctr" anchorCtr="0">
               <a:noAutofit/>
             </a:bodyPr>
             <a:lstStyle/>
             <a:p>
-              <a:pPr indent="0" lvl="0" marL="0" rtl="0" algn="l">
+              <a:pPr marL="0" lvl="0" indent="0" algn="l" rtl="0">
                 <a:spcBef>
                   <a:spcPts val="0"/>
                 </a:spcBef>
@@ -4906,9 +4976,6 @@
                 </a:spcAft>
                 <a:buNone/>
               </a:pPr>
-              <a:r>
-                <a:t/>
-              </a:r>
               <a:endParaRPr/>
             </a:p>
           </p:txBody>
@@ -4926,7 +4993,7 @@
             </a:xfrm>
             <a:prstGeom prst="diagStripe">
               <a:avLst>
-                <a:gd fmla="val 50000" name="adj"/>
+                <a:gd name="adj" fmla="val 50000"/>
               </a:avLst>
             </a:prstGeom>
             <a:solidFill>
@@ -4939,12 +5006,12 @@
             </a:ln>
           </p:spPr>
           <p:txBody>
-            <a:bodyPr anchorCtr="0" anchor="ctr" bIns="91425" lIns="91425" spcFirstLastPara="1" rIns="91425" wrap="square" tIns="91425">
+            <a:bodyPr spcFirstLastPara="1" wrap="square" lIns="91425" tIns="91425" rIns="91425" bIns="91425" anchor="ctr" anchorCtr="0">
               <a:noAutofit/>
             </a:bodyPr>
             <a:lstStyle/>
             <a:p>
-              <a:pPr indent="0" lvl="0" marL="0" rtl="0" algn="l">
+              <a:pPr marL="0" lvl="0" indent="0" algn="l" rtl="0">
                 <a:spcBef>
                   <a:spcPts val="0"/>
                 </a:spcBef>
@@ -4953,9 +5020,6 @@
                 </a:spcAft>
                 <a:buNone/>
               </a:pPr>
-              <a:r>
-                <a:t/>
-              </a:r>
               <a:endParaRPr/>
             </a:p>
           </p:txBody>
@@ -4973,7 +5037,7 @@
             </a:xfrm>
             <a:prstGeom prst="diagStripe">
               <a:avLst>
-                <a:gd fmla="val 50000" name="adj"/>
+                <a:gd name="adj" fmla="val 50000"/>
               </a:avLst>
             </a:prstGeom>
             <a:solidFill>
@@ -4986,12 +5050,12 @@
             </a:ln>
           </p:spPr>
           <p:txBody>
-            <a:bodyPr anchorCtr="0" anchor="ctr" bIns="91425" lIns="91425" spcFirstLastPara="1" rIns="91425" wrap="square" tIns="91425">
+            <a:bodyPr spcFirstLastPara="1" wrap="square" lIns="91425" tIns="91425" rIns="91425" bIns="91425" anchor="ctr" anchorCtr="0">
               <a:noAutofit/>
             </a:bodyPr>
             <a:lstStyle/>
             <a:p>
-              <a:pPr indent="0" lvl="0" marL="0" rtl="0" algn="l">
+              <a:pPr marL="0" lvl="0" indent="0" algn="l" rtl="0">
                 <a:spcBef>
                   <a:spcPts val="0"/>
                 </a:spcBef>
@@ -5000,9 +5064,6 @@
                 </a:spcAft>
                 <a:buNone/>
               </a:pPr>
-              <a:r>
-                <a:t/>
-              </a:r>
               <a:endParaRPr/>
             </a:p>
           </p:txBody>
@@ -5020,7 +5081,7 @@
             </a:xfrm>
             <a:prstGeom prst="diagStripe">
               <a:avLst>
-                <a:gd fmla="val 50000" name="adj"/>
+                <a:gd name="adj" fmla="val 50000"/>
               </a:avLst>
             </a:prstGeom>
             <a:solidFill>
@@ -5033,12 +5094,12 @@
             </a:ln>
           </p:spPr>
           <p:txBody>
-            <a:bodyPr anchorCtr="0" anchor="ctr" bIns="91425" lIns="91425" spcFirstLastPara="1" rIns="91425" wrap="square" tIns="91425">
+            <a:bodyPr spcFirstLastPara="1" wrap="square" lIns="91425" tIns="91425" rIns="91425" bIns="91425" anchor="ctr" anchorCtr="0">
               <a:noAutofit/>
             </a:bodyPr>
             <a:lstStyle/>
             <a:p>
-              <a:pPr indent="0" lvl="0" marL="0" rtl="0" algn="l">
+              <a:pPr marL="0" lvl="0" indent="0" algn="l" rtl="0">
                 <a:spcBef>
                   <a:spcPts val="0"/>
                 </a:spcBef>
@@ -5047,9 +5108,6 @@
                 </a:spcAft>
                 <a:buNone/>
               </a:pPr>
-              <a:r>
-                <a:t/>
-              </a:r>
               <a:endParaRPr/>
             </a:p>
           </p:txBody>
@@ -5067,7 +5125,7 @@
             </a:xfrm>
             <a:prstGeom prst="diagStripe">
               <a:avLst>
-                <a:gd fmla="val 50000" name="adj"/>
+                <a:gd name="adj" fmla="val 50000"/>
               </a:avLst>
             </a:prstGeom>
             <a:solidFill>
@@ -5080,12 +5138,12 @@
             </a:ln>
           </p:spPr>
           <p:txBody>
-            <a:bodyPr anchorCtr="0" anchor="ctr" bIns="91425" lIns="91425" spcFirstLastPara="1" rIns="91425" wrap="square" tIns="91425">
+            <a:bodyPr spcFirstLastPara="1" wrap="square" lIns="91425" tIns="91425" rIns="91425" bIns="91425" anchor="ctr" anchorCtr="0">
               <a:noAutofit/>
             </a:bodyPr>
             <a:lstStyle/>
             <a:p>
-              <a:pPr indent="0" lvl="0" marL="0" rtl="0" algn="l">
+              <a:pPr marL="0" lvl="0" indent="0" algn="l" rtl="0">
                 <a:spcBef>
                   <a:spcPts val="0"/>
                 </a:spcBef>
@@ -5094,9 +5152,6 @@
                 </a:spcAft>
                 <a:buNone/>
               </a:pPr>
-              <a:r>
-                <a:t/>
-              </a:r>
               <a:endParaRPr/>
             </a:p>
           </p:txBody>
@@ -5114,7 +5169,7 @@
             </a:xfrm>
             <a:prstGeom prst="diagStripe">
               <a:avLst>
-                <a:gd fmla="val 50000" name="adj"/>
+                <a:gd name="adj" fmla="val 50000"/>
               </a:avLst>
             </a:prstGeom>
             <a:solidFill>
@@ -5125,12 +5180,12 @@
             </a:ln>
           </p:spPr>
           <p:txBody>
-            <a:bodyPr anchorCtr="0" anchor="ctr" bIns="91425" lIns="91425" spcFirstLastPara="1" rIns="91425" wrap="square" tIns="91425">
+            <a:bodyPr spcFirstLastPara="1" wrap="square" lIns="91425" tIns="91425" rIns="91425" bIns="91425" anchor="ctr" anchorCtr="0">
               <a:noAutofit/>
             </a:bodyPr>
             <a:lstStyle/>
             <a:p>
-              <a:pPr indent="0" lvl="0" marL="0" rtl="0" algn="l">
+              <a:pPr marL="0" lvl="0" indent="0" algn="l" rtl="0">
                 <a:spcBef>
                   <a:spcPts val="0"/>
                 </a:spcBef>
@@ -5139,9 +5194,6 @@
                 </a:spcAft>
                 <a:buNone/>
               </a:pPr>
-              <a:r>
-                <a:t/>
-              </a:r>
               <a:endParaRPr/>
             </a:p>
           </p:txBody>
@@ -5159,7 +5211,7 @@
             </a:xfrm>
             <a:prstGeom prst="diagStripe">
               <a:avLst>
-                <a:gd fmla="val 50000" name="adj"/>
+                <a:gd name="adj" fmla="val 50000"/>
               </a:avLst>
             </a:prstGeom>
             <a:solidFill>
@@ -5172,12 +5224,12 @@
             </a:ln>
           </p:spPr>
           <p:txBody>
-            <a:bodyPr anchorCtr="0" anchor="ctr" bIns="91425" lIns="91425" spcFirstLastPara="1" rIns="91425" wrap="square" tIns="91425">
+            <a:bodyPr spcFirstLastPara="1" wrap="square" lIns="91425" tIns="91425" rIns="91425" bIns="91425" anchor="ctr" anchorCtr="0">
               <a:noAutofit/>
             </a:bodyPr>
             <a:lstStyle/>
             <a:p>
-              <a:pPr indent="0" lvl="0" marL="0" rtl="0" algn="l">
+              <a:pPr marL="0" lvl="0" indent="0" algn="l" rtl="0">
                 <a:spcBef>
                   <a:spcPts val="0"/>
                 </a:spcBef>
@@ -5186,9 +5238,6 @@
                 </a:spcAft>
                 <a:buNone/>
               </a:pPr>
-              <a:r>
-                <a:t/>
-              </a:r>
               <a:endParaRPr/>
             </a:p>
           </p:txBody>
@@ -5206,7 +5255,7 @@
             </a:xfrm>
             <a:prstGeom prst="diagStripe">
               <a:avLst>
-                <a:gd fmla="val 50000" name="adj"/>
+                <a:gd name="adj" fmla="val 50000"/>
               </a:avLst>
             </a:prstGeom>
             <a:solidFill>
@@ -5219,12 +5268,12 @@
             </a:ln>
           </p:spPr>
           <p:txBody>
-            <a:bodyPr anchorCtr="0" anchor="ctr" bIns="91425" lIns="91425" spcFirstLastPara="1" rIns="91425" wrap="square" tIns="91425">
+            <a:bodyPr spcFirstLastPara="1" wrap="square" lIns="91425" tIns="91425" rIns="91425" bIns="91425" anchor="ctr" anchorCtr="0">
               <a:noAutofit/>
             </a:bodyPr>
             <a:lstStyle/>
             <a:p>
-              <a:pPr indent="0" lvl="0" marL="0" rtl="0" algn="l">
+              <a:pPr marL="0" lvl="0" indent="0" algn="l" rtl="0">
                 <a:spcBef>
                   <a:spcPts val="0"/>
                 </a:spcBef>
@@ -5233,9 +5282,6 @@
                 </a:spcAft>
                 <a:buNone/>
               </a:pPr>
-              <a:r>
-                <a:t/>
-              </a:r>
               <a:endParaRPr/>
             </a:p>
           </p:txBody>
@@ -5253,7 +5299,7 @@
             </a:xfrm>
             <a:prstGeom prst="diagStripe">
               <a:avLst>
-                <a:gd fmla="val 50000" name="adj"/>
+                <a:gd name="adj" fmla="val 50000"/>
               </a:avLst>
             </a:prstGeom>
             <a:solidFill>
@@ -5266,12 +5312,12 @@
             </a:ln>
           </p:spPr>
           <p:txBody>
-            <a:bodyPr anchorCtr="0" anchor="ctr" bIns="91425" lIns="91425" spcFirstLastPara="1" rIns="91425" wrap="square" tIns="91425">
+            <a:bodyPr spcFirstLastPara="1" wrap="square" lIns="91425" tIns="91425" rIns="91425" bIns="91425" anchor="ctr" anchorCtr="0">
               <a:noAutofit/>
             </a:bodyPr>
             <a:lstStyle/>
             <a:p>
-              <a:pPr indent="0" lvl="0" marL="0" rtl="0" algn="l">
+              <a:pPr marL="0" lvl="0" indent="0" algn="l" rtl="0">
                 <a:spcBef>
                   <a:spcPts val="0"/>
                 </a:spcBef>
@@ -5280,9 +5326,6 @@
                 </a:spcAft>
                 <a:buNone/>
               </a:pPr>
-              <a:r>
-                <a:t/>
-              </a:r>
               <a:endParaRPr/>
             </a:p>
           </p:txBody>
@@ -5300,7 +5343,7 @@
             </a:xfrm>
             <a:prstGeom prst="diagStripe">
               <a:avLst>
-                <a:gd fmla="val 50000" name="adj"/>
+                <a:gd name="adj" fmla="val 50000"/>
               </a:avLst>
             </a:prstGeom>
             <a:solidFill>
@@ -5313,12 +5356,12 @@
             </a:ln>
           </p:spPr>
           <p:txBody>
-            <a:bodyPr anchorCtr="0" anchor="ctr" bIns="91425" lIns="91425" spcFirstLastPara="1" rIns="91425" wrap="square" tIns="91425">
+            <a:bodyPr spcFirstLastPara="1" wrap="square" lIns="91425" tIns="91425" rIns="91425" bIns="91425" anchor="ctr" anchorCtr="0">
               <a:noAutofit/>
             </a:bodyPr>
             <a:lstStyle/>
             <a:p>
-              <a:pPr indent="0" lvl="0" marL="0" rtl="0" algn="l">
+              <a:pPr marL="0" lvl="0" indent="0" algn="l" rtl="0">
                 <a:spcBef>
                   <a:spcPts val="0"/>
                 </a:spcBef>
@@ -5327,9 +5370,6 @@
                 </a:spcAft>
                 <a:buNone/>
               </a:pPr>
-              <a:r>
-                <a:t/>
-              </a:r>
               <a:endParaRPr/>
             </a:p>
           </p:txBody>
@@ -5347,7 +5387,7 @@
             </a:xfrm>
             <a:prstGeom prst="diagStripe">
               <a:avLst>
-                <a:gd fmla="val 50000" name="adj"/>
+                <a:gd name="adj" fmla="val 50000"/>
               </a:avLst>
             </a:prstGeom>
             <a:solidFill>
@@ -5360,12 +5400,12 @@
             </a:ln>
           </p:spPr>
           <p:txBody>
-            <a:bodyPr anchorCtr="0" anchor="ctr" bIns="91425" lIns="91425" spcFirstLastPara="1" rIns="91425" wrap="square" tIns="91425">
+            <a:bodyPr spcFirstLastPara="1" wrap="square" lIns="91425" tIns="91425" rIns="91425" bIns="91425" anchor="ctr" anchorCtr="0">
               <a:noAutofit/>
             </a:bodyPr>
             <a:lstStyle/>
             <a:p>
-              <a:pPr indent="0" lvl="0" marL="0" rtl="0" algn="l">
+              <a:pPr marL="0" lvl="0" indent="0" algn="l" rtl="0">
                 <a:spcBef>
                   <a:spcPts val="0"/>
                 </a:spcBef>
@@ -5374,9 +5414,6 @@
                 </a:spcAft>
                 <a:buNone/>
               </a:pPr>
-              <a:r>
-                <a:t/>
-              </a:r>
               <a:endParaRPr/>
             </a:p>
           </p:txBody>
@@ -5394,7 +5431,7 @@
             </a:xfrm>
             <a:prstGeom prst="diagStripe">
               <a:avLst>
-                <a:gd fmla="val 50000" name="adj"/>
+                <a:gd name="adj" fmla="val 50000"/>
               </a:avLst>
             </a:prstGeom>
             <a:solidFill>
@@ -5405,12 +5442,12 @@
             </a:ln>
           </p:spPr>
           <p:txBody>
-            <a:bodyPr anchorCtr="0" anchor="ctr" bIns="91425" lIns="91425" spcFirstLastPara="1" rIns="91425" wrap="square" tIns="91425">
+            <a:bodyPr spcFirstLastPara="1" wrap="square" lIns="91425" tIns="91425" rIns="91425" bIns="91425" anchor="ctr" anchorCtr="0">
               <a:noAutofit/>
             </a:bodyPr>
             <a:lstStyle/>
             <a:p>
-              <a:pPr indent="0" lvl="0" marL="0" rtl="0" algn="l">
+              <a:pPr marL="0" lvl="0" indent="0" algn="l" rtl="0">
                 <a:spcBef>
                   <a:spcPts val="0"/>
                 </a:spcBef>
@@ -5419,9 +5456,6 @@
                 </a:spcAft>
                 <a:buNone/>
               </a:pPr>
-              <a:r>
-                <a:t/>
-              </a:r>
               <a:endParaRPr/>
             </a:p>
           </p:txBody>
@@ -5439,7 +5473,7 @@
             </a:xfrm>
             <a:prstGeom prst="diagStripe">
               <a:avLst>
-                <a:gd fmla="val 50000" name="adj"/>
+                <a:gd name="adj" fmla="val 50000"/>
               </a:avLst>
             </a:prstGeom>
             <a:solidFill>
@@ -5452,12 +5486,12 @@
             </a:ln>
           </p:spPr>
           <p:txBody>
-            <a:bodyPr anchorCtr="0" anchor="ctr" bIns="91425" lIns="91425" spcFirstLastPara="1" rIns="91425" wrap="square" tIns="91425">
+            <a:bodyPr spcFirstLastPara="1" wrap="square" lIns="91425" tIns="91425" rIns="91425" bIns="91425" anchor="ctr" anchorCtr="0">
               <a:noAutofit/>
             </a:bodyPr>
             <a:lstStyle/>
             <a:p>
-              <a:pPr indent="0" lvl="0" marL="0" rtl="0" algn="l">
+              <a:pPr marL="0" lvl="0" indent="0" algn="l" rtl="0">
                 <a:spcBef>
                   <a:spcPts val="0"/>
                 </a:spcBef>
@@ -5466,9 +5500,6 @@
                 </a:spcAft>
                 <a:buNone/>
               </a:pPr>
-              <a:r>
-                <a:t/>
-              </a:r>
               <a:endParaRPr/>
             </a:p>
           </p:txBody>
@@ -5486,7 +5517,7 @@
             </a:xfrm>
             <a:prstGeom prst="diagStripe">
               <a:avLst>
-                <a:gd fmla="val 50000" name="adj"/>
+                <a:gd name="adj" fmla="val 50000"/>
               </a:avLst>
             </a:prstGeom>
             <a:solidFill>
@@ -5499,12 +5530,12 @@
             </a:ln>
           </p:spPr>
           <p:txBody>
-            <a:bodyPr anchorCtr="0" anchor="ctr" bIns="91425" lIns="91425" spcFirstLastPara="1" rIns="91425" wrap="square" tIns="91425">
+            <a:bodyPr spcFirstLastPara="1" wrap="square" lIns="91425" tIns="91425" rIns="91425" bIns="91425" anchor="ctr" anchorCtr="0">
               <a:noAutofit/>
             </a:bodyPr>
             <a:lstStyle/>
             <a:p>
-              <a:pPr indent="0" lvl="0" marL="0" rtl="0" algn="l">
+              <a:pPr marL="0" lvl="0" indent="0" algn="l" rtl="0">
                 <a:spcBef>
                   <a:spcPts val="0"/>
                 </a:spcBef>
@@ -5513,9 +5544,6 @@
                 </a:spcAft>
                 <a:buNone/>
               </a:pPr>
-              <a:r>
-                <a:t/>
-              </a:r>
               <a:endParaRPr/>
             </a:p>
           </p:txBody>
@@ -5533,7 +5561,7 @@
             </a:xfrm>
             <a:prstGeom prst="diagStripe">
               <a:avLst>
-                <a:gd fmla="val 50000" name="adj"/>
+                <a:gd name="adj" fmla="val 50000"/>
               </a:avLst>
             </a:prstGeom>
             <a:solidFill>
@@ -5546,12 +5574,12 @@
             </a:ln>
           </p:spPr>
           <p:txBody>
-            <a:bodyPr anchorCtr="0" anchor="ctr" bIns="91425" lIns="91425" spcFirstLastPara="1" rIns="91425" wrap="square" tIns="91425">
+            <a:bodyPr spcFirstLastPara="1" wrap="square" lIns="91425" tIns="91425" rIns="91425" bIns="91425" anchor="ctr" anchorCtr="0">
               <a:noAutofit/>
             </a:bodyPr>
             <a:lstStyle/>
             <a:p>
-              <a:pPr indent="0" lvl="0" marL="0" rtl="0" algn="l">
+              <a:pPr marL="0" lvl="0" indent="0" algn="l" rtl="0">
                 <a:spcBef>
                   <a:spcPts val="0"/>
                 </a:spcBef>
@@ -5560,9 +5588,6 @@
                 </a:spcAft>
                 <a:buNone/>
               </a:pPr>
-              <a:r>
-                <a:t/>
-              </a:r>
               <a:endParaRPr/>
             </a:p>
           </p:txBody>
@@ -5580,7 +5605,7 @@
             </a:xfrm>
             <a:prstGeom prst="diagStripe">
               <a:avLst>
-                <a:gd fmla="val 50000" name="adj"/>
+                <a:gd name="adj" fmla="val 50000"/>
               </a:avLst>
             </a:prstGeom>
             <a:solidFill>
@@ -5593,12 +5618,12 @@
             </a:ln>
           </p:spPr>
           <p:txBody>
-            <a:bodyPr anchorCtr="0" anchor="ctr" bIns="91425" lIns="91425" spcFirstLastPara="1" rIns="91425" wrap="square" tIns="91425">
+            <a:bodyPr spcFirstLastPara="1" wrap="square" lIns="91425" tIns="91425" rIns="91425" bIns="91425" anchor="ctr" anchorCtr="0">
               <a:noAutofit/>
             </a:bodyPr>
             <a:lstStyle/>
             <a:p>
-              <a:pPr indent="0" lvl="0" marL="0" rtl="0" algn="l">
+              <a:pPr marL="0" lvl="0" indent="0" algn="l" rtl="0">
                 <a:spcBef>
                   <a:spcPts val="0"/>
                 </a:spcBef>
@@ -5607,9 +5632,6 @@
                 </a:spcAft>
                 <a:buNone/>
               </a:pPr>
-              <a:r>
-                <a:t/>
-              </a:r>
               <a:endParaRPr/>
             </a:p>
           </p:txBody>
@@ -5618,7 +5640,9 @@
       <p:sp>
         <p:nvSpPr>
           <p:cNvPr id="39" name="Google Shape;39;p3"/>
-          <p:cNvSpPr txBox="1"/>
+          <p:cNvSpPr txBox="1">
+            <a:spLocks noGrp="1"/>
+          </p:cNvSpPr>
           <p:nvPr>
             <p:ph type="title"/>
           </p:nvPr>
@@ -5633,7 +5657,7 @@
           </a:prstGeom>
         </p:spPr>
         <p:txBody>
-          <a:bodyPr anchorCtr="0" anchor="ctr" bIns="91425" lIns="91425" spcFirstLastPara="1" rIns="91425" wrap="square" tIns="91425">
+          <a:bodyPr spcFirstLastPara="1" wrap="square" lIns="91425" tIns="91425" rIns="91425" bIns="91425" anchor="ctr" anchorCtr="0">
             <a:normAutofit/>
           </a:bodyPr>
           <a:lstStyle>
@@ -5737,15 +5761,19 @@
               <a:defRPr/>
             </a:lvl9pPr>
           </a:lstStyle>
-          <a:p/>
+          <a:p>
+            <a:endParaRPr/>
+          </a:p>
         </p:txBody>
       </p:sp>
       <p:sp>
         <p:nvSpPr>
           <p:cNvPr id="40" name="Google Shape;40;p3"/>
-          <p:cNvSpPr txBox="1"/>
+          <p:cNvSpPr txBox="1">
+            <a:spLocks noGrp="1"/>
+          </p:cNvSpPr>
           <p:nvPr>
-            <p:ph idx="12" type="sldNum"/>
+            <p:ph type="sldNum" idx="12"/>
           </p:nvPr>
         </p:nvSpPr>
         <p:spPr>
@@ -5758,7 +5786,7 @@
           </a:prstGeom>
         </p:spPr>
         <p:txBody>
-          <a:bodyPr anchorCtr="0" anchor="ctr" bIns="91425" lIns="91425" spcFirstLastPara="1" rIns="91425" wrap="square" tIns="91425">
+          <a:bodyPr spcFirstLastPara="1" wrap="square" lIns="91425" tIns="91425" rIns="91425" bIns="91425" anchor="ctr" anchorCtr="0">
             <a:normAutofit/>
           </a:bodyPr>
           <a:lstStyle>
@@ -5800,7 +5828,7 @@
             </a:lvl9pPr>
           </a:lstStyle>
           <a:p>
-            <a:pPr indent="0" lvl="0" marL="0" rtl="0" algn="r">
+            <a:pPr marL="0" lvl="0" indent="0" algn="r" rtl="0">
               <a:spcBef>
                 <a:spcPts val="0"/>
               </a:spcBef>
@@ -5811,7 +5839,7 @@
             </a:pPr>
             <a:fld id="{00000000-1234-1234-1234-123412341234}" type="slidenum">
               <a:rPr lang="it"/>
-              <a:t>‹#›</a:t>
+              <a:t>‹N›</a:t>
             </a:fld>
             <a:endParaRPr/>
           </a:p>
@@ -5826,11 +5854,11 @@
 </file>
 
 <file path=ppt/slideLayouts/slideLayout3.xml><?xml version="1.0" encoding="utf-8"?>
-<p:sldLayout xmlns:a="http://schemas.openxmlformats.org/drawingml/2006/main" xmlns:r="http://schemas.openxmlformats.org/officeDocument/2006/relationships" xmlns:mc="http://schemas.openxmlformats.org/markup-compatibility/2006" xmlns:mv="urn:schemas-microsoft-com:mac:vml" xmlns:p="http://schemas.openxmlformats.org/presentationml/2006/main" xmlns:c="http://schemas.openxmlformats.org/drawingml/2006/chart" xmlns:dgm="http://schemas.openxmlformats.org/drawingml/2006/diagram" xmlns:o="urn:schemas-microsoft-com:office:office" xmlns:v="urn:schemas-microsoft-com:vml" xmlns:pvml="urn:schemas-microsoft-com:office:powerpoint" xmlns:com="http://schemas.openxmlformats.org/drawingml/2006/compatibility" xmlns:p14="http://schemas.microsoft.com/office/powerpoint/2010/main" xmlns:p15="http://schemas.microsoft.com/office/powerpoint/2012/main" xmlns:ahyp="http://schemas.microsoft.com/office/drawing/2018/hyperlinkcolor" matchingName="Title and body" type="tx">
+<p:sldLayout xmlns:a="http://schemas.openxmlformats.org/drawingml/2006/main" xmlns:r="http://schemas.openxmlformats.org/officeDocument/2006/relationships" xmlns:p="http://schemas.openxmlformats.org/presentationml/2006/main" matchingName="Title and body" type="tx">
   <p:cSld name="TITLE_AND_BODY">
     <p:spTree>
       <p:nvGrpSpPr>
-        <p:cNvPr id="41" name="Shape 41"/>
+        <p:cNvPr id="1" name="Shape 41"/>
         <p:cNvGrpSpPr/>
         <p:nvPr/>
       </p:nvGrpSpPr>
@@ -5869,7 +5897,7 @@
             </a:xfrm>
             <a:prstGeom prst="diagStripe">
               <a:avLst>
-                <a:gd fmla="val 50000" name="adj"/>
+                <a:gd name="adj" fmla="val 50000"/>
               </a:avLst>
             </a:prstGeom>
             <a:solidFill>
@@ -5880,12 +5908,12 @@
             </a:ln>
           </p:spPr>
           <p:txBody>
-            <a:bodyPr anchorCtr="0" anchor="ctr" bIns="91425" lIns="91425" spcFirstLastPara="1" rIns="91425" wrap="square" tIns="91425">
+            <a:bodyPr spcFirstLastPara="1" wrap="square" lIns="91425" tIns="91425" rIns="91425" bIns="91425" anchor="ctr" anchorCtr="0">
               <a:noAutofit/>
             </a:bodyPr>
             <a:lstStyle/>
             <a:p>
-              <a:pPr indent="0" lvl="0" marL="0" rtl="0" algn="l">
+              <a:pPr marL="0" lvl="0" indent="0" algn="l" rtl="0">
                 <a:spcBef>
                   <a:spcPts val="0"/>
                 </a:spcBef>
@@ -5894,9 +5922,6 @@
                 </a:spcAft>
                 <a:buNone/>
               </a:pPr>
-              <a:r>
-                <a:t/>
-              </a:r>
               <a:endParaRPr/>
             </a:p>
           </p:txBody>
@@ -5914,7 +5939,7 @@
             </a:xfrm>
             <a:prstGeom prst="diagStripe">
               <a:avLst>
-                <a:gd fmla="val 50000" name="adj"/>
+                <a:gd name="adj" fmla="val 50000"/>
               </a:avLst>
             </a:prstGeom>
             <a:solidFill>
@@ -5925,12 +5950,12 @@
             </a:ln>
           </p:spPr>
           <p:txBody>
-            <a:bodyPr anchorCtr="0" anchor="ctr" bIns="91425" lIns="91425" spcFirstLastPara="1" rIns="91425" wrap="square" tIns="91425">
+            <a:bodyPr spcFirstLastPara="1" wrap="square" lIns="91425" tIns="91425" rIns="91425" bIns="91425" anchor="ctr" anchorCtr="0">
               <a:noAutofit/>
             </a:bodyPr>
             <a:lstStyle/>
             <a:p>
-              <a:pPr indent="0" lvl="0" marL="0" rtl="0" algn="l">
+              <a:pPr marL="0" lvl="0" indent="0" algn="l" rtl="0">
                 <a:spcBef>
                   <a:spcPts val="0"/>
                 </a:spcBef>
@@ -5939,9 +5964,6 @@
                 </a:spcAft>
                 <a:buNone/>
               </a:pPr>
-              <a:r>
-                <a:t/>
-              </a:r>
               <a:endParaRPr/>
             </a:p>
           </p:txBody>
@@ -5950,7 +5972,9 @@
       <p:sp>
         <p:nvSpPr>
           <p:cNvPr id="45" name="Google Shape;45;p4"/>
-          <p:cNvSpPr txBox="1"/>
+          <p:cNvSpPr txBox="1">
+            <a:spLocks noGrp="1"/>
+          </p:cNvSpPr>
           <p:nvPr>
             <p:ph type="title"/>
           </p:nvPr>
@@ -5965,7 +5989,7 @@
           </a:prstGeom>
         </p:spPr>
         <p:txBody>
-          <a:bodyPr anchorCtr="0" anchor="t" bIns="91425" lIns="91425" spcFirstLastPara="1" rIns="91425" wrap="square" tIns="91425">
+          <a:bodyPr spcFirstLastPara="1" wrap="square" lIns="91425" tIns="91425" rIns="91425" bIns="91425" anchor="t" anchorCtr="0">
             <a:normAutofit/>
           </a:bodyPr>
           <a:lstStyle>
@@ -6069,15 +6093,19 @@
               <a:defRPr sz="2400"/>
             </a:lvl9pPr>
           </a:lstStyle>
-          <a:p/>
+          <a:p>
+            <a:endParaRPr/>
+          </a:p>
         </p:txBody>
       </p:sp>
       <p:sp>
         <p:nvSpPr>
           <p:cNvPr id="46" name="Google Shape;46;p4"/>
-          <p:cNvSpPr txBox="1"/>
+          <p:cNvSpPr txBox="1">
+            <a:spLocks noGrp="1"/>
+          </p:cNvSpPr>
           <p:nvPr>
-            <p:ph idx="1" type="body"/>
+            <p:ph type="body" idx="1"/>
           </p:nvPr>
         </p:nvSpPr>
         <p:spPr>
@@ -6090,11 +6118,11 @@
           </a:prstGeom>
         </p:spPr>
         <p:txBody>
-          <a:bodyPr anchorCtr="0" anchor="t" bIns="91425" lIns="91425" spcFirstLastPara="1" rIns="91425" wrap="square" tIns="91425">
+          <a:bodyPr spcFirstLastPara="1" wrap="square" lIns="91425" tIns="91425" rIns="91425" bIns="91425" anchor="t" anchorCtr="0">
             <a:normAutofit/>
           </a:bodyPr>
           <a:lstStyle>
-            <a:lvl1pPr indent="-311150" lvl="0" marL="457200">
+            <a:lvl1pPr marL="457200" lvl="0" indent="-311150">
               <a:spcBef>
                 <a:spcPts val="0"/>
               </a:spcBef>
@@ -6105,7 +6133,7 @@
               <a:buChar char="●"/>
               <a:defRPr/>
             </a:lvl1pPr>
-            <a:lvl2pPr indent="-298450" lvl="1" marL="914400">
+            <a:lvl2pPr marL="914400" lvl="1" indent="-298450">
               <a:spcBef>
                 <a:spcPts val="0"/>
               </a:spcBef>
@@ -6116,7 +6144,7 @@
               <a:buChar char="○"/>
               <a:defRPr/>
             </a:lvl2pPr>
-            <a:lvl3pPr indent="-298450" lvl="2" marL="1371600">
+            <a:lvl3pPr marL="1371600" lvl="2" indent="-298450">
               <a:spcBef>
                 <a:spcPts val="0"/>
               </a:spcBef>
@@ -6127,7 +6155,7 @@
               <a:buChar char="■"/>
               <a:defRPr/>
             </a:lvl3pPr>
-            <a:lvl4pPr indent="-298450" lvl="3" marL="1828800">
+            <a:lvl4pPr marL="1828800" lvl="3" indent="-298450">
               <a:spcBef>
                 <a:spcPts val="0"/>
               </a:spcBef>
@@ -6138,7 +6166,7 @@
               <a:buChar char="●"/>
               <a:defRPr/>
             </a:lvl4pPr>
-            <a:lvl5pPr indent="-298450" lvl="4" marL="2286000">
+            <a:lvl5pPr marL="2286000" lvl="4" indent="-298450">
               <a:spcBef>
                 <a:spcPts val="0"/>
               </a:spcBef>
@@ -6149,7 +6177,7 @@
               <a:buChar char="○"/>
               <a:defRPr/>
             </a:lvl5pPr>
-            <a:lvl6pPr indent="-298450" lvl="5" marL="2743200">
+            <a:lvl6pPr marL="2743200" lvl="5" indent="-298450">
               <a:spcBef>
                 <a:spcPts val="0"/>
               </a:spcBef>
@@ -6160,7 +6188,7 @@
               <a:buChar char="■"/>
               <a:defRPr/>
             </a:lvl6pPr>
-            <a:lvl7pPr indent="-298450" lvl="6" marL="3200400">
+            <a:lvl7pPr marL="3200400" lvl="6" indent="-298450">
               <a:spcBef>
                 <a:spcPts val="0"/>
               </a:spcBef>
@@ -6171,7 +6199,7 @@
               <a:buChar char="●"/>
               <a:defRPr/>
             </a:lvl7pPr>
-            <a:lvl8pPr indent="-298450" lvl="7" marL="3657600">
+            <a:lvl8pPr marL="3657600" lvl="7" indent="-298450">
               <a:spcBef>
                 <a:spcPts val="0"/>
               </a:spcBef>
@@ -6182,7 +6210,7 @@
               <a:buChar char="○"/>
               <a:defRPr/>
             </a:lvl8pPr>
-            <a:lvl9pPr indent="-298450" lvl="8" marL="4114800">
+            <a:lvl9pPr marL="4114800" lvl="8" indent="-298450">
               <a:spcBef>
                 <a:spcPts val="0"/>
               </a:spcBef>
@@ -6194,15 +6222,19 @@
               <a:defRPr/>
             </a:lvl9pPr>
           </a:lstStyle>
-          <a:p/>
+          <a:p>
+            <a:endParaRPr/>
+          </a:p>
         </p:txBody>
       </p:sp>
       <p:sp>
         <p:nvSpPr>
           <p:cNvPr id="47" name="Google Shape;47;p4"/>
-          <p:cNvSpPr txBox="1"/>
+          <p:cNvSpPr txBox="1">
+            <a:spLocks noGrp="1"/>
+          </p:cNvSpPr>
           <p:nvPr>
-            <p:ph idx="12" type="sldNum"/>
+            <p:ph type="sldNum" idx="12"/>
           </p:nvPr>
         </p:nvSpPr>
         <p:spPr>
@@ -6215,7 +6247,7 @@
           </a:prstGeom>
         </p:spPr>
         <p:txBody>
-          <a:bodyPr anchorCtr="0" anchor="ctr" bIns="91425" lIns="91425" spcFirstLastPara="1" rIns="91425" wrap="square" tIns="91425">
+          <a:bodyPr spcFirstLastPara="1" wrap="square" lIns="91425" tIns="91425" rIns="91425" bIns="91425" anchor="ctr" anchorCtr="0">
             <a:normAutofit/>
           </a:bodyPr>
           <a:lstStyle>
@@ -6257,7 +6289,7 @@
             </a:lvl9pPr>
           </a:lstStyle>
           <a:p>
-            <a:pPr indent="0" lvl="0" marL="0" rtl="0" algn="r">
+            <a:pPr marL="0" lvl="0" indent="0" algn="r" rtl="0">
               <a:spcBef>
                 <a:spcPts val="0"/>
               </a:spcBef>
@@ -6268,7 +6300,7 @@
             </a:pPr>
             <a:fld id="{00000000-1234-1234-1234-123412341234}" type="slidenum">
               <a:rPr lang="it"/>
-              <a:t>‹#›</a:t>
+              <a:t>‹N›</a:t>
             </a:fld>
             <a:endParaRPr/>
           </a:p>
@@ -6283,11 +6315,11 @@
 </file>
 
 <file path=ppt/slideLayouts/slideLayout4.xml><?xml version="1.0" encoding="utf-8"?>
-<p:sldLayout xmlns:a="http://schemas.openxmlformats.org/drawingml/2006/main" xmlns:r="http://schemas.openxmlformats.org/officeDocument/2006/relationships" xmlns:mc="http://schemas.openxmlformats.org/markup-compatibility/2006" xmlns:mv="urn:schemas-microsoft-com:mac:vml" xmlns:p="http://schemas.openxmlformats.org/presentationml/2006/main" xmlns:c="http://schemas.openxmlformats.org/drawingml/2006/chart" xmlns:dgm="http://schemas.openxmlformats.org/drawingml/2006/diagram" xmlns:o="urn:schemas-microsoft-com:office:office" xmlns:v="urn:schemas-microsoft-com:vml" xmlns:pvml="urn:schemas-microsoft-com:office:powerpoint" xmlns:com="http://schemas.openxmlformats.org/drawingml/2006/compatibility" xmlns:p14="http://schemas.microsoft.com/office/powerpoint/2010/main" xmlns:p15="http://schemas.microsoft.com/office/powerpoint/2012/main" xmlns:ahyp="http://schemas.microsoft.com/office/drawing/2018/hyperlinkcolor" matchingName="Title and two columns" type="twoColTx">
+<p:sldLayout xmlns:a="http://schemas.openxmlformats.org/drawingml/2006/main" xmlns:r="http://schemas.openxmlformats.org/officeDocument/2006/relationships" xmlns:p="http://schemas.openxmlformats.org/presentationml/2006/main" matchingName="Title and two columns" type="twoColTx">
   <p:cSld name="TITLE_AND_TWO_COLUMNS">
     <p:spTree>
       <p:nvGrpSpPr>
-        <p:cNvPr id="48" name="Shape 48"/>
+        <p:cNvPr id="1" name="Shape 48"/>
         <p:cNvGrpSpPr/>
         <p:nvPr/>
       </p:nvGrpSpPr>
@@ -6326,7 +6358,7 @@
             </a:xfrm>
             <a:prstGeom prst="diagStripe">
               <a:avLst>
-                <a:gd fmla="val 50000" name="adj"/>
+                <a:gd name="adj" fmla="val 50000"/>
               </a:avLst>
             </a:prstGeom>
             <a:solidFill>
@@ -6337,12 +6369,12 @@
             </a:ln>
           </p:spPr>
           <p:txBody>
-            <a:bodyPr anchorCtr="0" anchor="ctr" bIns="91425" lIns="91425" spcFirstLastPara="1" rIns="91425" wrap="square" tIns="91425">
+            <a:bodyPr spcFirstLastPara="1" wrap="square" lIns="91425" tIns="91425" rIns="91425" bIns="91425" anchor="ctr" anchorCtr="0">
               <a:noAutofit/>
             </a:bodyPr>
             <a:lstStyle/>
             <a:p>
-              <a:pPr indent="0" lvl="0" marL="0" rtl="0" algn="l">
+              <a:pPr marL="0" lvl="0" indent="0" algn="l" rtl="0">
                 <a:spcBef>
                   <a:spcPts val="0"/>
                 </a:spcBef>
@@ -6351,9 +6383,6 @@
                 </a:spcAft>
                 <a:buNone/>
               </a:pPr>
-              <a:r>
-                <a:t/>
-              </a:r>
               <a:endParaRPr/>
             </a:p>
           </p:txBody>
@@ -6371,7 +6400,7 @@
             </a:xfrm>
             <a:prstGeom prst="diagStripe">
               <a:avLst>
-                <a:gd fmla="val 50000" name="adj"/>
+                <a:gd name="adj" fmla="val 50000"/>
               </a:avLst>
             </a:prstGeom>
             <a:solidFill>
@@ -6382,12 +6411,12 @@
             </a:ln>
           </p:spPr>
           <p:txBody>
-            <a:bodyPr anchorCtr="0" anchor="ctr" bIns="91425" lIns="91425" spcFirstLastPara="1" rIns="91425" wrap="square" tIns="91425">
+            <a:bodyPr spcFirstLastPara="1" wrap="square" lIns="91425" tIns="91425" rIns="91425" bIns="91425" anchor="ctr" anchorCtr="0">
               <a:noAutofit/>
             </a:bodyPr>
             <a:lstStyle/>
             <a:p>
-              <a:pPr indent="0" lvl="0" marL="0" rtl="0" algn="l">
+              <a:pPr marL="0" lvl="0" indent="0" algn="l" rtl="0">
                 <a:spcBef>
                   <a:spcPts val="0"/>
                 </a:spcBef>
@@ -6396,9 +6425,6 @@
                 </a:spcAft>
                 <a:buNone/>
               </a:pPr>
-              <a:r>
-                <a:t/>
-              </a:r>
               <a:endParaRPr/>
             </a:p>
           </p:txBody>
@@ -6407,7 +6433,9 @@
       <p:sp>
         <p:nvSpPr>
           <p:cNvPr id="52" name="Google Shape;52;p5"/>
-          <p:cNvSpPr txBox="1"/>
+          <p:cNvSpPr txBox="1">
+            <a:spLocks noGrp="1"/>
+          </p:cNvSpPr>
           <p:nvPr>
             <p:ph type="title"/>
           </p:nvPr>
@@ -6422,7 +6450,7 @@
           </a:prstGeom>
         </p:spPr>
         <p:txBody>
-          <a:bodyPr anchorCtr="0" anchor="t" bIns="91425" lIns="91425" spcFirstLastPara="1" rIns="91425" wrap="square" tIns="91425">
+          <a:bodyPr spcFirstLastPara="1" wrap="square" lIns="91425" tIns="91425" rIns="91425" bIns="91425" anchor="t" anchorCtr="0">
             <a:normAutofit/>
           </a:bodyPr>
           <a:lstStyle>
@@ -6526,15 +6554,19 @@
               <a:defRPr sz="2400"/>
             </a:lvl9pPr>
           </a:lstStyle>
-          <a:p/>
+          <a:p>
+            <a:endParaRPr/>
+          </a:p>
         </p:txBody>
       </p:sp>
       <p:sp>
         <p:nvSpPr>
           <p:cNvPr id="53" name="Google Shape;53;p5"/>
-          <p:cNvSpPr txBox="1"/>
+          <p:cNvSpPr txBox="1">
+            <a:spLocks noGrp="1"/>
+          </p:cNvSpPr>
           <p:nvPr>
-            <p:ph idx="1" type="body"/>
+            <p:ph type="body" idx="1"/>
           </p:nvPr>
         </p:nvSpPr>
         <p:spPr>
@@ -6547,11 +6579,11 @@
           </a:prstGeom>
         </p:spPr>
         <p:txBody>
-          <a:bodyPr anchorCtr="0" anchor="t" bIns="91425" lIns="91425" spcFirstLastPara="1" rIns="91425" wrap="square" tIns="91425">
+          <a:bodyPr spcFirstLastPara="1" wrap="square" lIns="91425" tIns="91425" rIns="91425" bIns="91425" anchor="t" anchorCtr="0">
             <a:normAutofit/>
           </a:bodyPr>
           <a:lstStyle>
-            <a:lvl1pPr indent="-311150" lvl="0" marL="457200">
+            <a:lvl1pPr marL="457200" lvl="0" indent="-311150">
               <a:spcBef>
                 <a:spcPts val="0"/>
               </a:spcBef>
@@ -6562,7 +6594,7 @@
               <a:buChar char="●"/>
               <a:defRPr/>
             </a:lvl1pPr>
-            <a:lvl2pPr indent="-298450" lvl="1" marL="914400">
+            <a:lvl2pPr marL="914400" lvl="1" indent="-298450">
               <a:spcBef>
                 <a:spcPts val="0"/>
               </a:spcBef>
@@ -6573,7 +6605,7 @@
               <a:buChar char="○"/>
               <a:defRPr/>
             </a:lvl2pPr>
-            <a:lvl3pPr indent="-298450" lvl="2" marL="1371600">
+            <a:lvl3pPr marL="1371600" lvl="2" indent="-298450">
               <a:spcBef>
                 <a:spcPts val="0"/>
               </a:spcBef>
@@ -6584,7 +6616,7 @@
               <a:buChar char="■"/>
               <a:defRPr/>
             </a:lvl3pPr>
-            <a:lvl4pPr indent="-298450" lvl="3" marL="1828800">
+            <a:lvl4pPr marL="1828800" lvl="3" indent="-298450">
               <a:spcBef>
                 <a:spcPts val="0"/>
               </a:spcBef>
@@ -6595,7 +6627,7 @@
               <a:buChar char="●"/>
               <a:defRPr/>
             </a:lvl4pPr>
-            <a:lvl5pPr indent="-298450" lvl="4" marL="2286000">
+            <a:lvl5pPr marL="2286000" lvl="4" indent="-298450">
               <a:spcBef>
                 <a:spcPts val="0"/>
               </a:spcBef>
@@ -6606,7 +6638,7 @@
               <a:buChar char="○"/>
               <a:defRPr/>
             </a:lvl5pPr>
-            <a:lvl6pPr indent="-298450" lvl="5" marL="2743200">
+            <a:lvl6pPr marL="2743200" lvl="5" indent="-298450">
               <a:spcBef>
                 <a:spcPts val="0"/>
               </a:spcBef>
@@ -6617,7 +6649,7 @@
               <a:buChar char="■"/>
               <a:defRPr/>
             </a:lvl6pPr>
-            <a:lvl7pPr indent="-298450" lvl="6" marL="3200400">
+            <a:lvl7pPr marL="3200400" lvl="6" indent="-298450">
               <a:spcBef>
                 <a:spcPts val="0"/>
               </a:spcBef>
@@ -6628,7 +6660,7 @@
               <a:buChar char="●"/>
               <a:defRPr/>
             </a:lvl7pPr>
-            <a:lvl8pPr indent="-298450" lvl="7" marL="3657600">
+            <a:lvl8pPr marL="3657600" lvl="7" indent="-298450">
               <a:spcBef>
                 <a:spcPts val="0"/>
               </a:spcBef>
@@ -6639,7 +6671,7 @@
               <a:buChar char="○"/>
               <a:defRPr/>
             </a:lvl8pPr>
-            <a:lvl9pPr indent="-298450" lvl="8" marL="4114800">
+            <a:lvl9pPr marL="4114800" lvl="8" indent="-298450">
               <a:spcBef>
                 <a:spcPts val="0"/>
               </a:spcBef>
@@ -6651,15 +6683,19 @@
               <a:defRPr/>
             </a:lvl9pPr>
           </a:lstStyle>
-          <a:p/>
+          <a:p>
+            <a:endParaRPr/>
+          </a:p>
         </p:txBody>
       </p:sp>
       <p:sp>
         <p:nvSpPr>
           <p:cNvPr id="54" name="Google Shape;54;p5"/>
-          <p:cNvSpPr txBox="1"/>
+          <p:cNvSpPr txBox="1">
+            <a:spLocks noGrp="1"/>
+          </p:cNvSpPr>
           <p:nvPr>
-            <p:ph idx="2" type="body"/>
+            <p:ph type="body" idx="2"/>
           </p:nvPr>
         </p:nvSpPr>
         <p:spPr>
@@ -6672,11 +6708,11 @@
           </a:prstGeom>
         </p:spPr>
         <p:txBody>
-          <a:bodyPr anchorCtr="0" anchor="t" bIns="91425" lIns="91425" spcFirstLastPara="1" rIns="91425" wrap="square" tIns="91425">
+          <a:bodyPr spcFirstLastPara="1" wrap="square" lIns="91425" tIns="91425" rIns="91425" bIns="91425" anchor="t" anchorCtr="0">
             <a:normAutofit/>
           </a:bodyPr>
           <a:lstStyle>
-            <a:lvl1pPr indent="-311150" lvl="0" marL="457200">
+            <a:lvl1pPr marL="457200" lvl="0" indent="-311150">
               <a:spcBef>
                 <a:spcPts val="0"/>
               </a:spcBef>
@@ -6687,7 +6723,7 @@
               <a:buChar char="●"/>
               <a:defRPr/>
             </a:lvl1pPr>
-            <a:lvl2pPr indent="-298450" lvl="1" marL="914400">
+            <a:lvl2pPr marL="914400" lvl="1" indent="-298450">
               <a:spcBef>
                 <a:spcPts val="0"/>
               </a:spcBef>
@@ -6698,7 +6734,7 @@
               <a:buChar char="○"/>
               <a:defRPr/>
             </a:lvl2pPr>
-            <a:lvl3pPr indent="-298450" lvl="2" marL="1371600">
+            <a:lvl3pPr marL="1371600" lvl="2" indent="-298450">
               <a:spcBef>
                 <a:spcPts val="0"/>
               </a:spcBef>
@@ -6709,7 +6745,7 @@
               <a:buChar char="■"/>
               <a:defRPr/>
             </a:lvl3pPr>
-            <a:lvl4pPr indent="-298450" lvl="3" marL="1828800">
+            <a:lvl4pPr marL="1828800" lvl="3" indent="-298450">
               <a:spcBef>
                 <a:spcPts val="0"/>
               </a:spcBef>
@@ -6720,7 +6756,7 @@
               <a:buChar char="●"/>
               <a:defRPr/>
             </a:lvl4pPr>
-            <a:lvl5pPr indent="-298450" lvl="4" marL="2286000">
+            <a:lvl5pPr marL="2286000" lvl="4" indent="-298450">
               <a:spcBef>
                 <a:spcPts val="0"/>
               </a:spcBef>
@@ -6731,7 +6767,7 @@
               <a:buChar char="○"/>
               <a:defRPr/>
             </a:lvl5pPr>
-            <a:lvl6pPr indent="-298450" lvl="5" marL="2743200">
+            <a:lvl6pPr marL="2743200" lvl="5" indent="-298450">
               <a:spcBef>
                 <a:spcPts val="0"/>
               </a:spcBef>
@@ -6742,7 +6778,7 @@
               <a:buChar char="■"/>
               <a:defRPr/>
             </a:lvl6pPr>
-            <a:lvl7pPr indent="-298450" lvl="6" marL="3200400">
+            <a:lvl7pPr marL="3200400" lvl="6" indent="-298450">
               <a:spcBef>
                 <a:spcPts val="0"/>
               </a:spcBef>
@@ -6753,7 +6789,7 @@
               <a:buChar char="●"/>
               <a:defRPr/>
             </a:lvl7pPr>
-            <a:lvl8pPr indent="-298450" lvl="7" marL="3657600">
+            <a:lvl8pPr marL="3657600" lvl="7" indent="-298450">
               <a:spcBef>
                 <a:spcPts val="0"/>
               </a:spcBef>
@@ -6764,7 +6800,7 @@
               <a:buChar char="○"/>
               <a:defRPr/>
             </a:lvl8pPr>
-            <a:lvl9pPr indent="-298450" lvl="8" marL="4114800">
+            <a:lvl9pPr marL="4114800" lvl="8" indent="-298450">
               <a:spcBef>
                 <a:spcPts val="0"/>
               </a:spcBef>
@@ -6776,15 +6812,19 @@
               <a:defRPr/>
             </a:lvl9pPr>
           </a:lstStyle>
-          <a:p/>
+          <a:p>
+            <a:endParaRPr/>
+          </a:p>
         </p:txBody>
       </p:sp>
       <p:sp>
         <p:nvSpPr>
           <p:cNvPr id="55" name="Google Shape;55;p5"/>
-          <p:cNvSpPr txBox="1"/>
+          <p:cNvSpPr txBox="1">
+            <a:spLocks noGrp="1"/>
+          </p:cNvSpPr>
           <p:nvPr>
-            <p:ph idx="12" type="sldNum"/>
+            <p:ph type="sldNum" idx="12"/>
           </p:nvPr>
         </p:nvSpPr>
         <p:spPr>
@@ -6797,7 +6837,7 @@
           </a:prstGeom>
         </p:spPr>
         <p:txBody>
-          <a:bodyPr anchorCtr="0" anchor="ctr" bIns="91425" lIns="91425" spcFirstLastPara="1" rIns="91425" wrap="square" tIns="91425">
+          <a:bodyPr spcFirstLastPara="1" wrap="square" lIns="91425" tIns="91425" rIns="91425" bIns="91425" anchor="ctr" anchorCtr="0">
             <a:normAutofit/>
           </a:bodyPr>
           <a:lstStyle>
@@ -6839,7 +6879,7 @@
             </a:lvl9pPr>
           </a:lstStyle>
           <a:p>
-            <a:pPr indent="0" lvl="0" marL="0" rtl="0" algn="r">
+            <a:pPr marL="0" lvl="0" indent="0" algn="r" rtl="0">
               <a:spcBef>
                 <a:spcPts val="0"/>
               </a:spcBef>
@@ -6850,7 +6890,7 @@
             </a:pPr>
             <a:fld id="{00000000-1234-1234-1234-123412341234}" type="slidenum">
               <a:rPr lang="it"/>
-              <a:t>‹#›</a:t>
+              <a:t>‹N›</a:t>
             </a:fld>
             <a:endParaRPr/>
           </a:p>
@@ -6865,11 +6905,11 @@
 </file>
 
 <file path=ppt/slideLayouts/slideLayout5.xml><?xml version="1.0" encoding="utf-8"?>
-<p:sldLayout xmlns:a="http://schemas.openxmlformats.org/drawingml/2006/main" xmlns:r="http://schemas.openxmlformats.org/officeDocument/2006/relationships" xmlns:mc="http://schemas.openxmlformats.org/markup-compatibility/2006" xmlns:mv="urn:schemas-microsoft-com:mac:vml" xmlns:p="http://schemas.openxmlformats.org/presentationml/2006/main" xmlns:c="http://schemas.openxmlformats.org/drawingml/2006/chart" xmlns:dgm="http://schemas.openxmlformats.org/drawingml/2006/diagram" xmlns:o="urn:schemas-microsoft-com:office:office" xmlns:v="urn:schemas-microsoft-com:vml" xmlns:pvml="urn:schemas-microsoft-com:office:powerpoint" xmlns:com="http://schemas.openxmlformats.org/drawingml/2006/compatibility" xmlns:p14="http://schemas.microsoft.com/office/powerpoint/2010/main" xmlns:p15="http://schemas.microsoft.com/office/powerpoint/2012/main" xmlns:ahyp="http://schemas.microsoft.com/office/drawing/2018/hyperlinkcolor" matchingName="Title only" type="titleOnly">
+<p:sldLayout xmlns:a="http://schemas.openxmlformats.org/drawingml/2006/main" xmlns:r="http://schemas.openxmlformats.org/officeDocument/2006/relationships" xmlns:p="http://schemas.openxmlformats.org/presentationml/2006/main" matchingName="Title only" type="titleOnly">
   <p:cSld name="TITLE_ONLY">
     <p:spTree>
       <p:nvGrpSpPr>
-        <p:cNvPr id="56" name="Shape 56"/>
+        <p:cNvPr id="1" name="Shape 56"/>
         <p:cNvGrpSpPr/>
         <p:nvPr/>
       </p:nvGrpSpPr>
@@ -6908,7 +6948,7 @@
             </a:xfrm>
             <a:prstGeom prst="diagStripe">
               <a:avLst>
-                <a:gd fmla="val 50000" name="adj"/>
+                <a:gd name="adj" fmla="val 50000"/>
               </a:avLst>
             </a:prstGeom>
             <a:solidFill>
@@ -6919,12 +6959,12 @@
             </a:ln>
           </p:spPr>
           <p:txBody>
-            <a:bodyPr anchorCtr="0" anchor="ctr" bIns="91425" lIns="91425" spcFirstLastPara="1" rIns="91425" wrap="square" tIns="91425">
+            <a:bodyPr spcFirstLastPara="1" wrap="square" lIns="91425" tIns="91425" rIns="91425" bIns="91425" anchor="ctr" anchorCtr="0">
               <a:noAutofit/>
             </a:bodyPr>
             <a:lstStyle/>
             <a:p>
-              <a:pPr indent="0" lvl="0" marL="0" rtl="0" algn="l">
+              <a:pPr marL="0" lvl="0" indent="0" algn="l" rtl="0">
                 <a:spcBef>
                   <a:spcPts val="0"/>
                 </a:spcBef>
@@ -6933,9 +6973,6 @@
                 </a:spcAft>
                 <a:buNone/>
               </a:pPr>
-              <a:r>
-                <a:t/>
-              </a:r>
               <a:endParaRPr/>
             </a:p>
           </p:txBody>
@@ -6953,7 +6990,7 @@
             </a:xfrm>
             <a:prstGeom prst="diagStripe">
               <a:avLst>
-                <a:gd fmla="val 50000" name="adj"/>
+                <a:gd name="adj" fmla="val 50000"/>
               </a:avLst>
             </a:prstGeom>
             <a:solidFill>
@@ -6964,12 +7001,12 @@
             </a:ln>
           </p:spPr>
           <p:txBody>
-            <a:bodyPr anchorCtr="0" anchor="ctr" bIns="91425" lIns="91425" spcFirstLastPara="1" rIns="91425" wrap="square" tIns="91425">
+            <a:bodyPr spcFirstLastPara="1" wrap="square" lIns="91425" tIns="91425" rIns="91425" bIns="91425" anchor="ctr" anchorCtr="0">
               <a:noAutofit/>
             </a:bodyPr>
             <a:lstStyle/>
             <a:p>
-              <a:pPr indent="0" lvl="0" marL="0" rtl="0" algn="l">
+              <a:pPr marL="0" lvl="0" indent="0" algn="l" rtl="0">
                 <a:spcBef>
                   <a:spcPts val="0"/>
                 </a:spcBef>
@@ -6978,9 +7015,6 @@
                 </a:spcAft>
                 <a:buNone/>
               </a:pPr>
-              <a:r>
-                <a:t/>
-              </a:r>
               <a:endParaRPr/>
             </a:p>
           </p:txBody>
@@ -6989,7 +7023,9 @@
       <p:sp>
         <p:nvSpPr>
           <p:cNvPr id="60" name="Google Shape;60;p6"/>
-          <p:cNvSpPr txBox="1"/>
+          <p:cNvSpPr txBox="1">
+            <a:spLocks noGrp="1"/>
+          </p:cNvSpPr>
           <p:nvPr>
             <p:ph type="title"/>
           </p:nvPr>
@@ -7004,7 +7040,7 @@
           </a:prstGeom>
         </p:spPr>
         <p:txBody>
-          <a:bodyPr anchorCtr="0" anchor="t" bIns="91425" lIns="91425" spcFirstLastPara="1" rIns="91425" wrap="square" tIns="91425">
+          <a:bodyPr spcFirstLastPara="1" wrap="square" lIns="91425" tIns="91425" rIns="91425" bIns="91425" anchor="t" anchorCtr="0">
             <a:normAutofit/>
           </a:bodyPr>
           <a:lstStyle>
@@ -7108,15 +7144,19 @@
               <a:defRPr sz="2400"/>
             </a:lvl9pPr>
           </a:lstStyle>
-          <a:p/>
+          <a:p>
+            <a:endParaRPr/>
+          </a:p>
         </p:txBody>
       </p:sp>
       <p:sp>
         <p:nvSpPr>
           <p:cNvPr id="61" name="Google Shape;61;p6"/>
-          <p:cNvSpPr txBox="1"/>
+          <p:cNvSpPr txBox="1">
+            <a:spLocks noGrp="1"/>
+          </p:cNvSpPr>
           <p:nvPr>
-            <p:ph idx="12" type="sldNum"/>
+            <p:ph type="sldNum" idx="12"/>
           </p:nvPr>
         </p:nvSpPr>
         <p:spPr>
@@ -7129,7 +7169,7 @@
           </a:prstGeom>
         </p:spPr>
         <p:txBody>
-          <a:bodyPr anchorCtr="0" anchor="ctr" bIns="91425" lIns="91425" spcFirstLastPara="1" rIns="91425" wrap="square" tIns="91425">
+          <a:bodyPr spcFirstLastPara="1" wrap="square" lIns="91425" tIns="91425" rIns="91425" bIns="91425" anchor="ctr" anchorCtr="0">
             <a:normAutofit/>
           </a:bodyPr>
           <a:lstStyle>
@@ -7171,7 +7211,7 @@
             </a:lvl9pPr>
           </a:lstStyle>
           <a:p>
-            <a:pPr indent="0" lvl="0" marL="0" rtl="0" algn="r">
+            <a:pPr marL="0" lvl="0" indent="0" algn="r" rtl="0">
               <a:spcBef>
                 <a:spcPts val="0"/>
               </a:spcBef>
@@ -7182,7 +7222,7 @@
             </a:pPr>
             <a:fld id="{00000000-1234-1234-1234-123412341234}" type="slidenum">
               <a:rPr lang="it"/>
-              <a:t>‹#›</a:t>
+              <a:t>‹N›</a:t>
             </a:fld>
             <a:endParaRPr/>
           </a:p>
@@ -7197,11 +7237,11 @@
 </file>
 
 <file path=ppt/slideLayouts/slideLayout6.xml><?xml version="1.0" encoding="utf-8"?>
-<p:sldLayout xmlns:a="http://schemas.openxmlformats.org/drawingml/2006/main" xmlns:r="http://schemas.openxmlformats.org/officeDocument/2006/relationships" xmlns:mc="http://schemas.openxmlformats.org/markup-compatibility/2006" xmlns:mv="urn:schemas-microsoft-com:mac:vml" xmlns:p="http://schemas.openxmlformats.org/presentationml/2006/main" xmlns:c="http://schemas.openxmlformats.org/drawingml/2006/chart" xmlns:dgm="http://schemas.openxmlformats.org/drawingml/2006/diagram" xmlns:o="urn:schemas-microsoft-com:office:office" xmlns:v="urn:schemas-microsoft-com:vml" xmlns:pvml="urn:schemas-microsoft-com:office:powerpoint" xmlns:com="http://schemas.openxmlformats.org/drawingml/2006/compatibility" xmlns:p14="http://schemas.microsoft.com/office/powerpoint/2010/main" xmlns:p15="http://schemas.microsoft.com/office/powerpoint/2012/main" xmlns:ahyp="http://schemas.microsoft.com/office/drawing/2018/hyperlinkcolor" matchingName="One column text">
+<p:sldLayout xmlns:a="http://schemas.openxmlformats.org/drawingml/2006/main" xmlns:r="http://schemas.openxmlformats.org/officeDocument/2006/relationships" xmlns:p="http://schemas.openxmlformats.org/presentationml/2006/main" matchingName="One column text">
   <p:cSld name="ONE_COLUMN_TEXT">
     <p:spTree>
       <p:nvGrpSpPr>
-        <p:cNvPr id="62" name="Shape 62"/>
+        <p:cNvPr id="1" name="Shape 62"/>
         <p:cNvGrpSpPr/>
         <p:nvPr/>
       </p:nvGrpSpPr>
@@ -7240,7 +7280,7 @@
             </a:xfrm>
             <a:prstGeom prst="diagStripe">
               <a:avLst>
-                <a:gd fmla="val 50000" name="adj"/>
+                <a:gd name="adj" fmla="val 50000"/>
               </a:avLst>
             </a:prstGeom>
             <a:solidFill>
@@ -7251,12 +7291,12 @@
             </a:ln>
           </p:spPr>
           <p:txBody>
-            <a:bodyPr anchorCtr="0" anchor="ctr" bIns="91425" lIns="91425" spcFirstLastPara="1" rIns="91425" wrap="square" tIns="91425">
+            <a:bodyPr spcFirstLastPara="1" wrap="square" lIns="91425" tIns="91425" rIns="91425" bIns="91425" anchor="ctr" anchorCtr="0">
               <a:noAutofit/>
             </a:bodyPr>
             <a:lstStyle/>
             <a:p>
-              <a:pPr indent="0" lvl="0" marL="0" rtl="0" algn="l">
+              <a:pPr marL="0" lvl="0" indent="0" algn="l" rtl="0">
                 <a:spcBef>
                   <a:spcPts val="0"/>
                 </a:spcBef>
@@ -7265,9 +7305,6 @@
                 </a:spcAft>
                 <a:buNone/>
               </a:pPr>
-              <a:r>
-                <a:t/>
-              </a:r>
               <a:endParaRPr/>
             </a:p>
           </p:txBody>
@@ -7285,7 +7322,7 @@
             </a:xfrm>
             <a:prstGeom prst="diagStripe">
               <a:avLst>
-                <a:gd fmla="val 50000" name="adj"/>
+                <a:gd name="adj" fmla="val 50000"/>
               </a:avLst>
             </a:prstGeom>
             <a:solidFill>
@@ -7296,12 +7333,12 @@
             </a:ln>
           </p:spPr>
           <p:txBody>
-            <a:bodyPr anchorCtr="0" anchor="ctr" bIns="91425" lIns="91425" spcFirstLastPara="1" rIns="91425" wrap="square" tIns="91425">
+            <a:bodyPr spcFirstLastPara="1" wrap="square" lIns="91425" tIns="91425" rIns="91425" bIns="91425" anchor="ctr" anchorCtr="0">
               <a:noAutofit/>
             </a:bodyPr>
             <a:lstStyle/>
             <a:p>
-              <a:pPr indent="0" lvl="0" marL="0" rtl="0" algn="l">
+              <a:pPr marL="0" lvl="0" indent="0" algn="l" rtl="0">
                 <a:spcBef>
                   <a:spcPts val="0"/>
                 </a:spcBef>
@@ -7310,9 +7347,6 @@
                 </a:spcAft>
                 <a:buNone/>
               </a:pPr>
-              <a:r>
-                <a:t/>
-              </a:r>
               <a:endParaRPr/>
             </a:p>
           </p:txBody>
@@ -7321,7 +7355,9 @@
       <p:sp>
         <p:nvSpPr>
           <p:cNvPr id="66" name="Google Shape;66;p7"/>
-          <p:cNvSpPr txBox="1"/>
+          <p:cNvSpPr txBox="1">
+            <a:spLocks noGrp="1"/>
+          </p:cNvSpPr>
           <p:nvPr>
             <p:ph type="title"/>
           </p:nvPr>
@@ -7336,7 +7372,7 @@
           </a:prstGeom>
         </p:spPr>
         <p:txBody>
-          <a:bodyPr anchorCtr="0" anchor="t" bIns="91425" lIns="91425" spcFirstLastPara="1" rIns="91425" wrap="square" tIns="91425">
+          <a:bodyPr spcFirstLastPara="1" wrap="square" lIns="91425" tIns="91425" rIns="91425" bIns="91425" anchor="t" anchorCtr="0">
             <a:normAutofit/>
           </a:bodyPr>
           <a:lstStyle>
@@ -7440,15 +7476,19 @@
               <a:defRPr sz="2400"/>
             </a:lvl9pPr>
           </a:lstStyle>
-          <a:p/>
+          <a:p>
+            <a:endParaRPr/>
+          </a:p>
         </p:txBody>
       </p:sp>
       <p:sp>
         <p:nvSpPr>
           <p:cNvPr id="67" name="Google Shape;67;p7"/>
-          <p:cNvSpPr txBox="1"/>
+          <p:cNvSpPr txBox="1">
+            <a:spLocks noGrp="1"/>
+          </p:cNvSpPr>
           <p:nvPr>
-            <p:ph idx="1" type="body"/>
+            <p:ph type="body" idx="1"/>
           </p:nvPr>
         </p:nvSpPr>
         <p:spPr>
@@ -7461,11 +7501,11 @@
           </a:prstGeom>
         </p:spPr>
         <p:txBody>
-          <a:bodyPr anchorCtr="0" anchor="t" bIns="91425" lIns="91425" spcFirstLastPara="1" rIns="91425" wrap="square" tIns="91425">
+          <a:bodyPr spcFirstLastPara="1" wrap="square" lIns="91425" tIns="91425" rIns="91425" bIns="91425" anchor="t" anchorCtr="0">
             <a:normAutofit/>
           </a:bodyPr>
           <a:lstStyle>
-            <a:lvl1pPr indent="-311150" lvl="0" marL="457200">
+            <a:lvl1pPr marL="457200" lvl="0" indent="-311150">
               <a:spcBef>
                 <a:spcPts val="0"/>
               </a:spcBef>
@@ -7476,7 +7516,7 @@
               <a:buChar char="●"/>
               <a:defRPr/>
             </a:lvl1pPr>
-            <a:lvl2pPr indent="-298450" lvl="1" marL="914400">
+            <a:lvl2pPr marL="914400" lvl="1" indent="-298450">
               <a:spcBef>
                 <a:spcPts val="0"/>
               </a:spcBef>
@@ -7487,7 +7527,7 @@
               <a:buChar char="○"/>
               <a:defRPr/>
             </a:lvl2pPr>
-            <a:lvl3pPr indent="-298450" lvl="2" marL="1371600">
+            <a:lvl3pPr marL="1371600" lvl="2" indent="-298450">
               <a:spcBef>
                 <a:spcPts val="0"/>
               </a:spcBef>
@@ -7498,7 +7538,7 @@
               <a:buChar char="■"/>
               <a:defRPr/>
             </a:lvl3pPr>
-            <a:lvl4pPr indent="-298450" lvl="3" marL="1828800">
+            <a:lvl4pPr marL="1828800" lvl="3" indent="-298450">
               <a:spcBef>
                 <a:spcPts val="0"/>
               </a:spcBef>
@@ -7509,7 +7549,7 @@
               <a:buChar char="●"/>
               <a:defRPr/>
             </a:lvl4pPr>
-            <a:lvl5pPr indent="-298450" lvl="4" marL="2286000">
+            <a:lvl5pPr marL="2286000" lvl="4" indent="-298450">
               <a:spcBef>
                 <a:spcPts val="0"/>
               </a:spcBef>
@@ -7520,7 +7560,7 @@
               <a:buChar char="○"/>
               <a:defRPr/>
             </a:lvl5pPr>
-            <a:lvl6pPr indent="-298450" lvl="5" marL="2743200">
+            <a:lvl6pPr marL="2743200" lvl="5" indent="-298450">
               <a:spcBef>
                 <a:spcPts val="0"/>
               </a:spcBef>
@@ -7531,7 +7571,7 @@
               <a:buChar char="■"/>
               <a:defRPr/>
             </a:lvl6pPr>
-            <a:lvl7pPr indent="-298450" lvl="6" marL="3200400">
+            <a:lvl7pPr marL="3200400" lvl="6" indent="-298450">
               <a:spcBef>
                 <a:spcPts val="0"/>
               </a:spcBef>
@@ -7542,7 +7582,7 @@
               <a:buChar char="●"/>
               <a:defRPr/>
             </a:lvl7pPr>
-            <a:lvl8pPr indent="-298450" lvl="7" marL="3657600">
+            <a:lvl8pPr marL="3657600" lvl="7" indent="-298450">
               <a:spcBef>
                 <a:spcPts val="0"/>
               </a:spcBef>
@@ -7553,7 +7593,7 @@
               <a:buChar char="○"/>
               <a:defRPr/>
             </a:lvl8pPr>
-            <a:lvl9pPr indent="-298450" lvl="8" marL="4114800">
+            <a:lvl9pPr marL="4114800" lvl="8" indent="-298450">
               <a:spcBef>
                 <a:spcPts val="0"/>
               </a:spcBef>
@@ -7565,15 +7605,19 @@
               <a:defRPr/>
             </a:lvl9pPr>
           </a:lstStyle>
-          <a:p/>
+          <a:p>
+            <a:endParaRPr/>
+          </a:p>
         </p:txBody>
       </p:sp>
       <p:sp>
         <p:nvSpPr>
           <p:cNvPr id="68" name="Google Shape;68;p7"/>
-          <p:cNvSpPr txBox="1"/>
+          <p:cNvSpPr txBox="1">
+            <a:spLocks noGrp="1"/>
+          </p:cNvSpPr>
           <p:nvPr>
-            <p:ph idx="12" type="sldNum"/>
+            <p:ph type="sldNum" idx="12"/>
           </p:nvPr>
         </p:nvSpPr>
         <p:spPr>
@@ -7586,7 +7630,7 @@
           </a:prstGeom>
         </p:spPr>
         <p:txBody>
-          <a:bodyPr anchorCtr="0" anchor="ctr" bIns="91425" lIns="91425" spcFirstLastPara="1" rIns="91425" wrap="square" tIns="91425">
+          <a:bodyPr spcFirstLastPara="1" wrap="square" lIns="91425" tIns="91425" rIns="91425" bIns="91425" anchor="ctr" anchorCtr="0">
             <a:normAutofit/>
           </a:bodyPr>
           <a:lstStyle>
@@ -7628,7 +7672,7 @@
             </a:lvl9pPr>
           </a:lstStyle>
           <a:p>
-            <a:pPr indent="0" lvl="0" marL="0" rtl="0" algn="r">
+            <a:pPr marL="0" lvl="0" indent="0" algn="r" rtl="0">
               <a:spcBef>
                 <a:spcPts val="0"/>
               </a:spcBef>
@@ -7639,7 +7683,7 @@
             </a:pPr>
             <a:fld id="{00000000-1234-1234-1234-123412341234}" type="slidenum">
               <a:rPr lang="it"/>
-              <a:t>‹#›</a:t>
+              <a:t>‹N›</a:t>
             </a:fld>
             <a:endParaRPr/>
           </a:p>
@@ -7654,11 +7698,11 @@
 </file>
 
 <file path=ppt/slideLayouts/slideLayout7.xml><?xml version="1.0" encoding="utf-8"?>
-<p:sldLayout xmlns:a="http://schemas.openxmlformats.org/drawingml/2006/main" xmlns:r="http://schemas.openxmlformats.org/officeDocument/2006/relationships" xmlns:mc="http://schemas.openxmlformats.org/markup-compatibility/2006" xmlns:mv="urn:schemas-microsoft-com:mac:vml" xmlns:p="http://schemas.openxmlformats.org/presentationml/2006/main" xmlns:c="http://schemas.openxmlformats.org/drawingml/2006/chart" xmlns:dgm="http://schemas.openxmlformats.org/drawingml/2006/diagram" xmlns:o="urn:schemas-microsoft-com:office:office" xmlns:v="urn:schemas-microsoft-com:vml" xmlns:pvml="urn:schemas-microsoft-com:office:powerpoint" xmlns:com="http://schemas.openxmlformats.org/drawingml/2006/compatibility" xmlns:p14="http://schemas.microsoft.com/office/powerpoint/2010/main" xmlns:p15="http://schemas.microsoft.com/office/powerpoint/2012/main" xmlns:ahyp="http://schemas.microsoft.com/office/drawing/2018/hyperlinkcolor" matchingName="Main point">
+<p:sldLayout xmlns:a="http://schemas.openxmlformats.org/drawingml/2006/main" xmlns:r="http://schemas.openxmlformats.org/officeDocument/2006/relationships" xmlns:p="http://schemas.openxmlformats.org/presentationml/2006/main" matchingName="Main point">
   <p:cSld name="MAIN_POINT">
     <p:spTree>
       <p:nvGrpSpPr>
-        <p:cNvPr id="69" name="Shape 69"/>
+        <p:cNvPr id="1" name="Shape 69"/>
         <p:cNvGrpSpPr/>
         <p:nvPr/>
       </p:nvGrpSpPr>
@@ -7697,7 +7741,7 @@
             </a:xfrm>
             <a:prstGeom prst="diagStripe">
               <a:avLst>
-                <a:gd fmla="val 49469" name="adj"/>
+                <a:gd name="adj" fmla="val 49469"/>
               </a:avLst>
             </a:prstGeom>
             <a:solidFill>
@@ -7710,12 +7754,12 @@
             </a:ln>
           </p:spPr>
           <p:txBody>
-            <a:bodyPr anchorCtr="0" anchor="ctr" bIns="91425" lIns="91425" spcFirstLastPara="1" rIns="91425" wrap="square" tIns="91425">
+            <a:bodyPr spcFirstLastPara="1" wrap="square" lIns="91425" tIns="91425" rIns="91425" bIns="91425" anchor="ctr" anchorCtr="0">
               <a:noAutofit/>
             </a:bodyPr>
             <a:lstStyle/>
             <a:p>
-              <a:pPr indent="0" lvl="0" marL="0" rtl="0" algn="l">
+              <a:pPr marL="0" lvl="0" indent="0" algn="l" rtl="0">
                 <a:spcBef>
                   <a:spcPts val="0"/>
                 </a:spcBef>
@@ -7724,9 +7768,6 @@
                 </a:spcAft>
                 <a:buNone/>
               </a:pPr>
-              <a:r>
-                <a:t/>
-              </a:r>
               <a:endParaRPr/>
             </a:p>
           </p:txBody>
@@ -7744,7 +7785,7 @@
             </a:xfrm>
             <a:prstGeom prst="diagStripe">
               <a:avLst>
-                <a:gd fmla="val 0" name="adj"/>
+                <a:gd name="adj" fmla="val 0"/>
               </a:avLst>
             </a:prstGeom>
             <a:solidFill>
@@ -7757,12 +7798,12 @@
             </a:ln>
           </p:spPr>
           <p:txBody>
-            <a:bodyPr anchorCtr="0" anchor="ctr" bIns="91425" lIns="91425" spcFirstLastPara="1" rIns="91425" wrap="square" tIns="91425">
+            <a:bodyPr spcFirstLastPara="1" wrap="square" lIns="91425" tIns="91425" rIns="91425" bIns="91425" anchor="ctr" anchorCtr="0">
               <a:noAutofit/>
             </a:bodyPr>
             <a:lstStyle/>
             <a:p>
-              <a:pPr indent="0" lvl="0" marL="0" rtl="0" algn="l">
+              <a:pPr marL="0" lvl="0" indent="0" algn="l" rtl="0">
                 <a:spcBef>
                   <a:spcPts val="0"/>
                 </a:spcBef>
@@ -7771,9 +7812,6 @@
                 </a:spcAft>
                 <a:buNone/>
               </a:pPr>
-              <a:r>
-                <a:t/>
-              </a:r>
               <a:endParaRPr/>
             </a:p>
           </p:txBody>
@@ -7791,7 +7829,7 @@
             </a:xfrm>
             <a:prstGeom prst="diagStripe">
               <a:avLst>
-                <a:gd fmla="val 50000" name="adj"/>
+                <a:gd name="adj" fmla="val 50000"/>
               </a:avLst>
             </a:prstGeom>
             <a:solidFill>
@@ -7804,12 +7842,12 @@
             </a:ln>
           </p:spPr>
           <p:txBody>
-            <a:bodyPr anchorCtr="0" anchor="ctr" bIns="91425" lIns="91425" spcFirstLastPara="1" rIns="91425" wrap="square" tIns="91425">
+            <a:bodyPr spcFirstLastPara="1" wrap="square" lIns="91425" tIns="91425" rIns="91425" bIns="91425" anchor="ctr" anchorCtr="0">
               <a:noAutofit/>
             </a:bodyPr>
             <a:lstStyle/>
             <a:p>
-              <a:pPr indent="0" lvl="0" marL="0" rtl="0" algn="l">
+              <a:pPr marL="0" lvl="0" indent="0" algn="l" rtl="0">
                 <a:spcBef>
                   <a:spcPts val="0"/>
                 </a:spcBef>
@@ -7818,9 +7856,6 @@
                 </a:spcAft>
                 <a:buNone/>
               </a:pPr>
-              <a:r>
-                <a:t/>
-              </a:r>
               <a:endParaRPr/>
             </a:p>
           </p:txBody>
@@ -7838,7 +7873,7 @@
             </a:xfrm>
             <a:prstGeom prst="diagStripe">
               <a:avLst>
-                <a:gd fmla="val 50000" name="adj"/>
+                <a:gd name="adj" fmla="val 50000"/>
               </a:avLst>
             </a:prstGeom>
             <a:solidFill>
@@ -7851,12 +7886,12 @@
             </a:ln>
           </p:spPr>
           <p:txBody>
-            <a:bodyPr anchorCtr="0" anchor="ctr" bIns="91425" lIns="91425" spcFirstLastPara="1" rIns="91425" wrap="square" tIns="91425">
+            <a:bodyPr spcFirstLastPara="1" wrap="square" lIns="91425" tIns="91425" rIns="91425" bIns="91425" anchor="ctr" anchorCtr="0">
               <a:noAutofit/>
             </a:bodyPr>
             <a:lstStyle/>
             <a:p>
-              <a:pPr indent="0" lvl="0" marL="0" rtl="0" algn="l">
+              <a:pPr marL="0" lvl="0" indent="0" algn="l" rtl="0">
                 <a:spcBef>
                   <a:spcPts val="0"/>
                 </a:spcBef>
@@ -7865,9 +7900,6 @@
                 </a:spcAft>
                 <a:buNone/>
               </a:pPr>
-              <a:r>
-                <a:t/>
-              </a:r>
               <a:endParaRPr/>
             </a:p>
           </p:txBody>
@@ -7885,7 +7917,7 @@
             </a:xfrm>
             <a:prstGeom prst="diagStripe">
               <a:avLst>
-                <a:gd fmla="val 50000" name="adj"/>
+                <a:gd name="adj" fmla="val 50000"/>
               </a:avLst>
             </a:prstGeom>
             <a:solidFill>
@@ -7898,12 +7930,12 @@
             </a:ln>
           </p:spPr>
           <p:txBody>
-            <a:bodyPr anchorCtr="0" anchor="ctr" bIns="91425" lIns="91425" spcFirstLastPara="1" rIns="91425" wrap="square" tIns="91425">
+            <a:bodyPr spcFirstLastPara="1" wrap="square" lIns="91425" tIns="91425" rIns="91425" bIns="91425" anchor="ctr" anchorCtr="0">
               <a:noAutofit/>
             </a:bodyPr>
             <a:lstStyle/>
             <a:p>
-              <a:pPr indent="0" lvl="0" marL="0" rtl="0" algn="l">
+              <a:pPr marL="0" lvl="0" indent="0" algn="l" rtl="0">
                 <a:spcBef>
                   <a:spcPts val="0"/>
                 </a:spcBef>
@@ -7912,9 +7944,6 @@
                 </a:spcAft>
                 <a:buNone/>
               </a:pPr>
-              <a:r>
-                <a:t/>
-              </a:r>
               <a:endParaRPr/>
             </a:p>
           </p:txBody>
@@ -7932,7 +7961,7 @@
             </a:xfrm>
             <a:prstGeom prst="diagStripe">
               <a:avLst>
-                <a:gd fmla="val 50000" name="adj"/>
+                <a:gd name="adj" fmla="val 50000"/>
               </a:avLst>
             </a:prstGeom>
             <a:solidFill>
@@ -7945,12 +7974,12 @@
             </a:ln>
           </p:spPr>
           <p:txBody>
-            <a:bodyPr anchorCtr="0" anchor="ctr" bIns="91425" lIns="91425" spcFirstLastPara="1" rIns="91425" wrap="square" tIns="91425">
+            <a:bodyPr spcFirstLastPara="1" wrap="square" lIns="91425" tIns="91425" rIns="91425" bIns="91425" anchor="ctr" anchorCtr="0">
               <a:noAutofit/>
             </a:bodyPr>
             <a:lstStyle/>
             <a:p>
-              <a:pPr indent="0" lvl="0" marL="0" rtl="0" algn="l">
+              <a:pPr marL="0" lvl="0" indent="0" algn="l" rtl="0">
                 <a:spcBef>
                   <a:spcPts val="0"/>
                 </a:spcBef>
@@ -7959,9 +7988,6 @@
                 </a:spcAft>
                 <a:buNone/>
               </a:pPr>
-              <a:r>
-                <a:t/>
-              </a:r>
               <a:endParaRPr/>
             </a:p>
           </p:txBody>
@@ -7979,7 +8005,7 @@
             </a:xfrm>
             <a:prstGeom prst="diagStripe">
               <a:avLst>
-                <a:gd fmla="val 50000" name="adj"/>
+                <a:gd name="adj" fmla="val 50000"/>
               </a:avLst>
             </a:prstGeom>
             <a:solidFill>
@@ -7992,12 +8018,12 @@
             </a:ln>
           </p:spPr>
           <p:txBody>
-            <a:bodyPr anchorCtr="0" anchor="ctr" bIns="91425" lIns="91425" spcFirstLastPara="1" rIns="91425" wrap="square" tIns="91425">
+            <a:bodyPr spcFirstLastPara="1" wrap="square" lIns="91425" tIns="91425" rIns="91425" bIns="91425" anchor="ctr" anchorCtr="0">
               <a:noAutofit/>
             </a:bodyPr>
             <a:lstStyle/>
             <a:p>
-              <a:pPr indent="0" lvl="0" marL="0" rtl="0" algn="l">
+              <a:pPr marL="0" lvl="0" indent="0" algn="l" rtl="0">
                 <a:spcBef>
                   <a:spcPts val="0"/>
                 </a:spcBef>
@@ -8006,9 +8032,6 @@
                 </a:spcAft>
                 <a:buNone/>
               </a:pPr>
-              <a:r>
-                <a:t/>
-              </a:r>
               <a:endParaRPr/>
             </a:p>
           </p:txBody>
@@ -8026,7 +8049,7 @@
             </a:xfrm>
             <a:prstGeom prst="diagStripe">
               <a:avLst>
-                <a:gd fmla="val 50000" name="adj"/>
+                <a:gd name="adj" fmla="val 50000"/>
               </a:avLst>
             </a:prstGeom>
             <a:solidFill>
@@ -8037,12 +8060,12 @@
             </a:ln>
           </p:spPr>
           <p:txBody>
-            <a:bodyPr anchorCtr="0" anchor="ctr" bIns="91425" lIns="91425" spcFirstLastPara="1" rIns="91425" wrap="square" tIns="91425">
+            <a:bodyPr spcFirstLastPara="1" wrap="square" lIns="91425" tIns="91425" rIns="91425" bIns="91425" anchor="ctr" anchorCtr="0">
               <a:noAutofit/>
             </a:bodyPr>
             <a:lstStyle/>
             <a:p>
-              <a:pPr indent="0" lvl="0" marL="0" rtl="0" algn="l">
+              <a:pPr marL="0" lvl="0" indent="0" algn="l" rtl="0">
                 <a:spcBef>
                   <a:spcPts val="0"/>
                 </a:spcBef>
@@ -8051,9 +8074,6 @@
                 </a:spcAft>
                 <a:buNone/>
               </a:pPr>
-              <a:r>
-                <a:t/>
-              </a:r>
               <a:endParaRPr/>
             </a:p>
           </p:txBody>
@@ -8071,7 +8091,7 @@
             </a:xfrm>
             <a:prstGeom prst="diagStripe">
               <a:avLst>
-                <a:gd fmla="val 50000" name="adj"/>
+                <a:gd name="adj" fmla="val 50000"/>
               </a:avLst>
             </a:prstGeom>
             <a:solidFill>
@@ -8084,12 +8104,12 @@
             </a:ln>
           </p:spPr>
           <p:txBody>
-            <a:bodyPr anchorCtr="0" anchor="ctr" bIns="91425" lIns="91425" spcFirstLastPara="1" rIns="91425" wrap="square" tIns="91425">
+            <a:bodyPr spcFirstLastPara="1" wrap="square" lIns="91425" tIns="91425" rIns="91425" bIns="91425" anchor="ctr" anchorCtr="0">
               <a:noAutofit/>
             </a:bodyPr>
             <a:lstStyle/>
             <a:p>
-              <a:pPr indent="0" lvl="0" marL="0" rtl="0" algn="l">
+              <a:pPr marL="0" lvl="0" indent="0" algn="l" rtl="0">
                 <a:spcBef>
                   <a:spcPts val="0"/>
                 </a:spcBef>
@@ -8098,9 +8118,6 @@
                 </a:spcAft>
                 <a:buNone/>
               </a:pPr>
-              <a:r>
-                <a:t/>
-              </a:r>
               <a:endParaRPr/>
             </a:p>
           </p:txBody>
@@ -8118,7 +8135,7 @@
             </a:xfrm>
             <a:prstGeom prst="diagStripe">
               <a:avLst>
-                <a:gd fmla="val 50000" name="adj"/>
+                <a:gd name="adj" fmla="val 50000"/>
               </a:avLst>
             </a:prstGeom>
             <a:solidFill>
@@ -8131,12 +8148,12 @@
             </a:ln>
           </p:spPr>
           <p:txBody>
-            <a:bodyPr anchorCtr="0" anchor="ctr" bIns="91425" lIns="91425" spcFirstLastPara="1" rIns="91425" wrap="square" tIns="91425">
+            <a:bodyPr spcFirstLastPara="1" wrap="square" lIns="91425" tIns="91425" rIns="91425" bIns="91425" anchor="ctr" anchorCtr="0">
               <a:noAutofit/>
             </a:bodyPr>
             <a:lstStyle/>
             <a:p>
-              <a:pPr indent="0" lvl="0" marL="0" rtl="0" algn="l">
+              <a:pPr marL="0" lvl="0" indent="0" algn="l" rtl="0">
                 <a:spcBef>
                   <a:spcPts val="0"/>
                 </a:spcBef>
@@ -8145,9 +8162,6 @@
                 </a:spcAft>
                 <a:buNone/>
               </a:pPr>
-              <a:r>
-                <a:t/>
-              </a:r>
               <a:endParaRPr/>
             </a:p>
           </p:txBody>
@@ -8165,7 +8179,7 @@
             </a:xfrm>
             <a:prstGeom prst="diagStripe">
               <a:avLst>
-                <a:gd fmla="val 50000" name="adj"/>
+                <a:gd name="adj" fmla="val 50000"/>
               </a:avLst>
             </a:prstGeom>
             <a:solidFill>
@@ -8178,12 +8192,12 @@
             </a:ln>
           </p:spPr>
           <p:txBody>
-            <a:bodyPr anchorCtr="0" anchor="ctr" bIns="91425" lIns="91425" spcFirstLastPara="1" rIns="91425" wrap="square" tIns="91425">
+            <a:bodyPr spcFirstLastPara="1" wrap="square" lIns="91425" tIns="91425" rIns="91425" bIns="91425" anchor="ctr" anchorCtr="0">
               <a:noAutofit/>
             </a:bodyPr>
             <a:lstStyle/>
             <a:p>
-              <a:pPr indent="0" lvl="0" marL="0" rtl="0" algn="l">
+              <a:pPr marL="0" lvl="0" indent="0" algn="l" rtl="0">
                 <a:spcBef>
                   <a:spcPts val="0"/>
                 </a:spcBef>
@@ -8192,9 +8206,6 @@
                 </a:spcAft>
                 <a:buNone/>
               </a:pPr>
-              <a:r>
-                <a:t/>
-              </a:r>
               <a:endParaRPr/>
             </a:p>
           </p:txBody>
@@ -8212,7 +8223,7 @@
             </a:xfrm>
             <a:prstGeom prst="diagStripe">
               <a:avLst>
-                <a:gd fmla="val 50000" name="adj"/>
+                <a:gd name="adj" fmla="val 50000"/>
               </a:avLst>
             </a:prstGeom>
             <a:solidFill>
@@ -8225,12 +8236,12 @@
             </a:ln>
           </p:spPr>
           <p:txBody>
-            <a:bodyPr anchorCtr="0" anchor="ctr" bIns="91425" lIns="91425" spcFirstLastPara="1" rIns="91425" wrap="square" tIns="91425">
+            <a:bodyPr spcFirstLastPara="1" wrap="square" lIns="91425" tIns="91425" rIns="91425" bIns="91425" anchor="ctr" anchorCtr="0">
               <a:noAutofit/>
             </a:bodyPr>
             <a:lstStyle/>
             <a:p>
-              <a:pPr indent="0" lvl="0" marL="0" rtl="0" algn="l">
+              <a:pPr marL="0" lvl="0" indent="0" algn="l" rtl="0">
                 <a:spcBef>
                   <a:spcPts val="0"/>
                 </a:spcBef>
@@ -8239,9 +8250,6 @@
                 </a:spcAft>
                 <a:buNone/>
               </a:pPr>
-              <a:r>
-                <a:t/>
-              </a:r>
               <a:endParaRPr/>
             </a:p>
           </p:txBody>
@@ -8259,7 +8267,7 @@
             </a:xfrm>
             <a:prstGeom prst="diagStripe">
               <a:avLst>
-                <a:gd fmla="val 50000" name="adj"/>
+                <a:gd name="adj" fmla="val 50000"/>
               </a:avLst>
             </a:prstGeom>
             <a:solidFill>
@@ -8272,12 +8280,12 @@
             </a:ln>
           </p:spPr>
           <p:txBody>
-            <a:bodyPr anchorCtr="0" anchor="ctr" bIns="91425" lIns="91425" spcFirstLastPara="1" rIns="91425" wrap="square" tIns="91425">
+            <a:bodyPr spcFirstLastPara="1" wrap="square" lIns="91425" tIns="91425" rIns="91425" bIns="91425" anchor="ctr" anchorCtr="0">
               <a:noAutofit/>
             </a:bodyPr>
             <a:lstStyle/>
             <a:p>
-              <a:pPr indent="0" lvl="0" marL="0" rtl="0" algn="l">
+              <a:pPr marL="0" lvl="0" indent="0" algn="l" rtl="0">
                 <a:spcBef>
                   <a:spcPts val="0"/>
                 </a:spcBef>
@@ -8286,9 +8294,6 @@
                 </a:spcAft>
                 <a:buNone/>
               </a:pPr>
-              <a:r>
-                <a:t/>
-              </a:r>
               <a:endParaRPr/>
             </a:p>
           </p:txBody>
@@ -8306,7 +8311,7 @@
             </a:xfrm>
             <a:prstGeom prst="diagStripe">
               <a:avLst>
-                <a:gd fmla="val 50000" name="adj"/>
+                <a:gd name="adj" fmla="val 50000"/>
               </a:avLst>
             </a:prstGeom>
             <a:solidFill>
@@ -8317,12 +8322,12 @@
             </a:ln>
           </p:spPr>
           <p:txBody>
-            <a:bodyPr anchorCtr="0" anchor="ctr" bIns="91425" lIns="91425" spcFirstLastPara="1" rIns="91425" wrap="square" tIns="91425">
+            <a:bodyPr spcFirstLastPara="1" wrap="square" lIns="91425" tIns="91425" rIns="91425" bIns="91425" anchor="ctr" anchorCtr="0">
               <a:noAutofit/>
             </a:bodyPr>
             <a:lstStyle/>
             <a:p>
-              <a:pPr indent="0" lvl="0" marL="0" rtl="0" algn="l">
+              <a:pPr marL="0" lvl="0" indent="0" algn="l" rtl="0">
                 <a:spcBef>
                   <a:spcPts val="0"/>
                 </a:spcBef>
@@ -8331,9 +8336,6 @@
                 </a:spcAft>
                 <a:buNone/>
               </a:pPr>
-              <a:r>
-                <a:t/>
-              </a:r>
               <a:endParaRPr/>
             </a:p>
           </p:txBody>
@@ -8351,7 +8353,7 @@
             </a:xfrm>
             <a:prstGeom prst="diagStripe">
               <a:avLst>
-                <a:gd fmla="val 50000" name="adj"/>
+                <a:gd name="adj" fmla="val 50000"/>
               </a:avLst>
             </a:prstGeom>
             <a:solidFill>
@@ -8364,12 +8366,12 @@
             </a:ln>
           </p:spPr>
           <p:txBody>
-            <a:bodyPr anchorCtr="0" anchor="ctr" bIns="91425" lIns="91425" spcFirstLastPara="1" rIns="91425" wrap="square" tIns="91425">
+            <a:bodyPr spcFirstLastPara="1" wrap="square" lIns="91425" tIns="91425" rIns="91425" bIns="91425" anchor="ctr" anchorCtr="0">
               <a:noAutofit/>
             </a:bodyPr>
             <a:lstStyle/>
             <a:p>
-              <a:pPr indent="0" lvl="0" marL="0" rtl="0" algn="l">
+              <a:pPr marL="0" lvl="0" indent="0" algn="l" rtl="0">
                 <a:spcBef>
                   <a:spcPts val="0"/>
                 </a:spcBef>
@@ -8378,9 +8380,6 @@
                 </a:spcAft>
                 <a:buNone/>
               </a:pPr>
-              <a:r>
-                <a:t/>
-              </a:r>
               <a:endParaRPr/>
             </a:p>
           </p:txBody>
@@ -8398,7 +8397,7 @@
             </a:xfrm>
             <a:prstGeom prst="diagStripe">
               <a:avLst>
-                <a:gd fmla="val 50000" name="adj"/>
+                <a:gd name="adj" fmla="val 50000"/>
               </a:avLst>
             </a:prstGeom>
             <a:solidFill>
@@ -8411,12 +8410,12 @@
             </a:ln>
           </p:spPr>
           <p:txBody>
-            <a:bodyPr anchorCtr="0" anchor="ctr" bIns="91425" lIns="91425" spcFirstLastPara="1" rIns="91425" wrap="square" tIns="91425">
+            <a:bodyPr spcFirstLastPara="1" wrap="square" lIns="91425" tIns="91425" rIns="91425" bIns="91425" anchor="ctr" anchorCtr="0">
               <a:noAutofit/>
             </a:bodyPr>
             <a:lstStyle/>
             <a:p>
-              <a:pPr indent="0" lvl="0" marL="0" rtl="0" algn="l">
+              <a:pPr marL="0" lvl="0" indent="0" algn="l" rtl="0">
                 <a:spcBef>
                   <a:spcPts val="0"/>
                 </a:spcBef>
@@ -8425,9 +8424,6 @@
                 </a:spcAft>
                 <a:buNone/>
               </a:pPr>
-              <a:r>
-                <a:t/>
-              </a:r>
               <a:endParaRPr/>
             </a:p>
           </p:txBody>
@@ -8445,7 +8441,7 @@
             </a:xfrm>
             <a:prstGeom prst="diagStripe">
               <a:avLst>
-                <a:gd fmla="val 50000" name="adj"/>
+                <a:gd name="adj" fmla="val 50000"/>
               </a:avLst>
             </a:prstGeom>
             <a:solidFill>
@@ -8458,12 +8454,12 @@
             </a:ln>
           </p:spPr>
           <p:txBody>
-            <a:bodyPr anchorCtr="0" anchor="ctr" bIns="91425" lIns="91425" spcFirstLastPara="1" rIns="91425" wrap="square" tIns="91425">
+            <a:bodyPr spcFirstLastPara="1" wrap="square" lIns="91425" tIns="91425" rIns="91425" bIns="91425" anchor="ctr" anchorCtr="0">
               <a:noAutofit/>
             </a:bodyPr>
             <a:lstStyle/>
             <a:p>
-              <a:pPr indent="0" lvl="0" marL="0" rtl="0" algn="l">
+              <a:pPr marL="0" lvl="0" indent="0" algn="l" rtl="0">
                 <a:spcBef>
                   <a:spcPts val="0"/>
                 </a:spcBef>
@@ -8472,9 +8468,6 @@
                 </a:spcAft>
                 <a:buNone/>
               </a:pPr>
-              <a:r>
-                <a:t/>
-              </a:r>
               <a:endParaRPr/>
             </a:p>
           </p:txBody>
@@ -8492,7 +8485,7 @@
             </a:xfrm>
             <a:prstGeom prst="diagStripe">
               <a:avLst>
-                <a:gd fmla="val 50000" name="adj"/>
+                <a:gd name="adj" fmla="val 50000"/>
               </a:avLst>
             </a:prstGeom>
             <a:solidFill>
@@ -8505,12 +8498,12 @@
             </a:ln>
           </p:spPr>
           <p:txBody>
-            <a:bodyPr anchorCtr="0" anchor="ctr" bIns="91425" lIns="91425" spcFirstLastPara="1" rIns="91425" wrap="square" tIns="91425">
+            <a:bodyPr spcFirstLastPara="1" wrap="square" lIns="91425" tIns="91425" rIns="91425" bIns="91425" anchor="ctr" anchorCtr="0">
               <a:noAutofit/>
             </a:bodyPr>
             <a:lstStyle/>
             <a:p>
-              <a:pPr indent="0" lvl="0" marL="0" rtl="0" algn="l">
+              <a:pPr marL="0" lvl="0" indent="0" algn="l" rtl="0">
                 <a:spcBef>
                   <a:spcPts val="0"/>
                 </a:spcBef>
@@ -8519,9 +8512,6 @@
                 </a:spcAft>
                 <a:buNone/>
               </a:pPr>
-              <a:r>
-                <a:t/>
-              </a:r>
               <a:endParaRPr/>
             </a:p>
           </p:txBody>
@@ -8530,7 +8520,9 @@
       <p:sp>
         <p:nvSpPr>
           <p:cNvPr id="89" name="Google Shape;89;p8"/>
-          <p:cNvSpPr txBox="1"/>
+          <p:cNvSpPr txBox="1">
+            <a:spLocks noGrp="1"/>
+          </p:cNvSpPr>
           <p:nvPr>
             <p:ph type="title"/>
           </p:nvPr>
@@ -8545,7 +8537,7 @@
           </a:prstGeom>
         </p:spPr>
         <p:txBody>
-          <a:bodyPr anchorCtr="0" anchor="ctr" bIns="91425" lIns="91425" spcFirstLastPara="1" rIns="91425" wrap="square" tIns="91425">
+          <a:bodyPr spcFirstLastPara="1" wrap="square" lIns="91425" tIns="91425" rIns="91425" bIns="91425" anchor="ctr" anchorCtr="0">
             <a:normAutofit/>
           </a:bodyPr>
           <a:lstStyle>
@@ -8649,15 +8641,19 @@
               <a:defRPr/>
             </a:lvl9pPr>
           </a:lstStyle>
-          <a:p/>
+          <a:p>
+            <a:endParaRPr/>
+          </a:p>
         </p:txBody>
       </p:sp>
       <p:sp>
         <p:nvSpPr>
           <p:cNvPr id="90" name="Google Shape;90;p8"/>
-          <p:cNvSpPr txBox="1"/>
+          <p:cNvSpPr txBox="1">
+            <a:spLocks noGrp="1"/>
+          </p:cNvSpPr>
           <p:nvPr>
-            <p:ph idx="12" type="sldNum"/>
+            <p:ph type="sldNum" idx="12"/>
           </p:nvPr>
         </p:nvSpPr>
         <p:spPr>
@@ -8670,7 +8666,7 @@
           </a:prstGeom>
         </p:spPr>
         <p:txBody>
-          <a:bodyPr anchorCtr="0" anchor="ctr" bIns="91425" lIns="91425" spcFirstLastPara="1" rIns="91425" wrap="square" tIns="91425">
+          <a:bodyPr spcFirstLastPara="1" wrap="square" lIns="91425" tIns="91425" rIns="91425" bIns="91425" anchor="ctr" anchorCtr="0">
             <a:normAutofit/>
           </a:bodyPr>
           <a:lstStyle>
@@ -8712,7 +8708,7 @@
             </a:lvl9pPr>
           </a:lstStyle>
           <a:p>
-            <a:pPr indent="0" lvl="0" marL="0" rtl="0" algn="r">
+            <a:pPr marL="0" lvl="0" indent="0" algn="r" rtl="0">
               <a:spcBef>
                 <a:spcPts val="0"/>
               </a:spcBef>
@@ -8723,7 +8719,7 @@
             </a:pPr>
             <a:fld id="{00000000-1234-1234-1234-123412341234}" type="slidenum">
               <a:rPr lang="it"/>
-              <a:t>‹#›</a:t>
+              <a:t>‹N›</a:t>
             </a:fld>
             <a:endParaRPr/>
           </a:p>
@@ -8738,11 +8734,11 @@
 </file>
 
 <file path=ppt/slideLayouts/slideLayout8.xml><?xml version="1.0" encoding="utf-8"?>
-<p:sldLayout xmlns:a="http://schemas.openxmlformats.org/drawingml/2006/main" xmlns:r="http://schemas.openxmlformats.org/officeDocument/2006/relationships" xmlns:mc="http://schemas.openxmlformats.org/markup-compatibility/2006" xmlns:mv="urn:schemas-microsoft-com:mac:vml" xmlns:p="http://schemas.openxmlformats.org/presentationml/2006/main" xmlns:c="http://schemas.openxmlformats.org/drawingml/2006/chart" xmlns:dgm="http://schemas.openxmlformats.org/drawingml/2006/diagram" xmlns:o="urn:schemas-microsoft-com:office:office" xmlns:v="urn:schemas-microsoft-com:vml" xmlns:pvml="urn:schemas-microsoft-com:office:powerpoint" xmlns:com="http://schemas.openxmlformats.org/drawingml/2006/compatibility" xmlns:p14="http://schemas.microsoft.com/office/powerpoint/2010/main" xmlns:p15="http://schemas.microsoft.com/office/powerpoint/2012/main" xmlns:ahyp="http://schemas.microsoft.com/office/drawing/2018/hyperlinkcolor" matchingName="Section title and description">
+<p:sldLayout xmlns:a="http://schemas.openxmlformats.org/drawingml/2006/main" xmlns:r="http://schemas.openxmlformats.org/officeDocument/2006/relationships" xmlns:p="http://schemas.openxmlformats.org/presentationml/2006/main" matchingName="Section title and description">
   <p:cSld name="SECTION_TITLE_AND_DESCRIPTION">
     <p:spTree>
       <p:nvGrpSpPr>
-        <p:cNvPr id="91" name="Shape 91"/>
+        <p:cNvPr id="1" name="Shape 91"/>
         <p:cNvGrpSpPr/>
         <p:nvPr/>
       </p:nvGrpSpPr>
@@ -8781,7 +8777,7 @@
             </a:xfrm>
             <a:prstGeom prst="diagStripe">
               <a:avLst>
-                <a:gd fmla="val 50000" name="adj"/>
+                <a:gd name="adj" fmla="val 50000"/>
               </a:avLst>
             </a:prstGeom>
             <a:solidFill>
@@ -8792,12 +8788,12 @@
             </a:ln>
           </p:spPr>
           <p:txBody>
-            <a:bodyPr anchorCtr="0" anchor="ctr" bIns="91425" lIns="91425" spcFirstLastPara="1" rIns="91425" wrap="square" tIns="91425">
+            <a:bodyPr spcFirstLastPara="1" wrap="square" lIns="91425" tIns="91425" rIns="91425" bIns="91425" anchor="ctr" anchorCtr="0">
               <a:noAutofit/>
             </a:bodyPr>
             <a:lstStyle/>
             <a:p>
-              <a:pPr indent="0" lvl="0" marL="0" rtl="0" algn="l">
+              <a:pPr marL="0" lvl="0" indent="0" algn="l" rtl="0">
                 <a:spcBef>
                   <a:spcPts val="0"/>
                 </a:spcBef>
@@ -8806,9 +8802,6 @@
                 </a:spcAft>
                 <a:buNone/>
               </a:pPr>
-              <a:r>
-                <a:t/>
-              </a:r>
               <a:endParaRPr/>
             </a:p>
           </p:txBody>
@@ -8826,7 +8819,7 @@
             </a:xfrm>
             <a:prstGeom prst="diagStripe">
               <a:avLst>
-                <a:gd fmla="val 50000" name="adj"/>
+                <a:gd name="adj" fmla="val 50000"/>
               </a:avLst>
             </a:prstGeom>
             <a:solidFill>
@@ -8837,12 +8830,12 @@
             </a:ln>
           </p:spPr>
           <p:txBody>
-            <a:bodyPr anchorCtr="0" anchor="ctr" bIns="91425" lIns="91425" spcFirstLastPara="1" rIns="91425" wrap="square" tIns="91425">
+            <a:bodyPr spcFirstLastPara="1" wrap="square" lIns="91425" tIns="91425" rIns="91425" bIns="91425" anchor="ctr" anchorCtr="0">
               <a:noAutofit/>
             </a:bodyPr>
             <a:lstStyle/>
             <a:p>
-              <a:pPr indent="0" lvl="0" marL="0" rtl="0" algn="l">
+              <a:pPr marL="0" lvl="0" indent="0" algn="l" rtl="0">
                 <a:spcBef>
                   <a:spcPts val="0"/>
                 </a:spcBef>
@@ -8851,9 +8844,6 @@
                 </a:spcAft>
                 <a:buNone/>
               </a:pPr>
-              <a:r>
-                <a:t/>
-              </a:r>
               <a:endParaRPr/>
             </a:p>
           </p:txBody>
@@ -8862,7 +8852,9 @@
       <p:sp>
         <p:nvSpPr>
           <p:cNvPr id="95" name="Google Shape;95;p9"/>
-          <p:cNvSpPr txBox="1"/>
+          <p:cNvSpPr txBox="1">
+            <a:spLocks noGrp="1"/>
+          </p:cNvSpPr>
           <p:nvPr>
             <p:ph type="title"/>
           </p:nvPr>
@@ -8877,7 +8869,7 @@
           </a:prstGeom>
         </p:spPr>
         <p:txBody>
-          <a:bodyPr anchorCtr="0" anchor="t" bIns="91425" lIns="91425" spcFirstLastPara="1" rIns="91425" wrap="square" tIns="91425">
+          <a:bodyPr spcFirstLastPara="1" wrap="square" lIns="91425" tIns="91425" rIns="91425" bIns="91425" anchor="t" anchorCtr="0">
             <a:normAutofit/>
           </a:bodyPr>
           <a:lstStyle>
@@ -8981,15 +8973,19 @@
               <a:defRPr sz="2400"/>
             </a:lvl9pPr>
           </a:lstStyle>
-          <a:p/>
+          <a:p>
+            <a:endParaRPr/>
+          </a:p>
         </p:txBody>
       </p:sp>
       <p:sp>
         <p:nvSpPr>
           <p:cNvPr id="96" name="Google Shape;96;p9"/>
-          <p:cNvSpPr txBox="1"/>
+          <p:cNvSpPr txBox="1">
+            <a:spLocks noGrp="1"/>
+          </p:cNvSpPr>
           <p:nvPr>
-            <p:ph idx="1" type="subTitle"/>
+            <p:ph type="subTitle" idx="1"/>
           </p:nvPr>
         </p:nvSpPr>
         <p:spPr>
@@ -9002,7 +8998,7 @@
           </a:prstGeom>
         </p:spPr>
         <p:txBody>
-          <a:bodyPr anchorCtr="0" anchor="t" bIns="91425" lIns="91425" spcFirstLastPara="1" rIns="91425" wrap="square" tIns="91425">
+          <a:bodyPr spcFirstLastPara="1" wrap="square" lIns="91425" tIns="91425" rIns="91425" bIns="91425" anchor="t" anchorCtr="0">
             <a:normAutofit/>
           </a:bodyPr>
           <a:lstStyle>
@@ -9133,15 +9129,19 @@
               <a:defRPr sz="1300"/>
             </a:lvl9pPr>
           </a:lstStyle>
-          <a:p/>
+          <a:p>
+            <a:endParaRPr/>
+          </a:p>
         </p:txBody>
       </p:sp>
       <p:sp>
         <p:nvSpPr>
           <p:cNvPr id="97" name="Google Shape;97;p9"/>
-          <p:cNvSpPr txBox="1"/>
+          <p:cNvSpPr txBox="1">
+            <a:spLocks noGrp="1"/>
+          </p:cNvSpPr>
           <p:nvPr>
-            <p:ph idx="2" type="body"/>
+            <p:ph type="body" idx="2"/>
           </p:nvPr>
         </p:nvSpPr>
         <p:spPr>
@@ -9154,11 +9154,11 @@
           </a:prstGeom>
         </p:spPr>
         <p:txBody>
-          <a:bodyPr anchorCtr="0" anchor="t" bIns="91425" lIns="91425" spcFirstLastPara="1" rIns="91425" wrap="square" tIns="91425">
+          <a:bodyPr spcFirstLastPara="1" wrap="square" lIns="91425" tIns="91425" rIns="91425" bIns="91425" anchor="t" anchorCtr="0">
             <a:normAutofit/>
           </a:bodyPr>
           <a:lstStyle>
-            <a:lvl1pPr indent="-311150" lvl="0" marL="457200">
+            <a:lvl1pPr marL="457200" lvl="0" indent="-311150">
               <a:spcBef>
                 <a:spcPts val="0"/>
               </a:spcBef>
@@ -9169,7 +9169,7 @@
               <a:buChar char="●"/>
               <a:defRPr/>
             </a:lvl1pPr>
-            <a:lvl2pPr indent="-298450" lvl="1" marL="914400">
+            <a:lvl2pPr marL="914400" lvl="1" indent="-298450">
               <a:spcBef>
                 <a:spcPts val="0"/>
               </a:spcBef>
@@ -9180,7 +9180,7 @@
               <a:buChar char="○"/>
               <a:defRPr/>
             </a:lvl2pPr>
-            <a:lvl3pPr indent="-298450" lvl="2" marL="1371600">
+            <a:lvl3pPr marL="1371600" lvl="2" indent="-298450">
               <a:spcBef>
                 <a:spcPts val="0"/>
               </a:spcBef>
@@ -9191,7 +9191,7 @@
               <a:buChar char="■"/>
               <a:defRPr/>
             </a:lvl3pPr>
-            <a:lvl4pPr indent="-298450" lvl="3" marL="1828800">
+            <a:lvl4pPr marL="1828800" lvl="3" indent="-298450">
               <a:spcBef>
                 <a:spcPts val="0"/>
               </a:spcBef>
@@ -9202,7 +9202,7 @@
               <a:buChar char="●"/>
               <a:defRPr/>
             </a:lvl4pPr>
-            <a:lvl5pPr indent="-298450" lvl="4" marL="2286000">
+            <a:lvl5pPr marL="2286000" lvl="4" indent="-298450">
               <a:spcBef>
                 <a:spcPts val="0"/>
               </a:spcBef>
@@ -9213,7 +9213,7 @@
               <a:buChar char="○"/>
               <a:defRPr/>
             </a:lvl5pPr>
-            <a:lvl6pPr indent="-298450" lvl="5" marL="2743200">
+            <a:lvl6pPr marL="2743200" lvl="5" indent="-298450">
               <a:spcBef>
                 <a:spcPts val="0"/>
               </a:spcBef>
@@ -9224,7 +9224,7 @@
               <a:buChar char="■"/>
               <a:defRPr/>
             </a:lvl6pPr>
-            <a:lvl7pPr indent="-298450" lvl="6" marL="3200400">
+            <a:lvl7pPr marL="3200400" lvl="6" indent="-298450">
               <a:spcBef>
                 <a:spcPts val="0"/>
               </a:spcBef>
@@ -9235,7 +9235,7 @@
               <a:buChar char="●"/>
               <a:defRPr/>
             </a:lvl7pPr>
-            <a:lvl8pPr indent="-298450" lvl="7" marL="3657600">
+            <a:lvl8pPr marL="3657600" lvl="7" indent="-298450">
               <a:spcBef>
                 <a:spcPts val="0"/>
               </a:spcBef>
@@ -9246,7 +9246,7 @@
               <a:buChar char="○"/>
               <a:defRPr/>
             </a:lvl8pPr>
-            <a:lvl9pPr indent="-298450" lvl="8" marL="4114800">
+            <a:lvl9pPr marL="4114800" lvl="8" indent="-298450">
               <a:spcBef>
                 <a:spcPts val="0"/>
               </a:spcBef>
@@ -9258,15 +9258,19 @@
               <a:defRPr/>
             </a:lvl9pPr>
           </a:lstStyle>
-          <a:p/>
+          <a:p>
+            <a:endParaRPr/>
+          </a:p>
         </p:txBody>
       </p:sp>
       <p:sp>
         <p:nvSpPr>
           <p:cNvPr id="98" name="Google Shape;98;p9"/>
-          <p:cNvSpPr txBox="1"/>
+          <p:cNvSpPr txBox="1">
+            <a:spLocks noGrp="1"/>
+          </p:cNvSpPr>
           <p:nvPr>
-            <p:ph idx="12" type="sldNum"/>
+            <p:ph type="sldNum" idx="12"/>
           </p:nvPr>
         </p:nvSpPr>
         <p:spPr>
@@ -9279,7 +9283,7 @@
           </a:prstGeom>
         </p:spPr>
         <p:txBody>
-          <a:bodyPr anchorCtr="0" anchor="ctr" bIns="91425" lIns="91425" spcFirstLastPara="1" rIns="91425" wrap="square" tIns="91425">
+          <a:bodyPr spcFirstLastPara="1" wrap="square" lIns="91425" tIns="91425" rIns="91425" bIns="91425" anchor="ctr" anchorCtr="0">
             <a:normAutofit/>
           </a:bodyPr>
           <a:lstStyle>
@@ -9321,7 +9325,7 @@
             </a:lvl9pPr>
           </a:lstStyle>
           <a:p>
-            <a:pPr indent="0" lvl="0" marL="0" rtl="0" algn="r">
+            <a:pPr marL="0" lvl="0" indent="0" algn="r" rtl="0">
               <a:spcBef>
                 <a:spcPts val="0"/>
               </a:spcBef>
@@ -9332,7 +9336,7 @@
             </a:pPr>
             <a:fld id="{00000000-1234-1234-1234-123412341234}" type="slidenum">
               <a:rPr lang="it"/>
-              <a:t>‹#›</a:t>
+              <a:t>‹N›</a:t>
             </a:fld>
             <a:endParaRPr/>
           </a:p>
@@ -9347,11 +9351,11 @@
 </file>
 
 <file path=ppt/slideLayouts/slideLayout9.xml><?xml version="1.0" encoding="utf-8"?>
-<p:sldLayout xmlns:a="http://schemas.openxmlformats.org/drawingml/2006/main" xmlns:r="http://schemas.openxmlformats.org/officeDocument/2006/relationships" xmlns:mc="http://schemas.openxmlformats.org/markup-compatibility/2006" xmlns:mv="urn:schemas-microsoft-com:mac:vml" xmlns:p="http://schemas.openxmlformats.org/presentationml/2006/main" xmlns:c="http://schemas.openxmlformats.org/drawingml/2006/chart" xmlns:dgm="http://schemas.openxmlformats.org/drawingml/2006/diagram" xmlns:o="urn:schemas-microsoft-com:office:office" xmlns:v="urn:schemas-microsoft-com:vml" xmlns:pvml="urn:schemas-microsoft-com:office:powerpoint" xmlns:com="http://schemas.openxmlformats.org/drawingml/2006/compatibility" xmlns:p14="http://schemas.microsoft.com/office/powerpoint/2010/main" xmlns:p15="http://schemas.microsoft.com/office/powerpoint/2012/main" xmlns:ahyp="http://schemas.microsoft.com/office/drawing/2018/hyperlinkcolor" matchingName="Caption">
+<p:sldLayout xmlns:a="http://schemas.openxmlformats.org/drawingml/2006/main" xmlns:r="http://schemas.openxmlformats.org/officeDocument/2006/relationships" xmlns:p="http://schemas.openxmlformats.org/presentationml/2006/main" matchingName="Caption">
   <p:cSld name="CAPTION_ONLY">
     <p:spTree>
       <p:nvGrpSpPr>
-        <p:cNvPr id="99" name="Shape 99"/>
+        <p:cNvPr id="1" name="Shape 99"/>
         <p:cNvGrpSpPr/>
         <p:nvPr/>
       </p:nvGrpSpPr>
@@ -9390,7 +9394,7 @@
             </a:xfrm>
             <a:prstGeom prst="diagStripe">
               <a:avLst>
-                <a:gd fmla="val 50000" name="adj"/>
+                <a:gd name="adj" fmla="val 50000"/>
               </a:avLst>
             </a:prstGeom>
             <a:solidFill>
@@ -9403,12 +9407,12 @@
             </a:ln>
           </p:spPr>
           <p:txBody>
-            <a:bodyPr anchorCtr="0" anchor="ctr" bIns="91425" lIns="91425" spcFirstLastPara="1" rIns="91425" wrap="square" tIns="91425">
+            <a:bodyPr spcFirstLastPara="1" wrap="square" lIns="91425" tIns="91425" rIns="91425" bIns="91425" anchor="ctr" anchorCtr="0">
               <a:noAutofit/>
             </a:bodyPr>
             <a:lstStyle/>
             <a:p>
-              <a:pPr indent="0" lvl="0" marL="0" rtl="0" algn="l">
+              <a:pPr marL="0" lvl="0" indent="0" algn="l" rtl="0">
                 <a:spcBef>
                   <a:spcPts val="0"/>
                 </a:spcBef>
@@ -9417,9 +9421,6 @@
                 </a:spcAft>
                 <a:buNone/>
               </a:pPr>
-              <a:r>
-                <a:t/>
-              </a:r>
               <a:endParaRPr/>
             </a:p>
           </p:txBody>
@@ -9437,7 +9438,7 @@
             </a:xfrm>
             <a:prstGeom prst="diagStripe">
               <a:avLst>
-                <a:gd fmla="val 50000" name="adj"/>
+                <a:gd name="adj" fmla="val 50000"/>
               </a:avLst>
             </a:prstGeom>
             <a:solidFill>
@@ -9450,12 +9451,12 @@
             </a:ln>
           </p:spPr>
           <p:txBody>
-            <a:bodyPr anchorCtr="0" anchor="ctr" bIns="91425" lIns="91425" spcFirstLastPara="1" rIns="91425" wrap="square" tIns="91425">
+            <a:bodyPr spcFirstLastPara="1" wrap="square" lIns="91425" tIns="91425" rIns="91425" bIns="91425" anchor="ctr" anchorCtr="0">
               <a:noAutofit/>
             </a:bodyPr>
             <a:lstStyle/>
             <a:p>
-              <a:pPr indent="0" lvl="0" marL="0" rtl="0" algn="l">
+              <a:pPr marL="0" lvl="0" indent="0" algn="l" rtl="0">
                 <a:spcBef>
                   <a:spcPts val="0"/>
                 </a:spcBef>
@@ -9464,9 +9465,6 @@
                 </a:spcAft>
                 <a:buNone/>
               </a:pPr>
-              <a:r>
-                <a:t/>
-              </a:r>
               <a:endParaRPr/>
             </a:p>
           </p:txBody>
@@ -9475,9 +9473,11 @@
       <p:sp>
         <p:nvSpPr>
           <p:cNvPr id="103" name="Google Shape;103;p10"/>
-          <p:cNvSpPr txBox="1"/>
+          <p:cNvSpPr txBox="1">
+            <a:spLocks noGrp="1"/>
+          </p:cNvSpPr>
           <p:nvPr>
-            <p:ph idx="1" type="body"/>
+            <p:ph type="body" idx="1"/>
           </p:nvPr>
         </p:nvSpPr>
         <p:spPr>
@@ -9490,11 +9490,11 @@
           </a:prstGeom>
         </p:spPr>
         <p:txBody>
-          <a:bodyPr anchorCtr="0" anchor="ctr" bIns="91425" lIns="91425" spcFirstLastPara="1" rIns="91425" wrap="square" tIns="91425">
+          <a:bodyPr spcFirstLastPara="1" wrap="square" lIns="91425" tIns="91425" rIns="91425" bIns="91425" anchor="ctr" anchorCtr="0">
             <a:normAutofit/>
           </a:bodyPr>
           <a:lstStyle>
-            <a:lvl1pPr indent="-228600" lvl="0" marL="457200">
+            <a:lvl1pPr marL="457200" lvl="0" indent="-228600">
               <a:lnSpc>
                 <a:spcPct val="100000"/>
               </a:lnSpc>
@@ -9509,15 +9509,19 @@
               <a:defRPr/>
             </a:lvl1pPr>
           </a:lstStyle>
-          <a:p/>
+          <a:p>
+            <a:endParaRPr/>
+          </a:p>
         </p:txBody>
       </p:sp>
       <p:sp>
         <p:nvSpPr>
           <p:cNvPr id="104" name="Google Shape;104;p10"/>
-          <p:cNvSpPr txBox="1"/>
+          <p:cNvSpPr txBox="1">
+            <a:spLocks noGrp="1"/>
+          </p:cNvSpPr>
           <p:nvPr>
-            <p:ph idx="12" type="sldNum"/>
+            <p:ph type="sldNum" idx="12"/>
           </p:nvPr>
         </p:nvSpPr>
         <p:spPr>
@@ -9530,7 +9534,7 @@
           </a:prstGeom>
         </p:spPr>
         <p:txBody>
-          <a:bodyPr anchorCtr="0" anchor="ctr" bIns="91425" lIns="91425" spcFirstLastPara="1" rIns="91425" wrap="square" tIns="91425">
+          <a:bodyPr spcFirstLastPara="1" wrap="square" lIns="91425" tIns="91425" rIns="91425" bIns="91425" anchor="ctr" anchorCtr="0">
             <a:normAutofit/>
           </a:bodyPr>
           <a:lstStyle>
@@ -9572,7 +9576,7 @@
             </a:lvl9pPr>
           </a:lstStyle>
           <a:p>
-            <a:pPr indent="0" lvl="0" marL="0" rtl="0" algn="r">
+            <a:pPr marL="0" lvl="0" indent="0" algn="r" rtl="0">
               <a:spcBef>
                 <a:spcPts val="0"/>
               </a:spcBef>
@@ -9583,7 +9587,7 @@
             </a:pPr>
             <a:fld id="{00000000-1234-1234-1234-123412341234}" type="slidenum">
               <a:rPr lang="it"/>
-              <a:t>‹#›</a:t>
+              <a:t>‹N›</a:t>
             </a:fld>
             <a:endParaRPr/>
           </a:p>
@@ -9598,18 +9602,19 @@
 </file>
 
 <file path=ppt/slideMasters/slideMaster1.xml><?xml version="1.0" encoding="utf-8"?>
-<p:sldMaster xmlns:a="http://schemas.openxmlformats.org/drawingml/2006/main" xmlns:r="http://schemas.openxmlformats.org/officeDocument/2006/relationships" xmlns:mc="http://schemas.openxmlformats.org/markup-compatibility/2006" xmlns:mv="urn:schemas-microsoft-com:mac:vml" xmlns:p="http://schemas.openxmlformats.org/presentationml/2006/main" xmlns:c="http://schemas.openxmlformats.org/drawingml/2006/chart" xmlns:dgm="http://schemas.openxmlformats.org/drawingml/2006/diagram" xmlns:o="urn:schemas-microsoft-com:office:office" xmlns:v="urn:schemas-microsoft-com:vml" xmlns:pvml="urn:schemas-microsoft-com:office:powerpoint" xmlns:com="http://schemas.openxmlformats.org/drawingml/2006/compatibility" xmlns:p14="http://schemas.microsoft.com/office/powerpoint/2010/main" xmlns:p15="http://schemas.microsoft.com/office/powerpoint/2012/main" xmlns:ahyp="http://schemas.microsoft.com/office/drawing/2018/hyperlinkcolor">
+<p:sldMaster xmlns:a="http://schemas.openxmlformats.org/drawingml/2006/main" xmlns:r="http://schemas.openxmlformats.org/officeDocument/2006/relationships" xmlns:p="http://schemas.openxmlformats.org/presentationml/2006/main">
   <p:cSld name="focus">
     <p:bg>
       <p:bgPr>
         <a:solidFill>
           <a:schemeClr val="dk1"/>
         </a:solidFill>
+        <a:effectLst/>
       </p:bgPr>
     </p:bg>
     <p:spTree>
       <p:nvGrpSpPr>
-        <p:cNvPr id="5" name="Shape 5"/>
+        <p:cNvPr id="1" name="Shape 5"/>
         <p:cNvGrpSpPr/>
         <p:nvPr/>
       </p:nvGrpSpPr>
@@ -9624,7 +9629,9 @@
       <p:sp>
         <p:nvSpPr>
           <p:cNvPr id="6" name="Google Shape;6;p1"/>
-          <p:cNvSpPr txBox="1"/>
+          <p:cNvSpPr txBox="1">
+            <a:spLocks noGrp="1"/>
+          </p:cNvSpPr>
           <p:nvPr>
             <p:ph type="title"/>
           </p:nvPr>
@@ -9643,7 +9650,7 @@
           </a:ln>
         </p:spPr>
         <p:txBody>
-          <a:bodyPr anchorCtr="0" anchor="t" bIns="91425" lIns="91425" spcFirstLastPara="1" rIns="91425" wrap="square" tIns="91425">
+          <a:bodyPr spcFirstLastPara="1" wrap="square" lIns="91425" tIns="91425" rIns="91425" bIns="91425" anchor="t" anchorCtr="0">
             <a:normAutofit/>
           </a:bodyPr>
           <a:lstStyle>
@@ -9855,15 +9862,19 @@
               </a:defRPr>
             </a:lvl9pPr>
           </a:lstStyle>
-          <a:p/>
+          <a:p>
+            <a:endParaRPr/>
+          </a:p>
         </p:txBody>
       </p:sp>
       <p:sp>
         <p:nvSpPr>
           <p:cNvPr id="7" name="Google Shape;7;p1"/>
-          <p:cNvSpPr txBox="1"/>
+          <p:cNvSpPr txBox="1">
+            <a:spLocks noGrp="1"/>
+          </p:cNvSpPr>
           <p:nvPr>
-            <p:ph idx="1" type="body"/>
+            <p:ph type="body" idx="1"/>
           </p:nvPr>
         </p:nvSpPr>
         <p:spPr>
@@ -9880,11 +9891,11 @@
           </a:ln>
         </p:spPr>
         <p:txBody>
-          <a:bodyPr anchorCtr="0" anchor="t" bIns="91425" lIns="91425" spcFirstLastPara="1" rIns="91425" wrap="square" tIns="91425">
+          <a:bodyPr spcFirstLastPara="1" wrap="square" lIns="91425" tIns="91425" rIns="91425" bIns="91425" anchor="t" anchorCtr="0">
             <a:normAutofit/>
           </a:bodyPr>
           <a:lstStyle>
-            <a:lvl1pPr indent="-311150" lvl="0" marL="457200">
+            <a:lvl1pPr marL="457200" lvl="0" indent="-311150">
               <a:lnSpc>
                 <a:spcPct val="115000"/>
               </a:lnSpc>
@@ -9910,7 +9921,7 @@
                 <a:sym typeface="Lato"/>
               </a:defRPr>
             </a:lvl1pPr>
-            <a:lvl2pPr indent="-298450" lvl="1" marL="914400">
+            <a:lvl2pPr marL="914400" lvl="1" indent="-298450">
               <a:lnSpc>
                 <a:spcPct val="115000"/>
               </a:lnSpc>
@@ -9936,7 +9947,7 @@
                 <a:sym typeface="Lato"/>
               </a:defRPr>
             </a:lvl2pPr>
-            <a:lvl3pPr indent="-298450" lvl="2" marL="1371600">
+            <a:lvl3pPr marL="1371600" lvl="2" indent="-298450">
               <a:lnSpc>
                 <a:spcPct val="115000"/>
               </a:lnSpc>
@@ -9962,7 +9973,7 @@
                 <a:sym typeface="Lato"/>
               </a:defRPr>
             </a:lvl3pPr>
-            <a:lvl4pPr indent="-298450" lvl="3" marL="1828800">
+            <a:lvl4pPr marL="1828800" lvl="3" indent="-298450">
               <a:lnSpc>
                 <a:spcPct val="115000"/>
               </a:lnSpc>
@@ -9988,7 +9999,7 @@
                 <a:sym typeface="Lato"/>
               </a:defRPr>
             </a:lvl4pPr>
-            <a:lvl5pPr indent="-298450" lvl="4" marL="2286000">
+            <a:lvl5pPr marL="2286000" lvl="4" indent="-298450">
               <a:lnSpc>
                 <a:spcPct val="115000"/>
               </a:lnSpc>
@@ -10014,7 +10025,7 @@
                 <a:sym typeface="Lato"/>
               </a:defRPr>
             </a:lvl5pPr>
-            <a:lvl6pPr indent="-298450" lvl="5" marL="2743200">
+            <a:lvl6pPr marL="2743200" lvl="5" indent="-298450">
               <a:lnSpc>
                 <a:spcPct val="115000"/>
               </a:lnSpc>
@@ -10040,7 +10051,7 @@
                 <a:sym typeface="Lato"/>
               </a:defRPr>
             </a:lvl6pPr>
-            <a:lvl7pPr indent="-298450" lvl="6" marL="3200400">
+            <a:lvl7pPr marL="3200400" lvl="6" indent="-298450">
               <a:lnSpc>
                 <a:spcPct val="115000"/>
               </a:lnSpc>
@@ -10066,7 +10077,7 @@
                 <a:sym typeface="Lato"/>
               </a:defRPr>
             </a:lvl7pPr>
-            <a:lvl8pPr indent="-298450" lvl="7" marL="3657600">
+            <a:lvl8pPr marL="3657600" lvl="7" indent="-298450">
               <a:lnSpc>
                 <a:spcPct val="115000"/>
               </a:lnSpc>
@@ -10092,7 +10103,7 @@
                 <a:sym typeface="Lato"/>
               </a:defRPr>
             </a:lvl8pPr>
-            <a:lvl9pPr indent="-298450" lvl="8" marL="4114800">
+            <a:lvl9pPr marL="4114800" lvl="8" indent="-298450">
               <a:lnSpc>
                 <a:spcPct val="115000"/>
               </a:lnSpc>
@@ -10119,15 +10130,19 @@
               </a:defRPr>
             </a:lvl9pPr>
           </a:lstStyle>
-          <a:p/>
+          <a:p>
+            <a:endParaRPr/>
+          </a:p>
         </p:txBody>
       </p:sp>
       <p:sp>
         <p:nvSpPr>
           <p:cNvPr id="8" name="Google Shape;8;p1"/>
-          <p:cNvSpPr txBox="1"/>
+          <p:cNvSpPr txBox="1">
+            <a:spLocks noGrp="1"/>
+          </p:cNvSpPr>
           <p:nvPr>
-            <p:ph idx="12" type="sldNum"/>
+            <p:ph type="sldNum" idx="12"/>
           </p:nvPr>
         </p:nvSpPr>
         <p:spPr>
@@ -10144,7 +10159,7 @@
           </a:ln>
         </p:spPr>
         <p:txBody>
-          <a:bodyPr anchorCtr="0" anchor="ctr" bIns="91425" lIns="91425" spcFirstLastPara="1" rIns="91425" wrap="square" tIns="91425">
+          <a:bodyPr spcFirstLastPara="1" wrap="square" lIns="91425" tIns="91425" rIns="91425" bIns="91425" anchor="ctr" anchorCtr="0">
             <a:normAutofit/>
           </a:bodyPr>
           <a:lstStyle>
@@ -10258,7 +10273,7 @@
             </a:lvl9pPr>
           </a:lstStyle>
           <a:p>
-            <a:pPr indent="0" lvl="0" marL="0" rtl="0" algn="r">
+            <a:pPr marL="0" lvl="0" indent="0" algn="r" rtl="0">
               <a:spcBef>
                 <a:spcPts val="0"/>
               </a:spcBef>
@@ -10269,7 +10284,7 @@
             </a:pPr>
             <a:fld id="{00000000-1234-1234-1234-123412341234}" type="slidenum">
               <a:rPr lang="it"/>
-              <a:t>‹#›</a:t>
+              <a:t>‹N›</a:t>
             </a:fld>
             <a:endParaRPr/>
           </a:p>
@@ -10277,7 +10292,7 @@
       </p:sp>
     </p:spTree>
   </p:cSld>
-  <p:clrMap accent1="accent1" accent2="accent2" accent3="accent3" accent4="accent4" accent5="accent5" accent6="accent6" bg1="lt1" bg2="dk2" tx1="dk1" tx2="lt2" folHlink="folHlink" hlink="hlink"/>
+  <p:clrMap bg1="lt1" tx1="dk1" bg2="dk2" tx2="lt2" accent1="accent1" accent2="accent2" accent3="accent3" accent4="accent4" accent5="accent5" accent6="accent6" hlink="hlink" folHlink="folHlink"/>
   <p:sldLayoutIdLst>
     <p:sldLayoutId id="2147483648" r:id="rId1"/>
     <p:sldLayoutId id="2147483649" r:id="rId2"/>
@@ -10291,10 +10306,10 @@
     <p:sldLayoutId id="2147483657" r:id="rId10"/>
     <p:sldLayoutId id="2147483658" r:id="rId11"/>
   </p:sldLayoutIdLst>
-  <p:hf dt="0" ftr="0" hdr="0" sldNum="0"/>
+  <p:hf sldNum="0" hdr="0" ftr="0" dt="0"/>
   <p:txStyles>
     <p:titleStyle>
-      <a:defPPr lvl="0" marR="0" rtl="0" algn="l">
+      <a:defPPr marR="0" lvl="0" algn="l" rtl="0">
         <a:lnSpc>
           <a:spcPct val="100000"/>
         </a:lnSpc>
@@ -10305,7 +10320,7 @@
           <a:spcPts val="0"/>
         </a:spcAft>
       </a:defPPr>
-      <a:lvl1pPr lvl="0" marR="0" rtl="0" algn="l">
+      <a:lvl1pPr marR="0" lvl="0" algn="l" rtl="0">
         <a:lnSpc>
           <a:spcPct val="100000"/>
         </a:lnSpc>
@@ -10319,7 +10334,7 @@
           <a:srgbClr val="000000"/>
         </a:buClr>
         <a:buFont typeface="Arial"/>
-        <a:defRPr b="0" i="0" sz="1400" u="none" cap="none" strike="noStrike">
+        <a:defRPr sz="1400" b="0" i="0" u="none" strike="noStrike" cap="none">
           <a:solidFill>
             <a:srgbClr val="000000"/>
           </a:solidFill>
@@ -10329,7 +10344,7 @@
           <a:sym typeface="Arial"/>
         </a:defRPr>
       </a:lvl1pPr>
-      <a:lvl2pPr lvl="1" marR="0" rtl="0" algn="l">
+      <a:lvl2pPr marR="0" lvl="1" algn="l" rtl="0">
         <a:lnSpc>
           <a:spcPct val="100000"/>
         </a:lnSpc>
@@ -10343,7 +10358,7 @@
           <a:srgbClr val="000000"/>
         </a:buClr>
         <a:buFont typeface="Arial"/>
-        <a:defRPr b="0" i="0" sz="1400" u="none" cap="none" strike="noStrike">
+        <a:defRPr sz="1400" b="0" i="0" u="none" strike="noStrike" cap="none">
           <a:solidFill>
             <a:srgbClr val="000000"/>
           </a:solidFill>
@@ -10353,7 +10368,7 @@
           <a:sym typeface="Arial"/>
         </a:defRPr>
       </a:lvl2pPr>
-      <a:lvl3pPr lvl="2" marR="0" rtl="0" algn="l">
+      <a:lvl3pPr marR="0" lvl="2" algn="l" rtl="0">
         <a:lnSpc>
           <a:spcPct val="100000"/>
         </a:lnSpc>
@@ -10367,7 +10382,7 @@
           <a:srgbClr val="000000"/>
         </a:buClr>
         <a:buFont typeface="Arial"/>
-        <a:defRPr b="0" i="0" sz="1400" u="none" cap="none" strike="noStrike">
+        <a:defRPr sz="1400" b="0" i="0" u="none" strike="noStrike" cap="none">
           <a:solidFill>
             <a:srgbClr val="000000"/>
           </a:solidFill>
@@ -10377,7 +10392,7 @@
           <a:sym typeface="Arial"/>
         </a:defRPr>
       </a:lvl3pPr>
-      <a:lvl4pPr lvl="3" marR="0" rtl="0" algn="l">
+      <a:lvl4pPr marR="0" lvl="3" algn="l" rtl="0">
         <a:lnSpc>
           <a:spcPct val="100000"/>
         </a:lnSpc>
@@ -10391,7 +10406,7 @@
           <a:srgbClr val="000000"/>
         </a:buClr>
         <a:buFont typeface="Arial"/>
-        <a:defRPr b="0" i="0" sz="1400" u="none" cap="none" strike="noStrike">
+        <a:defRPr sz="1400" b="0" i="0" u="none" strike="noStrike" cap="none">
           <a:solidFill>
             <a:srgbClr val="000000"/>
           </a:solidFill>
@@ -10401,7 +10416,7 @@
           <a:sym typeface="Arial"/>
         </a:defRPr>
       </a:lvl4pPr>
-      <a:lvl5pPr lvl="4" marR="0" rtl="0" algn="l">
+      <a:lvl5pPr marR="0" lvl="4" algn="l" rtl="0">
         <a:lnSpc>
           <a:spcPct val="100000"/>
         </a:lnSpc>
@@ -10415,7 +10430,7 @@
           <a:srgbClr val="000000"/>
         </a:buClr>
         <a:buFont typeface="Arial"/>
-        <a:defRPr b="0" i="0" sz="1400" u="none" cap="none" strike="noStrike">
+        <a:defRPr sz="1400" b="0" i="0" u="none" strike="noStrike" cap="none">
           <a:solidFill>
             <a:srgbClr val="000000"/>
           </a:solidFill>
@@ -10425,7 +10440,7 @@
           <a:sym typeface="Arial"/>
         </a:defRPr>
       </a:lvl5pPr>
-      <a:lvl6pPr lvl="5" marR="0" rtl="0" algn="l">
+      <a:lvl6pPr marR="0" lvl="5" algn="l" rtl="0">
         <a:lnSpc>
           <a:spcPct val="100000"/>
         </a:lnSpc>
@@ -10439,7 +10454,7 @@
           <a:srgbClr val="000000"/>
         </a:buClr>
         <a:buFont typeface="Arial"/>
-        <a:defRPr b="0" i="0" sz="1400" u="none" cap="none" strike="noStrike">
+        <a:defRPr sz="1400" b="0" i="0" u="none" strike="noStrike" cap="none">
           <a:solidFill>
             <a:srgbClr val="000000"/>
           </a:solidFill>
@@ -10449,7 +10464,7 @@
           <a:sym typeface="Arial"/>
         </a:defRPr>
       </a:lvl6pPr>
-      <a:lvl7pPr lvl="6" marR="0" rtl="0" algn="l">
+      <a:lvl7pPr marR="0" lvl="6" algn="l" rtl="0">
         <a:lnSpc>
           <a:spcPct val="100000"/>
         </a:lnSpc>
@@ -10463,7 +10478,7 @@
           <a:srgbClr val="000000"/>
         </a:buClr>
         <a:buFont typeface="Arial"/>
-        <a:defRPr b="0" i="0" sz="1400" u="none" cap="none" strike="noStrike">
+        <a:defRPr sz="1400" b="0" i="0" u="none" strike="noStrike" cap="none">
           <a:solidFill>
             <a:srgbClr val="000000"/>
           </a:solidFill>
@@ -10473,7 +10488,7 @@
           <a:sym typeface="Arial"/>
         </a:defRPr>
       </a:lvl7pPr>
-      <a:lvl8pPr lvl="7" marR="0" rtl="0" algn="l">
+      <a:lvl8pPr marR="0" lvl="7" algn="l" rtl="0">
         <a:lnSpc>
           <a:spcPct val="100000"/>
         </a:lnSpc>
@@ -10487,7 +10502,7 @@
           <a:srgbClr val="000000"/>
         </a:buClr>
         <a:buFont typeface="Arial"/>
-        <a:defRPr b="0" i="0" sz="1400" u="none" cap="none" strike="noStrike">
+        <a:defRPr sz="1400" b="0" i="0" u="none" strike="noStrike" cap="none">
           <a:solidFill>
             <a:srgbClr val="000000"/>
           </a:solidFill>
@@ -10497,7 +10512,7 @@
           <a:sym typeface="Arial"/>
         </a:defRPr>
       </a:lvl8pPr>
-      <a:lvl9pPr lvl="8" marR="0" rtl="0" algn="l">
+      <a:lvl9pPr marR="0" lvl="8" algn="l" rtl="0">
         <a:lnSpc>
           <a:spcPct val="100000"/>
         </a:lnSpc>
@@ -10511,7 +10526,7 @@
           <a:srgbClr val="000000"/>
         </a:buClr>
         <a:buFont typeface="Arial"/>
-        <a:defRPr b="0" i="0" sz="1400" u="none" cap="none" strike="noStrike">
+        <a:defRPr sz="1400" b="0" i="0" u="none" strike="noStrike" cap="none">
           <a:solidFill>
             <a:srgbClr val="000000"/>
           </a:solidFill>
@@ -10523,7 +10538,7 @@
       </a:lvl9pPr>
     </p:titleStyle>
     <p:bodyStyle>
-      <a:defPPr lvl="0" marR="0" rtl="0" algn="l">
+      <a:defPPr marR="0" lvl="0" algn="l" rtl="0">
         <a:lnSpc>
           <a:spcPct val="100000"/>
         </a:lnSpc>
@@ -10534,7 +10549,7 @@
           <a:spcPts val="0"/>
         </a:spcAft>
       </a:defPPr>
-      <a:lvl1pPr lvl="0" marR="0" rtl="0" algn="l">
+      <a:lvl1pPr marR="0" lvl="0" algn="l" rtl="0">
         <a:lnSpc>
           <a:spcPct val="100000"/>
         </a:lnSpc>
@@ -10548,7 +10563,7 @@
           <a:srgbClr val="000000"/>
         </a:buClr>
         <a:buFont typeface="Arial"/>
-        <a:defRPr b="0" i="0" sz="1400" u="none" cap="none" strike="noStrike">
+        <a:defRPr sz="1400" b="0" i="0" u="none" strike="noStrike" cap="none">
           <a:solidFill>
             <a:srgbClr val="000000"/>
           </a:solidFill>
@@ -10558,7 +10573,7 @@
           <a:sym typeface="Arial"/>
         </a:defRPr>
       </a:lvl1pPr>
-      <a:lvl2pPr lvl="1" marR="0" rtl="0" algn="l">
+      <a:lvl2pPr marR="0" lvl="1" algn="l" rtl="0">
         <a:lnSpc>
           <a:spcPct val="100000"/>
         </a:lnSpc>
@@ -10572,7 +10587,7 @@
           <a:srgbClr val="000000"/>
         </a:buClr>
         <a:buFont typeface="Arial"/>
-        <a:defRPr b="0" i="0" sz="1400" u="none" cap="none" strike="noStrike">
+        <a:defRPr sz="1400" b="0" i="0" u="none" strike="noStrike" cap="none">
           <a:solidFill>
             <a:srgbClr val="000000"/>
           </a:solidFill>
@@ -10582,7 +10597,7 @@
           <a:sym typeface="Arial"/>
         </a:defRPr>
       </a:lvl2pPr>
-      <a:lvl3pPr lvl="2" marR="0" rtl="0" algn="l">
+      <a:lvl3pPr marR="0" lvl="2" algn="l" rtl="0">
         <a:lnSpc>
           <a:spcPct val="100000"/>
         </a:lnSpc>
@@ -10596,7 +10611,7 @@
           <a:srgbClr val="000000"/>
         </a:buClr>
         <a:buFont typeface="Arial"/>
-        <a:defRPr b="0" i="0" sz="1400" u="none" cap="none" strike="noStrike">
+        <a:defRPr sz="1400" b="0" i="0" u="none" strike="noStrike" cap="none">
           <a:solidFill>
             <a:srgbClr val="000000"/>
           </a:solidFill>
@@ -10606,7 +10621,7 @@
           <a:sym typeface="Arial"/>
         </a:defRPr>
       </a:lvl3pPr>
-      <a:lvl4pPr lvl="3" marR="0" rtl="0" algn="l">
+      <a:lvl4pPr marR="0" lvl="3" algn="l" rtl="0">
         <a:lnSpc>
           <a:spcPct val="100000"/>
         </a:lnSpc>
@@ -10620,7 +10635,7 @@
           <a:srgbClr val="000000"/>
         </a:buClr>
         <a:buFont typeface="Arial"/>
-        <a:defRPr b="0" i="0" sz="1400" u="none" cap="none" strike="noStrike">
+        <a:defRPr sz="1400" b="0" i="0" u="none" strike="noStrike" cap="none">
           <a:solidFill>
             <a:srgbClr val="000000"/>
           </a:solidFill>
@@ -10630,7 +10645,7 @@
           <a:sym typeface="Arial"/>
         </a:defRPr>
       </a:lvl4pPr>
-      <a:lvl5pPr lvl="4" marR="0" rtl="0" algn="l">
+      <a:lvl5pPr marR="0" lvl="4" algn="l" rtl="0">
         <a:lnSpc>
           <a:spcPct val="100000"/>
         </a:lnSpc>
@@ -10644,7 +10659,7 @@
           <a:srgbClr val="000000"/>
         </a:buClr>
         <a:buFont typeface="Arial"/>
-        <a:defRPr b="0" i="0" sz="1400" u="none" cap="none" strike="noStrike">
+        <a:defRPr sz="1400" b="0" i="0" u="none" strike="noStrike" cap="none">
           <a:solidFill>
             <a:srgbClr val="000000"/>
           </a:solidFill>
@@ -10654,7 +10669,7 @@
           <a:sym typeface="Arial"/>
         </a:defRPr>
       </a:lvl5pPr>
-      <a:lvl6pPr lvl="5" marR="0" rtl="0" algn="l">
+      <a:lvl6pPr marR="0" lvl="5" algn="l" rtl="0">
         <a:lnSpc>
           <a:spcPct val="100000"/>
         </a:lnSpc>
@@ -10668,7 +10683,7 @@
           <a:srgbClr val="000000"/>
         </a:buClr>
         <a:buFont typeface="Arial"/>
-        <a:defRPr b="0" i="0" sz="1400" u="none" cap="none" strike="noStrike">
+        <a:defRPr sz="1400" b="0" i="0" u="none" strike="noStrike" cap="none">
           <a:solidFill>
             <a:srgbClr val="000000"/>
           </a:solidFill>
@@ -10678,7 +10693,7 @@
           <a:sym typeface="Arial"/>
         </a:defRPr>
       </a:lvl6pPr>
-      <a:lvl7pPr lvl="6" marR="0" rtl="0" algn="l">
+      <a:lvl7pPr marR="0" lvl="6" algn="l" rtl="0">
         <a:lnSpc>
           <a:spcPct val="100000"/>
         </a:lnSpc>
@@ -10692,7 +10707,7 @@
           <a:srgbClr val="000000"/>
         </a:buClr>
         <a:buFont typeface="Arial"/>
-        <a:defRPr b="0" i="0" sz="1400" u="none" cap="none" strike="noStrike">
+        <a:defRPr sz="1400" b="0" i="0" u="none" strike="noStrike" cap="none">
           <a:solidFill>
             <a:srgbClr val="000000"/>
           </a:solidFill>
@@ -10702,7 +10717,7 @@
           <a:sym typeface="Arial"/>
         </a:defRPr>
       </a:lvl7pPr>
-      <a:lvl8pPr lvl="7" marR="0" rtl="0" algn="l">
+      <a:lvl8pPr marR="0" lvl="7" algn="l" rtl="0">
         <a:lnSpc>
           <a:spcPct val="100000"/>
         </a:lnSpc>
@@ -10716,7 +10731,7 @@
           <a:srgbClr val="000000"/>
         </a:buClr>
         <a:buFont typeface="Arial"/>
-        <a:defRPr b="0" i="0" sz="1400" u="none" cap="none" strike="noStrike">
+        <a:defRPr sz="1400" b="0" i="0" u="none" strike="noStrike" cap="none">
           <a:solidFill>
             <a:srgbClr val="000000"/>
           </a:solidFill>
@@ -10726,7 +10741,7 @@
           <a:sym typeface="Arial"/>
         </a:defRPr>
       </a:lvl8pPr>
-      <a:lvl9pPr lvl="8" marR="0" rtl="0" algn="l">
+      <a:lvl9pPr marR="0" lvl="8" algn="l" rtl="0">
         <a:lnSpc>
           <a:spcPct val="100000"/>
         </a:lnSpc>
@@ -10740,7 +10755,7 @@
           <a:srgbClr val="000000"/>
         </a:buClr>
         <a:buFont typeface="Arial"/>
-        <a:defRPr b="0" i="0" sz="1400" u="none" cap="none" strike="noStrike">
+        <a:defRPr sz="1400" b="0" i="0" u="none" strike="noStrike" cap="none">
           <a:solidFill>
             <a:srgbClr val="000000"/>
           </a:solidFill>
@@ -10752,7 +10767,7 @@
       </a:lvl9pPr>
     </p:bodyStyle>
     <p:otherStyle>
-      <a:defPPr lvl="0" marR="0" rtl="0" algn="l">
+      <a:defPPr marR="0" lvl="0" algn="l" rtl="0">
         <a:lnSpc>
           <a:spcPct val="100000"/>
         </a:lnSpc>
@@ -10763,7 +10778,7 @@
           <a:spcPts val="0"/>
         </a:spcAft>
       </a:defPPr>
-      <a:lvl1pPr lvl="0" marR="0" rtl="0" algn="l">
+      <a:lvl1pPr marR="0" lvl="0" algn="l" rtl="0">
         <a:lnSpc>
           <a:spcPct val="100000"/>
         </a:lnSpc>
@@ -10777,7 +10792,7 @@
           <a:srgbClr val="000000"/>
         </a:buClr>
         <a:buFont typeface="Arial"/>
-        <a:defRPr b="0" i="0" sz="1400" u="none" cap="none" strike="noStrike">
+        <a:defRPr sz="1400" b="0" i="0" u="none" strike="noStrike" cap="none">
           <a:solidFill>
             <a:srgbClr val="000000"/>
           </a:solidFill>
@@ -10787,7 +10802,7 @@
           <a:sym typeface="Arial"/>
         </a:defRPr>
       </a:lvl1pPr>
-      <a:lvl2pPr lvl="1" marR="0" rtl="0" algn="l">
+      <a:lvl2pPr marR="0" lvl="1" algn="l" rtl="0">
         <a:lnSpc>
           <a:spcPct val="100000"/>
         </a:lnSpc>
@@ -10801,7 +10816,7 @@
           <a:srgbClr val="000000"/>
         </a:buClr>
         <a:buFont typeface="Arial"/>
-        <a:defRPr b="0" i="0" sz="1400" u="none" cap="none" strike="noStrike">
+        <a:defRPr sz="1400" b="0" i="0" u="none" strike="noStrike" cap="none">
           <a:solidFill>
             <a:srgbClr val="000000"/>
           </a:solidFill>
@@ -10811,7 +10826,7 @@
           <a:sym typeface="Arial"/>
         </a:defRPr>
       </a:lvl2pPr>
-      <a:lvl3pPr lvl="2" marR="0" rtl="0" algn="l">
+      <a:lvl3pPr marR="0" lvl="2" algn="l" rtl="0">
         <a:lnSpc>
           <a:spcPct val="100000"/>
         </a:lnSpc>
@@ -10825,7 +10840,7 @@
           <a:srgbClr val="000000"/>
         </a:buClr>
         <a:buFont typeface="Arial"/>
-        <a:defRPr b="0" i="0" sz="1400" u="none" cap="none" strike="noStrike">
+        <a:defRPr sz="1400" b="0" i="0" u="none" strike="noStrike" cap="none">
           <a:solidFill>
             <a:srgbClr val="000000"/>
           </a:solidFill>
@@ -10835,7 +10850,7 @@
           <a:sym typeface="Arial"/>
         </a:defRPr>
       </a:lvl3pPr>
-      <a:lvl4pPr lvl="3" marR="0" rtl="0" algn="l">
+      <a:lvl4pPr marR="0" lvl="3" algn="l" rtl="0">
         <a:lnSpc>
           <a:spcPct val="100000"/>
         </a:lnSpc>
@@ -10849,7 +10864,7 @@
           <a:srgbClr val="000000"/>
         </a:buClr>
         <a:buFont typeface="Arial"/>
-        <a:defRPr b="0" i="0" sz="1400" u="none" cap="none" strike="noStrike">
+        <a:defRPr sz="1400" b="0" i="0" u="none" strike="noStrike" cap="none">
           <a:solidFill>
             <a:srgbClr val="000000"/>
           </a:solidFill>
@@ -10859,7 +10874,7 @@
           <a:sym typeface="Arial"/>
         </a:defRPr>
       </a:lvl4pPr>
-      <a:lvl5pPr lvl="4" marR="0" rtl="0" algn="l">
+      <a:lvl5pPr marR="0" lvl="4" algn="l" rtl="0">
         <a:lnSpc>
           <a:spcPct val="100000"/>
         </a:lnSpc>
@@ -10873,7 +10888,7 @@
           <a:srgbClr val="000000"/>
         </a:buClr>
         <a:buFont typeface="Arial"/>
-        <a:defRPr b="0" i="0" sz="1400" u="none" cap="none" strike="noStrike">
+        <a:defRPr sz="1400" b="0" i="0" u="none" strike="noStrike" cap="none">
           <a:solidFill>
             <a:srgbClr val="000000"/>
           </a:solidFill>
@@ -10883,7 +10898,7 @@
           <a:sym typeface="Arial"/>
         </a:defRPr>
       </a:lvl5pPr>
-      <a:lvl6pPr lvl="5" marR="0" rtl="0" algn="l">
+      <a:lvl6pPr marR="0" lvl="5" algn="l" rtl="0">
         <a:lnSpc>
           <a:spcPct val="100000"/>
         </a:lnSpc>
@@ -10897,7 +10912,7 @@
           <a:srgbClr val="000000"/>
         </a:buClr>
         <a:buFont typeface="Arial"/>
-        <a:defRPr b="0" i="0" sz="1400" u="none" cap="none" strike="noStrike">
+        <a:defRPr sz="1400" b="0" i="0" u="none" strike="noStrike" cap="none">
           <a:solidFill>
             <a:srgbClr val="000000"/>
           </a:solidFill>
@@ -10907,7 +10922,7 @@
           <a:sym typeface="Arial"/>
         </a:defRPr>
       </a:lvl6pPr>
-      <a:lvl7pPr lvl="6" marR="0" rtl="0" algn="l">
+      <a:lvl7pPr marR="0" lvl="6" algn="l" rtl="0">
         <a:lnSpc>
           <a:spcPct val="100000"/>
         </a:lnSpc>
@@ -10921,7 +10936,7 @@
           <a:srgbClr val="000000"/>
         </a:buClr>
         <a:buFont typeface="Arial"/>
-        <a:defRPr b="0" i="0" sz="1400" u="none" cap="none" strike="noStrike">
+        <a:defRPr sz="1400" b="0" i="0" u="none" strike="noStrike" cap="none">
           <a:solidFill>
             <a:srgbClr val="000000"/>
           </a:solidFill>
@@ -10931,7 +10946,7 @@
           <a:sym typeface="Arial"/>
         </a:defRPr>
       </a:lvl7pPr>
-      <a:lvl8pPr lvl="7" marR="0" rtl="0" algn="l">
+      <a:lvl8pPr marR="0" lvl="7" algn="l" rtl="0">
         <a:lnSpc>
           <a:spcPct val="100000"/>
         </a:lnSpc>
@@ -10945,7 +10960,7 @@
           <a:srgbClr val="000000"/>
         </a:buClr>
         <a:buFont typeface="Arial"/>
-        <a:defRPr b="0" i="0" sz="1400" u="none" cap="none" strike="noStrike">
+        <a:defRPr sz="1400" b="0" i="0" u="none" strike="noStrike" cap="none">
           <a:solidFill>
             <a:srgbClr val="000000"/>
           </a:solidFill>
@@ -10955,7 +10970,7 @@
           <a:sym typeface="Arial"/>
         </a:defRPr>
       </a:lvl8pPr>
-      <a:lvl9pPr lvl="8" marR="0" rtl="0" algn="l">
+      <a:lvl9pPr marR="0" lvl="8" algn="l" rtl="0">
         <a:lnSpc>
           <a:spcPct val="100000"/>
         </a:lnSpc>
@@ -10969,7 +10984,7 @@
           <a:srgbClr val="000000"/>
         </a:buClr>
         <a:buFont typeface="Arial"/>
-        <a:defRPr b="0" i="0" sz="1400" u="none" cap="none" strike="noStrike">
+        <a:defRPr sz="1400" b="0" i="0" u="none" strike="noStrike" cap="none">
           <a:solidFill>
             <a:srgbClr val="000000"/>
           </a:solidFill>
@@ -10985,11 +11000,11 @@
 </file>
 
 <file path=ppt/slides/slide1.xml><?xml version="1.0" encoding="utf-8"?>
-<p:sld xmlns:a="http://schemas.openxmlformats.org/drawingml/2006/main" xmlns:r="http://schemas.openxmlformats.org/officeDocument/2006/relationships" xmlns:mc="http://schemas.openxmlformats.org/markup-compatibility/2006" xmlns:mv="urn:schemas-microsoft-com:mac:vml" xmlns:p="http://schemas.openxmlformats.org/presentationml/2006/main" xmlns:c="http://schemas.openxmlformats.org/drawingml/2006/chart" xmlns:dgm="http://schemas.openxmlformats.org/drawingml/2006/diagram" xmlns:o="urn:schemas-microsoft-com:office:office" xmlns:v="urn:schemas-microsoft-com:vml" xmlns:pvml="urn:schemas-microsoft-com:office:powerpoint" xmlns:com="http://schemas.openxmlformats.org/drawingml/2006/compatibility" xmlns:p14="http://schemas.microsoft.com/office/powerpoint/2010/main" xmlns:p15="http://schemas.microsoft.com/office/powerpoint/2012/main" xmlns:ahyp="http://schemas.microsoft.com/office/drawing/2018/hyperlinkcolor">
+<p:sld xmlns:a="http://schemas.openxmlformats.org/drawingml/2006/main" xmlns:r="http://schemas.openxmlformats.org/officeDocument/2006/relationships" xmlns:p="http://schemas.openxmlformats.org/presentationml/2006/main">
   <p:cSld>
     <p:spTree>
       <p:nvGrpSpPr>
-        <p:cNvPr id="133" name="Shape 133"/>
+        <p:cNvPr id="1" name="Shape 133"/>
         <p:cNvGrpSpPr/>
         <p:nvPr/>
       </p:nvGrpSpPr>
@@ -11004,7 +11019,9 @@
       <p:sp>
         <p:nvSpPr>
           <p:cNvPr id="134" name="Google Shape;134;p13"/>
-          <p:cNvSpPr txBox="1"/>
+          <p:cNvSpPr txBox="1">
+            <a:spLocks noGrp="1"/>
+          </p:cNvSpPr>
           <p:nvPr>
             <p:ph type="ctrTitle"/>
           </p:nvPr>
@@ -11019,12 +11036,12 @@
           </a:prstGeom>
         </p:spPr>
         <p:txBody>
-          <a:bodyPr anchorCtr="0" anchor="t" bIns="91425" lIns="91425" spcFirstLastPara="1" rIns="91425" wrap="square" tIns="91425">
+          <a:bodyPr spcFirstLastPara="1" wrap="square" lIns="91425" tIns="91425" rIns="91425" bIns="91425" anchor="t" anchorCtr="0">
             <a:normAutofit/>
           </a:bodyPr>
           <a:lstStyle/>
           <a:p>
-            <a:pPr indent="0" lvl="0" marL="0" rtl="0" algn="l">
+            <a:pPr marL="0" lvl="0" indent="0" algn="l" rtl="0">
               <a:spcBef>
                 <a:spcPts val="0"/>
               </a:spcBef>
@@ -11040,7 +11057,7 @@
             <a:endParaRPr/>
           </a:p>
           <a:p>
-            <a:pPr indent="0" lvl="0" marL="0" rtl="0" algn="l">
+            <a:pPr marL="0" lvl="0" indent="0" algn="l" rtl="0">
               <a:spcBef>
                 <a:spcPts val="0"/>
               </a:spcBef>
@@ -11049,9 +11066,6 @@
               </a:spcAft>
               <a:buNone/>
             </a:pPr>
-            <a:r>
-              <a:t/>
-            </a:r>
             <a:endParaRPr/>
           </a:p>
         </p:txBody>
@@ -11059,9 +11073,11 @@
       <p:sp>
         <p:nvSpPr>
           <p:cNvPr id="135" name="Google Shape;135;p13"/>
-          <p:cNvSpPr txBox="1"/>
+          <p:cNvSpPr txBox="1">
+            <a:spLocks noGrp="1"/>
+          </p:cNvSpPr>
           <p:nvPr>
-            <p:ph idx="1" type="subTitle"/>
+            <p:ph type="subTitle" idx="1"/>
           </p:nvPr>
         </p:nvSpPr>
         <p:spPr>
@@ -11074,12 +11090,12 @@
           </a:prstGeom>
         </p:spPr>
         <p:txBody>
-          <a:bodyPr anchorCtr="0" anchor="t" bIns="91425" lIns="91425" spcFirstLastPara="1" rIns="91425" wrap="square" tIns="91425">
+          <a:bodyPr spcFirstLastPara="1" wrap="square" lIns="91425" tIns="91425" rIns="91425" bIns="91425" anchor="t" anchorCtr="0">
             <a:normAutofit/>
           </a:bodyPr>
           <a:lstStyle/>
           <a:p>
-            <a:pPr indent="0" lvl="0" marL="0" rtl="0" algn="l">
+            <a:pPr marL="0" lvl="0" indent="0" algn="l" rtl="0">
               <a:spcBef>
                 <a:spcPts val="0"/>
               </a:spcBef>
@@ -11095,7 +11111,7 @@
             <a:endParaRPr/>
           </a:p>
           <a:p>
-            <a:pPr indent="0" lvl="0" marL="0" rtl="0" algn="l">
+            <a:pPr marL="0" lvl="0" indent="0" algn="l" rtl="0">
               <a:spcBef>
                 <a:spcPts val="0"/>
               </a:spcBef>
@@ -11104,13 +11120,10 @@
               </a:spcAft>
               <a:buNone/>
             </a:pPr>
-            <a:r>
-              <a:t/>
-            </a:r>
             <a:endParaRPr/>
           </a:p>
           <a:p>
-            <a:pPr indent="0" lvl="0" marL="0" rtl="0" algn="l">
+            <a:pPr marL="0" lvl="0" indent="0" algn="l" rtl="0">
               <a:spcBef>
                 <a:spcPts val="0"/>
               </a:spcBef>
@@ -11136,11 +11149,11 @@
 </file>
 
 <file path=ppt/slides/slide10.xml><?xml version="1.0" encoding="utf-8"?>
-<p:sld xmlns:a="http://schemas.openxmlformats.org/drawingml/2006/main" xmlns:r="http://schemas.openxmlformats.org/officeDocument/2006/relationships" xmlns:mc="http://schemas.openxmlformats.org/markup-compatibility/2006" xmlns:mv="urn:schemas-microsoft-com:mac:vml" xmlns:p="http://schemas.openxmlformats.org/presentationml/2006/main" xmlns:c="http://schemas.openxmlformats.org/drawingml/2006/chart" xmlns:dgm="http://schemas.openxmlformats.org/drawingml/2006/diagram" xmlns:o="urn:schemas-microsoft-com:office:office" xmlns:v="urn:schemas-microsoft-com:vml" xmlns:pvml="urn:schemas-microsoft-com:office:powerpoint" xmlns:com="http://schemas.openxmlformats.org/drawingml/2006/compatibility" xmlns:p14="http://schemas.microsoft.com/office/powerpoint/2010/main" xmlns:p15="http://schemas.microsoft.com/office/powerpoint/2012/main" xmlns:ahyp="http://schemas.microsoft.com/office/drawing/2018/hyperlinkcolor">
+<p:sld xmlns:a="http://schemas.openxmlformats.org/drawingml/2006/main" xmlns:r="http://schemas.openxmlformats.org/officeDocument/2006/relationships" xmlns:p="http://schemas.openxmlformats.org/presentationml/2006/main">
   <p:cSld>
     <p:spTree>
       <p:nvGrpSpPr>
-        <p:cNvPr id="199" name="Shape 199"/>
+        <p:cNvPr id="1" name="Shape 199"/>
         <p:cNvGrpSpPr/>
         <p:nvPr/>
       </p:nvGrpSpPr>
@@ -11155,7 +11168,9 @@
       <p:sp>
         <p:nvSpPr>
           <p:cNvPr id="200" name="Google Shape;200;p22"/>
-          <p:cNvSpPr txBox="1"/>
+          <p:cNvSpPr txBox="1">
+            <a:spLocks noGrp="1"/>
+          </p:cNvSpPr>
           <p:nvPr>
             <p:ph type="title"/>
           </p:nvPr>
@@ -11170,12 +11185,12 @@
           </a:prstGeom>
         </p:spPr>
         <p:txBody>
-          <a:bodyPr anchorCtr="0" anchor="t" bIns="91425" lIns="91425" spcFirstLastPara="1" rIns="91425" wrap="square" tIns="91425">
+          <a:bodyPr spcFirstLastPara="1" wrap="square" lIns="91425" tIns="91425" rIns="91425" bIns="91425" anchor="t" anchorCtr="0">
             <a:normAutofit/>
           </a:bodyPr>
           <a:lstStyle/>
           <a:p>
-            <a:pPr indent="0" lvl="0" marL="0" rtl="0" algn="l">
+            <a:pPr marL="0" lvl="0" indent="0" algn="l" rtl="0">
               <a:spcBef>
                 <a:spcPts val="0"/>
               </a:spcBef>
@@ -11195,9 +11210,11 @@
       <p:sp>
         <p:nvSpPr>
           <p:cNvPr id="201" name="Google Shape;201;p22"/>
-          <p:cNvSpPr txBox="1"/>
+          <p:cNvSpPr txBox="1">
+            <a:spLocks noGrp="1"/>
+          </p:cNvSpPr>
           <p:nvPr>
-            <p:ph idx="1" type="body"/>
+            <p:ph type="body" idx="1"/>
           </p:nvPr>
         </p:nvSpPr>
         <p:spPr>
@@ -11210,12 +11227,12 @@
           </a:prstGeom>
         </p:spPr>
         <p:txBody>
-          <a:bodyPr anchorCtr="0" anchor="t" bIns="91425" lIns="91425" spcFirstLastPara="1" rIns="91425" wrap="square" tIns="91425">
+          <a:bodyPr spcFirstLastPara="1" wrap="square" lIns="91425" tIns="91425" rIns="91425" bIns="91425" anchor="t" anchorCtr="0">
             <a:normAutofit/>
           </a:bodyPr>
           <a:lstStyle/>
           <a:p>
-            <a:pPr indent="0" lvl="0" marL="0" rtl="0" algn="l">
+            <a:pPr marL="0" lvl="0" indent="0" algn="l" rtl="0">
               <a:spcBef>
                 <a:spcPts val="0"/>
               </a:spcBef>
@@ -11231,7 +11248,7 @@
             <a:endParaRPr/>
           </a:p>
           <a:p>
-            <a:pPr indent="0" lvl="0" marL="0" rtl="0" algn="l">
+            <a:pPr marL="0" lvl="0" indent="0" algn="l" rtl="0">
               <a:spcBef>
                 <a:spcPts val="1200"/>
               </a:spcBef>
@@ -11285,11 +11302,11 @@
 </file>
 
 <file path=ppt/slides/slide11.xml><?xml version="1.0" encoding="utf-8"?>
-<p:sld xmlns:a="http://schemas.openxmlformats.org/drawingml/2006/main" xmlns:r="http://schemas.openxmlformats.org/officeDocument/2006/relationships" xmlns:mc="http://schemas.openxmlformats.org/markup-compatibility/2006" xmlns:mv="urn:schemas-microsoft-com:mac:vml" xmlns:p="http://schemas.openxmlformats.org/presentationml/2006/main" xmlns:c="http://schemas.openxmlformats.org/drawingml/2006/chart" xmlns:dgm="http://schemas.openxmlformats.org/drawingml/2006/diagram" xmlns:o="urn:schemas-microsoft-com:office:office" xmlns:v="urn:schemas-microsoft-com:vml" xmlns:pvml="urn:schemas-microsoft-com:office:powerpoint" xmlns:com="http://schemas.openxmlformats.org/drawingml/2006/compatibility" xmlns:p14="http://schemas.microsoft.com/office/powerpoint/2010/main" xmlns:p15="http://schemas.microsoft.com/office/powerpoint/2012/main" xmlns:ahyp="http://schemas.microsoft.com/office/drawing/2018/hyperlinkcolor">
+<p:sld xmlns:a="http://schemas.openxmlformats.org/drawingml/2006/main" xmlns:r="http://schemas.openxmlformats.org/officeDocument/2006/relationships" xmlns:p="http://schemas.openxmlformats.org/presentationml/2006/main">
   <p:cSld>
     <p:spTree>
       <p:nvGrpSpPr>
-        <p:cNvPr id="206" name="Shape 206"/>
+        <p:cNvPr id="1" name="Shape 206"/>
         <p:cNvGrpSpPr/>
         <p:nvPr/>
       </p:nvGrpSpPr>
@@ -11304,7 +11321,9 @@
       <p:sp>
         <p:nvSpPr>
           <p:cNvPr id="207" name="Google Shape;207;p23"/>
-          <p:cNvSpPr txBox="1"/>
+          <p:cNvSpPr txBox="1">
+            <a:spLocks noGrp="1"/>
+          </p:cNvSpPr>
           <p:nvPr>
             <p:ph type="title"/>
           </p:nvPr>
@@ -11319,12 +11338,12 @@
           </a:prstGeom>
         </p:spPr>
         <p:txBody>
-          <a:bodyPr anchorCtr="0" anchor="t" bIns="91425" lIns="91425" spcFirstLastPara="1" rIns="91425" wrap="square" tIns="91425">
+          <a:bodyPr spcFirstLastPara="1" wrap="square" lIns="91425" tIns="91425" rIns="91425" bIns="91425" anchor="t" anchorCtr="0">
             <a:normAutofit/>
           </a:bodyPr>
           <a:lstStyle/>
           <a:p>
-            <a:pPr indent="0" lvl="0" marL="0" rtl="0" algn="l">
+            <a:pPr marL="0" lvl="0" indent="0" algn="l" rtl="0">
               <a:spcBef>
                 <a:spcPts val="0"/>
               </a:spcBef>
@@ -11344,9 +11363,11 @@
       <p:sp>
         <p:nvSpPr>
           <p:cNvPr id="208" name="Google Shape;208;p23"/>
-          <p:cNvSpPr txBox="1"/>
+          <p:cNvSpPr txBox="1">
+            <a:spLocks noGrp="1"/>
+          </p:cNvSpPr>
           <p:nvPr>
-            <p:ph idx="1" type="body"/>
+            <p:ph type="body" idx="1"/>
           </p:nvPr>
         </p:nvSpPr>
         <p:spPr>
@@ -11359,12 +11380,12 @@
           </a:prstGeom>
         </p:spPr>
         <p:txBody>
-          <a:bodyPr anchorCtr="0" anchor="t" bIns="91425" lIns="91425" spcFirstLastPara="1" rIns="91425" wrap="square" tIns="91425">
-            <a:normAutofit/>
+          <a:bodyPr spcFirstLastPara="1" wrap="square" lIns="91425" tIns="91425" rIns="91425" bIns="91425" anchor="t" anchorCtr="0">
+            <a:normAutofit fontScale="85000" lnSpcReduction="20000"/>
           </a:bodyPr>
           <a:lstStyle/>
           <a:p>
-            <a:pPr indent="0" lvl="0" marL="0" rtl="0" algn="l">
+            <a:pPr marL="0" lvl="0" indent="0" algn="l" rtl="0">
               <a:spcBef>
                 <a:spcPts val="0"/>
               </a:spcBef>
@@ -11418,11 +11439,11 @@
 </file>
 
 <file path=ppt/slides/slide12.xml><?xml version="1.0" encoding="utf-8"?>
-<p:sld xmlns:a="http://schemas.openxmlformats.org/drawingml/2006/main" xmlns:r="http://schemas.openxmlformats.org/officeDocument/2006/relationships" xmlns:mc="http://schemas.openxmlformats.org/markup-compatibility/2006" xmlns:mv="urn:schemas-microsoft-com:mac:vml" xmlns:p="http://schemas.openxmlformats.org/presentationml/2006/main" xmlns:c="http://schemas.openxmlformats.org/drawingml/2006/chart" xmlns:dgm="http://schemas.openxmlformats.org/drawingml/2006/diagram" xmlns:o="urn:schemas-microsoft-com:office:office" xmlns:v="urn:schemas-microsoft-com:vml" xmlns:pvml="urn:schemas-microsoft-com:office:powerpoint" xmlns:com="http://schemas.openxmlformats.org/drawingml/2006/compatibility" xmlns:p14="http://schemas.microsoft.com/office/powerpoint/2010/main" xmlns:p15="http://schemas.microsoft.com/office/powerpoint/2012/main" xmlns:ahyp="http://schemas.microsoft.com/office/drawing/2018/hyperlinkcolor">
+<p:sld xmlns:a="http://schemas.openxmlformats.org/drawingml/2006/main" xmlns:r="http://schemas.openxmlformats.org/officeDocument/2006/relationships" xmlns:p="http://schemas.openxmlformats.org/presentationml/2006/main">
   <p:cSld>
     <p:spTree>
       <p:nvGrpSpPr>
-        <p:cNvPr id="213" name="Shape 213"/>
+        <p:cNvPr id="1" name="Shape 213"/>
         <p:cNvGrpSpPr/>
         <p:nvPr/>
       </p:nvGrpSpPr>
@@ -11437,7 +11458,9 @@
       <p:sp>
         <p:nvSpPr>
           <p:cNvPr id="214" name="Google Shape;214;p24"/>
-          <p:cNvSpPr txBox="1"/>
+          <p:cNvSpPr txBox="1">
+            <a:spLocks noGrp="1"/>
+          </p:cNvSpPr>
           <p:nvPr>
             <p:ph type="title"/>
           </p:nvPr>
@@ -11452,12 +11475,12 @@
           </a:prstGeom>
         </p:spPr>
         <p:txBody>
-          <a:bodyPr anchorCtr="0" anchor="t" bIns="91425" lIns="91425" spcFirstLastPara="1" rIns="91425" wrap="square" tIns="91425">
+          <a:bodyPr spcFirstLastPara="1" wrap="square" lIns="91425" tIns="91425" rIns="91425" bIns="91425" anchor="t" anchorCtr="0">
             <a:normAutofit/>
           </a:bodyPr>
           <a:lstStyle/>
           <a:p>
-            <a:pPr indent="0" lvl="0" marL="0" rtl="0" algn="l">
+            <a:pPr marL="0" lvl="0" indent="0" algn="l" rtl="0">
               <a:spcBef>
                 <a:spcPts val="0"/>
               </a:spcBef>
@@ -11477,9 +11500,11 @@
       <p:sp>
         <p:nvSpPr>
           <p:cNvPr id="215" name="Google Shape;215;p24"/>
-          <p:cNvSpPr txBox="1"/>
+          <p:cNvSpPr txBox="1">
+            <a:spLocks noGrp="1"/>
+          </p:cNvSpPr>
           <p:nvPr>
-            <p:ph idx="1" type="body"/>
+            <p:ph type="body" idx="1"/>
           </p:nvPr>
         </p:nvSpPr>
         <p:spPr>
@@ -11492,12 +11517,12 @@
           </a:prstGeom>
         </p:spPr>
         <p:txBody>
-          <a:bodyPr anchorCtr="0" anchor="t" bIns="91425" lIns="91425" spcFirstLastPara="1" rIns="91425" wrap="square" tIns="91425">
+          <a:bodyPr spcFirstLastPara="1" wrap="square" lIns="91425" tIns="91425" rIns="91425" bIns="91425" anchor="t" anchorCtr="0">
             <a:normAutofit/>
           </a:bodyPr>
           <a:lstStyle/>
           <a:p>
-            <a:pPr indent="0" lvl="0" marL="0" rtl="0" algn="l">
+            <a:pPr marL="0" lvl="0" indent="0" algn="l" rtl="0">
               <a:spcBef>
                 <a:spcPts val="0"/>
               </a:spcBef>
@@ -11513,7 +11538,7 @@
             <a:endParaRPr/>
           </a:p>
           <a:p>
-            <a:pPr indent="0" lvl="0" marL="0" rtl="0" algn="l">
+            <a:pPr marL="0" lvl="0" indent="0" algn="l" rtl="0">
               <a:spcBef>
                 <a:spcPts val="1200"/>
               </a:spcBef>
@@ -11529,7 +11554,7 @@
             <a:endParaRPr/>
           </a:p>
           <a:p>
-            <a:pPr indent="-311150" lvl="0" marL="457200" rtl="0" algn="l">
+            <a:pPr marL="457200" lvl="0" indent="-311150" algn="l" rtl="0">
               <a:spcBef>
                 <a:spcPts val="1200"/>
               </a:spcBef>
@@ -11546,7 +11571,7 @@
             <a:endParaRPr/>
           </a:p>
           <a:p>
-            <a:pPr indent="-311150" lvl="0" marL="457200" rtl="0" algn="l">
+            <a:pPr marL="457200" lvl="0" indent="-311150" algn="l" rtl="0">
               <a:spcBef>
                 <a:spcPts val="0"/>
               </a:spcBef>
@@ -11563,7 +11588,7 @@
             <a:endParaRPr/>
           </a:p>
           <a:p>
-            <a:pPr indent="-311150" lvl="0" marL="457200" rtl="0" algn="l">
+            <a:pPr marL="457200" lvl="0" indent="-311150" algn="l" rtl="0">
               <a:spcBef>
                 <a:spcPts val="0"/>
               </a:spcBef>
@@ -11580,7 +11605,7 @@
             <a:endParaRPr/>
           </a:p>
           <a:p>
-            <a:pPr indent="-311150" lvl="0" marL="457200" rtl="0" algn="l">
+            <a:pPr marL="457200" lvl="0" indent="-311150" algn="l" rtl="0">
               <a:spcBef>
                 <a:spcPts val="0"/>
               </a:spcBef>
@@ -11635,11 +11660,11 @@
 </file>
 
 <file path=ppt/slides/slide13.xml><?xml version="1.0" encoding="utf-8"?>
-<p:sld xmlns:a="http://schemas.openxmlformats.org/drawingml/2006/main" xmlns:r="http://schemas.openxmlformats.org/officeDocument/2006/relationships" xmlns:mc="http://schemas.openxmlformats.org/markup-compatibility/2006" xmlns:mv="urn:schemas-microsoft-com:mac:vml" xmlns:p="http://schemas.openxmlformats.org/presentationml/2006/main" xmlns:c="http://schemas.openxmlformats.org/drawingml/2006/chart" xmlns:dgm="http://schemas.openxmlformats.org/drawingml/2006/diagram" xmlns:o="urn:schemas-microsoft-com:office:office" xmlns:v="urn:schemas-microsoft-com:vml" xmlns:pvml="urn:schemas-microsoft-com:office:powerpoint" xmlns:com="http://schemas.openxmlformats.org/drawingml/2006/compatibility" xmlns:p14="http://schemas.microsoft.com/office/powerpoint/2010/main" xmlns:p15="http://schemas.microsoft.com/office/powerpoint/2012/main" xmlns:ahyp="http://schemas.microsoft.com/office/drawing/2018/hyperlinkcolor">
+<p:sld xmlns:a="http://schemas.openxmlformats.org/drawingml/2006/main" xmlns:r="http://schemas.openxmlformats.org/officeDocument/2006/relationships" xmlns:p="http://schemas.openxmlformats.org/presentationml/2006/main">
   <p:cSld>
     <p:spTree>
       <p:nvGrpSpPr>
-        <p:cNvPr id="220" name="Shape 220"/>
+        <p:cNvPr id="1" name="Shape 220"/>
         <p:cNvGrpSpPr/>
         <p:nvPr/>
       </p:nvGrpSpPr>
@@ -11654,7 +11679,9 @@
       <p:sp>
         <p:nvSpPr>
           <p:cNvPr id="221" name="Google Shape;221;p25"/>
-          <p:cNvSpPr txBox="1"/>
+          <p:cNvSpPr txBox="1">
+            <a:spLocks noGrp="1"/>
+          </p:cNvSpPr>
           <p:nvPr>
             <p:ph type="title"/>
           </p:nvPr>
@@ -11669,12 +11696,12 @@
           </a:prstGeom>
         </p:spPr>
         <p:txBody>
-          <a:bodyPr anchorCtr="0" anchor="t" bIns="91425" lIns="91425" spcFirstLastPara="1" rIns="91425" wrap="square" tIns="91425">
+          <a:bodyPr spcFirstLastPara="1" wrap="square" lIns="91425" tIns="91425" rIns="91425" bIns="91425" anchor="t" anchorCtr="0">
             <a:normAutofit/>
           </a:bodyPr>
           <a:lstStyle/>
           <a:p>
-            <a:pPr indent="0" lvl="0" marL="0" rtl="0" algn="l">
+            <a:pPr marL="0" lvl="0" indent="0" algn="l" rtl="0">
               <a:spcBef>
                 <a:spcPts val="0"/>
               </a:spcBef>
@@ -11694,14 +11721,16 @@
       <p:sp>
         <p:nvSpPr>
           <p:cNvPr id="222" name="Google Shape;222;p25"/>
-          <p:cNvSpPr txBox="1"/>
+          <p:cNvSpPr txBox="1">
+            <a:spLocks noGrp="1"/>
+          </p:cNvSpPr>
           <p:nvPr>
-            <p:ph idx="1" type="body"/>
+            <p:ph type="body" idx="1"/>
           </p:nvPr>
         </p:nvSpPr>
         <p:spPr>
           <a:xfrm>
-            <a:off x="5187750" y="1567550"/>
+            <a:off x="5995500" y="2787584"/>
             <a:ext cx="3148500" cy="2911200"/>
           </a:xfrm>
           <a:prstGeom prst="rect">
@@ -11709,12 +11738,12 @@
           </a:prstGeom>
         </p:spPr>
         <p:txBody>
-          <a:bodyPr anchorCtr="0" anchor="t" bIns="91425" lIns="91425" spcFirstLastPara="1" rIns="91425" wrap="square" tIns="91425">
+          <a:bodyPr spcFirstLastPara="1" wrap="square" lIns="91425" tIns="91425" rIns="91425" bIns="91425" anchor="t" anchorCtr="0">
             <a:normAutofit/>
           </a:bodyPr>
           <a:lstStyle/>
           <a:p>
-            <a:pPr indent="0" lvl="0" marL="0" rtl="0" algn="l">
+            <a:pPr marL="0" lvl="0" indent="0" algn="l" rtl="0">
               <a:spcBef>
                 <a:spcPts val="0"/>
               </a:spcBef>
@@ -11724,12 +11753,115 @@
               <a:buNone/>
             </a:pPr>
             <a:r>
-              <a:t/>
+              <a:rPr lang="it-IT" dirty="0" smtClean="0"/>
+              <a:t>Il gioco non appena sarà avviato, </a:t>
             </a:r>
-            <a:endParaRPr/>
+            <a:r>
+              <a:rPr lang="it-IT" dirty="0" err="1" smtClean="0"/>
+              <a:t>mostrarà</a:t>
+            </a:r>
+            <a:r>
+              <a:rPr lang="it-IT" dirty="0" smtClean="0"/>
+              <a:t> la sua storia e le dinamiche che hann</a:t>
+            </a:r>
+            <a:r>
+              <a:rPr lang="it-IT" dirty="0" smtClean="0"/>
+              <a:t>o portato il protagonista a trovarsi nella situazione  odierna.</a:t>
+            </a:r>
+            <a:endParaRPr dirty="0"/>
           </a:p>
         </p:txBody>
       </p:sp>
+      <p:pic>
+        <p:nvPicPr>
+          <p:cNvPr id="2" name="Immagine 1"/>
+          <p:cNvPicPr>
+            <a:picLocks noChangeAspect="1"/>
+          </p:cNvPicPr>
+          <p:nvPr/>
+        </p:nvPicPr>
+        <p:blipFill>
+          <a:blip r:embed="rId3">
+            <a:extLst>
+              <a:ext uri="{28A0092B-C50C-407E-A947-70E740481C1C}">
+                <a14:useLocalDpi xmlns:a14="http://schemas.microsoft.com/office/drawing/2010/main" val="0"/>
+              </a:ext>
+            </a:extLst>
+          </a:blip>
+          <a:stretch>
+            <a:fillRect/>
+          </a:stretch>
+        </p:blipFill>
+        <p:spPr>
+          <a:xfrm>
+            <a:off x="1108861" y="1338261"/>
+            <a:ext cx="7192851" cy="988108"/>
+          </a:xfrm>
+          <a:prstGeom prst="rect">
+            <a:avLst/>
+          </a:prstGeom>
+        </p:spPr>
+      </p:pic>
+      <p:pic>
+        <p:nvPicPr>
+          <p:cNvPr id="3" name="Immagine 2"/>
+          <p:cNvPicPr>
+            <a:picLocks noChangeAspect="1"/>
+          </p:cNvPicPr>
+          <p:nvPr/>
+        </p:nvPicPr>
+        <p:blipFill>
+          <a:blip r:embed="rId4">
+            <a:extLst>
+              <a:ext uri="{28A0092B-C50C-407E-A947-70E740481C1C}">
+                <a14:useLocalDpi xmlns:a14="http://schemas.microsoft.com/office/drawing/2010/main" val="0"/>
+              </a:ext>
+            </a:extLst>
+          </a:blip>
+          <a:stretch>
+            <a:fillRect/>
+          </a:stretch>
+        </p:blipFill>
+        <p:spPr>
+          <a:xfrm>
+            <a:off x="560231" y="2326369"/>
+            <a:ext cx="5370490" cy="1774005"/>
+          </a:xfrm>
+          <a:prstGeom prst="rect">
+            <a:avLst/>
+          </a:prstGeom>
+        </p:spPr>
+      </p:pic>
+      <p:pic>
+        <p:nvPicPr>
+          <p:cNvPr id="4" name="Immagine 3"/>
+          <p:cNvPicPr>
+            <a:picLocks noChangeAspect="1"/>
+          </p:cNvPicPr>
+          <p:nvPr/>
+        </p:nvPicPr>
+        <p:blipFill>
+          <a:blip r:embed="rId5">
+            <a:extLst>
+              <a:ext uri="{28A0092B-C50C-407E-A947-70E740481C1C}">
+                <a14:useLocalDpi xmlns:a14="http://schemas.microsoft.com/office/drawing/2010/main" val="0"/>
+              </a:ext>
+            </a:extLst>
+          </a:blip>
+          <a:stretch>
+            <a:fillRect/>
+          </a:stretch>
+        </p:blipFill>
+        <p:spPr>
+          <a:xfrm>
+            <a:off x="2403848" y="4100374"/>
+            <a:ext cx="2301439" cy="449619"/>
+          </a:xfrm>
+          <a:prstGeom prst="rect">
+            <a:avLst/>
+          </a:prstGeom>
+        </p:spPr>
+      </p:pic>
     </p:spTree>
   </p:cSld>
   <p:clrMapOvr>
@@ -11739,11 +11871,11 @@
 </file>
 
 <file path=ppt/slides/slide14.xml><?xml version="1.0" encoding="utf-8"?>
-<p:sld xmlns:a="http://schemas.openxmlformats.org/drawingml/2006/main" xmlns:r="http://schemas.openxmlformats.org/officeDocument/2006/relationships" xmlns:mc="http://schemas.openxmlformats.org/markup-compatibility/2006" xmlns:mv="urn:schemas-microsoft-com:mac:vml" xmlns:p="http://schemas.openxmlformats.org/presentationml/2006/main" xmlns:c="http://schemas.openxmlformats.org/drawingml/2006/chart" xmlns:dgm="http://schemas.openxmlformats.org/drawingml/2006/diagram" xmlns:o="urn:schemas-microsoft-com:office:office" xmlns:v="urn:schemas-microsoft-com:vml" xmlns:pvml="urn:schemas-microsoft-com:office:powerpoint" xmlns:com="http://schemas.openxmlformats.org/drawingml/2006/compatibility" xmlns:p14="http://schemas.microsoft.com/office/powerpoint/2010/main" xmlns:p15="http://schemas.microsoft.com/office/powerpoint/2012/main" xmlns:ahyp="http://schemas.microsoft.com/office/drawing/2018/hyperlinkcolor">
+<p:sld xmlns:a="http://schemas.openxmlformats.org/drawingml/2006/main" xmlns:r="http://schemas.openxmlformats.org/officeDocument/2006/relationships" xmlns:p="http://schemas.openxmlformats.org/presentationml/2006/main">
   <p:cSld>
     <p:spTree>
       <p:nvGrpSpPr>
-        <p:cNvPr id="226" name="Shape 226"/>
+        <p:cNvPr id="1" name="Shape 226"/>
         <p:cNvGrpSpPr/>
         <p:nvPr/>
       </p:nvGrpSpPr>
@@ -11758,7 +11890,9 @@
       <p:sp>
         <p:nvSpPr>
           <p:cNvPr id="227" name="Google Shape;227;p26"/>
-          <p:cNvSpPr txBox="1"/>
+          <p:cNvSpPr txBox="1">
+            <a:spLocks noGrp="1"/>
+          </p:cNvSpPr>
           <p:nvPr>
             <p:ph type="title"/>
           </p:nvPr>
@@ -11773,12 +11907,12 @@
           </a:prstGeom>
         </p:spPr>
         <p:txBody>
-          <a:bodyPr anchorCtr="0" anchor="t" bIns="91425" lIns="91425" spcFirstLastPara="1" rIns="91425" wrap="square" tIns="91425">
+          <a:bodyPr spcFirstLastPara="1" wrap="square" lIns="91425" tIns="91425" rIns="91425" bIns="91425" anchor="t" anchorCtr="0">
             <a:normAutofit/>
           </a:bodyPr>
           <a:lstStyle/>
           <a:p>
-            <a:pPr indent="0" lvl="0" marL="0" rtl="0" algn="l">
+            <a:pPr marL="0" lvl="0" indent="0" algn="l" rtl="0">
               <a:spcBef>
                 <a:spcPts val="0"/>
               </a:spcBef>
@@ -11798,9 +11932,11 @@
       <p:sp>
         <p:nvSpPr>
           <p:cNvPr id="228" name="Google Shape;228;p26"/>
-          <p:cNvSpPr txBox="1"/>
+          <p:cNvSpPr txBox="1">
+            <a:spLocks noGrp="1"/>
+          </p:cNvSpPr>
           <p:nvPr>
-            <p:ph idx="1" type="body"/>
+            <p:ph type="body" idx="1"/>
           </p:nvPr>
         </p:nvSpPr>
         <p:spPr>
@@ -11813,12 +11949,12 @@
           </a:prstGeom>
         </p:spPr>
         <p:txBody>
-          <a:bodyPr anchorCtr="0" anchor="t" bIns="91425" lIns="91425" spcFirstLastPara="1" rIns="91425" wrap="square" tIns="91425">
-            <a:normAutofit lnSpcReduction="20000"/>
+          <a:bodyPr spcFirstLastPara="1" wrap="square" lIns="91425" tIns="91425" rIns="91425" bIns="91425" anchor="t" anchorCtr="0">
+            <a:normAutofit fontScale="92500"/>
           </a:bodyPr>
           <a:lstStyle/>
           <a:p>
-            <a:pPr indent="0" lvl="0" marL="0" rtl="0" algn="l">
+            <a:pPr marL="0" lvl="0" indent="0" algn="l" rtl="0">
               <a:spcBef>
                 <a:spcPts val="0"/>
               </a:spcBef>
@@ -11834,7 +11970,7 @@
             <a:endParaRPr/>
           </a:p>
           <a:p>
-            <a:pPr indent="0" lvl="0" marL="0" rtl="0" algn="l">
+            <a:pPr marL="0" lvl="0" indent="0" algn="l" rtl="0">
               <a:spcBef>
                 <a:spcPts val="1200"/>
               </a:spcBef>
@@ -11850,7 +11986,7 @@
             <a:endParaRPr/>
           </a:p>
           <a:p>
-            <a:pPr indent="0" lvl="0" marL="0" rtl="0" algn="l">
+            <a:pPr marL="0" lvl="0" indent="0" algn="l" rtl="0">
               <a:spcBef>
                 <a:spcPts val="1200"/>
               </a:spcBef>
@@ -11904,11 +12040,11 @@
 </file>
 
 <file path=ppt/slides/slide15.xml><?xml version="1.0" encoding="utf-8"?>
-<p:sld xmlns:a="http://schemas.openxmlformats.org/drawingml/2006/main" xmlns:r="http://schemas.openxmlformats.org/officeDocument/2006/relationships" xmlns:mc="http://schemas.openxmlformats.org/markup-compatibility/2006" xmlns:mv="urn:schemas-microsoft-com:mac:vml" xmlns:p="http://schemas.openxmlformats.org/presentationml/2006/main" xmlns:c="http://schemas.openxmlformats.org/drawingml/2006/chart" xmlns:dgm="http://schemas.openxmlformats.org/drawingml/2006/diagram" xmlns:o="urn:schemas-microsoft-com:office:office" xmlns:v="urn:schemas-microsoft-com:vml" xmlns:pvml="urn:schemas-microsoft-com:office:powerpoint" xmlns:com="http://schemas.openxmlformats.org/drawingml/2006/compatibility" xmlns:p14="http://schemas.microsoft.com/office/powerpoint/2010/main" xmlns:p15="http://schemas.microsoft.com/office/powerpoint/2012/main" xmlns:ahyp="http://schemas.microsoft.com/office/drawing/2018/hyperlinkcolor">
+<p:sld xmlns:a="http://schemas.openxmlformats.org/drawingml/2006/main" xmlns:r="http://schemas.openxmlformats.org/officeDocument/2006/relationships" xmlns:p="http://schemas.openxmlformats.org/presentationml/2006/main">
   <p:cSld>
     <p:spTree>
       <p:nvGrpSpPr>
-        <p:cNvPr id="233" name="Shape 233"/>
+        <p:cNvPr id="1" name="Shape 233"/>
         <p:cNvGrpSpPr/>
         <p:nvPr/>
       </p:nvGrpSpPr>
@@ -11923,7 +12059,9 @@
       <p:sp>
         <p:nvSpPr>
           <p:cNvPr id="234" name="Google Shape;234;p27"/>
-          <p:cNvSpPr txBox="1"/>
+          <p:cNvSpPr txBox="1">
+            <a:spLocks noGrp="1"/>
+          </p:cNvSpPr>
           <p:nvPr>
             <p:ph type="title"/>
           </p:nvPr>
@@ -11938,12 +12076,12 @@
           </a:prstGeom>
         </p:spPr>
         <p:txBody>
-          <a:bodyPr anchorCtr="0" anchor="t" bIns="91425" lIns="91425" spcFirstLastPara="1" rIns="91425" wrap="square" tIns="91425">
+          <a:bodyPr spcFirstLastPara="1" wrap="square" lIns="91425" tIns="91425" rIns="91425" bIns="91425" anchor="t" anchorCtr="0">
             <a:normAutofit/>
           </a:bodyPr>
           <a:lstStyle/>
           <a:p>
-            <a:pPr indent="0" lvl="0" marL="0" rtl="0" algn="l">
+            <a:pPr marL="0" lvl="0" indent="0" algn="l" rtl="0">
               <a:spcBef>
                 <a:spcPts val="0"/>
               </a:spcBef>
@@ -11963,9 +12101,11 @@
       <p:sp>
         <p:nvSpPr>
           <p:cNvPr id="235" name="Google Shape;235;p27"/>
-          <p:cNvSpPr txBox="1"/>
+          <p:cNvSpPr txBox="1">
+            <a:spLocks noGrp="1"/>
+          </p:cNvSpPr>
           <p:nvPr>
-            <p:ph idx="1" type="body"/>
+            <p:ph type="body" idx="1"/>
           </p:nvPr>
         </p:nvSpPr>
         <p:spPr>
@@ -11978,12 +12118,12 @@
           </a:prstGeom>
         </p:spPr>
         <p:txBody>
-          <a:bodyPr anchorCtr="0" anchor="t" bIns="91425" lIns="91425" spcFirstLastPara="1" rIns="91425" wrap="square" tIns="91425">
+          <a:bodyPr spcFirstLastPara="1" wrap="square" lIns="91425" tIns="91425" rIns="91425" bIns="91425" anchor="t" anchorCtr="0">
             <a:normAutofit/>
           </a:bodyPr>
           <a:lstStyle/>
           <a:p>
-            <a:pPr indent="0" lvl="0" marL="0" rtl="0" algn="l">
+            <a:pPr marL="0" lvl="0" indent="0" algn="l" rtl="0">
               <a:spcBef>
                 <a:spcPts val="0"/>
               </a:spcBef>
@@ -12037,11 +12177,11 @@
 </file>
 
 <file path=ppt/slides/slide16.xml><?xml version="1.0" encoding="utf-8"?>
-<p:sld xmlns:a="http://schemas.openxmlformats.org/drawingml/2006/main" xmlns:r="http://schemas.openxmlformats.org/officeDocument/2006/relationships" xmlns:mc="http://schemas.openxmlformats.org/markup-compatibility/2006" xmlns:mv="urn:schemas-microsoft-com:mac:vml" xmlns:p="http://schemas.openxmlformats.org/presentationml/2006/main" xmlns:c="http://schemas.openxmlformats.org/drawingml/2006/chart" xmlns:dgm="http://schemas.openxmlformats.org/drawingml/2006/diagram" xmlns:o="urn:schemas-microsoft-com:office:office" xmlns:v="urn:schemas-microsoft-com:vml" xmlns:pvml="urn:schemas-microsoft-com:office:powerpoint" xmlns:com="http://schemas.openxmlformats.org/drawingml/2006/compatibility" xmlns:p14="http://schemas.microsoft.com/office/powerpoint/2010/main" xmlns:p15="http://schemas.microsoft.com/office/powerpoint/2012/main" xmlns:ahyp="http://schemas.microsoft.com/office/drawing/2018/hyperlinkcolor">
+<p:sld xmlns:a="http://schemas.openxmlformats.org/drawingml/2006/main" xmlns:r="http://schemas.openxmlformats.org/officeDocument/2006/relationships" xmlns:p="http://schemas.openxmlformats.org/presentationml/2006/main">
   <p:cSld>
     <p:spTree>
       <p:nvGrpSpPr>
-        <p:cNvPr id="240" name="Shape 240"/>
+        <p:cNvPr id="1" name="Shape 240"/>
         <p:cNvGrpSpPr/>
         <p:nvPr/>
       </p:nvGrpSpPr>
@@ -12056,7 +12196,9 @@
       <p:sp>
         <p:nvSpPr>
           <p:cNvPr id="241" name="Google Shape;241;p28"/>
-          <p:cNvSpPr txBox="1"/>
+          <p:cNvSpPr txBox="1">
+            <a:spLocks noGrp="1"/>
+          </p:cNvSpPr>
           <p:nvPr>
             <p:ph type="title"/>
           </p:nvPr>
@@ -12071,12 +12213,12 @@
           </a:prstGeom>
         </p:spPr>
         <p:txBody>
-          <a:bodyPr anchorCtr="0" anchor="t" bIns="91425" lIns="91425" spcFirstLastPara="1" rIns="91425" wrap="square" tIns="91425">
+          <a:bodyPr spcFirstLastPara="1" wrap="square" lIns="91425" tIns="91425" rIns="91425" bIns="91425" anchor="t" anchorCtr="0">
             <a:normAutofit/>
           </a:bodyPr>
           <a:lstStyle/>
           <a:p>
-            <a:pPr indent="0" lvl="0" marL="0" rtl="0" algn="l">
+            <a:pPr marL="0" lvl="0" indent="0" algn="l" rtl="0">
               <a:spcBef>
                 <a:spcPts val="0"/>
               </a:spcBef>
@@ -12096,9 +12238,11 @@
       <p:sp>
         <p:nvSpPr>
           <p:cNvPr id="242" name="Google Shape;242;p28"/>
-          <p:cNvSpPr txBox="1"/>
+          <p:cNvSpPr txBox="1">
+            <a:spLocks noGrp="1"/>
+          </p:cNvSpPr>
           <p:nvPr>
-            <p:ph idx="1" type="body"/>
+            <p:ph type="body" idx="1"/>
           </p:nvPr>
         </p:nvSpPr>
         <p:spPr>
@@ -12111,12 +12255,12 @@
           </a:prstGeom>
         </p:spPr>
         <p:txBody>
-          <a:bodyPr anchorCtr="0" anchor="t" bIns="91425" lIns="91425" spcFirstLastPara="1" rIns="91425" wrap="square" tIns="91425">
-            <a:normAutofit/>
+          <a:bodyPr spcFirstLastPara="1" wrap="square" lIns="91425" tIns="91425" rIns="91425" bIns="91425" anchor="t" anchorCtr="0">
+            <a:normAutofit lnSpcReduction="10000"/>
           </a:bodyPr>
           <a:lstStyle/>
           <a:p>
-            <a:pPr indent="0" lvl="0" marL="0" rtl="0" algn="l">
+            <a:pPr marL="0" lvl="0" indent="0" algn="l" rtl="0">
               <a:spcBef>
                 <a:spcPts val="0"/>
               </a:spcBef>
@@ -12170,11 +12314,11 @@
 </file>
 
 <file path=ppt/slides/slide17.xml><?xml version="1.0" encoding="utf-8"?>
-<p:sld xmlns:a="http://schemas.openxmlformats.org/drawingml/2006/main" xmlns:r="http://schemas.openxmlformats.org/officeDocument/2006/relationships" xmlns:mc="http://schemas.openxmlformats.org/markup-compatibility/2006" xmlns:mv="urn:schemas-microsoft-com:mac:vml" xmlns:p="http://schemas.openxmlformats.org/presentationml/2006/main" xmlns:c="http://schemas.openxmlformats.org/drawingml/2006/chart" xmlns:dgm="http://schemas.openxmlformats.org/drawingml/2006/diagram" xmlns:o="urn:schemas-microsoft-com:office:office" xmlns:v="urn:schemas-microsoft-com:vml" xmlns:pvml="urn:schemas-microsoft-com:office:powerpoint" xmlns:com="http://schemas.openxmlformats.org/drawingml/2006/compatibility" xmlns:p14="http://schemas.microsoft.com/office/powerpoint/2010/main" xmlns:p15="http://schemas.microsoft.com/office/powerpoint/2012/main" xmlns:ahyp="http://schemas.microsoft.com/office/drawing/2018/hyperlinkcolor">
+<p:sld xmlns:a="http://schemas.openxmlformats.org/drawingml/2006/main" xmlns:r="http://schemas.openxmlformats.org/officeDocument/2006/relationships" xmlns:p="http://schemas.openxmlformats.org/presentationml/2006/main">
   <p:cSld>
     <p:spTree>
       <p:nvGrpSpPr>
-        <p:cNvPr id="247" name="Shape 247"/>
+        <p:cNvPr id="1" name="Shape 247"/>
         <p:cNvGrpSpPr/>
         <p:nvPr/>
       </p:nvGrpSpPr>
@@ -12189,7 +12333,9 @@
       <p:sp>
         <p:nvSpPr>
           <p:cNvPr id="248" name="Google Shape;248;p29"/>
-          <p:cNvSpPr txBox="1"/>
+          <p:cNvSpPr txBox="1">
+            <a:spLocks noGrp="1"/>
+          </p:cNvSpPr>
           <p:nvPr>
             <p:ph type="title"/>
           </p:nvPr>
@@ -12204,12 +12350,12 @@
           </a:prstGeom>
         </p:spPr>
         <p:txBody>
-          <a:bodyPr anchorCtr="0" anchor="t" bIns="91425" lIns="91425" spcFirstLastPara="1" rIns="91425" wrap="square" tIns="91425">
+          <a:bodyPr spcFirstLastPara="1" wrap="square" lIns="91425" tIns="91425" rIns="91425" bIns="91425" anchor="t" anchorCtr="0">
             <a:normAutofit/>
           </a:bodyPr>
           <a:lstStyle/>
           <a:p>
-            <a:pPr indent="0" lvl="0" marL="0" rtl="0" algn="l">
+            <a:pPr marL="0" lvl="0" indent="0" algn="l" rtl="0">
               <a:spcBef>
                 <a:spcPts val="0"/>
               </a:spcBef>
@@ -12229,9 +12375,11 @@
       <p:sp>
         <p:nvSpPr>
           <p:cNvPr id="249" name="Google Shape;249;p29"/>
-          <p:cNvSpPr txBox="1"/>
+          <p:cNvSpPr txBox="1">
+            <a:spLocks noGrp="1"/>
+          </p:cNvSpPr>
           <p:nvPr>
-            <p:ph idx="1" type="body"/>
+            <p:ph type="body" idx="1"/>
           </p:nvPr>
         </p:nvSpPr>
         <p:spPr>
@@ -12244,12 +12392,12 @@
           </a:prstGeom>
         </p:spPr>
         <p:txBody>
-          <a:bodyPr anchorCtr="0" anchor="t" bIns="91425" lIns="91425" spcFirstLastPara="1" rIns="91425" wrap="square" tIns="91425">
-            <a:normAutofit fontScale="85000" lnSpcReduction="20000"/>
+          <a:bodyPr spcFirstLastPara="1" wrap="square" lIns="91425" tIns="91425" rIns="91425" bIns="91425" anchor="t" anchorCtr="0">
+            <a:normAutofit fontScale="70000" lnSpcReduction="20000"/>
           </a:bodyPr>
           <a:lstStyle/>
           <a:p>
-            <a:pPr indent="0" lvl="0" marL="0" rtl="0" algn="l">
+            <a:pPr marL="0" lvl="0" indent="0" algn="l" rtl="0">
               <a:spcBef>
                 <a:spcPts val="0"/>
               </a:spcBef>
@@ -12265,7 +12413,7 @@
             <a:endParaRPr/>
           </a:p>
           <a:p>
-            <a:pPr indent="0" lvl="0" marL="0" rtl="0" algn="l">
+            <a:pPr marL="0" lvl="0" indent="0" algn="l" rtl="0">
               <a:spcBef>
                 <a:spcPts val="1200"/>
               </a:spcBef>
@@ -12347,11 +12495,11 @@
 </file>
 
 <file path=ppt/slides/slide18.xml><?xml version="1.0" encoding="utf-8"?>
-<p:sld xmlns:a="http://schemas.openxmlformats.org/drawingml/2006/main" xmlns:r="http://schemas.openxmlformats.org/officeDocument/2006/relationships" xmlns:mc="http://schemas.openxmlformats.org/markup-compatibility/2006" xmlns:mv="urn:schemas-microsoft-com:mac:vml" xmlns:p="http://schemas.openxmlformats.org/presentationml/2006/main" xmlns:c="http://schemas.openxmlformats.org/drawingml/2006/chart" xmlns:dgm="http://schemas.openxmlformats.org/drawingml/2006/diagram" xmlns:o="urn:schemas-microsoft-com:office:office" xmlns:v="urn:schemas-microsoft-com:vml" xmlns:pvml="urn:schemas-microsoft-com:office:powerpoint" xmlns:com="http://schemas.openxmlformats.org/drawingml/2006/compatibility" xmlns:p14="http://schemas.microsoft.com/office/powerpoint/2010/main" xmlns:p15="http://schemas.microsoft.com/office/powerpoint/2012/main" xmlns:ahyp="http://schemas.microsoft.com/office/drawing/2018/hyperlinkcolor">
+<p:sld xmlns:a="http://schemas.openxmlformats.org/drawingml/2006/main" xmlns:r="http://schemas.openxmlformats.org/officeDocument/2006/relationships" xmlns:p="http://schemas.openxmlformats.org/presentationml/2006/main">
   <p:cSld>
     <p:spTree>
       <p:nvGrpSpPr>
-        <p:cNvPr id="255" name="Shape 255"/>
+        <p:cNvPr id="1" name="Shape 255"/>
         <p:cNvGrpSpPr/>
         <p:nvPr/>
       </p:nvGrpSpPr>
@@ -12366,7 +12514,9 @@
       <p:sp>
         <p:nvSpPr>
           <p:cNvPr id="256" name="Google Shape;256;p30"/>
-          <p:cNvSpPr txBox="1"/>
+          <p:cNvSpPr txBox="1">
+            <a:spLocks noGrp="1"/>
+          </p:cNvSpPr>
           <p:nvPr>
             <p:ph type="title"/>
           </p:nvPr>
@@ -12381,12 +12531,12 @@
           </a:prstGeom>
         </p:spPr>
         <p:txBody>
-          <a:bodyPr anchorCtr="0" anchor="t" bIns="91425" lIns="91425" spcFirstLastPara="1" rIns="91425" wrap="square" tIns="91425">
+          <a:bodyPr spcFirstLastPara="1" wrap="square" lIns="91425" tIns="91425" rIns="91425" bIns="91425" anchor="t" anchorCtr="0">
             <a:normAutofit/>
           </a:bodyPr>
           <a:lstStyle/>
           <a:p>
-            <a:pPr indent="0" lvl="0" marL="0" rtl="0" algn="l">
+            <a:pPr marL="0" lvl="0" indent="0" algn="l" rtl="0">
               <a:spcBef>
                 <a:spcPts val="0"/>
               </a:spcBef>
@@ -12406,9 +12556,11 @@
       <p:sp>
         <p:nvSpPr>
           <p:cNvPr id="257" name="Google Shape;257;p30"/>
-          <p:cNvSpPr txBox="1"/>
+          <p:cNvSpPr txBox="1">
+            <a:spLocks noGrp="1"/>
+          </p:cNvSpPr>
           <p:nvPr>
-            <p:ph idx="1" type="body"/>
+            <p:ph type="body" idx="1"/>
           </p:nvPr>
         </p:nvSpPr>
         <p:spPr>
@@ -12421,12 +12573,12 @@
           </a:prstGeom>
         </p:spPr>
         <p:txBody>
-          <a:bodyPr anchorCtr="0" anchor="t" bIns="91425" lIns="91425" spcFirstLastPara="1" rIns="91425" wrap="square" tIns="91425">
-            <a:normAutofit/>
+          <a:bodyPr spcFirstLastPara="1" wrap="square" lIns="91425" tIns="91425" rIns="91425" bIns="91425" anchor="t" anchorCtr="0">
+            <a:normAutofit lnSpcReduction="10000"/>
           </a:bodyPr>
           <a:lstStyle/>
           <a:p>
-            <a:pPr indent="0" lvl="0" marL="0" rtl="0" algn="l">
+            <a:pPr marL="0" lvl="0" indent="0" algn="l" rtl="0">
               <a:spcBef>
                 <a:spcPts val="0"/>
               </a:spcBef>
@@ -12480,11 +12632,11 @@
 </file>
 
 <file path=ppt/slides/slide19.xml><?xml version="1.0" encoding="utf-8"?>
-<p:sld xmlns:a="http://schemas.openxmlformats.org/drawingml/2006/main" xmlns:r="http://schemas.openxmlformats.org/officeDocument/2006/relationships" xmlns:mc="http://schemas.openxmlformats.org/markup-compatibility/2006" xmlns:mv="urn:schemas-microsoft-com:mac:vml" xmlns:p="http://schemas.openxmlformats.org/presentationml/2006/main" xmlns:c="http://schemas.openxmlformats.org/drawingml/2006/chart" xmlns:dgm="http://schemas.openxmlformats.org/drawingml/2006/diagram" xmlns:o="urn:schemas-microsoft-com:office:office" xmlns:v="urn:schemas-microsoft-com:vml" xmlns:pvml="urn:schemas-microsoft-com:office:powerpoint" xmlns:com="http://schemas.openxmlformats.org/drawingml/2006/compatibility" xmlns:p14="http://schemas.microsoft.com/office/powerpoint/2010/main" xmlns:p15="http://schemas.microsoft.com/office/powerpoint/2012/main" xmlns:ahyp="http://schemas.microsoft.com/office/drawing/2018/hyperlinkcolor">
+<p:sld xmlns:a="http://schemas.openxmlformats.org/drawingml/2006/main" xmlns:r="http://schemas.openxmlformats.org/officeDocument/2006/relationships" xmlns:p="http://schemas.openxmlformats.org/presentationml/2006/main">
   <p:cSld>
     <p:spTree>
       <p:nvGrpSpPr>
-        <p:cNvPr id="262" name="Shape 262"/>
+        <p:cNvPr id="1" name="Shape 262"/>
         <p:cNvGrpSpPr/>
         <p:nvPr/>
       </p:nvGrpSpPr>
@@ -12499,7 +12651,9 @@
       <p:sp>
         <p:nvSpPr>
           <p:cNvPr id="263" name="Google Shape;263;p31"/>
-          <p:cNvSpPr txBox="1"/>
+          <p:cNvSpPr txBox="1">
+            <a:spLocks noGrp="1"/>
+          </p:cNvSpPr>
           <p:nvPr>
             <p:ph type="title"/>
           </p:nvPr>
@@ -12514,12 +12668,12 @@
           </a:prstGeom>
         </p:spPr>
         <p:txBody>
-          <a:bodyPr anchorCtr="0" anchor="t" bIns="91425" lIns="91425" spcFirstLastPara="1" rIns="91425" wrap="square" tIns="91425">
+          <a:bodyPr spcFirstLastPara="1" wrap="square" lIns="91425" tIns="91425" rIns="91425" bIns="91425" anchor="t" anchorCtr="0">
             <a:normAutofit/>
           </a:bodyPr>
           <a:lstStyle/>
           <a:p>
-            <a:pPr indent="0" lvl="0" marL="0" rtl="0" algn="l">
+            <a:pPr marL="0" lvl="0" indent="0" algn="l" rtl="0">
               <a:spcBef>
                 <a:spcPts val="0"/>
               </a:spcBef>
@@ -12539,9 +12693,11 @@
       <p:sp>
         <p:nvSpPr>
           <p:cNvPr id="264" name="Google Shape;264;p31"/>
-          <p:cNvSpPr txBox="1"/>
+          <p:cNvSpPr txBox="1">
+            <a:spLocks noGrp="1"/>
+          </p:cNvSpPr>
           <p:nvPr>
-            <p:ph idx="1" type="body"/>
+            <p:ph type="body" idx="1"/>
           </p:nvPr>
         </p:nvSpPr>
         <p:spPr>
@@ -12554,12 +12710,12 @@
           </a:prstGeom>
         </p:spPr>
         <p:txBody>
-          <a:bodyPr anchorCtr="0" anchor="t" bIns="91425" lIns="91425" spcFirstLastPara="1" rIns="91425" wrap="square" tIns="91425">
-            <a:normAutofit fontScale="85000" lnSpcReduction="20000"/>
+          <a:bodyPr spcFirstLastPara="1" wrap="square" lIns="91425" tIns="91425" rIns="91425" bIns="91425" anchor="t" anchorCtr="0">
+            <a:normAutofit fontScale="70000" lnSpcReduction="20000"/>
           </a:bodyPr>
           <a:lstStyle/>
           <a:p>
-            <a:pPr indent="0" lvl="0" marL="0" rtl="0" algn="l">
+            <a:pPr marL="0" lvl="0" indent="0" algn="l" rtl="0">
               <a:spcBef>
                 <a:spcPts val="0"/>
               </a:spcBef>
@@ -12575,7 +12731,7 @@
             <a:endParaRPr/>
           </a:p>
           <a:p>
-            <a:pPr indent="0" lvl="0" marL="0" rtl="0" algn="l">
+            <a:pPr marL="0" lvl="0" indent="0" algn="l" rtl="0">
               <a:spcBef>
                 <a:spcPts val="1200"/>
               </a:spcBef>
@@ -12629,11 +12785,11 @@
 </file>
 
 <file path=ppt/slides/slide2.xml><?xml version="1.0" encoding="utf-8"?>
-<p:sld xmlns:a="http://schemas.openxmlformats.org/drawingml/2006/main" xmlns:r="http://schemas.openxmlformats.org/officeDocument/2006/relationships" xmlns:mc="http://schemas.openxmlformats.org/markup-compatibility/2006" xmlns:mv="urn:schemas-microsoft-com:mac:vml" xmlns:p="http://schemas.openxmlformats.org/presentationml/2006/main" xmlns:c="http://schemas.openxmlformats.org/drawingml/2006/chart" xmlns:dgm="http://schemas.openxmlformats.org/drawingml/2006/diagram" xmlns:o="urn:schemas-microsoft-com:office:office" xmlns:v="urn:schemas-microsoft-com:vml" xmlns:pvml="urn:schemas-microsoft-com:office:powerpoint" xmlns:com="http://schemas.openxmlformats.org/drawingml/2006/compatibility" xmlns:p14="http://schemas.microsoft.com/office/powerpoint/2010/main" xmlns:p15="http://schemas.microsoft.com/office/powerpoint/2012/main" xmlns:ahyp="http://schemas.microsoft.com/office/drawing/2018/hyperlinkcolor">
+<p:sld xmlns:a="http://schemas.openxmlformats.org/drawingml/2006/main" xmlns:r="http://schemas.openxmlformats.org/officeDocument/2006/relationships" xmlns:p="http://schemas.openxmlformats.org/presentationml/2006/main">
   <p:cSld>
     <p:spTree>
       <p:nvGrpSpPr>
-        <p:cNvPr id="139" name="Shape 139"/>
+        <p:cNvPr id="1" name="Shape 139"/>
         <p:cNvGrpSpPr/>
         <p:nvPr/>
       </p:nvGrpSpPr>
@@ -12648,7 +12804,9 @@
       <p:sp>
         <p:nvSpPr>
           <p:cNvPr id="140" name="Google Shape;140;p14"/>
-          <p:cNvSpPr txBox="1"/>
+          <p:cNvSpPr txBox="1">
+            <a:spLocks noGrp="1"/>
+          </p:cNvSpPr>
           <p:nvPr>
             <p:ph type="title"/>
           </p:nvPr>
@@ -12663,12 +12821,12 @@
           </a:prstGeom>
         </p:spPr>
         <p:txBody>
-          <a:bodyPr anchorCtr="0" anchor="t" bIns="91425" lIns="91425" spcFirstLastPara="1" rIns="91425" wrap="square" tIns="91425">
+          <a:bodyPr spcFirstLastPara="1" wrap="square" lIns="91425" tIns="91425" rIns="91425" bIns="91425" anchor="t" anchorCtr="0">
             <a:normAutofit/>
           </a:bodyPr>
           <a:lstStyle/>
           <a:p>
-            <a:pPr indent="0" lvl="0" marL="0" rtl="0" algn="l">
+            <a:pPr marL="0" lvl="0" indent="0" algn="l" rtl="0">
               <a:spcBef>
                 <a:spcPts val="0"/>
               </a:spcBef>
@@ -12722,11 +12880,11 @@
 </file>
 
 <file path=ppt/slides/slide20.xml><?xml version="1.0" encoding="utf-8"?>
-<p:sld xmlns:a="http://schemas.openxmlformats.org/drawingml/2006/main" xmlns:r="http://schemas.openxmlformats.org/officeDocument/2006/relationships" xmlns:mc="http://schemas.openxmlformats.org/markup-compatibility/2006" xmlns:mv="urn:schemas-microsoft-com:mac:vml" xmlns:p="http://schemas.openxmlformats.org/presentationml/2006/main" xmlns:c="http://schemas.openxmlformats.org/drawingml/2006/chart" xmlns:dgm="http://schemas.openxmlformats.org/drawingml/2006/diagram" xmlns:o="urn:schemas-microsoft-com:office:office" xmlns:v="urn:schemas-microsoft-com:vml" xmlns:pvml="urn:schemas-microsoft-com:office:powerpoint" xmlns:com="http://schemas.openxmlformats.org/drawingml/2006/compatibility" xmlns:p14="http://schemas.microsoft.com/office/powerpoint/2010/main" xmlns:p15="http://schemas.microsoft.com/office/powerpoint/2012/main" xmlns:ahyp="http://schemas.microsoft.com/office/drawing/2018/hyperlinkcolor">
+<p:sld xmlns:a="http://schemas.openxmlformats.org/drawingml/2006/main" xmlns:r="http://schemas.openxmlformats.org/officeDocument/2006/relationships" xmlns:p="http://schemas.openxmlformats.org/presentationml/2006/main">
   <p:cSld>
     <p:spTree>
       <p:nvGrpSpPr>
-        <p:cNvPr id="269" name="Shape 269"/>
+        <p:cNvPr id="1" name="Shape 269"/>
         <p:cNvGrpSpPr/>
         <p:nvPr/>
       </p:nvGrpSpPr>
@@ -12741,7 +12899,9 @@
       <p:sp>
         <p:nvSpPr>
           <p:cNvPr id="270" name="Google Shape;270;p32"/>
-          <p:cNvSpPr txBox="1"/>
+          <p:cNvSpPr txBox="1">
+            <a:spLocks noGrp="1"/>
+          </p:cNvSpPr>
           <p:nvPr>
             <p:ph type="title"/>
           </p:nvPr>
@@ -12756,12 +12916,12 @@
           </a:prstGeom>
         </p:spPr>
         <p:txBody>
-          <a:bodyPr anchorCtr="0" anchor="t" bIns="91425" lIns="91425" spcFirstLastPara="1" rIns="91425" wrap="square" tIns="91425">
+          <a:bodyPr spcFirstLastPara="1" wrap="square" lIns="91425" tIns="91425" rIns="91425" bIns="91425" anchor="t" anchorCtr="0">
             <a:normAutofit/>
           </a:bodyPr>
           <a:lstStyle/>
           <a:p>
-            <a:pPr indent="0" lvl="0" marL="0" rtl="0" algn="l">
+            <a:pPr marL="0" lvl="0" indent="0" algn="l" rtl="0">
               <a:spcBef>
                 <a:spcPts val="0"/>
               </a:spcBef>
@@ -12781,9 +12941,11 @@
       <p:sp>
         <p:nvSpPr>
           <p:cNvPr id="271" name="Google Shape;271;p32"/>
-          <p:cNvSpPr txBox="1"/>
+          <p:cNvSpPr txBox="1">
+            <a:spLocks noGrp="1"/>
+          </p:cNvSpPr>
           <p:nvPr>
-            <p:ph idx="1" type="body"/>
+            <p:ph type="body" idx="1"/>
           </p:nvPr>
         </p:nvSpPr>
         <p:spPr>
@@ -12796,12 +12958,12 @@
           </a:prstGeom>
         </p:spPr>
         <p:txBody>
-          <a:bodyPr anchorCtr="0" anchor="t" bIns="91425" lIns="91425" spcFirstLastPara="1" rIns="91425" wrap="square" tIns="91425">
+          <a:bodyPr spcFirstLastPara="1" wrap="square" lIns="91425" tIns="91425" rIns="91425" bIns="91425" anchor="t" anchorCtr="0">
             <a:normAutofit/>
           </a:bodyPr>
           <a:lstStyle/>
           <a:p>
-            <a:pPr indent="0" lvl="0" marL="0" rtl="0" algn="l">
+            <a:pPr marL="0" lvl="0" indent="0" algn="l" rtl="0">
               <a:spcBef>
                 <a:spcPts val="0"/>
               </a:spcBef>
@@ -12855,11 +13017,11 @@
 </file>
 
 <file path=ppt/slides/slide21.xml><?xml version="1.0" encoding="utf-8"?>
-<p:sld xmlns:a="http://schemas.openxmlformats.org/drawingml/2006/main" xmlns:r="http://schemas.openxmlformats.org/officeDocument/2006/relationships" xmlns:mc="http://schemas.openxmlformats.org/markup-compatibility/2006" xmlns:mv="urn:schemas-microsoft-com:mac:vml" xmlns:p="http://schemas.openxmlformats.org/presentationml/2006/main" xmlns:c="http://schemas.openxmlformats.org/drawingml/2006/chart" xmlns:dgm="http://schemas.openxmlformats.org/drawingml/2006/diagram" xmlns:o="urn:schemas-microsoft-com:office:office" xmlns:v="urn:schemas-microsoft-com:vml" xmlns:pvml="urn:schemas-microsoft-com:office:powerpoint" xmlns:com="http://schemas.openxmlformats.org/drawingml/2006/compatibility" xmlns:p14="http://schemas.microsoft.com/office/powerpoint/2010/main" xmlns:p15="http://schemas.microsoft.com/office/powerpoint/2012/main" xmlns:ahyp="http://schemas.microsoft.com/office/drawing/2018/hyperlinkcolor">
+<p:sld xmlns:a="http://schemas.openxmlformats.org/drawingml/2006/main" xmlns:r="http://schemas.openxmlformats.org/officeDocument/2006/relationships" xmlns:p="http://schemas.openxmlformats.org/presentationml/2006/main">
   <p:cSld>
     <p:spTree>
       <p:nvGrpSpPr>
-        <p:cNvPr id="276" name="Shape 276"/>
+        <p:cNvPr id="1" name="Shape 276"/>
         <p:cNvGrpSpPr/>
         <p:nvPr/>
       </p:nvGrpSpPr>
@@ -12874,7 +13036,9 @@
       <p:sp>
         <p:nvSpPr>
           <p:cNvPr id="277" name="Google Shape;277;p33"/>
-          <p:cNvSpPr txBox="1"/>
+          <p:cNvSpPr txBox="1">
+            <a:spLocks noGrp="1"/>
+          </p:cNvSpPr>
           <p:nvPr>
             <p:ph type="title"/>
           </p:nvPr>
@@ -12889,12 +13053,12 @@
           </a:prstGeom>
         </p:spPr>
         <p:txBody>
-          <a:bodyPr anchorCtr="0" anchor="t" bIns="91425" lIns="91425" spcFirstLastPara="1" rIns="91425" wrap="square" tIns="91425">
+          <a:bodyPr spcFirstLastPara="1" wrap="square" lIns="91425" tIns="91425" rIns="91425" bIns="91425" anchor="t" anchorCtr="0">
             <a:normAutofit/>
           </a:bodyPr>
           <a:lstStyle/>
           <a:p>
-            <a:pPr indent="0" lvl="0" marL="0" rtl="0" algn="l">
+            <a:pPr marL="0" lvl="0" indent="0" algn="l" rtl="0">
               <a:spcBef>
                 <a:spcPts val="0"/>
               </a:spcBef>
@@ -12914,9 +13078,11 @@
       <p:sp>
         <p:nvSpPr>
           <p:cNvPr id="278" name="Google Shape;278;p33"/>
-          <p:cNvSpPr txBox="1"/>
+          <p:cNvSpPr txBox="1">
+            <a:spLocks noGrp="1"/>
+          </p:cNvSpPr>
           <p:nvPr>
-            <p:ph idx="1" type="body"/>
+            <p:ph type="body" idx="1"/>
           </p:nvPr>
         </p:nvSpPr>
         <p:spPr>
@@ -12929,12 +13095,12 @@
           </a:prstGeom>
         </p:spPr>
         <p:txBody>
-          <a:bodyPr anchorCtr="0" anchor="t" bIns="91425" lIns="91425" spcFirstLastPara="1" rIns="91425" wrap="square" tIns="91425">
-            <a:normAutofit fontScale="85000" lnSpcReduction="20000"/>
+          <a:bodyPr spcFirstLastPara="1" wrap="square" lIns="91425" tIns="91425" rIns="91425" bIns="91425" anchor="t" anchorCtr="0">
+            <a:normAutofit fontScale="70000" lnSpcReduction="20000"/>
           </a:bodyPr>
           <a:lstStyle/>
           <a:p>
-            <a:pPr indent="0" lvl="0" marL="0" rtl="0" algn="l">
+            <a:pPr marL="0" lvl="0" indent="0" algn="l" rtl="0">
               <a:spcBef>
                 <a:spcPts val="0"/>
               </a:spcBef>
@@ -12950,7 +13116,7 @@
             <a:endParaRPr/>
           </a:p>
           <a:p>
-            <a:pPr indent="0" lvl="0" marL="0" rtl="0" algn="l">
+            <a:pPr marL="0" lvl="0" indent="0" algn="l" rtl="0">
               <a:spcBef>
                 <a:spcPts val="1200"/>
               </a:spcBef>
@@ -13004,11 +13170,11 @@
 </file>
 
 <file path=ppt/slides/slide3.xml><?xml version="1.0" encoding="utf-8"?>
-<p:sld xmlns:a="http://schemas.openxmlformats.org/drawingml/2006/main" xmlns:r="http://schemas.openxmlformats.org/officeDocument/2006/relationships" xmlns:mc="http://schemas.openxmlformats.org/markup-compatibility/2006" xmlns:mv="urn:schemas-microsoft-com:mac:vml" xmlns:p="http://schemas.openxmlformats.org/presentationml/2006/main" xmlns:c="http://schemas.openxmlformats.org/drawingml/2006/chart" xmlns:dgm="http://schemas.openxmlformats.org/drawingml/2006/diagram" xmlns:o="urn:schemas-microsoft-com:office:office" xmlns:v="urn:schemas-microsoft-com:vml" xmlns:pvml="urn:schemas-microsoft-com:office:powerpoint" xmlns:com="http://schemas.openxmlformats.org/drawingml/2006/compatibility" xmlns:p14="http://schemas.microsoft.com/office/powerpoint/2010/main" xmlns:p15="http://schemas.microsoft.com/office/powerpoint/2012/main" xmlns:ahyp="http://schemas.microsoft.com/office/drawing/2018/hyperlinkcolor">
+<p:sld xmlns:a="http://schemas.openxmlformats.org/drawingml/2006/main" xmlns:r="http://schemas.openxmlformats.org/officeDocument/2006/relationships" xmlns:p="http://schemas.openxmlformats.org/presentationml/2006/main">
   <p:cSld>
     <p:spTree>
       <p:nvGrpSpPr>
-        <p:cNvPr id="145" name="Shape 145"/>
+        <p:cNvPr id="1" name="Shape 145"/>
         <p:cNvGrpSpPr/>
         <p:nvPr/>
       </p:nvGrpSpPr>
@@ -13023,7 +13189,9 @@
       <p:sp>
         <p:nvSpPr>
           <p:cNvPr id="146" name="Google Shape;146;p15"/>
-          <p:cNvSpPr txBox="1"/>
+          <p:cNvSpPr txBox="1">
+            <a:spLocks noGrp="1"/>
+          </p:cNvSpPr>
           <p:nvPr>
             <p:ph type="title"/>
           </p:nvPr>
@@ -13038,12 +13206,12 @@
           </a:prstGeom>
         </p:spPr>
         <p:txBody>
-          <a:bodyPr anchorCtr="0" anchor="t" bIns="91425" lIns="91425" spcFirstLastPara="1" rIns="91425" wrap="square" tIns="91425">
+          <a:bodyPr spcFirstLastPara="1" wrap="square" lIns="91425" tIns="91425" rIns="91425" bIns="91425" anchor="t" anchorCtr="0">
             <a:normAutofit/>
           </a:bodyPr>
           <a:lstStyle/>
           <a:p>
-            <a:pPr indent="0" lvl="0" marL="0" rtl="0" algn="l">
+            <a:pPr marL="0" lvl="0" indent="0" algn="l" rtl="0">
               <a:spcBef>
                 <a:spcPts val="0"/>
               </a:spcBef>
@@ -13063,9 +13231,11 @@
       <p:sp>
         <p:nvSpPr>
           <p:cNvPr id="147" name="Google Shape;147;p15"/>
-          <p:cNvSpPr txBox="1"/>
+          <p:cNvSpPr txBox="1">
+            <a:spLocks noGrp="1"/>
+          </p:cNvSpPr>
           <p:nvPr>
-            <p:ph idx="1" type="body"/>
+            <p:ph type="body" idx="1"/>
           </p:nvPr>
         </p:nvSpPr>
         <p:spPr>
@@ -13078,12 +13248,12 @@
           </a:prstGeom>
         </p:spPr>
         <p:txBody>
-          <a:bodyPr anchorCtr="0" anchor="t" bIns="91425" lIns="91425" spcFirstLastPara="1" rIns="91425" wrap="square" tIns="91425">
+          <a:bodyPr spcFirstLastPara="1" wrap="square" lIns="91425" tIns="91425" rIns="91425" bIns="91425" anchor="t" anchorCtr="0">
             <a:normAutofit/>
           </a:bodyPr>
           <a:lstStyle/>
           <a:p>
-            <a:pPr indent="0" lvl="0" marL="0" rtl="0" algn="l">
+            <a:pPr marL="0" lvl="0" indent="0" algn="l" rtl="0">
               <a:spcBef>
                 <a:spcPts val="0"/>
               </a:spcBef>
@@ -13099,7 +13269,7 @@
             <a:endParaRPr/>
           </a:p>
           <a:p>
-            <a:pPr indent="0" lvl="0" marL="0" rtl="0" algn="l">
+            <a:pPr marL="0" lvl="0" indent="0" algn="l" rtl="0">
               <a:spcBef>
                 <a:spcPts val="1200"/>
               </a:spcBef>
@@ -13181,11 +13351,11 @@
 </file>
 
 <file path=ppt/slides/slide4.xml><?xml version="1.0" encoding="utf-8"?>
-<p:sld xmlns:a="http://schemas.openxmlformats.org/drawingml/2006/main" xmlns:r="http://schemas.openxmlformats.org/officeDocument/2006/relationships" xmlns:mc="http://schemas.openxmlformats.org/markup-compatibility/2006" xmlns:mv="urn:schemas-microsoft-com:mac:vml" xmlns:p="http://schemas.openxmlformats.org/presentationml/2006/main" xmlns:c="http://schemas.openxmlformats.org/drawingml/2006/chart" xmlns:dgm="http://schemas.openxmlformats.org/drawingml/2006/diagram" xmlns:o="urn:schemas-microsoft-com:office:office" xmlns:v="urn:schemas-microsoft-com:vml" xmlns:pvml="urn:schemas-microsoft-com:office:powerpoint" xmlns:com="http://schemas.openxmlformats.org/drawingml/2006/compatibility" xmlns:p14="http://schemas.microsoft.com/office/powerpoint/2010/main" xmlns:p15="http://schemas.microsoft.com/office/powerpoint/2012/main" xmlns:ahyp="http://schemas.microsoft.com/office/drawing/2018/hyperlinkcolor">
+<p:sld xmlns:a="http://schemas.openxmlformats.org/drawingml/2006/main" xmlns:r="http://schemas.openxmlformats.org/officeDocument/2006/relationships" xmlns:p="http://schemas.openxmlformats.org/presentationml/2006/main">
   <p:cSld>
     <p:spTree>
       <p:nvGrpSpPr>
-        <p:cNvPr id="153" name="Shape 153"/>
+        <p:cNvPr id="1" name="Shape 153"/>
         <p:cNvGrpSpPr/>
         <p:nvPr/>
       </p:nvGrpSpPr>
@@ -13200,7 +13370,9 @@
       <p:sp>
         <p:nvSpPr>
           <p:cNvPr id="154" name="Google Shape;154;p16"/>
-          <p:cNvSpPr txBox="1"/>
+          <p:cNvSpPr txBox="1">
+            <a:spLocks noGrp="1"/>
+          </p:cNvSpPr>
           <p:nvPr>
             <p:ph type="title"/>
           </p:nvPr>
@@ -13215,12 +13387,12 @@
           </a:prstGeom>
         </p:spPr>
         <p:txBody>
-          <a:bodyPr anchorCtr="0" anchor="t" bIns="91425" lIns="91425" spcFirstLastPara="1" rIns="91425" wrap="square" tIns="91425">
+          <a:bodyPr spcFirstLastPara="1" wrap="square" lIns="91425" tIns="91425" rIns="91425" bIns="91425" anchor="t" anchorCtr="0">
             <a:normAutofit/>
           </a:bodyPr>
           <a:lstStyle/>
           <a:p>
-            <a:pPr indent="0" lvl="0" marL="0" rtl="0" algn="l">
+            <a:pPr marL="0" lvl="0" indent="0" algn="l" rtl="0">
               <a:spcBef>
                 <a:spcPts val="0"/>
               </a:spcBef>
@@ -13240,9 +13412,11 @@
       <p:sp>
         <p:nvSpPr>
           <p:cNvPr id="155" name="Google Shape;155;p16"/>
-          <p:cNvSpPr txBox="1"/>
+          <p:cNvSpPr txBox="1">
+            <a:spLocks noGrp="1"/>
+          </p:cNvSpPr>
           <p:nvPr>
-            <p:ph idx="1" type="body"/>
+            <p:ph type="body" idx="1"/>
           </p:nvPr>
         </p:nvSpPr>
         <p:spPr>
@@ -13255,12 +13429,12 @@
           </a:prstGeom>
         </p:spPr>
         <p:txBody>
-          <a:bodyPr anchorCtr="0" anchor="t" bIns="91425" lIns="91425" spcFirstLastPara="1" rIns="91425" wrap="square" tIns="91425">
-            <a:normAutofit/>
+          <a:bodyPr spcFirstLastPara="1" wrap="square" lIns="91425" tIns="91425" rIns="91425" bIns="91425" anchor="t" anchorCtr="0">
+            <a:normAutofit lnSpcReduction="10000"/>
           </a:bodyPr>
           <a:lstStyle/>
           <a:p>
-            <a:pPr indent="0" lvl="0" marL="0" rtl="0" algn="l">
+            <a:pPr marL="0" lvl="0" indent="0" algn="l" rtl="0">
               <a:spcBef>
                 <a:spcPts val="0"/>
               </a:spcBef>
@@ -13276,7 +13450,7 @@
             <a:endParaRPr/>
           </a:p>
           <a:p>
-            <a:pPr indent="0" lvl="0" marL="0" rtl="0" algn="l">
+            <a:pPr marL="0" lvl="0" indent="0" algn="l" rtl="0">
               <a:spcBef>
                 <a:spcPts val="1200"/>
               </a:spcBef>
@@ -13292,7 +13466,7 @@
             <a:endParaRPr/>
           </a:p>
           <a:p>
-            <a:pPr indent="0" lvl="0" marL="0" rtl="0" algn="l">
+            <a:pPr marL="0" lvl="0" indent="0" algn="l" rtl="0">
               <a:spcBef>
                 <a:spcPts val="1200"/>
               </a:spcBef>
@@ -13374,11 +13548,11 @@
 </file>
 
 <file path=ppt/slides/slide5.xml><?xml version="1.0" encoding="utf-8"?>
-<p:sld xmlns:a="http://schemas.openxmlformats.org/drawingml/2006/main" xmlns:r="http://schemas.openxmlformats.org/officeDocument/2006/relationships" xmlns:mc="http://schemas.openxmlformats.org/markup-compatibility/2006" xmlns:mv="urn:schemas-microsoft-com:mac:vml" xmlns:p="http://schemas.openxmlformats.org/presentationml/2006/main" xmlns:c="http://schemas.openxmlformats.org/drawingml/2006/chart" xmlns:dgm="http://schemas.openxmlformats.org/drawingml/2006/diagram" xmlns:o="urn:schemas-microsoft-com:office:office" xmlns:v="urn:schemas-microsoft-com:vml" xmlns:pvml="urn:schemas-microsoft-com:office:powerpoint" xmlns:com="http://schemas.openxmlformats.org/drawingml/2006/compatibility" xmlns:p14="http://schemas.microsoft.com/office/powerpoint/2010/main" xmlns:p15="http://schemas.microsoft.com/office/powerpoint/2012/main" xmlns:ahyp="http://schemas.microsoft.com/office/drawing/2018/hyperlinkcolor">
+<p:sld xmlns:a="http://schemas.openxmlformats.org/drawingml/2006/main" xmlns:r="http://schemas.openxmlformats.org/officeDocument/2006/relationships" xmlns:p="http://schemas.openxmlformats.org/presentationml/2006/main">
   <p:cSld>
     <p:spTree>
       <p:nvGrpSpPr>
-        <p:cNvPr id="161" name="Shape 161"/>
+        <p:cNvPr id="1" name="Shape 161"/>
         <p:cNvGrpSpPr/>
         <p:nvPr/>
       </p:nvGrpSpPr>
@@ -13393,7 +13567,9 @@
       <p:sp>
         <p:nvSpPr>
           <p:cNvPr id="162" name="Google Shape;162;p17"/>
-          <p:cNvSpPr txBox="1"/>
+          <p:cNvSpPr txBox="1">
+            <a:spLocks noGrp="1"/>
+          </p:cNvSpPr>
           <p:nvPr>
             <p:ph type="title"/>
           </p:nvPr>
@@ -13408,12 +13584,12 @@
           </a:prstGeom>
         </p:spPr>
         <p:txBody>
-          <a:bodyPr anchorCtr="0" anchor="t" bIns="91425" lIns="91425" spcFirstLastPara="1" rIns="91425" wrap="square" tIns="91425">
+          <a:bodyPr spcFirstLastPara="1" wrap="square" lIns="91425" tIns="91425" rIns="91425" bIns="91425" anchor="t" anchorCtr="0">
             <a:normAutofit/>
           </a:bodyPr>
           <a:lstStyle/>
           <a:p>
-            <a:pPr indent="0" lvl="0" marL="0" rtl="0" algn="l">
+            <a:pPr marL="0" lvl="0" indent="0" algn="l" rtl="0">
               <a:spcBef>
                 <a:spcPts val="0"/>
               </a:spcBef>
@@ -13433,9 +13609,11 @@
       <p:sp>
         <p:nvSpPr>
           <p:cNvPr id="163" name="Google Shape;163;p17"/>
-          <p:cNvSpPr txBox="1"/>
+          <p:cNvSpPr txBox="1">
+            <a:spLocks noGrp="1"/>
+          </p:cNvSpPr>
           <p:nvPr>
-            <p:ph idx="1" type="body"/>
+            <p:ph type="body" idx="1"/>
           </p:nvPr>
         </p:nvSpPr>
         <p:spPr>
@@ -13448,12 +13626,12 @@
           </a:prstGeom>
         </p:spPr>
         <p:txBody>
-          <a:bodyPr anchorCtr="0" anchor="t" bIns="91425" lIns="91425" spcFirstLastPara="1" rIns="91425" wrap="square" tIns="91425">
+          <a:bodyPr spcFirstLastPara="1" wrap="square" lIns="91425" tIns="91425" rIns="91425" bIns="91425" anchor="t" anchorCtr="0">
             <a:normAutofit/>
           </a:bodyPr>
           <a:lstStyle/>
           <a:p>
-            <a:pPr indent="0" lvl="0" marL="0" rtl="0" algn="l">
+            <a:pPr marL="0" lvl="0" indent="0" algn="l" rtl="0">
               <a:spcBef>
                 <a:spcPts val="0"/>
               </a:spcBef>
@@ -13469,7 +13647,7 @@
             <a:endParaRPr/>
           </a:p>
           <a:p>
-            <a:pPr indent="0" lvl="0" marL="0" rtl="0" algn="l">
+            <a:pPr marL="0" lvl="0" indent="0" algn="l" rtl="0">
               <a:spcBef>
                 <a:spcPts val="1200"/>
               </a:spcBef>
@@ -13485,7 +13663,7 @@
             <a:endParaRPr/>
           </a:p>
           <a:p>
-            <a:pPr indent="0" lvl="0" marL="0" rtl="0" algn="l">
+            <a:pPr marL="0" lvl="0" indent="0" algn="l" rtl="0">
               <a:spcBef>
                 <a:spcPts val="1200"/>
               </a:spcBef>
@@ -13496,11 +13674,7 @@
             </a:pPr>
             <a:r>
               <a:rPr lang="it"/>
-              <a:t>La classe </a:t>
-            </a:r>
-            <a:r>
-              <a:rPr lang="it"/>
-              <a:t>ParserException ha un solo metodo getMessage() che restituisce una stringa</a:t>
+              <a:t>La classe ParserException ha un solo metodo getMessage() che restituisce una stringa</a:t>
             </a:r>
             <a:endParaRPr/>
           </a:p>
@@ -13571,11 +13745,11 @@
 </file>
 
 <file path=ppt/slides/slide6.xml><?xml version="1.0" encoding="utf-8"?>
-<p:sld xmlns:a="http://schemas.openxmlformats.org/drawingml/2006/main" xmlns:r="http://schemas.openxmlformats.org/officeDocument/2006/relationships" xmlns:mc="http://schemas.openxmlformats.org/markup-compatibility/2006" xmlns:mv="urn:schemas-microsoft-com:mac:vml" xmlns:p="http://schemas.openxmlformats.org/presentationml/2006/main" xmlns:c="http://schemas.openxmlformats.org/drawingml/2006/chart" xmlns:dgm="http://schemas.openxmlformats.org/drawingml/2006/diagram" xmlns:o="urn:schemas-microsoft-com:office:office" xmlns:v="urn:schemas-microsoft-com:vml" xmlns:pvml="urn:schemas-microsoft-com:office:powerpoint" xmlns:com="http://schemas.openxmlformats.org/drawingml/2006/compatibility" xmlns:p14="http://schemas.microsoft.com/office/powerpoint/2010/main" xmlns:p15="http://schemas.microsoft.com/office/powerpoint/2012/main" xmlns:ahyp="http://schemas.microsoft.com/office/drawing/2018/hyperlinkcolor">
+<p:sld xmlns:a="http://schemas.openxmlformats.org/drawingml/2006/main" xmlns:r="http://schemas.openxmlformats.org/officeDocument/2006/relationships" xmlns:p="http://schemas.openxmlformats.org/presentationml/2006/main">
   <p:cSld>
     <p:spTree>
       <p:nvGrpSpPr>
-        <p:cNvPr id="169" name="Shape 169"/>
+        <p:cNvPr id="1" name="Shape 169"/>
         <p:cNvGrpSpPr/>
         <p:nvPr/>
       </p:nvGrpSpPr>
@@ -13590,7 +13764,9 @@
       <p:sp>
         <p:nvSpPr>
           <p:cNvPr id="170" name="Google Shape;170;p18"/>
-          <p:cNvSpPr txBox="1"/>
+          <p:cNvSpPr txBox="1">
+            <a:spLocks noGrp="1"/>
+          </p:cNvSpPr>
           <p:nvPr>
             <p:ph type="title"/>
           </p:nvPr>
@@ -13605,12 +13781,12 @@
           </a:prstGeom>
         </p:spPr>
         <p:txBody>
-          <a:bodyPr anchorCtr="0" anchor="t" bIns="91425" lIns="91425" spcFirstLastPara="1" rIns="91425" wrap="square" tIns="91425">
+          <a:bodyPr spcFirstLastPara="1" wrap="square" lIns="91425" tIns="91425" rIns="91425" bIns="91425" anchor="t" anchorCtr="0">
             <a:normAutofit/>
           </a:bodyPr>
           <a:lstStyle/>
           <a:p>
-            <a:pPr indent="0" lvl="0" marL="0" rtl="0" algn="l">
+            <a:pPr marL="0" lvl="0" indent="0" algn="l" rtl="0">
               <a:spcBef>
                 <a:spcPts val="0"/>
               </a:spcBef>
@@ -13630,9 +13806,11 @@
       <p:sp>
         <p:nvSpPr>
           <p:cNvPr id="171" name="Google Shape;171;p18"/>
-          <p:cNvSpPr txBox="1"/>
+          <p:cNvSpPr txBox="1">
+            <a:spLocks noGrp="1"/>
+          </p:cNvSpPr>
           <p:nvPr>
-            <p:ph idx="1" type="body"/>
+            <p:ph type="body" idx="1"/>
           </p:nvPr>
         </p:nvSpPr>
         <p:spPr>
@@ -13645,12 +13823,12 @@
           </a:prstGeom>
         </p:spPr>
         <p:txBody>
-          <a:bodyPr anchorCtr="0" anchor="t" bIns="91425" lIns="91425" spcFirstLastPara="1" rIns="91425" wrap="square" tIns="91425">
-            <a:normAutofit lnSpcReduction="10000"/>
+          <a:bodyPr spcFirstLastPara="1" wrap="square" lIns="91425" tIns="91425" rIns="91425" bIns="91425" anchor="t" anchorCtr="0">
+            <a:normAutofit/>
           </a:bodyPr>
           <a:lstStyle/>
           <a:p>
-            <a:pPr indent="0" lvl="0" marL="0" rtl="0" algn="l">
+            <a:pPr marL="0" lvl="0" indent="0" algn="l" rtl="0">
               <a:spcBef>
                 <a:spcPts val="0"/>
               </a:spcBef>
@@ -13666,7 +13844,7 @@
             <a:endParaRPr/>
           </a:p>
           <a:p>
-            <a:pPr indent="0" lvl="0" marL="0" rtl="0" algn="l">
+            <a:pPr marL="0" lvl="0" indent="0" algn="l" rtl="0">
               <a:spcBef>
                 <a:spcPts val="1200"/>
               </a:spcBef>
@@ -13675,9 +13853,6 @@
               </a:spcAft>
               <a:buNone/>
             </a:pPr>
-            <a:r>
-              <a:t/>
-            </a:r>
             <a:endParaRPr/>
           </a:p>
         </p:txBody>
@@ -13719,11 +13894,11 @@
 </file>
 
 <file path=ppt/slides/slide7.xml><?xml version="1.0" encoding="utf-8"?>
-<p:sld xmlns:a="http://schemas.openxmlformats.org/drawingml/2006/main" xmlns:r="http://schemas.openxmlformats.org/officeDocument/2006/relationships" xmlns:mc="http://schemas.openxmlformats.org/markup-compatibility/2006" xmlns:mv="urn:schemas-microsoft-com:mac:vml" xmlns:p="http://schemas.openxmlformats.org/presentationml/2006/main" xmlns:c="http://schemas.openxmlformats.org/drawingml/2006/chart" xmlns:dgm="http://schemas.openxmlformats.org/drawingml/2006/diagram" xmlns:o="urn:schemas-microsoft-com:office:office" xmlns:v="urn:schemas-microsoft-com:vml" xmlns:pvml="urn:schemas-microsoft-com:office:powerpoint" xmlns:com="http://schemas.openxmlformats.org/drawingml/2006/compatibility" xmlns:p14="http://schemas.microsoft.com/office/powerpoint/2010/main" xmlns:p15="http://schemas.microsoft.com/office/powerpoint/2012/main" xmlns:ahyp="http://schemas.microsoft.com/office/drawing/2018/hyperlinkcolor">
+<p:sld xmlns:a="http://schemas.openxmlformats.org/drawingml/2006/main" xmlns:r="http://schemas.openxmlformats.org/officeDocument/2006/relationships" xmlns:p="http://schemas.openxmlformats.org/presentationml/2006/main">
   <p:cSld>
     <p:spTree>
       <p:nvGrpSpPr>
-        <p:cNvPr id="176" name="Shape 176"/>
+        <p:cNvPr id="1" name="Shape 176"/>
         <p:cNvGrpSpPr/>
         <p:nvPr/>
       </p:nvGrpSpPr>
@@ -13738,7 +13913,9 @@
       <p:sp>
         <p:nvSpPr>
           <p:cNvPr id="177" name="Google Shape;177;p19"/>
-          <p:cNvSpPr txBox="1"/>
+          <p:cNvSpPr txBox="1">
+            <a:spLocks noGrp="1"/>
+          </p:cNvSpPr>
           <p:nvPr>
             <p:ph type="title"/>
           </p:nvPr>
@@ -13753,12 +13930,12 @@
           </a:prstGeom>
         </p:spPr>
         <p:txBody>
-          <a:bodyPr anchorCtr="0" anchor="t" bIns="91425" lIns="91425" spcFirstLastPara="1" rIns="91425" wrap="square" tIns="91425">
+          <a:bodyPr spcFirstLastPara="1" wrap="square" lIns="91425" tIns="91425" rIns="91425" bIns="91425" anchor="t" anchorCtr="0">
             <a:normAutofit/>
           </a:bodyPr>
           <a:lstStyle/>
           <a:p>
-            <a:pPr indent="0" lvl="0" marL="0" rtl="0" algn="l">
+            <a:pPr marL="0" lvl="0" indent="0" algn="l" rtl="0">
               <a:spcBef>
                 <a:spcPts val="0"/>
               </a:spcBef>
@@ -13778,9 +13955,11 @@
       <p:sp>
         <p:nvSpPr>
           <p:cNvPr id="178" name="Google Shape;178;p19"/>
-          <p:cNvSpPr txBox="1"/>
+          <p:cNvSpPr txBox="1">
+            <a:spLocks noGrp="1"/>
+          </p:cNvSpPr>
           <p:nvPr>
-            <p:ph idx="1" type="body"/>
+            <p:ph type="body" idx="1"/>
           </p:nvPr>
         </p:nvSpPr>
         <p:spPr>
@@ -13793,12 +13972,12 @@
           </a:prstGeom>
         </p:spPr>
         <p:txBody>
-          <a:bodyPr anchorCtr="0" anchor="t" bIns="91425" lIns="91425" spcFirstLastPara="1" rIns="91425" wrap="square" tIns="91425">
+          <a:bodyPr spcFirstLastPara="1" wrap="square" lIns="91425" tIns="91425" rIns="91425" bIns="91425" anchor="t" anchorCtr="0">
             <a:normAutofit/>
           </a:bodyPr>
           <a:lstStyle/>
           <a:p>
-            <a:pPr indent="0" lvl="0" marL="0" rtl="0" algn="l">
+            <a:pPr marL="0" lvl="0" indent="0" algn="l" rtl="0">
               <a:spcBef>
                 <a:spcPts val="0"/>
               </a:spcBef>
@@ -13814,7 +13993,7 @@
             <a:endParaRPr/>
           </a:p>
           <a:p>
-            <a:pPr indent="0" lvl="0" marL="0" rtl="0" algn="l">
+            <a:pPr marL="0" lvl="0" indent="0" algn="l" rtl="0">
               <a:spcBef>
                 <a:spcPts val="1200"/>
               </a:spcBef>
@@ -13896,11 +14075,11 @@
 </file>
 
 <file path=ppt/slides/slide8.xml><?xml version="1.0" encoding="utf-8"?>
-<p:sld xmlns:a="http://schemas.openxmlformats.org/drawingml/2006/main" xmlns:r="http://schemas.openxmlformats.org/officeDocument/2006/relationships" xmlns:mc="http://schemas.openxmlformats.org/markup-compatibility/2006" xmlns:mv="urn:schemas-microsoft-com:mac:vml" xmlns:p="http://schemas.openxmlformats.org/presentationml/2006/main" xmlns:c="http://schemas.openxmlformats.org/drawingml/2006/chart" xmlns:dgm="http://schemas.openxmlformats.org/drawingml/2006/diagram" xmlns:o="urn:schemas-microsoft-com:office:office" xmlns:v="urn:schemas-microsoft-com:vml" xmlns:pvml="urn:schemas-microsoft-com:office:powerpoint" xmlns:com="http://schemas.openxmlformats.org/drawingml/2006/compatibility" xmlns:p14="http://schemas.microsoft.com/office/powerpoint/2010/main" xmlns:p15="http://schemas.microsoft.com/office/powerpoint/2012/main" xmlns:ahyp="http://schemas.microsoft.com/office/drawing/2018/hyperlinkcolor">
+<p:sld xmlns:a="http://schemas.openxmlformats.org/drawingml/2006/main" xmlns:r="http://schemas.openxmlformats.org/officeDocument/2006/relationships" xmlns:p="http://schemas.openxmlformats.org/presentationml/2006/main">
   <p:cSld>
     <p:spTree>
       <p:nvGrpSpPr>
-        <p:cNvPr id="184" name="Shape 184"/>
+        <p:cNvPr id="1" name="Shape 184"/>
         <p:cNvGrpSpPr/>
         <p:nvPr/>
       </p:nvGrpSpPr>
@@ -13915,7 +14094,9 @@
       <p:sp>
         <p:nvSpPr>
           <p:cNvPr id="185" name="Google Shape;185;p20"/>
-          <p:cNvSpPr txBox="1"/>
+          <p:cNvSpPr txBox="1">
+            <a:spLocks noGrp="1"/>
+          </p:cNvSpPr>
           <p:nvPr>
             <p:ph type="title"/>
           </p:nvPr>
@@ -13930,12 +14111,12 @@
           </a:prstGeom>
         </p:spPr>
         <p:txBody>
-          <a:bodyPr anchorCtr="0" anchor="t" bIns="91425" lIns="91425" spcFirstLastPara="1" rIns="91425" wrap="square" tIns="91425">
+          <a:bodyPr spcFirstLastPara="1" wrap="square" lIns="91425" tIns="91425" rIns="91425" bIns="91425" anchor="t" anchorCtr="0">
             <a:normAutofit/>
           </a:bodyPr>
           <a:lstStyle/>
           <a:p>
-            <a:pPr indent="0" lvl="0" marL="0" rtl="0" algn="l">
+            <a:pPr marL="0" lvl="0" indent="0" algn="l" rtl="0">
               <a:spcBef>
                 <a:spcPts val="0"/>
               </a:spcBef>
@@ -13955,9 +14136,11 @@
       <p:sp>
         <p:nvSpPr>
           <p:cNvPr id="186" name="Google Shape;186;p20"/>
-          <p:cNvSpPr txBox="1"/>
+          <p:cNvSpPr txBox="1">
+            <a:spLocks noGrp="1"/>
+          </p:cNvSpPr>
           <p:nvPr>
-            <p:ph idx="1" type="body"/>
+            <p:ph type="body" idx="1"/>
           </p:nvPr>
         </p:nvSpPr>
         <p:spPr>
@@ -13970,12 +14153,12 @@
           </a:prstGeom>
         </p:spPr>
         <p:txBody>
-          <a:bodyPr anchorCtr="0" anchor="t" bIns="91425" lIns="91425" spcFirstLastPara="1" rIns="91425" wrap="square" tIns="91425">
-            <a:normAutofit lnSpcReduction="10000"/>
+          <a:bodyPr spcFirstLastPara="1" wrap="square" lIns="91425" tIns="91425" rIns="91425" bIns="91425" anchor="t" anchorCtr="0">
+            <a:normAutofit fontScale="92500" lnSpcReduction="10000"/>
           </a:bodyPr>
           <a:lstStyle/>
           <a:p>
-            <a:pPr indent="0" lvl="0" marL="0" rtl="0" algn="l">
+            <a:pPr marL="0" lvl="0" indent="0" algn="l" rtl="0">
               <a:spcBef>
                 <a:spcPts val="0"/>
               </a:spcBef>
@@ -13991,7 +14174,7 @@
             <a:endParaRPr/>
           </a:p>
           <a:p>
-            <a:pPr indent="0" lvl="0" marL="0" rtl="0" algn="l">
+            <a:pPr marL="0" lvl="0" indent="0" algn="l" rtl="0">
               <a:spcBef>
                 <a:spcPts val="1200"/>
               </a:spcBef>
@@ -14005,7 +14188,7 @@
               <a:t>Inoltre questa è un’interfaccia funzionale poichè mette a disposizione solo un metodo, quindi l’implementazione del metodo </a:t>
             </a:r>
             <a:r>
-              <a:rPr i="1" lang="it" u="sng"/>
+              <a:rPr lang="it" i="1" u="sng"/>
               <a:t>inserisci </a:t>
             </a:r>
             <a:r>
@@ -14081,11 +14264,11 @@
 </file>
 
 <file path=ppt/slides/slide9.xml><?xml version="1.0" encoding="utf-8"?>
-<p:sld xmlns:a="http://schemas.openxmlformats.org/drawingml/2006/main" xmlns:r="http://schemas.openxmlformats.org/officeDocument/2006/relationships" xmlns:mc="http://schemas.openxmlformats.org/markup-compatibility/2006" xmlns:mv="urn:schemas-microsoft-com:mac:vml" xmlns:p="http://schemas.openxmlformats.org/presentationml/2006/main" xmlns:c="http://schemas.openxmlformats.org/drawingml/2006/chart" xmlns:dgm="http://schemas.openxmlformats.org/drawingml/2006/diagram" xmlns:o="urn:schemas-microsoft-com:office:office" xmlns:v="urn:schemas-microsoft-com:vml" xmlns:pvml="urn:schemas-microsoft-com:office:powerpoint" xmlns:com="http://schemas.openxmlformats.org/drawingml/2006/compatibility" xmlns:p14="http://schemas.microsoft.com/office/powerpoint/2010/main" xmlns:p15="http://schemas.microsoft.com/office/powerpoint/2012/main" xmlns:ahyp="http://schemas.microsoft.com/office/drawing/2018/hyperlinkcolor">
+<p:sld xmlns:a="http://schemas.openxmlformats.org/drawingml/2006/main" xmlns:r="http://schemas.openxmlformats.org/officeDocument/2006/relationships" xmlns:p="http://schemas.openxmlformats.org/presentationml/2006/main">
   <p:cSld>
     <p:spTree>
       <p:nvGrpSpPr>
-        <p:cNvPr id="192" name="Shape 192"/>
+        <p:cNvPr id="1" name="Shape 192"/>
         <p:cNvGrpSpPr/>
         <p:nvPr/>
       </p:nvGrpSpPr>
@@ -14100,7 +14283,9 @@
       <p:sp>
         <p:nvSpPr>
           <p:cNvPr id="193" name="Google Shape;193;p21"/>
-          <p:cNvSpPr txBox="1"/>
+          <p:cNvSpPr txBox="1">
+            <a:spLocks noGrp="1"/>
+          </p:cNvSpPr>
           <p:nvPr>
             <p:ph type="title"/>
           </p:nvPr>
@@ -14115,12 +14300,12 @@
           </a:prstGeom>
         </p:spPr>
         <p:txBody>
-          <a:bodyPr anchorCtr="0" anchor="t" bIns="91425" lIns="91425" spcFirstLastPara="1" rIns="91425" wrap="square" tIns="91425">
+          <a:bodyPr spcFirstLastPara="1" wrap="square" lIns="91425" tIns="91425" rIns="91425" bIns="91425" anchor="t" anchorCtr="0">
             <a:normAutofit/>
           </a:bodyPr>
           <a:lstStyle/>
           <a:p>
-            <a:pPr indent="0" lvl="0" marL="0" rtl="0" algn="l">
+            <a:pPr marL="0" lvl="0" indent="0" algn="l" rtl="0">
               <a:spcBef>
                 <a:spcPts val="0"/>
               </a:spcBef>
@@ -14140,9 +14325,11 @@
       <p:sp>
         <p:nvSpPr>
           <p:cNvPr id="194" name="Google Shape;194;p21"/>
-          <p:cNvSpPr txBox="1"/>
+          <p:cNvSpPr txBox="1">
+            <a:spLocks noGrp="1"/>
+          </p:cNvSpPr>
           <p:nvPr>
-            <p:ph idx="1" type="body"/>
+            <p:ph type="body" idx="1"/>
           </p:nvPr>
         </p:nvSpPr>
         <p:spPr>
@@ -14155,12 +14342,12 @@
           </a:prstGeom>
         </p:spPr>
         <p:txBody>
-          <a:bodyPr anchorCtr="0" anchor="t" bIns="91425" lIns="91425" spcFirstLastPara="1" rIns="91425" wrap="square" tIns="91425">
+          <a:bodyPr spcFirstLastPara="1" wrap="square" lIns="91425" tIns="91425" rIns="91425" bIns="91425" anchor="t" anchorCtr="0">
             <a:normAutofit/>
           </a:bodyPr>
           <a:lstStyle/>
           <a:p>
-            <a:pPr indent="0" lvl="0" marL="0" rtl="0" algn="l">
+            <a:pPr marL="0" lvl="0" indent="0" algn="l" rtl="0">
               <a:spcBef>
                 <a:spcPts val="0"/>
               </a:spcBef>
@@ -14176,7 +14363,7 @@
             <a:endParaRPr/>
           </a:p>
           <a:p>
-            <a:pPr indent="0" lvl="0" marL="0" rtl="0" algn="l">
+            <a:pPr marL="0" lvl="0" indent="0" algn="l" rtl="0">
               <a:spcBef>
                 <a:spcPts val="1200"/>
               </a:spcBef>
@@ -14192,7 +14379,7 @@
             <a:endParaRPr/>
           </a:p>
           <a:p>
-            <a:pPr indent="-311150" lvl="0" marL="457200" rtl="0" algn="l">
+            <a:pPr marL="457200" lvl="0" indent="-311150" algn="l" rtl="0">
               <a:spcBef>
                 <a:spcPts val="1200"/>
               </a:spcBef>
@@ -14209,7 +14396,7 @@
             <a:endParaRPr/>
           </a:p>
           <a:p>
-            <a:pPr indent="-311150" lvl="0" marL="457200" rtl="0" algn="l">
+            <a:pPr marL="457200" lvl="0" indent="-311150" algn="l" rtl="0">
               <a:spcBef>
                 <a:spcPts val="0"/>
               </a:spcBef>
@@ -14226,7 +14413,7 @@
             <a:endParaRPr/>
           </a:p>
           <a:p>
-            <a:pPr indent="-311150" lvl="0" marL="457200" rtl="0" algn="l">
+            <a:pPr marL="457200" lvl="0" indent="-311150" algn="l" rtl="0">
               <a:spcBef>
                 <a:spcPts val="0"/>
               </a:spcBef>
@@ -14281,7 +14468,288 @@
 </file>
 
 <file path=ppt/theme/theme1.xml><?xml version="1.0" encoding="utf-8"?>
-<a:theme xmlns:a="http://schemas.openxmlformats.org/drawingml/2006/main" xmlns:r="http://schemas.openxmlformats.org/officeDocument/2006/relationships">
+<a:theme xmlns:a="http://schemas.openxmlformats.org/drawingml/2006/main" name="Focus">
+  <a:themeElements>
+    <a:clrScheme name="Focus">
+      <a:dk1>
+        <a:srgbClr val="1B212C"/>
+      </a:dk1>
+      <a:lt1>
+        <a:srgbClr val="FFFFFF"/>
+      </a:lt1>
+      <a:dk2>
+        <a:srgbClr val="D9D9D9"/>
+      </a:dk2>
+      <a:lt2>
+        <a:srgbClr val="82C7A5"/>
+      </a:lt2>
+      <a:accent1>
+        <a:srgbClr val="0145AC"/>
+      </a:accent1>
+      <a:accent2>
+        <a:srgbClr val="EECE1A"/>
+      </a:accent2>
+      <a:accent3>
+        <a:srgbClr val="4E5567"/>
+      </a:accent3>
+      <a:accent4>
+        <a:srgbClr val="F4D6AD"/>
+      </a:accent4>
+      <a:accent5>
+        <a:srgbClr val="7890CD"/>
+      </a:accent5>
+      <a:accent6>
+        <a:srgbClr val="F15E22"/>
+      </a:accent6>
+      <a:hlink>
+        <a:srgbClr val="7890CD"/>
+      </a:hlink>
+      <a:folHlink>
+        <a:srgbClr val="7890CD"/>
+      </a:folHlink>
+    </a:clrScheme>
+    <a:fontScheme name="Office">
+      <a:majorFont>
+        <a:latin typeface="Arial"/>
+        <a:ea typeface=""/>
+        <a:cs typeface=""/>
+        <a:font script="Jpan" typeface="ＭＳ Ｐゴシック"/>
+        <a:font script="Hang" typeface="맑은 고딕"/>
+        <a:font script="Hans" typeface="宋体"/>
+        <a:font script="Hant" typeface="新細明體"/>
+        <a:font script="Arab" typeface="Times New Roman"/>
+        <a:font script="Hebr" typeface="Times New Roman"/>
+        <a:font script="Thai" typeface="Angsana New"/>
+        <a:font script="Ethi" typeface="Nyala"/>
+        <a:font script="Beng" typeface="Vrinda"/>
+        <a:font script="Gujr" typeface="Shruti"/>
+        <a:font script="Khmr" typeface="MoolBoran"/>
+        <a:font script="Knda" typeface="Tunga"/>
+        <a:font script="Guru" typeface="Raavi"/>
+        <a:font script="Cans" typeface="Euphemia"/>
+        <a:font script="Cher" typeface="Plantagenet Cherokee"/>
+        <a:font script="Yiii" typeface="Microsoft Yi Baiti"/>
+        <a:font script="Tibt" typeface="Microsoft Himalaya"/>
+        <a:font script="Thaa" typeface="MV Boli"/>
+        <a:font script="Deva" typeface="Mangal"/>
+        <a:font script="Telu" typeface="Gautami"/>
+        <a:font script="Taml" typeface="Latha"/>
+        <a:font script="Syrc" typeface="Estrangelo Edessa"/>
+        <a:font script="Orya" typeface="Kalinga"/>
+        <a:font script="Mlym" typeface="Kartika"/>
+        <a:font script="Laoo" typeface="DokChampa"/>
+        <a:font script="Sinh" typeface="Iskoola Pota"/>
+        <a:font script="Mong" typeface="Mongolian Baiti"/>
+        <a:font script="Viet" typeface="Times New Roman"/>
+        <a:font script="Uigh" typeface="Microsoft Uighur"/>
+        <a:font script="Geor" typeface="Sylfaen"/>
+      </a:majorFont>
+      <a:minorFont>
+        <a:latin typeface="Arial"/>
+        <a:ea typeface=""/>
+        <a:cs typeface=""/>
+        <a:font script="Jpan" typeface="ＭＳ Ｐゴシック"/>
+        <a:font script="Hang" typeface="맑은 고딕"/>
+        <a:font script="Hans" typeface="宋体"/>
+        <a:font script="Hant" typeface="新細明體"/>
+        <a:font script="Arab" typeface="Arial"/>
+        <a:font script="Hebr" typeface="Arial"/>
+        <a:font script="Thai" typeface="Cordia New"/>
+        <a:font script="Ethi" typeface="Nyala"/>
+        <a:font script="Beng" typeface="Vrinda"/>
+        <a:font script="Gujr" typeface="Shruti"/>
+        <a:font script="Khmr" typeface="DaunPenh"/>
+        <a:font script="Knda" typeface="Tunga"/>
+        <a:font script="Guru" typeface="Raavi"/>
+        <a:font script="Cans" typeface="Euphemia"/>
+        <a:font script="Cher" typeface="Plantagenet Cherokee"/>
+        <a:font script="Yiii" typeface="Microsoft Yi Baiti"/>
+        <a:font script="Tibt" typeface="Microsoft Himalaya"/>
+        <a:font script="Thaa" typeface="MV Boli"/>
+        <a:font script="Deva" typeface="Mangal"/>
+        <a:font script="Telu" typeface="Gautami"/>
+        <a:font script="Taml" typeface="Latha"/>
+        <a:font script="Syrc" typeface="Estrangelo Edessa"/>
+        <a:font script="Orya" typeface="Kalinga"/>
+        <a:font script="Mlym" typeface="Kartika"/>
+        <a:font script="Laoo" typeface="DokChampa"/>
+        <a:font script="Sinh" typeface="Iskoola Pota"/>
+        <a:font script="Mong" typeface="Mongolian Baiti"/>
+        <a:font script="Viet" typeface="Arial"/>
+        <a:font script="Uigh" typeface="Microsoft Uighur"/>
+        <a:font script="Geor" typeface="Sylfaen"/>
+      </a:minorFont>
+    </a:fontScheme>
+    <a:fmtScheme name="Office">
+      <a:fillStyleLst>
+        <a:solidFill>
+          <a:schemeClr val="phClr"/>
+        </a:solidFill>
+        <a:gradFill rotWithShape="1">
+          <a:gsLst>
+            <a:gs pos="0">
+              <a:schemeClr val="phClr">
+                <a:tint val="50000"/>
+                <a:satMod val="300000"/>
+              </a:schemeClr>
+            </a:gs>
+            <a:gs pos="35000">
+              <a:schemeClr val="phClr">
+                <a:tint val="37000"/>
+                <a:satMod val="300000"/>
+              </a:schemeClr>
+            </a:gs>
+            <a:gs pos="100000">
+              <a:schemeClr val="phClr">
+                <a:tint val="15000"/>
+                <a:satMod val="350000"/>
+              </a:schemeClr>
+            </a:gs>
+          </a:gsLst>
+          <a:lin ang="16200000" scaled="1"/>
+        </a:gradFill>
+        <a:gradFill rotWithShape="1">
+          <a:gsLst>
+            <a:gs pos="0">
+              <a:schemeClr val="phClr">
+                <a:tint val="100000"/>
+                <a:shade val="100000"/>
+                <a:satMod val="130000"/>
+              </a:schemeClr>
+            </a:gs>
+            <a:gs pos="100000">
+              <a:schemeClr val="phClr">
+                <a:tint val="50000"/>
+                <a:shade val="100000"/>
+                <a:satMod val="350000"/>
+              </a:schemeClr>
+            </a:gs>
+          </a:gsLst>
+          <a:lin ang="16200000" scaled="0"/>
+        </a:gradFill>
+      </a:fillStyleLst>
+      <a:lnStyleLst>
+        <a:ln w="9525" cap="flat" cmpd="sng" algn="ctr">
+          <a:solidFill>
+            <a:schemeClr val="phClr">
+              <a:shade val="95000"/>
+              <a:satMod val="105000"/>
+            </a:schemeClr>
+          </a:solidFill>
+          <a:prstDash val="solid"/>
+        </a:ln>
+        <a:ln w="25400" cap="flat" cmpd="sng" algn="ctr">
+          <a:solidFill>
+            <a:schemeClr val="phClr"/>
+          </a:solidFill>
+          <a:prstDash val="solid"/>
+        </a:ln>
+        <a:ln w="38100" cap="flat" cmpd="sng" algn="ctr">
+          <a:solidFill>
+            <a:schemeClr val="phClr"/>
+          </a:solidFill>
+          <a:prstDash val="solid"/>
+        </a:ln>
+      </a:lnStyleLst>
+      <a:effectStyleLst>
+        <a:effectStyle>
+          <a:effectLst>
+            <a:outerShdw blurRad="40000" dist="20000" dir="5400000" rotWithShape="0">
+              <a:srgbClr val="000000">
+                <a:alpha val="38000"/>
+              </a:srgbClr>
+            </a:outerShdw>
+          </a:effectLst>
+        </a:effectStyle>
+        <a:effectStyle>
+          <a:effectLst>
+            <a:outerShdw blurRad="40000" dist="23000" dir="5400000" rotWithShape="0">
+              <a:srgbClr val="000000">
+                <a:alpha val="35000"/>
+              </a:srgbClr>
+            </a:outerShdw>
+          </a:effectLst>
+        </a:effectStyle>
+        <a:effectStyle>
+          <a:effectLst>
+            <a:outerShdw blurRad="40000" dist="23000" dir="5400000" rotWithShape="0">
+              <a:srgbClr val="000000">
+                <a:alpha val="35000"/>
+              </a:srgbClr>
+            </a:outerShdw>
+          </a:effectLst>
+          <a:scene3d>
+            <a:camera prst="orthographicFront">
+              <a:rot lat="0" lon="0" rev="0"/>
+            </a:camera>
+            <a:lightRig rig="threePt" dir="t">
+              <a:rot lat="0" lon="0" rev="1200000"/>
+            </a:lightRig>
+          </a:scene3d>
+          <a:sp3d>
+            <a:bevelT w="63500" h="25400"/>
+          </a:sp3d>
+        </a:effectStyle>
+      </a:effectStyleLst>
+      <a:bgFillStyleLst>
+        <a:solidFill>
+          <a:schemeClr val="phClr"/>
+        </a:solidFill>
+        <a:gradFill rotWithShape="1">
+          <a:gsLst>
+            <a:gs pos="0">
+              <a:schemeClr val="phClr">
+                <a:tint val="40000"/>
+                <a:satMod val="350000"/>
+              </a:schemeClr>
+            </a:gs>
+            <a:gs pos="40000">
+              <a:schemeClr val="phClr">
+                <a:tint val="45000"/>
+                <a:shade val="99000"/>
+                <a:satMod val="350000"/>
+              </a:schemeClr>
+            </a:gs>
+            <a:gs pos="100000">
+              <a:schemeClr val="phClr">
+                <a:shade val="20000"/>
+                <a:satMod val="255000"/>
+              </a:schemeClr>
+            </a:gs>
+          </a:gsLst>
+          <a:path path="circle">
+            <a:fillToRect l="50000" t="-80000" r="50000" b="180000"/>
+          </a:path>
+        </a:gradFill>
+        <a:gradFill rotWithShape="1">
+          <a:gsLst>
+            <a:gs pos="0">
+              <a:schemeClr val="phClr">
+                <a:tint val="80000"/>
+                <a:satMod val="300000"/>
+              </a:schemeClr>
+            </a:gs>
+            <a:gs pos="100000">
+              <a:schemeClr val="phClr">
+                <a:shade val="30000"/>
+                <a:satMod val="200000"/>
+              </a:schemeClr>
+            </a:gs>
+          </a:gsLst>
+          <a:path path="circle">
+            <a:fillToRect l="50000" t="50000" r="50000" b="50000"/>
+          </a:path>
+        </a:gradFill>
+      </a:bgFillStyleLst>
+    </a:fmtScheme>
+  </a:themeElements>
+  <a:objectDefaults/>
+  <a:extraClrSchemeLst/>
+</a:theme>
+</file>
+
+<file path=ppt/theme/theme2.xml><?xml version="1.0" encoding="utf-8"?>
+<a:theme xmlns:a="http://schemas.openxmlformats.org/drawingml/2006/main">
   <a:themeElements>
     <a:clrScheme name="Default">
       <a:dk1>
@@ -14556,284 +15024,7 @@
       </a:bgFillStyleLst>
     </a:fmtScheme>
   </a:themeElements>
-</a:theme>
-</file>
-
-<file path=ppt/theme/theme2.xml><?xml version="1.0" encoding="utf-8"?>
-<a:theme xmlns:a="http://schemas.openxmlformats.org/drawingml/2006/main" xmlns:r="http://schemas.openxmlformats.org/officeDocument/2006/relationships" name="Focus">
-  <a:themeElements>
-    <a:clrScheme name="Focus">
-      <a:dk1>
-        <a:srgbClr val="1B212C"/>
-      </a:dk1>
-      <a:lt1>
-        <a:srgbClr val="FFFFFF"/>
-      </a:lt1>
-      <a:dk2>
-        <a:srgbClr val="D9D9D9"/>
-      </a:dk2>
-      <a:lt2>
-        <a:srgbClr val="82C7A5"/>
-      </a:lt2>
-      <a:accent1>
-        <a:srgbClr val="0145AC"/>
-      </a:accent1>
-      <a:accent2>
-        <a:srgbClr val="EECE1A"/>
-      </a:accent2>
-      <a:accent3>
-        <a:srgbClr val="4E5567"/>
-      </a:accent3>
-      <a:accent4>
-        <a:srgbClr val="F4D6AD"/>
-      </a:accent4>
-      <a:accent5>
-        <a:srgbClr val="7890CD"/>
-      </a:accent5>
-      <a:accent6>
-        <a:srgbClr val="F15E22"/>
-      </a:accent6>
-      <a:hlink>
-        <a:srgbClr val="7890CD"/>
-      </a:hlink>
-      <a:folHlink>
-        <a:srgbClr val="7890CD"/>
-      </a:folHlink>
-    </a:clrScheme>
-    <a:fontScheme name="Office">
-      <a:majorFont>
-        <a:latin typeface="Arial"/>
-        <a:ea typeface=""/>
-        <a:cs typeface=""/>
-        <a:font script="Jpan" typeface="ＭＳ Ｐゴシック"/>
-        <a:font script="Hang" typeface="맑은 고딕"/>
-        <a:font script="Hans" typeface="宋体"/>
-        <a:font script="Hant" typeface="新細明體"/>
-        <a:font script="Arab" typeface="Times New Roman"/>
-        <a:font script="Hebr" typeface="Times New Roman"/>
-        <a:font script="Thai" typeface="Angsana New"/>
-        <a:font script="Ethi" typeface="Nyala"/>
-        <a:font script="Beng" typeface="Vrinda"/>
-        <a:font script="Gujr" typeface="Shruti"/>
-        <a:font script="Khmr" typeface="MoolBoran"/>
-        <a:font script="Knda" typeface="Tunga"/>
-        <a:font script="Guru" typeface="Raavi"/>
-        <a:font script="Cans" typeface="Euphemia"/>
-        <a:font script="Cher" typeface="Plantagenet Cherokee"/>
-        <a:font script="Yiii" typeface="Microsoft Yi Baiti"/>
-        <a:font script="Tibt" typeface="Microsoft Himalaya"/>
-        <a:font script="Thaa" typeface="MV Boli"/>
-        <a:font script="Deva" typeface="Mangal"/>
-        <a:font script="Telu" typeface="Gautami"/>
-        <a:font script="Taml" typeface="Latha"/>
-        <a:font script="Syrc" typeface="Estrangelo Edessa"/>
-        <a:font script="Orya" typeface="Kalinga"/>
-        <a:font script="Mlym" typeface="Kartika"/>
-        <a:font script="Laoo" typeface="DokChampa"/>
-        <a:font script="Sinh" typeface="Iskoola Pota"/>
-        <a:font script="Mong" typeface="Mongolian Baiti"/>
-        <a:font script="Viet" typeface="Times New Roman"/>
-        <a:font script="Uigh" typeface="Microsoft Uighur"/>
-        <a:font script="Geor" typeface="Sylfaen"/>
-      </a:majorFont>
-      <a:minorFont>
-        <a:latin typeface="Arial"/>
-        <a:ea typeface=""/>
-        <a:cs typeface=""/>
-        <a:font script="Jpan" typeface="ＭＳ Ｐゴシック"/>
-        <a:font script="Hang" typeface="맑은 고딕"/>
-        <a:font script="Hans" typeface="宋体"/>
-        <a:font script="Hant" typeface="新細明體"/>
-        <a:font script="Arab" typeface="Arial"/>
-        <a:font script="Hebr" typeface="Arial"/>
-        <a:font script="Thai" typeface="Cordia New"/>
-        <a:font script="Ethi" typeface="Nyala"/>
-        <a:font script="Beng" typeface="Vrinda"/>
-        <a:font script="Gujr" typeface="Shruti"/>
-        <a:font script="Khmr" typeface="DaunPenh"/>
-        <a:font script="Knda" typeface="Tunga"/>
-        <a:font script="Guru" typeface="Raavi"/>
-        <a:font script="Cans" typeface="Euphemia"/>
-        <a:font script="Cher" typeface="Plantagenet Cherokee"/>
-        <a:font script="Yiii" typeface="Microsoft Yi Baiti"/>
-        <a:font script="Tibt" typeface="Microsoft Himalaya"/>
-        <a:font script="Thaa" typeface="MV Boli"/>
-        <a:font script="Deva" typeface="Mangal"/>
-        <a:font script="Telu" typeface="Gautami"/>
-        <a:font script="Taml" typeface="Latha"/>
-        <a:font script="Syrc" typeface="Estrangelo Edessa"/>
-        <a:font script="Orya" typeface="Kalinga"/>
-        <a:font script="Mlym" typeface="Kartika"/>
-        <a:font script="Laoo" typeface="DokChampa"/>
-        <a:font script="Sinh" typeface="Iskoola Pota"/>
-        <a:font script="Mong" typeface="Mongolian Baiti"/>
-        <a:font script="Viet" typeface="Arial"/>
-        <a:font script="Uigh" typeface="Microsoft Uighur"/>
-        <a:font script="Geor" typeface="Sylfaen"/>
-      </a:minorFont>
-    </a:fontScheme>
-    <a:fmtScheme name="Office">
-      <a:fillStyleLst>
-        <a:solidFill>
-          <a:schemeClr val="phClr"/>
-        </a:solidFill>
-        <a:gradFill rotWithShape="1">
-          <a:gsLst>
-            <a:gs pos="0">
-              <a:schemeClr val="phClr">
-                <a:tint val="50000"/>
-                <a:satMod val="300000"/>
-              </a:schemeClr>
-            </a:gs>
-            <a:gs pos="35000">
-              <a:schemeClr val="phClr">
-                <a:tint val="37000"/>
-                <a:satMod val="300000"/>
-              </a:schemeClr>
-            </a:gs>
-            <a:gs pos="100000">
-              <a:schemeClr val="phClr">
-                <a:tint val="15000"/>
-                <a:satMod val="350000"/>
-              </a:schemeClr>
-            </a:gs>
-          </a:gsLst>
-          <a:lin ang="16200000" scaled="1"/>
-        </a:gradFill>
-        <a:gradFill rotWithShape="1">
-          <a:gsLst>
-            <a:gs pos="0">
-              <a:schemeClr val="phClr">
-                <a:tint val="100000"/>
-                <a:shade val="100000"/>
-                <a:satMod val="130000"/>
-              </a:schemeClr>
-            </a:gs>
-            <a:gs pos="100000">
-              <a:schemeClr val="phClr">
-                <a:tint val="50000"/>
-                <a:shade val="100000"/>
-                <a:satMod val="350000"/>
-              </a:schemeClr>
-            </a:gs>
-          </a:gsLst>
-          <a:lin ang="16200000" scaled="0"/>
-        </a:gradFill>
-      </a:fillStyleLst>
-      <a:lnStyleLst>
-        <a:ln w="9525" cap="flat" cmpd="sng" algn="ctr">
-          <a:solidFill>
-            <a:schemeClr val="phClr">
-              <a:shade val="95000"/>
-              <a:satMod val="105000"/>
-            </a:schemeClr>
-          </a:solidFill>
-          <a:prstDash val="solid"/>
-        </a:ln>
-        <a:ln w="25400" cap="flat" cmpd="sng" algn="ctr">
-          <a:solidFill>
-            <a:schemeClr val="phClr"/>
-          </a:solidFill>
-          <a:prstDash val="solid"/>
-        </a:ln>
-        <a:ln w="38100" cap="flat" cmpd="sng" algn="ctr">
-          <a:solidFill>
-            <a:schemeClr val="phClr"/>
-          </a:solidFill>
-          <a:prstDash val="solid"/>
-        </a:ln>
-      </a:lnStyleLst>
-      <a:effectStyleLst>
-        <a:effectStyle>
-          <a:effectLst>
-            <a:outerShdw blurRad="40000" dist="20000" dir="5400000" rotWithShape="0">
-              <a:srgbClr val="000000">
-                <a:alpha val="38000"/>
-              </a:srgbClr>
-            </a:outerShdw>
-          </a:effectLst>
-        </a:effectStyle>
-        <a:effectStyle>
-          <a:effectLst>
-            <a:outerShdw blurRad="40000" dist="23000" dir="5400000" rotWithShape="0">
-              <a:srgbClr val="000000">
-                <a:alpha val="35000"/>
-              </a:srgbClr>
-            </a:outerShdw>
-          </a:effectLst>
-        </a:effectStyle>
-        <a:effectStyle>
-          <a:effectLst>
-            <a:outerShdw blurRad="40000" dist="23000" dir="5400000" rotWithShape="0">
-              <a:srgbClr val="000000">
-                <a:alpha val="35000"/>
-              </a:srgbClr>
-            </a:outerShdw>
-          </a:effectLst>
-          <a:scene3d>
-            <a:camera prst="orthographicFront">
-              <a:rot lat="0" lon="0" rev="0"/>
-            </a:camera>
-            <a:lightRig rig="threePt" dir="t">
-              <a:rot lat="0" lon="0" rev="1200000"/>
-            </a:lightRig>
-          </a:scene3d>
-          <a:sp3d>
-            <a:bevelT w="63500" h="25400"/>
-          </a:sp3d>
-        </a:effectStyle>
-      </a:effectStyleLst>
-      <a:bgFillStyleLst>
-        <a:solidFill>
-          <a:schemeClr val="phClr"/>
-        </a:solidFill>
-        <a:gradFill rotWithShape="1">
-          <a:gsLst>
-            <a:gs pos="0">
-              <a:schemeClr val="phClr">
-                <a:tint val="40000"/>
-                <a:satMod val="350000"/>
-              </a:schemeClr>
-            </a:gs>
-            <a:gs pos="40000">
-              <a:schemeClr val="phClr">
-                <a:tint val="45000"/>
-                <a:shade val="99000"/>
-                <a:satMod val="350000"/>
-              </a:schemeClr>
-            </a:gs>
-            <a:gs pos="100000">
-              <a:schemeClr val="phClr">
-                <a:shade val="20000"/>
-                <a:satMod val="255000"/>
-              </a:schemeClr>
-            </a:gs>
-          </a:gsLst>
-          <a:path path="circle">
-            <a:fillToRect l="50000" t="-80000" r="50000" b="180000"/>
-          </a:path>
-        </a:gradFill>
-        <a:gradFill rotWithShape="1">
-          <a:gsLst>
-            <a:gs pos="0">
-              <a:schemeClr val="phClr">
-                <a:tint val="80000"/>
-                <a:satMod val="300000"/>
-              </a:schemeClr>
-            </a:gs>
-            <a:gs pos="100000">
-              <a:schemeClr val="phClr">
-                <a:shade val="30000"/>
-                <a:satMod val="200000"/>
-              </a:schemeClr>
-            </a:gs>
-          </a:gsLst>
-          <a:path path="circle">
-            <a:fillToRect l="50000" t="50000" r="50000" b="50000"/>
-          </a:path>
-        </a:gradFill>
-      </a:bgFillStyleLst>
-    </a:fmtScheme>
-  </a:themeElements>
+  <a:objectDefaults/>
+  <a:extraClrSchemeLst/>
 </a:theme>
 </file>